--- a/Final-Group-Presentation/Final-Group-Presentation.pptx
+++ b/Final-Group-Presentation/Final-Group-Presentation.pptx
@@ -5125,11 +5125,958 @@
           <a:p>
             <a:r>
               <a:rPr lang="en-US" dirty="0"/>
-              <a:t>Legislative processing includes policy area tagging</a:t>
-            </a:r>
-          </a:p>
-        </p:txBody>
-      </p:sp>
+              <a:t>Policy area tags are a prime target for NLP investigation</a:t>
+            </a:r>
+          </a:p>
+        </p:txBody>
+      </p:sp>
+      <p:cxnSp>
+        <p:nvCxnSpPr>
+          <p:cNvPr id="4" name="Straight Connector 3">
+            <a:extLst>
+              <a:ext uri="{FF2B5EF4-FFF2-40B4-BE49-F238E27FC236}">
+                <a16:creationId xmlns:a16="http://schemas.microsoft.com/office/drawing/2014/main" id="{D5B6D20E-F606-3840-2E0E-AB4CB4D14978}"/>
+              </a:ext>
+            </a:extLst>
+          </p:cNvPr>
+          <p:cNvCxnSpPr/>
+          <p:nvPr/>
+        </p:nvCxnSpPr>
+        <p:spPr>
+          <a:xfrm>
+            <a:off x="6096000" y="2106839"/>
+            <a:ext cx="0" cy="3933372"/>
+          </a:xfrm>
+          <a:prstGeom prst="line">
+            <a:avLst/>
+          </a:prstGeom>
+          <a:ln w="38100" cap="rnd">
+            <a:solidFill>
+              <a:schemeClr val="accent1">
+                <a:lumMod val="75000"/>
+              </a:schemeClr>
+            </a:solidFill>
+            <a:round/>
+          </a:ln>
+        </p:spPr>
+        <p:style>
+          <a:lnRef idx="1">
+            <a:schemeClr val="accent1"/>
+          </a:lnRef>
+          <a:fillRef idx="0">
+            <a:schemeClr val="accent1"/>
+          </a:fillRef>
+          <a:effectRef idx="0">
+            <a:schemeClr val="accent1"/>
+          </a:effectRef>
+          <a:fontRef idx="minor">
+            <a:schemeClr val="tx1"/>
+          </a:fontRef>
+        </p:style>
+      </p:cxnSp>
+      <p:sp>
+        <p:nvSpPr>
+          <p:cNvPr id="6" name="TextBox 5">
+            <a:extLst>
+              <a:ext uri="{FF2B5EF4-FFF2-40B4-BE49-F238E27FC236}">
+                <a16:creationId xmlns:a16="http://schemas.microsoft.com/office/drawing/2014/main" id="{94BAC41C-12FE-11C8-C0F1-837D9032786D}"/>
+              </a:ext>
+            </a:extLst>
+          </p:cNvPr>
+          <p:cNvSpPr txBox="1"/>
+          <p:nvPr/>
+        </p:nvSpPr>
+        <p:spPr>
+          <a:xfrm>
+            <a:off x="838200" y="2109890"/>
+            <a:ext cx="4849088" cy="369332"/>
+          </a:xfrm>
+          <a:prstGeom prst="rect">
+            <a:avLst/>
+          </a:prstGeom>
+          <a:noFill/>
+        </p:spPr>
+        <p:txBody>
+          <a:bodyPr wrap="square">
+            <a:spAutoFit/>
+          </a:bodyPr>
+          <a:lstStyle/>
+          <a:p>
+            <a:r>
+              <a:rPr lang="en-US" sz="1800" b="1" dirty="0">
+                <a:solidFill>
+                  <a:schemeClr val="accent1"/>
+                </a:solidFill>
+              </a:rPr>
+              <a:t>Policy area tags are static and mutually exclusive</a:t>
+            </a:r>
+            <a:endParaRPr lang="en-US" sz="1800" dirty="0">
+              <a:solidFill>
+                <a:schemeClr val="accent1"/>
+              </a:solidFill>
+            </a:endParaRPr>
+          </a:p>
+        </p:txBody>
+      </p:sp>
+      <p:sp>
+        <p:nvSpPr>
+          <p:cNvPr id="7" name="TextBox 6">
+            <a:extLst>
+              <a:ext uri="{FF2B5EF4-FFF2-40B4-BE49-F238E27FC236}">
+                <a16:creationId xmlns:a16="http://schemas.microsoft.com/office/drawing/2014/main" id="{560F858E-3C71-4C3C-A9F5-BCD67C99DF2C}"/>
+              </a:ext>
+            </a:extLst>
+          </p:cNvPr>
+          <p:cNvSpPr txBox="1"/>
+          <p:nvPr/>
+        </p:nvSpPr>
+        <p:spPr>
+          <a:xfrm>
+            <a:off x="6504713" y="2106839"/>
+            <a:ext cx="4429987" cy="369332"/>
+          </a:xfrm>
+          <a:prstGeom prst="rect">
+            <a:avLst/>
+          </a:prstGeom>
+          <a:noFill/>
+        </p:spPr>
+        <p:txBody>
+          <a:bodyPr wrap="square">
+            <a:spAutoFit/>
+          </a:bodyPr>
+          <a:lstStyle/>
+          <a:p>
+            <a:r>
+              <a:rPr lang="en-US" sz="1800" b="1" dirty="0">
+                <a:solidFill>
+                  <a:schemeClr val="accent1"/>
+                </a:solidFill>
+              </a:rPr>
+              <a:t>Legislative text is structured and formal</a:t>
+            </a:r>
+            <a:endParaRPr lang="en-US" sz="1800" dirty="0">
+              <a:solidFill>
+                <a:schemeClr val="accent1"/>
+              </a:solidFill>
+            </a:endParaRPr>
+          </a:p>
+        </p:txBody>
+      </p:sp>
+      <p:sp>
+        <p:nvSpPr>
+          <p:cNvPr id="3" name="TextBox 2">
+            <a:extLst>
+              <a:ext uri="{FF2B5EF4-FFF2-40B4-BE49-F238E27FC236}">
+                <a16:creationId xmlns:a16="http://schemas.microsoft.com/office/drawing/2014/main" id="{2F444D71-E13F-F5F2-7E3C-CD6903DDF1B3}"/>
+              </a:ext>
+            </a:extLst>
+          </p:cNvPr>
+          <p:cNvSpPr txBox="1"/>
+          <p:nvPr/>
+        </p:nvSpPr>
+        <p:spPr>
+          <a:xfrm rot="508728">
+            <a:off x="744924" y="5001330"/>
+            <a:ext cx="2308194" cy="369332"/>
+          </a:xfrm>
+          <a:prstGeom prst="rect">
+            <a:avLst/>
+          </a:prstGeom>
+          <a:noFill/>
+        </p:spPr>
+        <p:txBody>
+          <a:bodyPr wrap="square" rtlCol="0">
+            <a:spAutoFit/>
+          </a:bodyPr>
+          <a:lstStyle/>
+          <a:p>
+            <a:r>
+              <a:rPr lang="en-US" dirty="0">
+                <a:solidFill>
+                  <a:schemeClr val="accent1">
+                    <a:lumMod val="50000"/>
+                  </a:schemeClr>
+                </a:solidFill>
+              </a:rPr>
+              <a:t>Agriculture and Food</a:t>
+            </a:r>
+          </a:p>
+        </p:txBody>
+      </p:sp>
+      <p:sp>
+        <p:nvSpPr>
+          <p:cNvPr id="8" name="TextBox 7">
+            <a:extLst>
+              <a:ext uri="{FF2B5EF4-FFF2-40B4-BE49-F238E27FC236}">
+                <a16:creationId xmlns:a16="http://schemas.microsoft.com/office/drawing/2014/main" id="{99ADAAE2-2138-10F4-CD0D-856E9363E148}"/>
+              </a:ext>
+            </a:extLst>
+          </p:cNvPr>
+          <p:cNvSpPr txBox="1"/>
+          <p:nvPr/>
+        </p:nvSpPr>
+        <p:spPr>
+          <a:xfrm rot="20601057">
+            <a:off x="3743598" y="5215642"/>
+            <a:ext cx="2308194" cy="646331"/>
+          </a:xfrm>
+          <a:prstGeom prst="rect">
+            <a:avLst/>
+          </a:prstGeom>
+          <a:noFill/>
+        </p:spPr>
+        <p:txBody>
+          <a:bodyPr wrap="square" rtlCol="0">
+            <a:spAutoFit/>
+          </a:bodyPr>
+          <a:lstStyle/>
+          <a:p>
+            <a:r>
+              <a:rPr lang="en-US" dirty="0">
+                <a:solidFill>
+                  <a:schemeClr val="accent1">
+                    <a:lumMod val="60000"/>
+                    <a:lumOff val="40000"/>
+                  </a:schemeClr>
+                </a:solidFill>
+              </a:rPr>
+              <a:t>Armed Forces and National Security</a:t>
+            </a:r>
+          </a:p>
+        </p:txBody>
+      </p:sp>
+      <p:sp>
+        <p:nvSpPr>
+          <p:cNvPr id="9" name="TextBox 8">
+            <a:extLst>
+              <a:ext uri="{FF2B5EF4-FFF2-40B4-BE49-F238E27FC236}">
+                <a16:creationId xmlns:a16="http://schemas.microsoft.com/office/drawing/2014/main" id="{C9D33C7A-1829-89AF-208E-A2C01E04881C}"/>
+              </a:ext>
+            </a:extLst>
+          </p:cNvPr>
+          <p:cNvSpPr txBox="1"/>
+          <p:nvPr/>
+        </p:nvSpPr>
+        <p:spPr>
+          <a:xfrm rot="20982040">
+            <a:off x="994817" y="5570171"/>
+            <a:ext cx="2308194" cy="369332"/>
+          </a:xfrm>
+          <a:prstGeom prst="rect">
+            <a:avLst/>
+          </a:prstGeom>
+          <a:noFill/>
+        </p:spPr>
+        <p:txBody>
+          <a:bodyPr wrap="square" rtlCol="0">
+            <a:spAutoFit/>
+          </a:bodyPr>
+          <a:lstStyle/>
+          <a:p>
+            <a:r>
+              <a:rPr lang="en-US" dirty="0">
+                <a:solidFill>
+                  <a:schemeClr val="accent1">
+                    <a:lumMod val="75000"/>
+                  </a:schemeClr>
+                </a:solidFill>
+              </a:rPr>
+              <a:t>Education</a:t>
+            </a:r>
+          </a:p>
+        </p:txBody>
+      </p:sp>
+      <p:sp>
+        <p:nvSpPr>
+          <p:cNvPr id="10" name="TextBox 9">
+            <a:extLst>
+              <a:ext uri="{FF2B5EF4-FFF2-40B4-BE49-F238E27FC236}">
+                <a16:creationId xmlns:a16="http://schemas.microsoft.com/office/drawing/2014/main" id="{4DED12C6-9E5F-AAAC-D02B-950F56754303}"/>
+              </a:ext>
+            </a:extLst>
+          </p:cNvPr>
+          <p:cNvSpPr txBox="1"/>
+          <p:nvPr/>
+        </p:nvSpPr>
+        <p:spPr>
+          <a:xfrm rot="282048">
+            <a:off x="3524631" y="2968175"/>
+            <a:ext cx="2308194" cy="646331"/>
+          </a:xfrm>
+          <a:prstGeom prst="rect">
+            <a:avLst/>
+          </a:prstGeom>
+          <a:noFill/>
+        </p:spPr>
+        <p:txBody>
+          <a:bodyPr wrap="square" rtlCol="0">
+            <a:spAutoFit/>
+          </a:bodyPr>
+          <a:lstStyle/>
+          <a:p>
+            <a:r>
+              <a:rPr lang="en-US" dirty="0">
+                <a:solidFill>
+                  <a:schemeClr val="accent1">
+                    <a:lumMod val="50000"/>
+                  </a:schemeClr>
+                </a:solidFill>
+              </a:rPr>
+              <a:t>Foreign Trade and International Finance</a:t>
+            </a:r>
+          </a:p>
+        </p:txBody>
+      </p:sp>
+      <p:sp>
+        <p:nvSpPr>
+          <p:cNvPr id="11" name="TextBox 10">
+            <a:extLst>
+              <a:ext uri="{FF2B5EF4-FFF2-40B4-BE49-F238E27FC236}">
+                <a16:creationId xmlns:a16="http://schemas.microsoft.com/office/drawing/2014/main" id="{53C9EF90-3432-4C06-1026-3A0CCFA8F092}"/>
+              </a:ext>
+            </a:extLst>
+          </p:cNvPr>
+          <p:cNvSpPr txBox="1"/>
+          <p:nvPr/>
+        </p:nvSpPr>
+        <p:spPr>
+          <a:xfrm rot="20380091">
+            <a:off x="617423" y="3776814"/>
+            <a:ext cx="1235137" cy="369332"/>
+          </a:xfrm>
+          <a:prstGeom prst="rect">
+            <a:avLst/>
+          </a:prstGeom>
+          <a:noFill/>
+        </p:spPr>
+        <p:txBody>
+          <a:bodyPr wrap="square" rtlCol="0">
+            <a:spAutoFit/>
+          </a:bodyPr>
+          <a:lstStyle/>
+          <a:p>
+            <a:r>
+              <a:rPr lang="en-US" dirty="0">
+                <a:solidFill>
+                  <a:schemeClr val="accent1">
+                    <a:lumMod val="40000"/>
+                    <a:lumOff val="60000"/>
+                  </a:schemeClr>
+                </a:solidFill>
+              </a:rPr>
+              <a:t>Health</a:t>
+            </a:r>
+          </a:p>
+        </p:txBody>
+      </p:sp>
+      <p:sp>
+        <p:nvSpPr>
+          <p:cNvPr id="12" name="TextBox 11">
+            <a:extLst>
+              <a:ext uri="{FF2B5EF4-FFF2-40B4-BE49-F238E27FC236}">
+                <a16:creationId xmlns:a16="http://schemas.microsoft.com/office/drawing/2014/main" id="{D135AE68-5049-C46B-991C-D9E1E79C3EFE}"/>
+              </a:ext>
+            </a:extLst>
+          </p:cNvPr>
+          <p:cNvSpPr txBox="1"/>
+          <p:nvPr/>
+        </p:nvSpPr>
+        <p:spPr>
+          <a:xfrm rot="545508">
+            <a:off x="3846637" y="4324405"/>
+            <a:ext cx="807986" cy="369332"/>
+          </a:xfrm>
+          <a:prstGeom prst="rect">
+            <a:avLst/>
+          </a:prstGeom>
+          <a:noFill/>
+        </p:spPr>
+        <p:txBody>
+          <a:bodyPr wrap="square" rtlCol="0">
+            <a:spAutoFit/>
+          </a:bodyPr>
+          <a:lstStyle/>
+          <a:p>
+            <a:r>
+              <a:rPr lang="en-US" dirty="0">
+                <a:solidFill>
+                  <a:schemeClr val="accent1">
+                    <a:lumMod val="40000"/>
+                    <a:lumOff val="60000"/>
+                  </a:schemeClr>
+                </a:solidFill>
+              </a:rPr>
+              <a:t>Law</a:t>
+            </a:r>
+          </a:p>
+        </p:txBody>
+      </p:sp>
+      <p:sp>
+        <p:nvSpPr>
+          <p:cNvPr id="13" name="TextBox 12">
+            <a:extLst>
+              <a:ext uri="{FF2B5EF4-FFF2-40B4-BE49-F238E27FC236}">
+                <a16:creationId xmlns:a16="http://schemas.microsoft.com/office/drawing/2014/main" id="{4096810F-CA2F-632B-1136-B1F5702E4D2F}"/>
+              </a:ext>
+            </a:extLst>
+          </p:cNvPr>
+          <p:cNvSpPr txBox="1"/>
+          <p:nvPr/>
+        </p:nvSpPr>
+        <p:spPr>
+          <a:xfrm rot="21356113">
+            <a:off x="401023" y="2915284"/>
+            <a:ext cx="1158747" cy="369332"/>
+          </a:xfrm>
+          <a:prstGeom prst="rect">
+            <a:avLst/>
+          </a:prstGeom>
+          <a:noFill/>
+        </p:spPr>
+        <p:txBody>
+          <a:bodyPr wrap="square" rtlCol="0">
+            <a:spAutoFit/>
+          </a:bodyPr>
+          <a:lstStyle/>
+          <a:p>
+            <a:r>
+              <a:rPr lang="en-US" dirty="0">
+                <a:solidFill>
+                  <a:schemeClr val="accent1">
+                    <a:lumMod val="60000"/>
+                    <a:lumOff val="40000"/>
+                  </a:schemeClr>
+                </a:solidFill>
+              </a:rPr>
+              <a:t>Taxation</a:t>
+            </a:r>
+          </a:p>
+        </p:txBody>
+      </p:sp>
+      <p:sp>
+        <p:nvSpPr>
+          <p:cNvPr id="14" name="TextBox 13">
+            <a:extLst>
+              <a:ext uri="{FF2B5EF4-FFF2-40B4-BE49-F238E27FC236}">
+                <a16:creationId xmlns:a16="http://schemas.microsoft.com/office/drawing/2014/main" id="{2B0903C9-7EBA-5897-CF0D-BC74425F73F1}"/>
+              </a:ext>
+            </a:extLst>
+          </p:cNvPr>
+          <p:cNvSpPr txBox="1"/>
+          <p:nvPr/>
+        </p:nvSpPr>
+        <p:spPr>
+          <a:xfrm rot="20832981">
+            <a:off x="1799132" y="2839841"/>
+            <a:ext cx="1545896" cy="646331"/>
+          </a:xfrm>
+          <a:prstGeom prst="rect">
+            <a:avLst/>
+          </a:prstGeom>
+          <a:noFill/>
+        </p:spPr>
+        <p:txBody>
+          <a:bodyPr wrap="square" rtlCol="0">
+            <a:spAutoFit/>
+          </a:bodyPr>
+          <a:lstStyle/>
+          <a:p>
+            <a:r>
+              <a:rPr lang="en-US" dirty="0">
+                <a:solidFill>
+                  <a:schemeClr val="accent1">
+                    <a:lumMod val="75000"/>
+                  </a:schemeClr>
+                </a:solidFill>
+              </a:rPr>
+              <a:t>Labor and Employment</a:t>
+            </a:r>
+          </a:p>
+        </p:txBody>
+      </p:sp>
+      <p:pic>
+        <p:nvPicPr>
+          <p:cNvPr id="16" name="Graphic 15" descr="Magnifying glass">
+            <a:extLst>
+              <a:ext uri="{FF2B5EF4-FFF2-40B4-BE49-F238E27FC236}">
+                <a16:creationId xmlns:a16="http://schemas.microsoft.com/office/drawing/2014/main" id="{D9240B50-A83D-4FB6-4D1E-5915B517B2F8}"/>
+              </a:ext>
+            </a:extLst>
+          </p:cNvPr>
+          <p:cNvPicPr>
+            <a:picLocks noChangeAspect="1"/>
+          </p:cNvPicPr>
+          <p:nvPr/>
+        </p:nvPicPr>
+        <p:blipFill>
+          <a:blip r:embed="rId2">
+            <a:extLst>
+              <a:ext uri="{96DAC541-7B7A-43D3-8B79-37D633B846F1}">
+                <asvg:svgBlip xmlns:asvg="http://schemas.microsoft.com/office/drawing/2016/SVG/main" r:embed="rId3"/>
+              </a:ext>
+            </a:extLst>
+          </a:blip>
+          <a:stretch>
+            <a:fillRect/>
+          </a:stretch>
+        </p:blipFill>
+        <p:spPr>
+          <a:xfrm>
+            <a:off x="1974402" y="3415740"/>
+            <a:ext cx="2186661" cy="2186661"/>
+          </a:xfrm>
+          <a:prstGeom prst="rect">
+            <a:avLst/>
+          </a:prstGeom>
+        </p:spPr>
+      </p:pic>
+      <p:sp>
+        <p:nvSpPr>
+          <p:cNvPr id="18" name="Rectangle: Rounded Corners 17">
+            <a:extLst>
+              <a:ext uri="{FF2B5EF4-FFF2-40B4-BE49-F238E27FC236}">
+                <a16:creationId xmlns:a16="http://schemas.microsoft.com/office/drawing/2014/main" id="{9CF19121-BB70-B0BE-1CFD-3F7D4E201C32}"/>
+              </a:ext>
+            </a:extLst>
+          </p:cNvPr>
+          <p:cNvSpPr/>
+          <p:nvPr/>
+        </p:nvSpPr>
+        <p:spPr>
+          <a:xfrm>
+            <a:off x="6610517" y="2817340"/>
+            <a:ext cx="4740136" cy="648524"/>
+          </a:xfrm>
+          <a:prstGeom prst="roundRect">
+            <a:avLst/>
+          </a:prstGeom>
+          <a:noFill/>
+          <a:ln w="28575">
+            <a:solidFill>
+              <a:schemeClr val="accent1">
+                <a:lumMod val="75000"/>
+              </a:schemeClr>
+            </a:solidFill>
+          </a:ln>
+        </p:spPr>
+        <p:style>
+          <a:lnRef idx="2">
+            <a:schemeClr val="accent1">
+              <a:shade val="15000"/>
+            </a:schemeClr>
+          </a:lnRef>
+          <a:fillRef idx="1">
+            <a:schemeClr val="accent1"/>
+          </a:fillRef>
+          <a:effectRef idx="0">
+            <a:schemeClr val="accent1"/>
+          </a:effectRef>
+          <a:fontRef idx="minor">
+            <a:schemeClr val="lt1"/>
+          </a:fontRef>
+        </p:style>
+        <p:txBody>
+          <a:bodyPr rtlCol="0" anchor="ctr"/>
+          <a:lstStyle/>
+          <a:p>
+            <a:pPr marL="640080"/>
+            <a:r>
+              <a:rPr lang="en-US" sz="1400" dirty="0">
+                <a:solidFill>
+                  <a:schemeClr val="accent1"/>
+                </a:solidFill>
+              </a:rPr>
+              <a:t>Legislative text uses </a:t>
+            </a:r>
+            <a:r>
+              <a:rPr lang="en-US" sz="1400" b="1" dirty="0">
+                <a:solidFill>
+                  <a:schemeClr val="accent1"/>
+                </a:solidFill>
+              </a:rPr>
+              <a:t>precise, consistent language </a:t>
+            </a:r>
+            <a:r>
+              <a:rPr lang="en-US" sz="1400" dirty="0">
+                <a:solidFill>
+                  <a:schemeClr val="accent1"/>
+                </a:solidFill>
+              </a:rPr>
+              <a:t>due to statutory definitions and implications</a:t>
+            </a:r>
+          </a:p>
+        </p:txBody>
+      </p:sp>
+      <p:sp>
+        <p:nvSpPr>
+          <p:cNvPr id="19" name="Rectangle: Rounded Corners 18">
+            <a:extLst>
+              <a:ext uri="{FF2B5EF4-FFF2-40B4-BE49-F238E27FC236}">
+                <a16:creationId xmlns:a16="http://schemas.microsoft.com/office/drawing/2014/main" id="{6789BBC3-FF38-ECEA-4599-DCD82847EE9A}"/>
+              </a:ext>
+            </a:extLst>
+          </p:cNvPr>
+          <p:cNvSpPr/>
+          <p:nvPr/>
+        </p:nvSpPr>
+        <p:spPr>
+          <a:xfrm>
+            <a:off x="6610517" y="3688345"/>
+            <a:ext cx="4740136" cy="648524"/>
+          </a:xfrm>
+          <a:prstGeom prst="roundRect">
+            <a:avLst/>
+          </a:prstGeom>
+          <a:noFill/>
+          <a:ln w="28575">
+            <a:solidFill>
+              <a:schemeClr val="accent1"/>
+            </a:solidFill>
+          </a:ln>
+        </p:spPr>
+        <p:style>
+          <a:lnRef idx="2">
+            <a:schemeClr val="accent1">
+              <a:shade val="15000"/>
+            </a:schemeClr>
+          </a:lnRef>
+          <a:fillRef idx="1">
+            <a:schemeClr val="accent1"/>
+          </a:fillRef>
+          <a:effectRef idx="0">
+            <a:schemeClr val="accent1"/>
+          </a:effectRef>
+          <a:fontRef idx="minor">
+            <a:schemeClr val="lt1"/>
+          </a:fontRef>
+        </p:style>
+        <p:txBody>
+          <a:bodyPr rtlCol="0" anchor="ctr"/>
+          <a:lstStyle/>
+          <a:p>
+            <a:pPr marL="640080"/>
+            <a:r>
+              <a:rPr lang="en-US" sz="1400" dirty="0">
+                <a:solidFill>
+                  <a:schemeClr val="accent1">
+                    <a:lumMod val="50000"/>
+                  </a:schemeClr>
+                </a:solidFill>
+              </a:rPr>
+              <a:t>Bills dealing with the same subject matter will often cite </a:t>
+            </a:r>
+            <a:r>
+              <a:rPr lang="en-US" sz="1400" b="1" dirty="0">
+                <a:solidFill>
+                  <a:schemeClr val="accent1">
+                    <a:lumMod val="50000"/>
+                  </a:schemeClr>
+                </a:solidFill>
+              </a:rPr>
+              <a:t>similar code excerpts</a:t>
+            </a:r>
+          </a:p>
+        </p:txBody>
+      </p:sp>
+      <p:sp>
+        <p:nvSpPr>
+          <p:cNvPr id="20" name="Rectangle: Rounded Corners 19">
+            <a:extLst>
+              <a:ext uri="{FF2B5EF4-FFF2-40B4-BE49-F238E27FC236}">
+                <a16:creationId xmlns:a16="http://schemas.microsoft.com/office/drawing/2014/main" id="{F744CDA8-41DD-D170-E4FA-DCEFF4CB08FE}"/>
+              </a:ext>
+            </a:extLst>
+          </p:cNvPr>
+          <p:cNvSpPr/>
+          <p:nvPr/>
+        </p:nvSpPr>
+        <p:spPr>
+          <a:xfrm>
+            <a:off x="6610517" y="5430356"/>
+            <a:ext cx="4740136" cy="648524"/>
+          </a:xfrm>
+          <a:prstGeom prst="roundRect">
+            <a:avLst/>
+          </a:prstGeom>
+          <a:noFill/>
+          <a:ln w="28575">
+            <a:solidFill>
+              <a:schemeClr val="accent1"/>
+            </a:solidFill>
+          </a:ln>
+        </p:spPr>
+        <p:style>
+          <a:lnRef idx="2">
+            <a:schemeClr val="accent1">
+              <a:shade val="15000"/>
+            </a:schemeClr>
+          </a:lnRef>
+          <a:fillRef idx="1">
+            <a:schemeClr val="accent1"/>
+          </a:fillRef>
+          <a:effectRef idx="0">
+            <a:schemeClr val="accent1"/>
+          </a:effectRef>
+          <a:fontRef idx="minor">
+            <a:schemeClr val="lt1"/>
+          </a:fontRef>
+        </p:style>
+        <p:txBody>
+          <a:bodyPr rtlCol="0" anchor="ctr"/>
+          <a:lstStyle/>
+          <a:p>
+            <a:pPr marL="640080"/>
+            <a:r>
+              <a:rPr lang="en-US" sz="1400" dirty="0">
+                <a:solidFill>
+                  <a:schemeClr val="accent1">
+                    <a:lumMod val="50000"/>
+                  </a:schemeClr>
+                </a:solidFill>
+              </a:rPr>
+              <a:t>Legislation has </a:t>
+            </a:r>
+            <a:r>
+              <a:rPr lang="en-US" sz="1400" b="1" dirty="0">
+                <a:solidFill>
+                  <a:schemeClr val="accent1">
+                    <a:lumMod val="50000"/>
+                  </a:schemeClr>
+                </a:solidFill>
+              </a:rPr>
+              <a:t>no casual or undefined terms</a:t>
+            </a:r>
+            <a:r>
+              <a:rPr lang="en-US" sz="1400" dirty="0">
+                <a:solidFill>
+                  <a:schemeClr val="accent1">
+                    <a:lumMod val="50000"/>
+                  </a:schemeClr>
+                </a:solidFill>
+              </a:rPr>
+              <a:t>, unlike less regulated information sources</a:t>
+            </a:r>
+          </a:p>
+        </p:txBody>
+      </p:sp>
+      <p:sp>
+        <p:nvSpPr>
+          <p:cNvPr id="21" name="Rectangle: Rounded Corners 20">
+            <a:extLst>
+              <a:ext uri="{FF2B5EF4-FFF2-40B4-BE49-F238E27FC236}">
+                <a16:creationId xmlns:a16="http://schemas.microsoft.com/office/drawing/2014/main" id="{421B204B-12B0-7D40-5B03-81290AA1CE97}"/>
+              </a:ext>
+            </a:extLst>
+          </p:cNvPr>
+          <p:cNvSpPr/>
+          <p:nvPr/>
+        </p:nvSpPr>
+        <p:spPr>
+          <a:xfrm>
+            <a:off x="6610517" y="4559350"/>
+            <a:ext cx="4740136" cy="648524"/>
+          </a:xfrm>
+          <a:prstGeom prst="roundRect">
+            <a:avLst/>
+          </a:prstGeom>
+          <a:noFill/>
+          <a:ln w="28575">
+            <a:solidFill>
+              <a:schemeClr val="accent1">
+                <a:lumMod val="75000"/>
+              </a:schemeClr>
+            </a:solidFill>
+          </a:ln>
+        </p:spPr>
+        <p:style>
+          <a:lnRef idx="2">
+            <a:schemeClr val="accent1">
+              <a:shade val="15000"/>
+            </a:schemeClr>
+          </a:lnRef>
+          <a:fillRef idx="1">
+            <a:schemeClr val="accent1"/>
+          </a:fillRef>
+          <a:effectRef idx="0">
+            <a:schemeClr val="accent1"/>
+          </a:effectRef>
+          <a:fontRef idx="minor">
+            <a:schemeClr val="lt1"/>
+          </a:fontRef>
+        </p:style>
+        <p:txBody>
+          <a:bodyPr rtlCol="0" anchor="ctr"/>
+          <a:lstStyle/>
+          <a:p>
+            <a:pPr marL="640080"/>
+            <a:r>
+              <a:rPr lang="en-US" sz="1400" b="1" dirty="0">
+                <a:solidFill>
+                  <a:schemeClr val="accent1"/>
+                </a:solidFill>
+              </a:rPr>
+              <a:t>Language is frequently recycled</a:t>
+            </a:r>
+            <a:r>
+              <a:rPr lang="en-US" sz="1400" dirty="0">
+                <a:solidFill>
+                  <a:schemeClr val="accent1"/>
+                </a:solidFill>
+              </a:rPr>
+              <a:t> across bills that amend others, move in parallel, etc.</a:t>
+            </a:r>
+            <a:endParaRPr lang="en-US" sz="1400" b="1" dirty="0">
+              <a:solidFill>
+                <a:schemeClr val="accent1"/>
+              </a:solidFill>
+            </a:endParaRPr>
+          </a:p>
+        </p:txBody>
+      </p:sp>
+      <p:pic>
+        <p:nvPicPr>
+          <p:cNvPr id="23" name="Graphic 22" descr="Speech">
+            <a:extLst>
+              <a:ext uri="{FF2B5EF4-FFF2-40B4-BE49-F238E27FC236}">
+                <a16:creationId xmlns:a16="http://schemas.microsoft.com/office/drawing/2014/main" id="{A81CD093-0965-AFB6-A5F1-5F36D9668B5A}"/>
+              </a:ext>
+            </a:extLst>
+          </p:cNvPr>
+          <p:cNvPicPr>
+            <a:picLocks noChangeAspect="1"/>
+          </p:cNvPicPr>
+          <p:nvPr/>
+        </p:nvPicPr>
+        <p:blipFill>
+          <a:blip r:embed="rId4">
+            <a:extLst>
+              <a:ext uri="{96DAC541-7B7A-43D3-8B79-37D633B846F1}">
+                <asvg:svgBlip xmlns:asvg="http://schemas.microsoft.com/office/drawing/2016/SVG/main" r:embed="rId5"/>
+              </a:ext>
+            </a:extLst>
+          </a:blip>
+          <a:stretch>
+            <a:fillRect/>
+          </a:stretch>
+        </p:blipFill>
+        <p:spPr>
+          <a:xfrm>
+            <a:off x="6774585" y="2942732"/>
+            <a:ext cx="397739" cy="397739"/>
+          </a:xfrm>
+          <a:prstGeom prst="rect">
+            <a:avLst/>
+          </a:prstGeom>
+        </p:spPr>
+      </p:pic>
+      <p:pic>
+        <p:nvPicPr>
+          <p:cNvPr id="25" name="Graphic 24" descr="Open quotation mark">
+            <a:extLst>
+              <a:ext uri="{FF2B5EF4-FFF2-40B4-BE49-F238E27FC236}">
+                <a16:creationId xmlns:a16="http://schemas.microsoft.com/office/drawing/2014/main" id="{D6768111-73FB-1D34-67F1-3AE67BB3CCE7}"/>
+              </a:ext>
+            </a:extLst>
+          </p:cNvPr>
+          <p:cNvPicPr>
+            <a:picLocks noChangeAspect="1"/>
+          </p:cNvPicPr>
+          <p:nvPr/>
+        </p:nvPicPr>
+        <p:blipFill>
+          <a:blip r:embed="rId6">
+            <a:extLst>
+              <a:ext uri="{96DAC541-7B7A-43D3-8B79-37D633B846F1}">
+                <asvg:svgBlip xmlns:asvg="http://schemas.microsoft.com/office/drawing/2016/SVG/main" r:embed="rId7"/>
+              </a:ext>
+            </a:extLst>
+          </a:blip>
+          <a:stretch>
+            <a:fillRect/>
+          </a:stretch>
+        </p:blipFill>
+        <p:spPr>
+          <a:xfrm>
+            <a:off x="6768067" y="3813737"/>
+            <a:ext cx="397739" cy="397739"/>
+          </a:xfrm>
+          <a:prstGeom prst="rect">
+            <a:avLst/>
+          </a:prstGeom>
+        </p:spPr>
+      </p:pic>
+      <p:pic>
+        <p:nvPicPr>
+          <p:cNvPr id="27" name="Graphic 26" descr="Recycle sign">
+            <a:extLst>
+              <a:ext uri="{FF2B5EF4-FFF2-40B4-BE49-F238E27FC236}">
+                <a16:creationId xmlns:a16="http://schemas.microsoft.com/office/drawing/2014/main" id="{6C5A5636-E290-E5AA-DDB2-80062CD7723D}"/>
+              </a:ext>
+            </a:extLst>
+          </p:cNvPr>
+          <p:cNvPicPr>
+            <a:picLocks noChangeAspect="1"/>
+          </p:cNvPicPr>
+          <p:nvPr/>
+        </p:nvPicPr>
+        <p:blipFill>
+          <a:blip r:embed="rId8">
+            <a:extLst>
+              <a:ext uri="{96DAC541-7B7A-43D3-8B79-37D633B846F1}">
+                <asvg:svgBlip xmlns:asvg="http://schemas.microsoft.com/office/drawing/2016/SVG/main" r:embed="rId9"/>
+              </a:ext>
+            </a:extLst>
+          </a:blip>
+          <a:stretch>
+            <a:fillRect/>
+          </a:stretch>
+        </p:blipFill>
+        <p:spPr>
+          <a:xfrm>
+            <a:off x="6774585" y="4689829"/>
+            <a:ext cx="397739" cy="397739"/>
+          </a:xfrm>
+          <a:prstGeom prst="rect">
+            <a:avLst/>
+          </a:prstGeom>
+        </p:spPr>
+      </p:pic>
+      <p:pic>
+        <p:nvPicPr>
+          <p:cNvPr id="29" name="Graphic 28" descr="Books">
+            <a:extLst>
+              <a:ext uri="{FF2B5EF4-FFF2-40B4-BE49-F238E27FC236}">
+                <a16:creationId xmlns:a16="http://schemas.microsoft.com/office/drawing/2014/main" id="{19391B1F-254F-8EF5-8CEE-62D57EAF9ED3}"/>
+              </a:ext>
+            </a:extLst>
+          </p:cNvPr>
+          <p:cNvPicPr>
+            <a:picLocks noChangeAspect="1"/>
+          </p:cNvPicPr>
+          <p:nvPr/>
+        </p:nvPicPr>
+        <p:blipFill>
+          <a:blip r:embed="rId10">
+            <a:extLst>
+              <a:ext uri="{96DAC541-7B7A-43D3-8B79-37D633B846F1}">
+                <asvg:svgBlip xmlns:asvg="http://schemas.microsoft.com/office/drawing/2016/SVG/main" r:embed="rId11"/>
+              </a:ext>
+            </a:extLst>
+          </a:blip>
+          <a:stretch>
+            <a:fillRect/>
+          </a:stretch>
+        </p:blipFill>
+        <p:spPr>
+          <a:xfrm>
+            <a:off x="6774585" y="5555748"/>
+            <a:ext cx="397739" cy="397739"/>
+          </a:xfrm>
+          <a:prstGeom prst="rect">
+            <a:avLst/>
+          </a:prstGeom>
+        </p:spPr>
+      </p:pic>
     </p:spTree>
     <p:extLst>
       <p:ext uri="{BB962C8B-B14F-4D97-AF65-F5344CB8AC3E}">

--- a/Final-Group-Presentation/Final-Group-Presentation.pptx
+++ b/Final-Group-Presentation/Final-Group-Presentation.pptx
@@ -5,12 +5,13 @@
     <p:sldMasterId id="2147483707" r:id="rId1"/>
   </p:sldMasterIdLst>
   <p:notesMasterIdLst>
-    <p:notesMasterId r:id="rId5"/>
+    <p:notesMasterId r:id="rId6"/>
   </p:notesMasterIdLst>
   <p:sldIdLst>
     <p:sldId id="256" r:id="rId2"/>
     <p:sldId id="258" r:id="rId3"/>
     <p:sldId id="259" r:id="rId4"/>
+    <p:sldId id="260" r:id="rId5"/>
   </p:sldIdLst>
   <p:sldSz cx="12192000" cy="6858000"/>
   <p:notesSz cx="6858000" cy="9144000"/>
@@ -5144,7 +5145,7 @@
         </p:nvCxnSpPr>
         <p:spPr>
           <a:xfrm>
-            <a:off x="6096000" y="2106839"/>
+            <a:off x="6096000" y="1897289"/>
             <a:ext cx="0" cy="3933372"/>
           </a:xfrm>
           <a:prstGeom prst="line">
@@ -5188,7 +5189,7 @@
         </p:nvSpPr>
         <p:spPr>
           <a:xfrm>
-            <a:off x="838200" y="2109890"/>
+            <a:off x="838200" y="1900340"/>
             <a:ext cx="4849088" cy="369332"/>
           </a:xfrm>
           <a:prstGeom prst="rect">
@@ -5232,7 +5233,7 @@
         </p:nvSpPr>
         <p:spPr>
           <a:xfrm>
-            <a:off x="6504713" y="2106839"/>
+            <a:off x="6504713" y="1897289"/>
             <a:ext cx="4429987" cy="369332"/>
           </a:xfrm>
           <a:prstGeom prst="rect">
@@ -5276,7 +5277,7 @@
         </p:nvSpPr>
         <p:spPr>
           <a:xfrm rot="508728">
-            <a:off x="744924" y="5001330"/>
+            <a:off x="744924" y="4791780"/>
             <a:ext cx="2308194" cy="369332"/>
           </a:xfrm>
           <a:prstGeom prst="rect">
@@ -5317,7 +5318,7 @@
         </p:nvSpPr>
         <p:spPr>
           <a:xfrm rot="20601057">
-            <a:off x="3743598" y="5215642"/>
+            <a:off x="3743598" y="5006092"/>
             <a:ext cx="2308194" cy="646331"/>
           </a:xfrm>
           <a:prstGeom prst="rect">
@@ -5359,7 +5360,7 @@
         </p:nvSpPr>
         <p:spPr>
           <a:xfrm rot="20982040">
-            <a:off x="994817" y="5570171"/>
+            <a:off x="994817" y="5360621"/>
             <a:ext cx="2308194" cy="369332"/>
           </a:xfrm>
           <a:prstGeom prst="rect">
@@ -5400,7 +5401,7 @@
         </p:nvSpPr>
         <p:spPr>
           <a:xfrm rot="282048">
-            <a:off x="3524631" y="2968175"/>
+            <a:off x="3524631" y="2758625"/>
             <a:ext cx="2308194" cy="646331"/>
           </a:xfrm>
           <a:prstGeom prst="rect">
@@ -5441,7 +5442,7 @@
         </p:nvSpPr>
         <p:spPr>
           <a:xfrm rot="20380091">
-            <a:off x="617423" y="3776814"/>
+            <a:off x="617423" y="3567264"/>
             <a:ext cx="1235137" cy="369332"/>
           </a:xfrm>
           <a:prstGeom prst="rect">
@@ -5483,7 +5484,7 @@
         </p:nvSpPr>
         <p:spPr>
           <a:xfrm rot="545508">
-            <a:off x="3846637" y="4324405"/>
+            <a:off x="3846637" y="4114855"/>
             <a:ext cx="807986" cy="369332"/>
           </a:xfrm>
           <a:prstGeom prst="rect">
@@ -5525,7 +5526,7 @@
         </p:nvSpPr>
         <p:spPr>
           <a:xfrm rot="21356113">
-            <a:off x="401023" y="2915284"/>
+            <a:off x="401023" y="2705734"/>
             <a:ext cx="1158747" cy="369332"/>
           </a:xfrm>
           <a:prstGeom prst="rect">
@@ -5567,7 +5568,7 @@
         </p:nvSpPr>
         <p:spPr>
           <a:xfrm rot="20832981">
-            <a:off x="1799132" y="2839841"/>
+            <a:off x="1799132" y="2630291"/>
             <a:ext cx="1545896" cy="646331"/>
           </a:xfrm>
           <a:prstGeom prst="rect">
@@ -5622,7 +5623,7 @@
         </p:blipFill>
         <p:spPr>
           <a:xfrm>
-            <a:off x="1974402" y="3415740"/>
+            <a:off x="1974402" y="3206190"/>
             <a:ext cx="2186661" cy="2186661"/>
           </a:xfrm>
           <a:prstGeom prst="rect">
@@ -5644,7 +5645,7 @@
         </p:nvSpPr>
         <p:spPr>
           <a:xfrm>
-            <a:off x="6610517" y="2817340"/>
+            <a:off x="6610517" y="2607790"/>
             <a:ext cx="4740136" cy="648524"/>
           </a:xfrm>
           <a:prstGeom prst="roundRect">
@@ -5721,7 +5722,7 @@
         </p:nvSpPr>
         <p:spPr>
           <a:xfrm>
-            <a:off x="6610517" y="3688345"/>
+            <a:off x="6610517" y="3478795"/>
             <a:ext cx="4740136" cy="648524"/>
           </a:xfrm>
           <a:prstGeom prst="roundRect">
@@ -5792,7 +5793,7 @@
         </p:nvSpPr>
         <p:spPr>
           <a:xfrm>
-            <a:off x="6610517" y="5430356"/>
+            <a:off x="6610517" y="5220806"/>
             <a:ext cx="4740136" cy="648524"/>
           </a:xfrm>
           <a:prstGeom prst="roundRect">
@@ -5873,7 +5874,7 @@
         </p:nvSpPr>
         <p:spPr>
           <a:xfrm>
-            <a:off x="6610517" y="4559350"/>
+            <a:off x="6610517" y="4349800"/>
             <a:ext cx="4740136" cy="648524"/>
           </a:xfrm>
           <a:prstGeom prst="roundRect">
@@ -5961,7 +5962,7 @@
         </p:blipFill>
         <p:spPr>
           <a:xfrm>
-            <a:off x="6774585" y="2942732"/>
+            <a:off x="6774585" y="2733182"/>
             <a:ext cx="397739" cy="397739"/>
           </a:xfrm>
           <a:prstGeom prst="rect">
@@ -5997,7 +5998,7 @@
         </p:blipFill>
         <p:spPr>
           <a:xfrm>
-            <a:off x="6768067" y="3813737"/>
+            <a:off x="6768067" y="3604187"/>
             <a:ext cx="397739" cy="397739"/>
           </a:xfrm>
           <a:prstGeom prst="rect">
@@ -6033,7 +6034,7 @@
         </p:blipFill>
         <p:spPr>
           <a:xfrm>
-            <a:off x="6774585" y="4689829"/>
+            <a:off x="6774585" y="4480279"/>
             <a:ext cx="397739" cy="397739"/>
           </a:xfrm>
           <a:prstGeom prst="rect">
@@ -6069,7 +6070,7 @@
         </p:blipFill>
         <p:spPr>
           <a:xfrm>
-            <a:off x="6774585" y="5555748"/>
+            <a:off x="6774585" y="5346198"/>
             <a:ext cx="397739" cy="397739"/>
           </a:xfrm>
           <a:prstGeom prst="rect">
@@ -6081,6 +6082,1659 @@
     <p:extLst>
       <p:ext uri="{BB962C8B-B14F-4D97-AF65-F5344CB8AC3E}">
         <p14:creationId xmlns:p14="http://schemas.microsoft.com/office/powerpoint/2010/main" val="1663635428"/>
+      </p:ext>
+    </p:extLst>
+  </p:cSld>
+  <p:clrMapOvr>
+    <a:masterClrMapping/>
+  </p:clrMapOvr>
+</p:sld>
+</file>
+
+<file path=ppt/slides/slide4.xml><?xml version="1.0" encoding="utf-8"?>
+<p:sld xmlns:a="http://schemas.openxmlformats.org/drawingml/2006/main" xmlns:r="http://schemas.openxmlformats.org/officeDocument/2006/relationships" xmlns:p="http://schemas.openxmlformats.org/presentationml/2006/main">
+  <p:cSld>
+    <p:spTree>
+      <p:nvGrpSpPr>
+        <p:cNvPr id="1" name=""/>
+        <p:cNvGrpSpPr/>
+        <p:nvPr/>
+      </p:nvGrpSpPr>
+      <p:grpSpPr>
+        <a:xfrm>
+          <a:off x="0" y="0"/>
+          <a:ext cx="0" cy="0"/>
+          <a:chOff x="0" y="0"/>
+          <a:chExt cx="0" cy="0"/>
+        </a:xfrm>
+      </p:grpSpPr>
+      <p:sp>
+        <p:nvSpPr>
+          <p:cNvPr id="2" name="Title 1">
+            <a:extLst>
+              <a:ext uri="{FF2B5EF4-FFF2-40B4-BE49-F238E27FC236}">
+                <a16:creationId xmlns:a16="http://schemas.microsoft.com/office/drawing/2014/main" id="{3BFA9CA1-6DE8-EC11-2644-E388BC2DFB67}"/>
+              </a:ext>
+            </a:extLst>
+          </p:cNvPr>
+          <p:cNvSpPr>
+            <a:spLocks noGrp="1"/>
+          </p:cNvSpPr>
+          <p:nvPr>
+            <p:ph type="title"/>
+          </p:nvPr>
+        </p:nvSpPr>
+        <p:spPr/>
+        <p:txBody>
+          <a:bodyPr/>
+          <a:lstStyle/>
+          <a:p>
+            <a:r>
+              <a:rPr lang="en-US" dirty="0"/>
+              <a:t>The dataset includes all bills from 2013-present, downloaded from the </a:t>
+            </a:r>
+            <a:r>
+              <a:rPr lang="en-US" dirty="0" err="1"/>
+              <a:t>GovInfo</a:t>
+            </a:r>
+            <a:r>
+              <a:rPr lang="en-US" dirty="0"/>
+              <a:t> bulk data repository</a:t>
+            </a:r>
+          </a:p>
+        </p:txBody>
+      </p:sp>
+      <p:grpSp>
+        <p:nvGrpSpPr>
+          <p:cNvPr id="79" name="Group 78">
+            <a:extLst>
+              <a:ext uri="{FF2B5EF4-FFF2-40B4-BE49-F238E27FC236}">
+                <a16:creationId xmlns:a16="http://schemas.microsoft.com/office/drawing/2014/main" id="{8E6FD59D-C024-7653-532C-444031605368}"/>
+              </a:ext>
+            </a:extLst>
+          </p:cNvPr>
+          <p:cNvGrpSpPr/>
+          <p:nvPr/>
+        </p:nvGrpSpPr>
+        <p:grpSpPr>
+          <a:xfrm>
+            <a:off x="1047750" y="1548039"/>
+            <a:ext cx="10096500" cy="4396141"/>
+            <a:chOff x="838200" y="1611539"/>
+            <a:chExt cx="10096500" cy="4396141"/>
+          </a:xfrm>
+        </p:grpSpPr>
+        <p:grpSp>
+          <p:nvGrpSpPr>
+            <p:cNvPr id="77" name="Group 76">
+              <a:extLst>
+                <a:ext uri="{FF2B5EF4-FFF2-40B4-BE49-F238E27FC236}">
+                  <a16:creationId xmlns:a16="http://schemas.microsoft.com/office/drawing/2014/main" id="{04E7A3BC-46D8-89FE-EBD9-CA2689270859}"/>
+                </a:ext>
+              </a:extLst>
+            </p:cNvPr>
+            <p:cNvGrpSpPr/>
+            <p:nvPr/>
+          </p:nvGrpSpPr>
+          <p:grpSpPr>
+            <a:xfrm>
+              <a:off x="838200" y="1614590"/>
+              <a:ext cx="4849088" cy="3959894"/>
+              <a:chOff x="838200" y="1614590"/>
+              <a:chExt cx="4849088" cy="3959894"/>
+            </a:xfrm>
+          </p:grpSpPr>
+          <p:sp>
+            <p:nvSpPr>
+              <p:cNvPr id="15" name="TextBox 14">
+                <a:extLst>
+                  <a:ext uri="{FF2B5EF4-FFF2-40B4-BE49-F238E27FC236}">
+                    <a16:creationId xmlns:a16="http://schemas.microsoft.com/office/drawing/2014/main" id="{B7810439-FF66-6883-2331-5D53533E4EF1}"/>
+                  </a:ext>
+                </a:extLst>
+              </p:cNvPr>
+              <p:cNvSpPr txBox="1"/>
+              <p:nvPr/>
+            </p:nvSpPr>
+            <p:spPr>
+              <a:xfrm>
+                <a:off x="838200" y="1614590"/>
+                <a:ext cx="4849088" cy="369332"/>
+              </a:xfrm>
+              <a:prstGeom prst="rect">
+                <a:avLst/>
+              </a:prstGeom>
+              <a:noFill/>
+            </p:spPr>
+            <p:txBody>
+              <a:bodyPr wrap="square">
+                <a:spAutoFit/>
+              </a:bodyPr>
+              <a:lstStyle/>
+              <a:p>
+                <a:pPr algn="ctr"/>
+                <a:r>
+                  <a:rPr lang="en-US" b="1" dirty="0">
+                    <a:solidFill>
+                      <a:schemeClr val="accent1"/>
+                    </a:solidFill>
+                  </a:rPr>
+                  <a:t>Dataset 1: Bill text</a:t>
+                </a:r>
+                <a:endParaRPr lang="en-US" sz="1800" dirty="0">
+                  <a:solidFill>
+                    <a:schemeClr val="accent1"/>
+                  </a:solidFill>
+                </a:endParaRPr>
+              </a:p>
+            </p:txBody>
+          </p:sp>
+          <p:grpSp>
+            <p:nvGrpSpPr>
+              <p:cNvPr id="73" name="Group 72">
+                <a:extLst>
+                  <a:ext uri="{FF2B5EF4-FFF2-40B4-BE49-F238E27FC236}">
+                    <a16:creationId xmlns:a16="http://schemas.microsoft.com/office/drawing/2014/main" id="{7930BF8C-CF75-6622-3ADA-406F30845578}"/>
+                  </a:ext>
+                </a:extLst>
+              </p:cNvPr>
+              <p:cNvGrpSpPr/>
+              <p:nvPr/>
+            </p:nvGrpSpPr>
+            <p:grpSpPr>
+              <a:xfrm>
+                <a:off x="1109664" y="2274072"/>
+                <a:ext cx="3339535" cy="3300412"/>
+                <a:chOff x="1109664" y="2274072"/>
+                <a:chExt cx="3339535" cy="3300412"/>
+              </a:xfrm>
+            </p:grpSpPr>
+            <p:grpSp>
+              <p:nvGrpSpPr>
+                <p:cNvPr id="28" name="Group 27">
+                  <a:extLst>
+                    <a:ext uri="{FF2B5EF4-FFF2-40B4-BE49-F238E27FC236}">
+                      <a16:creationId xmlns:a16="http://schemas.microsoft.com/office/drawing/2014/main" id="{04A67F7D-242F-22F7-F59E-A5F1D96054E6}"/>
+                    </a:ext>
+                  </a:extLst>
+                </p:cNvPr>
+                <p:cNvGrpSpPr/>
+                <p:nvPr/>
+              </p:nvGrpSpPr>
+              <p:grpSpPr>
+                <a:xfrm>
+                  <a:off x="1109664" y="2274072"/>
+                  <a:ext cx="3242398" cy="914400"/>
+                  <a:chOff x="-1271586" y="2500313"/>
+                  <a:chExt cx="3242398" cy="914400"/>
+                </a:xfrm>
+              </p:grpSpPr>
+              <p:sp>
+                <p:nvSpPr>
+                  <p:cNvPr id="5" name="Oval 4">
+                    <a:extLst>
+                      <a:ext uri="{FF2B5EF4-FFF2-40B4-BE49-F238E27FC236}">
+                        <a16:creationId xmlns:a16="http://schemas.microsoft.com/office/drawing/2014/main" id="{228E6A17-A491-9800-A0BC-27E3D2F10593}"/>
+                      </a:ext>
+                    </a:extLst>
+                  </p:cNvPr>
+                  <p:cNvSpPr>
+                    <a:spLocks noChangeAspect="1"/>
+                  </p:cNvSpPr>
+                  <p:nvPr/>
+                </p:nvSpPr>
+                <p:spPr>
+                  <a:xfrm>
+                    <a:off x="1056412" y="2500313"/>
+                    <a:ext cx="914400" cy="914400"/>
+                  </a:xfrm>
+                  <a:prstGeom prst="ellipse">
+                    <a:avLst/>
+                  </a:prstGeom>
+                  <a:solidFill>
+                    <a:schemeClr val="accent1">
+                      <a:lumMod val="60000"/>
+                      <a:lumOff val="40000"/>
+                    </a:schemeClr>
+                  </a:solidFill>
+                </p:spPr>
+                <p:style>
+                  <a:lnRef idx="2">
+                    <a:schemeClr val="accent1">
+                      <a:shade val="15000"/>
+                    </a:schemeClr>
+                  </a:lnRef>
+                  <a:fillRef idx="1">
+                    <a:schemeClr val="accent1"/>
+                  </a:fillRef>
+                  <a:effectRef idx="0">
+                    <a:schemeClr val="accent1"/>
+                  </a:effectRef>
+                  <a:fontRef idx="minor">
+                    <a:schemeClr val="lt1"/>
+                  </a:fontRef>
+                </p:style>
+                <p:txBody>
+                  <a:bodyPr rtlCol="0" anchor="ctr"/>
+                  <a:lstStyle/>
+                  <a:p>
+                    <a:pPr algn="ctr"/>
+                    <a:endParaRPr lang="en-US"/>
+                  </a:p>
+                </p:txBody>
+              </p:sp>
+              <p:sp>
+                <p:nvSpPr>
+                  <p:cNvPr id="18" name="TextBox 17">
+                    <a:extLst>
+                      <a:ext uri="{FF2B5EF4-FFF2-40B4-BE49-F238E27FC236}">
+                        <a16:creationId xmlns:a16="http://schemas.microsoft.com/office/drawing/2014/main" id="{183589CB-BA2D-498A-546C-DAE85975AF35}"/>
+                      </a:ext>
+                    </a:extLst>
+                  </p:cNvPr>
+                  <p:cNvSpPr txBox="1"/>
+                  <p:nvPr/>
+                </p:nvSpPr>
+                <p:spPr>
+                  <a:xfrm>
+                    <a:off x="-1271586" y="2695903"/>
+                    <a:ext cx="2195512" cy="523220"/>
+                  </a:xfrm>
+                  <a:prstGeom prst="rect">
+                    <a:avLst/>
+                  </a:prstGeom>
+                  <a:noFill/>
+                </p:spPr>
+                <p:txBody>
+                  <a:bodyPr wrap="square" anchor="ctr">
+                    <a:spAutoFit/>
+                  </a:bodyPr>
+                  <a:lstStyle/>
+                  <a:p>
+                    <a:pPr algn="r"/>
+                    <a:r>
+                      <a:rPr lang="en-US" sz="1400" b="1" dirty="0">
+                        <a:solidFill>
+                          <a:schemeClr val="accent1"/>
+                        </a:solidFill>
+                      </a:rPr>
+                      <a:t>Download a zipped collection of text versions </a:t>
+                    </a:r>
+                    <a:endParaRPr lang="en-US" sz="1400" dirty="0"/>
+                  </a:p>
+                </p:txBody>
+              </p:sp>
+            </p:grpSp>
+            <p:grpSp>
+              <p:nvGrpSpPr>
+                <p:cNvPr id="27" name="Group 26">
+                  <a:extLst>
+                    <a:ext uri="{FF2B5EF4-FFF2-40B4-BE49-F238E27FC236}">
+                      <a16:creationId xmlns:a16="http://schemas.microsoft.com/office/drawing/2014/main" id="{3CF04700-0524-D59C-2E71-7BB2C5BB8EFE}"/>
+                    </a:ext>
+                  </a:extLst>
+                </p:cNvPr>
+                <p:cNvGrpSpPr/>
+                <p:nvPr/>
+              </p:nvGrpSpPr>
+              <p:grpSpPr>
+                <a:xfrm>
+                  <a:off x="1109664" y="3467078"/>
+                  <a:ext cx="3242398" cy="914400"/>
+                  <a:chOff x="-1271586" y="3645353"/>
+                  <a:chExt cx="3242398" cy="914400"/>
+                </a:xfrm>
+              </p:grpSpPr>
+              <p:sp>
+                <p:nvSpPr>
+                  <p:cNvPr id="21" name="Oval 20">
+                    <a:extLst>
+                      <a:ext uri="{FF2B5EF4-FFF2-40B4-BE49-F238E27FC236}">
+                        <a16:creationId xmlns:a16="http://schemas.microsoft.com/office/drawing/2014/main" id="{9989DA44-B394-A66D-750A-FCBDC121A5E8}"/>
+                      </a:ext>
+                    </a:extLst>
+                  </p:cNvPr>
+                  <p:cNvSpPr>
+                    <a:spLocks noChangeAspect="1"/>
+                  </p:cNvSpPr>
+                  <p:nvPr/>
+                </p:nvSpPr>
+                <p:spPr>
+                  <a:xfrm>
+                    <a:off x="1056412" y="3645353"/>
+                    <a:ext cx="914400" cy="914400"/>
+                  </a:xfrm>
+                  <a:prstGeom prst="ellipse">
+                    <a:avLst/>
+                  </a:prstGeom>
+                </p:spPr>
+                <p:style>
+                  <a:lnRef idx="2">
+                    <a:schemeClr val="accent1">
+                      <a:shade val="15000"/>
+                    </a:schemeClr>
+                  </a:lnRef>
+                  <a:fillRef idx="1">
+                    <a:schemeClr val="accent1"/>
+                  </a:fillRef>
+                  <a:effectRef idx="0">
+                    <a:schemeClr val="accent1"/>
+                  </a:effectRef>
+                  <a:fontRef idx="minor">
+                    <a:schemeClr val="lt1"/>
+                  </a:fontRef>
+                </p:style>
+                <p:txBody>
+                  <a:bodyPr rtlCol="0" anchor="ctr"/>
+                  <a:lstStyle/>
+                  <a:p>
+                    <a:pPr algn="ctr"/>
+                    <a:endParaRPr lang="en-US"/>
+                  </a:p>
+                </p:txBody>
+              </p:sp>
+              <p:sp>
+                <p:nvSpPr>
+                  <p:cNvPr id="22" name="TextBox 21">
+                    <a:extLst>
+                      <a:ext uri="{FF2B5EF4-FFF2-40B4-BE49-F238E27FC236}">
+                        <a16:creationId xmlns:a16="http://schemas.microsoft.com/office/drawing/2014/main" id="{4A967FC7-859B-ADF2-DD9F-90C6F4A644CC}"/>
+                      </a:ext>
+                    </a:extLst>
+                  </p:cNvPr>
+                  <p:cNvSpPr txBox="1"/>
+                  <p:nvPr/>
+                </p:nvSpPr>
+                <p:spPr>
+                  <a:xfrm>
+                    <a:off x="-1271586" y="3840943"/>
+                    <a:ext cx="2195512" cy="523220"/>
+                  </a:xfrm>
+                  <a:prstGeom prst="rect">
+                    <a:avLst/>
+                  </a:prstGeom>
+                  <a:noFill/>
+                </p:spPr>
+                <p:txBody>
+                  <a:bodyPr wrap="square" anchor="ctr">
+                    <a:spAutoFit/>
+                  </a:bodyPr>
+                  <a:lstStyle/>
+                  <a:p>
+                    <a:pPr algn="r"/>
+                    <a:r>
+                      <a:rPr lang="en-US" sz="1400" b="1" dirty="0">
+                        <a:solidFill>
+                          <a:schemeClr val="accent1"/>
+                        </a:solidFill>
+                      </a:rPr>
+                      <a:t>Extract into a flattened folder of XML files</a:t>
+                    </a:r>
+                    <a:endParaRPr lang="en-US" sz="1400" dirty="0"/>
+                  </a:p>
+                </p:txBody>
+              </p:sp>
+            </p:grpSp>
+            <p:grpSp>
+              <p:nvGrpSpPr>
+                <p:cNvPr id="26" name="Group 25">
+                  <a:extLst>
+                    <a:ext uri="{FF2B5EF4-FFF2-40B4-BE49-F238E27FC236}">
+                      <a16:creationId xmlns:a16="http://schemas.microsoft.com/office/drawing/2014/main" id="{34490E28-6777-DED7-B1D0-1AFF3310ADEE}"/>
+                    </a:ext>
+                  </a:extLst>
+                </p:cNvPr>
+                <p:cNvGrpSpPr/>
+                <p:nvPr/>
+              </p:nvGrpSpPr>
+              <p:grpSpPr>
+                <a:xfrm>
+                  <a:off x="1109664" y="4660084"/>
+                  <a:ext cx="3242398" cy="914400"/>
+                  <a:chOff x="-1271586" y="4886325"/>
+                  <a:chExt cx="3242398" cy="914400"/>
+                </a:xfrm>
+              </p:grpSpPr>
+              <p:sp>
+                <p:nvSpPr>
+                  <p:cNvPr id="24" name="Oval 23">
+                    <a:extLst>
+                      <a:ext uri="{FF2B5EF4-FFF2-40B4-BE49-F238E27FC236}">
+                        <a16:creationId xmlns:a16="http://schemas.microsoft.com/office/drawing/2014/main" id="{1A86E16A-4A16-2FD6-9F44-F02E4874A6D8}"/>
+                      </a:ext>
+                    </a:extLst>
+                  </p:cNvPr>
+                  <p:cNvSpPr>
+                    <a:spLocks noChangeAspect="1"/>
+                  </p:cNvSpPr>
+                  <p:nvPr/>
+                </p:nvSpPr>
+                <p:spPr>
+                  <a:xfrm>
+                    <a:off x="1056412" y="4886325"/>
+                    <a:ext cx="914400" cy="914400"/>
+                  </a:xfrm>
+                  <a:prstGeom prst="ellipse">
+                    <a:avLst/>
+                  </a:prstGeom>
+                  <a:solidFill>
+                    <a:schemeClr val="accent1">
+                      <a:lumMod val="75000"/>
+                    </a:schemeClr>
+                  </a:solidFill>
+                </p:spPr>
+                <p:style>
+                  <a:lnRef idx="2">
+                    <a:schemeClr val="accent1">
+                      <a:shade val="15000"/>
+                    </a:schemeClr>
+                  </a:lnRef>
+                  <a:fillRef idx="1">
+                    <a:schemeClr val="accent1"/>
+                  </a:fillRef>
+                  <a:effectRef idx="0">
+                    <a:schemeClr val="accent1"/>
+                  </a:effectRef>
+                  <a:fontRef idx="minor">
+                    <a:schemeClr val="lt1"/>
+                  </a:fontRef>
+                </p:style>
+                <p:txBody>
+                  <a:bodyPr rtlCol="0" anchor="ctr"/>
+                  <a:lstStyle/>
+                  <a:p>
+                    <a:pPr algn="ctr"/>
+                    <a:endParaRPr lang="en-US"/>
+                  </a:p>
+                </p:txBody>
+              </p:sp>
+              <p:sp>
+                <p:nvSpPr>
+                  <p:cNvPr id="25" name="TextBox 24">
+                    <a:extLst>
+                      <a:ext uri="{FF2B5EF4-FFF2-40B4-BE49-F238E27FC236}">
+                        <a16:creationId xmlns:a16="http://schemas.microsoft.com/office/drawing/2014/main" id="{30B144B5-90B9-5916-8984-5FBB32CE0DC8}"/>
+                      </a:ext>
+                    </a:extLst>
+                  </p:cNvPr>
+                  <p:cNvSpPr txBox="1"/>
+                  <p:nvPr/>
+                </p:nvSpPr>
+                <p:spPr>
+                  <a:xfrm>
+                    <a:off x="-1271586" y="5081915"/>
+                    <a:ext cx="2195512" cy="523220"/>
+                  </a:xfrm>
+                  <a:prstGeom prst="rect">
+                    <a:avLst/>
+                  </a:prstGeom>
+                  <a:noFill/>
+                </p:spPr>
+                <p:txBody>
+                  <a:bodyPr wrap="square" anchor="ctr">
+                    <a:spAutoFit/>
+                  </a:bodyPr>
+                  <a:lstStyle/>
+                  <a:p>
+                    <a:pPr algn="r"/>
+                    <a:r>
+                      <a:rPr lang="en-US" sz="1400" b="1" dirty="0">
+                        <a:solidFill>
+                          <a:schemeClr val="accent1"/>
+                        </a:solidFill>
+                      </a:rPr>
+                      <a:t>Isolate the content body for each bill text file</a:t>
+                    </a:r>
+                    <a:endParaRPr lang="en-US" sz="1400" dirty="0"/>
+                  </a:p>
+                </p:txBody>
+              </p:sp>
+            </p:grpSp>
+            <p:sp>
+              <p:nvSpPr>
+                <p:cNvPr id="47" name="Isosceles Triangle 46">
+                  <a:extLst>
+                    <a:ext uri="{FF2B5EF4-FFF2-40B4-BE49-F238E27FC236}">
+                      <a16:creationId xmlns:a16="http://schemas.microsoft.com/office/drawing/2014/main" id="{4A124DA7-4EC8-8233-4711-FB7E6FA85044}"/>
+                    </a:ext>
+                  </a:extLst>
+                </p:cNvPr>
+                <p:cNvSpPr/>
+                <p:nvPr/>
+              </p:nvSpPr>
+              <p:spPr>
+                <a:xfrm rot="10800000">
+                  <a:off x="3816427" y="3233387"/>
+                  <a:ext cx="156870" cy="77095"/>
+                </a:xfrm>
+                <a:prstGeom prst="triangle">
+                  <a:avLst/>
+                </a:prstGeom>
+                <a:solidFill>
+                  <a:schemeClr val="accent1">
+                    <a:lumMod val="60000"/>
+                    <a:lumOff val="40000"/>
+                  </a:schemeClr>
+                </a:solidFill>
+              </p:spPr>
+              <p:style>
+                <a:lnRef idx="2">
+                  <a:schemeClr val="accent1">
+                    <a:shade val="15000"/>
+                  </a:schemeClr>
+                </a:lnRef>
+                <a:fillRef idx="1">
+                  <a:schemeClr val="accent1"/>
+                </a:fillRef>
+                <a:effectRef idx="0">
+                  <a:schemeClr val="accent1"/>
+                </a:effectRef>
+                <a:fontRef idx="minor">
+                  <a:schemeClr val="lt1"/>
+                </a:fontRef>
+              </p:style>
+              <p:txBody>
+                <a:bodyPr rtlCol="0" anchor="ctr"/>
+                <a:lstStyle/>
+                <a:p>
+                  <a:pPr algn="ctr"/>
+                  <a:endParaRPr lang="en-US"/>
+                </a:p>
+              </p:txBody>
+            </p:sp>
+            <p:sp>
+              <p:nvSpPr>
+                <p:cNvPr id="48" name="Isosceles Triangle 47">
+                  <a:extLst>
+                    <a:ext uri="{FF2B5EF4-FFF2-40B4-BE49-F238E27FC236}">
+                      <a16:creationId xmlns:a16="http://schemas.microsoft.com/office/drawing/2014/main" id="{A5815F0D-06D2-DEC7-43B6-BB10D9F82807}"/>
+                    </a:ext>
+                  </a:extLst>
+                </p:cNvPr>
+                <p:cNvSpPr/>
+                <p:nvPr/>
+              </p:nvSpPr>
+              <p:spPr>
+                <a:xfrm rot="10800000">
+                  <a:off x="3816427" y="4424635"/>
+                  <a:ext cx="156870" cy="77095"/>
+                </a:xfrm>
+                <a:prstGeom prst="triangle">
+                  <a:avLst/>
+                </a:prstGeom>
+                <a:solidFill>
+                  <a:schemeClr val="accent1"/>
+                </a:solidFill>
+              </p:spPr>
+              <p:style>
+                <a:lnRef idx="2">
+                  <a:schemeClr val="accent1">
+                    <a:shade val="15000"/>
+                  </a:schemeClr>
+                </a:lnRef>
+                <a:fillRef idx="1">
+                  <a:schemeClr val="accent1"/>
+                </a:fillRef>
+                <a:effectRef idx="0">
+                  <a:schemeClr val="accent1"/>
+                </a:effectRef>
+                <a:fontRef idx="minor">
+                  <a:schemeClr val="lt1"/>
+                </a:fontRef>
+              </p:style>
+              <p:txBody>
+                <a:bodyPr rtlCol="0" anchor="ctr"/>
+                <a:lstStyle/>
+                <a:p>
+                  <a:pPr algn="ctr"/>
+                  <a:endParaRPr lang="en-US"/>
+                </a:p>
+              </p:txBody>
+            </p:sp>
+            <p:sp>
+              <p:nvSpPr>
+                <p:cNvPr id="51" name="Isosceles Triangle 50">
+                  <a:extLst>
+                    <a:ext uri="{FF2B5EF4-FFF2-40B4-BE49-F238E27FC236}">
+                      <a16:creationId xmlns:a16="http://schemas.microsoft.com/office/drawing/2014/main" id="{235260F3-E81A-2955-34D8-3CCFC0CE6776}"/>
+                    </a:ext>
+                  </a:extLst>
+                </p:cNvPr>
+                <p:cNvSpPr/>
+                <p:nvPr/>
+              </p:nvSpPr>
+              <p:spPr>
+                <a:xfrm rot="6600000">
+                  <a:off x="4325044" y="5287032"/>
+                  <a:ext cx="156870" cy="91440"/>
+                </a:xfrm>
+                <a:prstGeom prst="triangle">
+                  <a:avLst/>
+                </a:prstGeom>
+                <a:solidFill>
+                  <a:schemeClr val="accent1"/>
+                </a:solidFill>
+              </p:spPr>
+              <p:style>
+                <a:lnRef idx="2">
+                  <a:schemeClr val="accent1">
+                    <a:shade val="15000"/>
+                  </a:schemeClr>
+                </a:lnRef>
+                <a:fillRef idx="1">
+                  <a:schemeClr val="accent1"/>
+                </a:fillRef>
+                <a:effectRef idx="0">
+                  <a:schemeClr val="accent1"/>
+                </a:effectRef>
+                <a:fontRef idx="minor">
+                  <a:schemeClr val="lt1"/>
+                </a:fontRef>
+              </p:style>
+              <p:txBody>
+                <a:bodyPr rtlCol="0" anchor="ctr"/>
+                <a:lstStyle/>
+                <a:p>
+                  <a:pPr algn="ctr"/>
+                  <a:endParaRPr lang="en-US"/>
+                </a:p>
+              </p:txBody>
+            </p:sp>
+            <p:pic>
+              <p:nvPicPr>
+                <p:cNvPr id="54" name="Graphic 53" descr="Download from cloud">
+                  <a:extLst>
+                    <a:ext uri="{FF2B5EF4-FFF2-40B4-BE49-F238E27FC236}">
+                      <a16:creationId xmlns:a16="http://schemas.microsoft.com/office/drawing/2014/main" id="{9482FB80-B748-E5A9-7127-54BA09472735}"/>
+                    </a:ext>
+                  </a:extLst>
+                </p:cNvPr>
+                <p:cNvPicPr>
+                  <a:picLocks noChangeAspect="1"/>
+                </p:cNvPicPr>
+                <p:nvPr/>
+              </p:nvPicPr>
+              <p:blipFill>
+                <a:blip r:embed="rId2">
+                  <a:extLst>
+                    <a:ext uri="{96DAC541-7B7A-43D3-8B79-37D633B846F1}">
+                      <asvg:svgBlip xmlns:asvg="http://schemas.microsoft.com/office/drawing/2016/SVG/main" r:embed="rId3"/>
+                    </a:ext>
+                  </a:extLst>
+                </a:blip>
+                <a:stretch>
+                  <a:fillRect/>
+                </a:stretch>
+              </p:blipFill>
+              <p:spPr>
+                <a:xfrm>
+                  <a:off x="3570420" y="2401059"/>
+                  <a:ext cx="648881" cy="648881"/>
+                </a:xfrm>
+                <a:prstGeom prst="rect">
+                  <a:avLst/>
+                </a:prstGeom>
+              </p:spPr>
+            </p:pic>
+            <p:pic>
+              <p:nvPicPr>
+                <p:cNvPr id="57" name="Graphic 56" descr="Open folder">
+                  <a:extLst>
+                    <a:ext uri="{FF2B5EF4-FFF2-40B4-BE49-F238E27FC236}">
+                      <a16:creationId xmlns:a16="http://schemas.microsoft.com/office/drawing/2014/main" id="{A15EC8CE-B72E-1BFC-D796-4C376FE1964D}"/>
+                    </a:ext>
+                  </a:extLst>
+                </p:cNvPr>
+                <p:cNvPicPr>
+                  <a:picLocks noChangeAspect="1"/>
+                </p:cNvPicPr>
+                <p:nvPr/>
+              </p:nvPicPr>
+              <p:blipFill>
+                <a:blip r:embed="rId4">
+                  <a:extLst>
+                    <a:ext uri="{96DAC541-7B7A-43D3-8B79-37D633B846F1}">
+                      <asvg:svgBlip xmlns:asvg="http://schemas.microsoft.com/office/drawing/2016/SVG/main" r:embed="rId5"/>
+                    </a:ext>
+                  </a:extLst>
+                </a:blip>
+                <a:stretch>
+                  <a:fillRect/>
+                </a:stretch>
+              </p:blipFill>
+              <p:spPr>
+                <a:xfrm>
+                  <a:off x="3549998" y="3575404"/>
+                  <a:ext cx="689723" cy="689723"/>
+                </a:xfrm>
+                <a:prstGeom prst="rect">
+                  <a:avLst/>
+                </a:prstGeom>
+              </p:spPr>
+            </p:pic>
+            <p:pic>
+              <p:nvPicPr>
+                <p:cNvPr id="59" name="Graphic 58" descr="Document">
+                  <a:extLst>
+                    <a:ext uri="{FF2B5EF4-FFF2-40B4-BE49-F238E27FC236}">
+                      <a16:creationId xmlns:a16="http://schemas.microsoft.com/office/drawing/2014/main" id="{D5F9E8F8-520B-ED28-2F3A-ADEC4CC8BA7C}"/>
+                    </a:ext>
+                  </a:extLst>
+                </p:cNvPr>
+                <p:cNvPicPr>
+                  <a:picLocks noChangeAspect="1"/>
+                </p:cNvPicPr>
+                <p:nvPr/>
+              </p:nvPicPr>
+              <p:blipFill>
+                <a:blip r:embed="rId6">
+                  <a:extLst>
+                    <a:ext uri="{96DAC541-7B7A-43D3-8B79-37D633B846F1}">
+                      <asvg:svgBlip xmlns:asvg="http://schemas.microsoft.com/office/drawing/2016/SVG/main" r:embed="rId7"/>
+                    </a:ext>
+                  </a:extLst>
+                </a:blip>
+                <a:stretch>
+                  <a:fillRect/>
+                </a:stretch>
+              </p:blipFill>
+              <p:spPr>
+                <a:xfrm>
+                  <a:off x="3548573" y="4765311"/>
+                  <a:ext cx="689723" cy="689723"/>
+                </a:xfrm>
+                <a:prstGeom prst="rect">
+                  <a:avLst/>
+                </a:prstGeom>
+              </p:spPr>
+            </p:pic>
+          </p:grpSp>
+        </p:grpSp>
+        <p:grpSp>
+          <p:nvGrpSpPr>
+            <p:cNvPr id="78" name="Group 77">
+              <a:extLst>
+                <a:ext uri="{FF2B5EF4-FFF2-40B4-BE49-F238E27FC236}">
+                  <a16:creationId xmlns:a16="http://schemas.microsoft.com/office/drawing/2014/main" id="{6BC5CB2C-1C48-97F7-8BF0-79A5F38883EC}"/>
+                </a:ext>
+              </a:extLst>
+            </p:cNvPr>
+            <p:cNvGrpSpPr/>
+            <p:nvPr/>
+          </p:nvGrpSpPr>
+          <p:grpSpPr>
+            <a:xfrm>
+              <a:off x="6504713" y="1611539"/>
+              <a:ext cx="4429987" cy="3962945"/>
+              <a:chOff x="6504713" y="1611539"/>
+              <a:chExt cx="4429987" cy="3962945"/>
+            </a:xfrm>
+          </p:grpSpPr>
+          <p:sp>
+            <p:nvSpPr>
+              <p:cNvPr id="16" name="TextBox 15">
+                <a:extLst>
+                  <a:ext uri="{FF2B5EF4-FFF2-40B4-BE49-F238E27FC236}">
+                    <a16:creationId xmlns:a16="http://schemas.microsoft.com/office/drawing/2014/main" id="{B97A8AEE-FB34-9BBD-A7EA-1FC80AA43205}"/>
+                  </a:ext>
+                </a:extLst>
+              </p:cNvPr>
+              <p:cNvSpPr txBox="1"/>
+              <p:nvPr/>
+            </p:nvSpPr>
+            <p:spPr>
+              <a:xfrm>
+                <a:off x="6504713" y="1611539"/>
+                <a:ext cx="4429987" cy="369332"/>
+              </a:xfrm>
+              <a:prstGeom prst="rect">
+                <a:avLst/>
+              </a:prstGeom>
+              <a:noFill/>
+            </p:spPr>
+            <p:txBody>
+              <a:bodyPr wrap="square">
+                <a:spAutoFit/>
+              </a:bodyPr>
+              <a:lstStyle/>
+              <a:p>
+                <a:pPr algn="ctr"/>
+                <a:r>
+                  <a:rPr lang="en-US" sz="1800" b="1" dirty="0">
+                    <a:solidFill>
+                      <a:schemeClr val="accent1"/>
+                    </a:solidFill>
+                  </a:rPr>
+                  <a:t>Dataset 2: Processed bill data</a:t>
+                </a:r>
+                <a:endParaRPr lang="en-US" sz="1800" dirty="0">
+                  <a:solidFill>
+                    <a:schemeClr val="accent1"/>
+                  </a:solidFill>
+                </a:endParaRPr>
+              </a:p>
+            </p:txBody>
+          </p:sp>
+          <p:grpSp>
+            <p:nvGrpSpPr>
+              <p:cNvPr id="74" name="Group 73">
+                <a:extLst>
+                  <a:ext uri="{FF2B5EF4-FFF2-40B4-BE49-F238E27FC236}">
+                    <a16:creationId xmlns:a16="http://schemas.microsoft.com/office/drawing/2014/main" id="{2B8FDFC5-6A3D-CB34-D5AD-1F42D10CD512}"/>
+                  </a:ext>
+                </a:extLst>
+              </p:cNvPr>
+              <p:cNvGrpSpPr/>
+              <p:nvPr/>
+            </p:nvGrpSpPr>
+            <p:grpSpPr>
+              <a:xfrm>
+                <a:off x="7162430" y="2267970"/>
+                <a:ext cx="3339535" cy="3306514"/>
+                <a:chOff x="7162430" y="2267970"/>
+                <a:chExt cx="3339535" cy="3306514"/>
+              </a:xfrm>
+            </p:grpSpPr>
+            <p:grpSp>
+              <p:nvGrpSpPr>
+                <p:cNvPr id="33" name="Group 32">
+                  <a:extLst>
+                    <a:ext uri="{FF2B5EF4-FFF2-40B4-BE49-F238E27FC236}">
+                      <a16:creationId xmlns:a16="http://schemas.microsoft.com/office/drawing/2014/main" id="{32E521FC-55B3-8311-B398-C08B05E70CB1}"/>
+                    </a:ext>
+                  </a:extLst>
+                </p:cNvPr>
+                <p:cNvGrpSpPr/>
+                <p:nvPr/>
+              </p:nvGrpSpPr>
+              <p:grpSpPr>
+                <a:xfrm>
+                  <a:off x="7259567" y="2267970"/>
+                  <a:ext cx="3242398" cy="914400"/>
+                  <a:chOff x="8900248" y="2655095"/>
+                  <a:chExt cx="3242398" cy="914400"/>
+                </a:xfrm>
+              </p:grpSpPr>
+              <p:sp>
+                <p:nvSpPr>
+                  <p:cNvPr id="30" name="Oval 29">
+                    <a:extLst>
+                      <a:ext uri="{FF2B5EF4-FFF2-40B4-BE49-F238E27FC236}">
+                        <a16:creationId xmlns:a16="http://schemas.microsoft.com/office/drawing/2014/main" id="{6F6F40AC-6D46-39BF-5E38-D2496BD5F437}"/>
+                      </a:ext>
+                    </a:extLst>
+                  </p:cNvPr>
+                  <p:cNvSpPr>
+                    <a:spLocks noChangeAspect="1"/>
+                  </p:cNvSpPr>
+                  <p:nvPr/>
+                </p:nvSpPr>
+                <p:spPr>
+                  <a:xfrm>
+                    <a:off x="8900248" y="2655095"/>
+                    <a:ext cx="914400" cy="914400"/>
+                  </a:xfrm>
+                  <a:prstGeom prst="ellipse">
+                    <a:avLst/>
+                  </a:prstGeom>
+                  <a:solidFill>
+                    <a:schemeClr val="accent1">
+                      <a:lumMod val="60000"/>
+                      <a:lumOff val="40000"/>
+                    </a:schemeClr>
+                  </a:solidFill>
+                </p:spPr>
+                <p:style>
+                  <a:lnRef idx="2">
+                    <a:schemeClr val="accent1">
+                      <a:shade val="15000"/>
+                    </a:schemeClr>
+                  </a:lnRef>
+                  <a:fillRef idx="1">
+                    <a:schemeClr val="accent1"/>
+                  </a:fillRef>
+                  <a:effectRef idx="0">
+                    <a:schemeClr val="accent1"/>
+                  </a:effectRef>
+                  <a:fontRef idx="minor">
+                    <a:schemeClr val="lt1"/>
+                  </a:fontRef>
+                </p:style>
+                <p:txBody>
+                  <a:bodyPr rtlCol="0" anchor="ctr"/>
+                  <a:lstStyle/>
+                  <a:p>
+                    <a:pPr algn="ctr"/>
+                    <a:endParaRPr lang="en-US"/>
+                  </a:p>
+                </p:txBody>
+              </p:sp>
+              <p:sp>
+                <p:nvSpPr>
+                  <p:cNvPr id="32" name="TextBox 31">
+                    <a:extLst>
+                      <a:ext uri="{FF2B5EF4-FFF2-40B4-BE49-F238E27FC236}">
+                        <a16:creationId xmlns:a16="http://schemas.microsoft.com/office/drawing/2014/main" id="{AD63E268-A4CF-9651-C43C-E582A418A873}"/>
+                      </a:ext>
+                    </a:extLst>
+                  </p:cNvPr>
+                  <p:cNvSpPr txBox="1"/>
+                  <p:nvPr/>
+                </p:nvSpPr>
+                <p:spPr>
+                  <a:xfrm>
+                    <a:off x="9947134" y="2850685"/>
+                    <a:ext cx="2195512" cy="523220"/>
+                  </a:xfrm>
+                  <a:prstGeom prst="rect">
+                    <a:avLst/>
+                  </a:prstGeom>
+                  <a:noFill/>
+                </p:spPr>
+                <p:txBody>
+                  <a:bodyPr wrap="square" anchor="ctr">
+                    <a:spAutoFit/>
+                  </a:bodyPr>
+                  <a:lstStyle/>
+                  <a:p>
+                    <a:r>
+                      <a:rPr lang="en-US" sz="1400" b="1" dirty="0">
+                        <a:solidFill>
+                          <a:schemeClr val="accent1"/>
+                        </a:solidFill>
+                      </a:rPr>
+                      <a:t>Download a zipped collection of bill data files</a:t>
+                    </a:r>
+                    <a:endParaRPr lang="en-US" sz="1400" dirty="0"/>
+                  </a:p>
+                </p:txBody>
+              </p:sp>
+            </p:grpSp>
+            <p:grpSp>
+              <p:nvGrpSpPr>
+                <p:cNvPr id="34" name="Group 33">
+                  <a:extLst>
+                    <a:ext uri="{FF2B5EF4-FFF2-40B4-BE49-F238E27FC236}">
+                      <a16:creationId xmlns:a16="http://schemas.microsoft.com/office/drawing/2014/main" id="{61716239-E9DD-9149-4145-75995AB6C1D1}"/>
+                    </a:ext>
+                  </a:extLst>
+                </p:cNvPr>
+                <p:cNvGrpSpPr/>
+                <p:nvPr/>
+              </p:nvGrpSpPr>
+              <p:grpSpPr>
+                <a:xfrm>
+                  <a:off x="7259567" y="3467078"/>
+                  <a:ext cx="3242398" cy="914400"/>
+                  <a:chOff x="8900248" y="2655095"/>
+                  <a:chExt cx="3242398" cy="914400"/>
+                </a:xfrm>
+              </p:grpSpPr>
+              <p:sp>
+                <p:nvSpPr>
+                  <p:cNvPr id="35" name="Oval 34">
+                    <a:extLst>
+                      <a:ext uri="{FF2B5EF4-FFF2-40B4-BE49-F238E27FC236}">
+                        <a16:creationId xmlns:a16="http://schemas.microsoft.com/office/drawing/2014/main" id="{26DE127D-41A4-73C9-9A8E-584028079720}"/>
+                      </a:ext>
+                    </a:extLst>
+                  </p:cNvPr>
+                  <p:cNvSpPr>
+                    <a:spLocks noChangeAspect="1"/>
+                  </p:cNvSpPr>
+                  <p:nvPr/>
+                </p:nvSpPr>
+                <p:spPr>
+                  <a:xfrm>
+                    <a:off x="8900248" y="2655095"/>
+                    <a:ext cx="914400" cy="914400"/>
+                  </a:xfrm>
+                  <a:prstGeom prst="ellipse">
+                    <a:avLst/>
+                  </a:prstGeom>
+                </p:spPr>
+                <p:style>
+                  <a:lnRef idx="2">
+                    <a:schemeClr val="accent1">
+                      <a:shade val="15000"/>
+                    </a:schemeClr>
+                  </a:lnRef>
+                  <a:fillRef idx="1">
+                    <a:schemeClr val="accent1"/>
+                  </a:fillRef>
+                  <a:effectRef idx="0">
+                    <a:schemeClr val="accent1"/>
+                  </a:effectRef>
+                  <a:fontRef idx="minor">
+                    <a:schemeClr val="lt1"/>
+                  </a:fontRef>
+                </p:style>
+                <p:txBody>
+                  <a:bodyPr rtlCol="0" anchor="ctr"/>
+                  <a:lstStyle/>
+                  <a:p>
+                    <a:pPr algn="ctr"/>
+                    <a:endParaRPr lang="en-US"/>
+                  </a:p>
+                </p:txBody>
+              </p:sp>
+              <p:sp>
+                <p:nvSpPr>
+                  <p:cNvPr id="36" name="TextBox 35">
+                    <a:extLst>
+                      <a:ext uri="{FF2B5EF4-FFF2-40B4-BE49-F238E27FC236}">
+                        <a16:creationId xmlns:a16="http://schemas.microsoft.com/office/drawing/2014/main" id="{93420EB0-1956-8559-895E-B08697BB69BD}"/>
+                      </a:ext>
+                    </a:extLst>
+                  </p:cNvPr>
+                  <p:cNvSpPr txBox="1"/>
+                  <p:nvPr/>
+                </p:nvSpPr>
+                <p:spPr>
+                  <a:xfrm>
+                    <a:off x="9947134" y="2850685"/>
+                    <a:ext cx="2195512" cy="523220"/>
+                  </a:xfrm>
+                  <a:prstGeom prst="rect">
+                    <a:avLst/>
+                  </a:prstGeom>
+                  <a:noFill/>
+                </p:spPr>
+                <p:txBody>
+                  <a:bodyPr wrap="square" anchor="ctr">
+                    <a:spAutoFit/>
+                  </a:bodyPr>
+                  <a:lstStyle/>
+                  <a:p>
+                    <a:r>
+                      <a:rPr lang="en-US" sz="1400" b="1" dirty="0">
+                        <a:solidFill>
+                          <a:schemeClr val="accent1"/>
+                        </a:solidFill>
+                      </a:rPr>
+                      <a:t>Extract into a flattened folder of XML files</a:t>
+                    </a:r>
+                    <a:endParaRPr lang="en-US" sz="1400" dirty="0"/>
+                  </a:p>
+                </p:txBody>
+              </p:sp>
+            </p:grpSp>
+            <p:grpSp>
+              <p:nvGrpSpPr>
+                <p:cNvPr id="37" name="Group 36">
+                  <a:extLst>
+                    <a:ext uri="{FF2B5EF4-FFF2-40B4-BE49-F238E27FC236}">
+                      <a16:creationId xmlns:a16="http://schemas.microsoft.com/office/drawing/2014/main" id="{64A71EBD-B899-8B1E-BA87-1840A3E352CE}"/>
+                    </a:ext>
+                  </a:extLst>
+                </p:cNvPr>
+                <p:cNvGrpSpPr/>
+                <p:nvPr/>
+              </p:nvGrpSpPr>
+              <p:grpSpPr>
+                <a:xfrm>
+                  <a:off x="7259567" y="4660084"/>
+                  <a:ext cx="3242398" cy="914400"/>
+                  <a:chOff x="8900248" y="2655095"/>
+                  <a:chExt cx="3242398" cy="914400"/>
+                </a:xfrm>
+              </p:grpSpPr>
+              <p:sp>
+                <p:nvSpPr>
+                  <p:cNvPr id="38" name="Oval 37">
+                    <a:extLst>
+                      <a:ext uri="{FF2B5EF4-FFF2-40B4-BE49-F238E27FC236}">
+                        <a16:creationId xmlns:a16="http://schemas.microsoft.com/office/drawing/2014/main" id="{6A9E30FE-BB05-86DD-961D-342576F2034F}"/>
+                      </a:ext>
+                    </a:extLst>
+                  </p:cNvPr>
+                  <p:cNvSpPr>
+                    <a:spLocks noChangeAspect="1"/>
+                  </p:cNvSpPr>
+                  <p:nvPr/>
+                </p:nvSpPr>
+                <p:spPr>
+                  <a:xfrm>
+                    <a:off x="8900248" y="2655095"/>
+                    <a:ext cx="914400" cy="914400"/>
+                  </a:xfrm>
+                  <a:prstGeom prst="ellipse">
+                    <a:avLst/>
+                  </a:prstGeom>
+                  <a:solidFill>
+                    <a:schemeClr val="accent1">
+                      <a:lumMod val="75000"/>
+                    </a:schemeClr>
+                  </a:solidFill>
+                </p:spPr>
+                <p:style>
+                  <a:lnRef idx="2">
+                    <a:schemeClr val="accent1">
+                      <a:shade val="15000"/>
+                    </a:schemeClr>
+                  </a:lnRef>
+                  <a:fillRef idx="1">
+                    <a:schemeClr val="accent1"/>
+                  </a:fillRef>
+                  <a:effectRef idx="0">
+                    <a:schemeClr val="accent1"/>
+                  </a:effectRef>
+                  <a:fontRef idx="minor">
+                    <a:schemeClr val="lt1"/>
+                  </a:fontRef>
+                </p:style>
+                <p:txBody>
+                  <a:bodyPr rtlCol="0" anchor="ctr"/>
+                  <a:lstStyle/>
+                  <a:p>
+                    <a:pPr algn="ctr"/>
+                    <a:endParaRPr lang="en-US"/>
+                  </a:p>
+                </p:txBody>
+              </p:sp>
+              <p:sp>
+                <p:nvSpPr>
+                  <p:cNvPr id="39" name="TextBox 38">
+                    <a:extLst>
+                      <a:ext uri="{FF2B5EF4-FFF2-40B4-BE49-F238E27FC236}">
+                        <a16:creationId xmlns:a16="http://schemas.microsoft.com/office/drawing/2014/main" id="{04ABD774-C318-E538-803B-2396D6BA6BC4}"/>
+                      </a:ext>
+                    </a:extLst>
+                  </p:cNvPr>
+                  <p:cNvSpPr txBox="1"/>
+                  <p:nvPr/>
+                </p:nvSpPr>
+                <p:spPr>
+                  <a:xfrm>
+                    <a:off x="9947134" y="2742963"/>
+                    <a:ext cx="2195512" cy="738664"/>
+                  </a:xfrm>
+                  <a:prstGeom prst="rect">
+                    <a:avLst/>
+                  </a:prstGeom>
+                  <a:noFill/>
+                </p:spPr>
+                <p:txBody>
+                  <a:bodyPr wrap="square" anchor="ctr">
+                    <a:spAutoFit/>
+                  </a:bodyPr>
+                  <a:lstStyle/>
+                  <a:p>
+                    <a:r>
+                      <a:rPr lang="en-US" sz="1400" b="1" dirty="0">
+                        <a:solidFill>
+                          <a:schemeClr val="accent1"/>
+                        </a:solidFill>
+                      </a:rPr>
+                      <a:t>Isolate the policy area and the text version IDs for each data file</a:t>
+                    </a:r>
+                    <a:endParaRPr lang="en-US" sz="1400" dirty="0"/>
+                  </a:p>
+                </p:txBody>
+              </p:sp>
+            </p:grpSp>
+            <p:sp>
+              <p:nvSpPr>
+                <p:cNvPr id="49" name="Isosceles Triangle 48">
+                  <a:extLst>
+                    <a:ext uri="{FF2B5EF4-FFF2-40B4-BE49-F238E27FC236}">
+                      <a16:creationId xmlns:a16="http://schemas.microsoft.com/office/drawing/2014/main" id="{23446045-C42E-EC77-1B89-A1B438C415E6}"/>
+                    </a:ext>
+                  </a:extLst>
+                </p:cNvPr>
+                <p:cNvSpPr/>
+                <p:nvPr/>
+              </p:nvSpPr>
+              <p:spPr>
+                <a:xfrm rot="10800000">
+                  <a:off x="7638331" y="3231630"/>
+                  <a:ext cx="156870" cy="77095"/>
+                </a:xfrm>
+                <a:prstGeom prst="triangle">
+                  <a:avLst/>
+                </a:prstGeom>
+                <a:solidFill>
+                  <a:schemeClr val="accent1">
+                    <a:lumMod val="60000"/>
+                    <a:lumOff val="40000"/>
+                  </a:schemeClr>
+                </a:solidFill>
+              </p:spPr>
+              <p:style>
+                <a:lnRef idx="2">
+                  <a:schemeClr val="accent1">
+                    <a:shade val="15000"/>
+                  </a:schemeClr>
+                </a:lnRef>
+                <a:fillRef idx="1">
+                  <a:schemeClr val="accent1"/>
+                </a:fillRef>
+                <a:effectRef idx="0">
+                  <a:schemeClr val="accent1"/>
+                </a:effectRef>
+                <a:fontRef idx="minor">
+                  <a:schemeClr val="lt1"/>
+                </a:fontRef>
+              </p:style>
+              <p:txBody>
+                <a:bodyPr rtlCol="0" anchor="ctr"/>
+                <a:lstStyle/>
+                <a:p>
+                  <a:pPr algn="ctr"/>
+                  <a:endParaRPr lang="en-US"/>
+                </a:p>
+              </p:txBody>
+            </p:sp>
+            <p:sp>
+              <p:nvSpPr>
+                <p:cNvPr id="50" name="Isosceles Triangle 49">
+                  <a:extLst>
+                    <a:ext uri="{FF2B5EF4-FFF2-40B4-BE49-F238E27FC236}">
+                      <a16:creationId xmlns:a16="http://schemas.microsoft.com/office/drawing/2014/main" id="{B11321DD-A19B-5F80-2407-6B707576B4AB}"/>
+                    </a:ext>
+                  </a:extLst>
+                </p:cNvPr>
+                <p:cNvSpPr/>
+                <p:nvPr/>
+              </p:nvSpPr>
+              <p:spPr>
+                <a:xfrm rot="10800000">
+                  <a:off x="7638331" y="4424635"/>
+                  <a:ext cx="156870" cy="77095"/>
+                </a:xfrm>
+                <a:prstGeom prst="triangle">
+                  <a:avLst/>
+                </a:prstGeom>
+                <a:solidFill>
+                  <a:schemeClr val="accent1"/>
+                </a:solidFill>
+              </p:spPr>
+              <p:style>
+                <a:lnRef idx="2">
+                  <a:schemeClr val="accent1">
+                    <a:shade val="15000"/>
+                  </a:schemeClr>
+                </a:lnRef>
+                <a:fillRef idx="1">
+                  <a:schemeClr val="accent1"/>
+                </a:fillRef>
+                <a:effectRef idx="0">
+                  <a:schemeClr val="accent1"/>
+                </a:effectRef>
+                <a:fontRef idx="minor">
+                  <a:schemeClr val="lt1"/>
+                </a:fontRef>
+              </p:style>
+              <p:txBody>
+                <a:bodyPr rtlCol="0" anchor="ctr"/>
+                <a:lstStyle/>
+                <a:p>
+                  <a:pPr algn="ctr"/>
+                  <a:endParaRPr lang="en-US"/>
+                </a:p>
+              </p:txBody>
+            </p:sp>
+            <p:sp>
+              <p:nvSpPr>
+                <p:cNvPr id="52" name="Isosceles Triangle 51">
+                  <a:extLst>
+                    <a:ext uri="{FF2B5EF4-FFF2-40B4-BE49-F238E27FC236}">
+                      <a16:creationId xmlns:a16="http://schemas.microsoft.com/office/drawing/2014/main" id="{1539072A-C734-4751-EA30-8E3ED9663D04}"/>
+                    </a:ext>
+                  </a:extLst>
+                </p:cNvPr>
+                <p:cNvSpPr/>
+                <p:nvPr/>
+              </p:nvSpPr>
+              <p:spPr>
+                <a:xfrm rot="15000000">
+                  <a:off x="7129715" y="5290082"/>
+                  <a:ext cx="156870" cy="91440"/>
+                </a:xfrm>
+                <a:prstGeom prst="triangle">
+                  <a:avLst/>
+                </a:prstGeom>
+                <a:solidFill>
+                  <a:schemeClr val="accent1"/>
+                </a:solidFill>
+              </p:spPr>
+              <p:style>
+                <a:lnRef idx="2">
+                  <a:schemeClr val="accent1">
+                    <a:shade val="15000"/>
+                  </a:schemeClr>
+                </a:lnRef>
+                <a:fillRef idx="1">
+                  <a:schemeClr val="accent1"/>
+                </a:fillRef>
+                <a:effectRef idx="0">
+                  <a:schemeClr val="accent1"/>
+                </a:effectRef>
+                <a:fontRef idx="minor">
+                  <a:schemeClr val="lt1"/>
+                </a:fontRef>
+              </p:style>
+              <p:txBody>
+                <a:bodyPr rtlCol="0" anchor="ctr"/>
+                <a:lstStyle/>
+                <a:p>
+                  <a:pPr algn="ctr"/>
+                  <a:endParaRPr lang="en-US"/>
+                </a:p>
+              </p:txBody>
+            </p:sp>
+            <p:pic>
+              <p:nvPicPr>
+                <p:cNvPr id="55" name="Graphic 54" descr="Download from cloud">
+                  <a:extLst>
+                    <a:ext uri="{FF2B5EF4-FFF2-40B4-BE49-F238E27FC236}">
+                      <a16:creationId xmlns:a16="http://schemas.microsoft.com/office/drawing/2014/main" id="{7C4CA6A8-26A3-665C-905A-0B95BC304931}"/>
+                    </a:ext>
+                  </a:extLst>
+                </p:cNvPr>
+                <p:cNvPicPr>
+                  <a:picLocks noChangeAspect="1"/>
+                </p:cNvPicPr>
+                <p:nvPr/>
+              </p:nvPicPr>
+              <p:blipFill>
+                <a:blip r:embed="rId2">
+                  <a:extLst>
+                    <a:ext uri="{96DAC541-7B7A-43D3-8B79-37D633B846F1}">
+                      <asvg:svgBlip xmlns:asvg="http://schemas.microsoft.com/office/drawing/2016/SVG/main" r:embed="rId3"/>
+                    </a:ext>
+                  </a:extLst>
+                </a:blip>
+                <a:stretch>
+                  <a:fillRect/>
+                </a:stretch>
+              </p:blipFill>
+              <p:spPr>
+                <a:xfrm>
+                  <a:off x="7392324" y="2397624"/>
+                  <a:ext cx="648881" cy="648881"/>
+                </a:xfrm>
+                <a:prstGeom prst="rect">
+                  <a:avLst/>
+                </a:prstGeom>
+              </p:spPr>
+            </p:pic>
+            <p:pic>
+              <p:nvPicPr>
+                <p:cNvPr id="61" name="Graphic 60" descr="Filter">
+                  <a:extLst>
+                    <a:ext uri="{FF2B5EF4-FFF2-40B4-BE49-F238E27FC236}">
+                      <a16:creationId xmlns:a16="http://schemas.microsoft.com/office/drawing/2014/main" id="{512FC50A-4E4D-0A68-EB34-BF4E0C2C8786}"/>
+                    </a:ext>
+                  </a:extLst>
+                </p:cNvPr>
+                <p:cNvPicPr>
+                  <a:picLocks noChangeAspect="1"/>
+                </p:cNvPicPr>
+                <p:nvPr/>
+              </p:nvPicPr>
+              <p:blipFill>
+                <a:blip r:embed="rId8">
+                  <a:extLst>
+                    <a:ext uri="{96DAC541-7B7A-43D3-8B79-37D633B846F1}">
+                      <asvg:svgBlip xmlns:asvg="http://schemas.microsoft.com/office/drawing/2016/SVG/main" r:embed="rId9"/>
+                    </a:ext>
+                  </a:extLst>
+                </a:blip>
+                <a:stretch>
+                  <a:fillRect/>
+                </a:stretch>
+              </p:blipFill>
+              <p:spPr>
+                <a:xfrm>
+                  <a:off x="7373333" y="4765312"/>
+                  <a:ext cx="689723" cy="689723"/>
+                </a:xfrm>
+                <a:prstGeom prst="rect">
+                  <a:avLst/>
+                </a:prstGeom>
+              </p:spPr>
+            </p:pic>
+            <p:pic>
+              <p:nvPicPr>
+                <p:cNvPr id="62" name="Graphic 61" descr="Open folder">
+                  <a:extLst>
+                    <a:ext uri="{FF2B5EF4-FFF2-40B4-BE49-F238E27FC236}">
+                      <a16:creationId xmlns:a16="http://schemas.microsoft.com/office/drawing/2014/main" id="{D9398C7C-103E-ECE7-C9AD-984B2C1ABFA9}"/>
+                    </a:ext>
+                  </a:extLst>
+                </p:cNvPr>
+                <p:cNvPicPr>
+                  <a:picLocks noChangeAspect="1"/>
+                </p:cNvPicPr>
+                <p:nvPr/>
+              </p:nvPicPr>
+              <p:blipFill>
+                <a:blip r:embed="rId4">
+                  <a:extLst>
+                    <a:ext uri="{96DAC541-7B7A-43D3-8B79-37D633B846F1}">
+                      <asvg:svgBlip xmlns:asvg="http://schemas.microsoft.com/office/drawing/2016/SVG/main" r:embed="rId5"/>
+                    </a:ext>
+                  </a:extLst>
+                </a:blip>
+                <a:stretch>
+                  <a:fillRect/>
+                </a:stretch>
+              </p:blipFill>
+              <p:spPr>
+                <a:xfrm>
+                  <a:off x="7371902" y="3575403"/>
+                  <a:ext cx="689723" cy="689723"/>
+                </a:xfrm>
+                <a:prstGeom prst="rect">
+                  <a:avLst/>
+                </a:prstGeom>
+              </p:spPr>
+            </p:pic>
+          </p:grpSp>
+        </p:grpSp>
+        <p:grpSp>
+          <p:nvGrpSpPr>
+            <p:cNvPr id="75" name="Group 74">
+              <a:extLst>
+                <a:ext uri="{FF2B5EF4-FFF2-40B4-BE49-F238E27FC236}">
+                  <a16:creationId xmlns:a16="http://schemas.microsoft.com/office/drawing/2014/main" id="{3C6AF32F-2129-0077-B43F-D005CFBA1A6C}"/>
+                </a:ext>
+              </a:extLst>
+            </p:cNvPr>
+            <p:cNvGrpSpPr/>
+            <p:nvPr/>
+          </p:nvGrpSpPr>
+          <p:grpSpPr>
+            <a:xfrm>
+              <a:off x="5000625" y="4477859"/>
+              <a:ext cx="1771650" cy="1529821"/>
+              <a:chOff x="5000625" y="4477859"/>
+              <a:chExt cx="1771650" cy="1529821"/>
+            </a:xfrm>
+          </p:grpSpPr>
+          <p:sp>
+            <p:nvSpPr>
+              <p:cNvPr id="42" name="Oval 41">
+                <a:extLst>
+                  <a:ext uri="{FF2B5EF4-FFF2-40B4-BE49-F238E27FC236}">
+                    <a16:creationId xmlns:a16="http://schemas.microsoft.com/office/drawing/2014/main" id="{2A82B2AD-FCA2-90FF-A2AF-051FD30E5F3F}"/>
+                  </a:ext>
+                </a:extLst>
+              </p:cNvPr>
+              <p:cNvSpPr>
+                <a:spLocks noChangeAspect="1"/>
+              </p:cNvSpPr>
+              <p:nvPr/>
+            </p:nvSpPr>
+            <p:spPr>
+              <a:xfrm>
+                <a:off x="5429250" y="5093280"/>
+                <a:ext cx="914400" cy="914400"/>
+              </a:xfrm>
+              <a:prstGeom prst="ellipse">
+                <a:avLst/>
+              </a:prstGeom>
+              <a:solidFill>
+                <a:schemeClr val="accent1">
+                  <a:lumMod val="50000"/>
+                </a:schemeClr>
+              </a:solidFill>
+            </p:spPr>
+            <p:style>
+              <a:lnRef idx="2">
+                <a:schemeClr val="accent1">
+                  <a:shade val="15000"/>
+                </a:schemeClr>
+              </a:lnRef>
+              <a:fillRef idx="1">
+                <a:schemeClr val="accent1"/>
+              </a:fillRef>
+              <a:effectRef idx="0">
+                <a:schemeClr val="accent1"/>
+              </a:effectRef>
+              <a:fontRef idx="minor">
+                <a:schemeClr val="lt1"/>
+              </a:fontRef>
+            </p:style>
+            <p:txBody>
+              <a:bodyPr rtlCol="0" anchor="ctr"/>
+              <a:lstStyle/>
+              <a:p>
+                <a:pPr algn="ctr"/>
+                <a:endParaRPr lang="en-US"/>
+              </a:p>
+            </p:txBody>
+          </p:sp>
+          <p:sp>
+            <p:nvSpPr>
+              <p:cNvPr id="44" name="TextBox 43">
+                <a:extLst>
+                  <a:ext uri="{FF2B5EF4-FFF2-40B4-BE49-F238E27FC236}">
+                    <a16:creationId xmlns:a16="http://schemas.microsoft.com/office/drawing/2014/main" id="{2AE93D33-7C90-5308-6469-A26F1C9F1152}"/>
+                  </a:ext>
+                </a:extLst>
+              </p:cNvPr>
+              <p:cNvSpPr txBox="1"/>
+              <p:nvPr/>
+            </p:nvSpPr>
+            <p:spPr>
+              <a:xfrm>
+                <a:off x="5000625" y="4477859"/>
+                <a:ext cx="1771650" cy="523220"/>
+              </a:xfrm>
+              <a:prstGeom prst="rect">
+                <a:avLst/>
+              </a:prstGeom>
+              <a:noFill/>
+            </p:spPr>
+            <p:txBody>
+              <a:bodyPr wrap="square">
+                <a:spAutoFit/>
+              </a:bodyPr>
+              <a:lstStyle/>
+              <a:p>
+                <a:pPr algn="ctr"/>
+                <a:r>
+                  <a:rPr lang="en-US" sz="1400" b="1" dirty="0">
+                    <a:solidFill>
+                      <a:schemeClr val="accent1"/>
+                    </a:solidFill>
+                  </a:rPr>
+                  <a:t>Input data with tagged bill contents</a:t>
+                </a:r>
+                <a:endParaRPr lang="en-US" sz="1400" dirty="0"/>
+              </a:p>
+            </p:txBody>
+          </p:sp>
+          <p:pic>
+            <p:nvPicPr>
+              <p:cNvPr id="67" name="Graphic 66" descr="Database">
+                <a:extLst>
+                  <a:ext uri="{FF2B5EF4-FFF2-40B4-BE49-F238E27FC236}">
+                    <a16:creationId xmlns:a16="http://schemas.microsoft.com/office/drawing/2014/main" id="{600DA1CB-FDD8-F41D-ACC3-0E87BD48CD38}"/>
+                  </a:ext>
+                </a:extLst>
+              </p:cNvPr>
+              <p:cNvPicPr>
+                <a:picLocks noChangeAspect="1"/>
+              </p:cNvPicPr>
+              <p:nvPr/>
+            </p:nvPicPr>
+            <p:blipFill>
+              <a:blip r:embed="rId10">
+                <a:extLst>
+                  <a:ext uri="{96DAC541-7B7A-43D3-8B79-37D633B846F1}">
+                    <asvg:svgBlip xmlns:asvg="http://schemas.microsoft.com/office/drawing/2016/SVG/main" r:embed="rId11"/>
+                  </a:ext>
+                </a:extLst>
+              </a:blip>
+              <a:stretch>
+                <a:fillRect/>
+              </a:stretch>
+            </p:blipFill>
+            <p:spPr>
+              <a:xfrm>
+                <a:off x="5552806" y="5216836"/>
+                <a:ext cx="667288" cy="667288"/>
+              </a:xfrm>
+              <a:prstGeom prst="rect">
+                <a:avLst/>
+              </a:prstGeom>
+            </p:spPr>
+          </p:pic>
+        </p:grpSp>
+      </p:grpSp>
+      <p:cxnSp>
+        <p:nvCxnSpPr>
+          <p:cNvPr id="70" name="Straight Connector 69">
+            <a:extLst>
+              <a:ext uri="{FF2B5EF4-FFF2-40B4-BE49-F238E27FC236}">
+                <a16:creationId xmlns:a16="http://schemas.microsoft.com/office/drawing/2014/main" id="{768AEA44-2F0A-25F8-62ED-3F44A4CE8497}"/>
+              </a:ext>
+            </a:extLst>
+          </p:cNvPr>
+          <p:cNvCxnSpPr>
+            <a:cxnSpLocks/>
+          </p:cNvCxnSpPr>
+          <p:nvPr/>
+        </p:nvCxnSpPr>
+        <p:spPr>
+          <a:xfrm>
+            <a:off x="6096000" y="1897289"/>
+            <a:ext cx="0" cy="2304337"/>
+          </a:xfrm>
+          <a:prstGeom prst="line">
+            <a:avLst/>
+          </a:prstGeom>
+          <a:ln w="38100" cap="rnd">
+            <a:solidFill>
+              <a:schemeClr val="accent1">
+                <a:lumMod val="75000"/>
+              </a:schemeClr>
+            </a:solidFill>
+            <a:round/>
+          </a:ln>
+        </p:spPr>
+        <p:style>
+          <a:lnRef idx="1">
+            <a:schemeClr val="accent1"/>
+          </a:lnRef>
+          <a:fillRef idx="0">
+            <a:schemeClr val="accent1"/>
+          </a:fillRef>
+          <a:effectRef idx="0">
+            <a:schemeClr val="accent1"/>
+          </a:effectRef>
+          <a:fontRef idx="minor">
+            <a:schemeClr val="tx1"/>
+          </a:fontRef>
+        </p:style>
+      </p:cxnSp>
+    </p:spTree>
+    <p:extLst>
+      <p:ext uri="{BB962C8B-B14F-4D97-AF65-F5344CB8AC3E}">
+        <p14:creationId xmlns:p14="http://schemas.microsoft.com/office/powerpoint/2010/main" val="3180463161"/>
       </p:ext>
     </p:extLst>
   </p:cSld>

--- a/Final-Group-Presentation/Final-Group-Presentation.pptx
+++ b/Final-Group-Presentation/Final-Group-Presentation.pptx
@@ -5,13 +5,14 @@
     <p:sldMasterId id="2147483707" r:id="rId1"/>
   </p:sldMasterIdLst>
   <p:notesMasterIdLst>
-    <p:notesMasterId r:id="rId6"/>
+    <p:notesMasterId r:id="rId7"/>
   </p:notesMasterIdLst>
   <p:sldIdLst>
     <p:sldId id="256" r:id="rId2"/>
     <p:sldId id="258" r:id="rId3"/>
     <p:sldId id="259" r:id="rId4"/>
-    <p:sldId id="260" r:id="rId5"/>
+    <p:sldId id="261" r:id="rId5"/>
+    <p:sldId id="260" r:id="rId6"/>
   </p:sldIdLst>
   <p:sldSz cx="12192000" cy="6858000"/>
   <p:notesSz cx="6858000" cy="9144000"/>
@@ -1211,7 +1212,7 @@
           <a:p>
             <a:fld id="{302CBECC-64E8-4D1E-8BFB-44089C913D4E}" type="datetimeFigureOut">
               <a:rPr lang="en-US" smtClean="0"/>
-              <a:t>4/29/2025</a:t>
+              <a:t>4/30/2025</a:t>
             </a:fld>
             <a:endParaRPr lang="en-US"/>
           </a:p>
@@ -1718,7 +1719,7 @@
           <a:p>
             <a:fld id="{EE68DA9F-0D80-43E0-A965-2B00199E9A27}" type="datetimeFigureOut">
               <a:rPr lang="en-US" smtClean="0"/>
-              <a:t>4/29/2025</a:t>
+              <a:t>4/30/2025</a:t>
             </a:fld>
             <a:endParaRPr lang="en-US"/>
           </a:p>
@@ -1916,7 +1917,7 @@
           <a:p>
             <a:fld id="{EE68DA9F-0D80-43E0-A965-2B00199E9A27}" type="datetimeFigureOut">
               <a:rPr lang="en-US" smtClean="0"/>
-              <a:t>4/29/2025</a:t>
+              <a:t>4/30/2025</a:t>
             </a:fld>
             <a:endParaRPr lang="en-US"/>
           </a:p>
@@ -2124,7 +2125,7 @@
           <a:p>
             <a:fld id="{EE68DA9F-0D80-43E0-A965-2B00199E9A27}" type="datetimeFigureOut">
               <a:rPr lang="en-US" smtClean="0"/>
-              <a:t>4/29/2025</a:t>
+              <a:t>4/30/2025</a:t>
             </a:fld>
             <a:endParaRPr lang="en-US"/>
           </a:p>
@@ -2322,7 +2323,7 @@
           <a:p>
             <a:fld id="{EE68DA9F-0D80-43E0-A965-2B00199E9A27}" type="datetimeFigureOut">
               <a:rPr lang="en-US" smtClean="0"/>
-              <a:t>4/29/2025</a:t>
+              <a:t>4/30/2025</a:t>
             </a:fld>
             <a:endParaRPr lang="en-US"/>
           </a:p>
@@ -2597,7 +2598,7 @@
           <a:p>
             <a:fld id="{EE68DA9F-0D80-43E0-A965-2B00199E9A27}" type="datetimeFigureOut">
               <a:rPr lang="en-US" smtClean="0"/>
-              <a:t>4/29/2025</a:t>
+              <a:t>4/30/2025</a:t>
             </a:fld>
             <a:endParaRPr lang="en-US"/>
           </a:p>
@@ -2862,7 +2863,7 @@
           <a:p>
             <a:fld id="{EE68DA9F-0D80-43E0-A965-2B00199E9A27}" type="datetimeFigureOut">
               <a:rPr lang="en-US" smtClean="0"/>
-              <a:t>4/29/2025</a:t>
+              <a:t>4/30/2025</a:t>
             </a:fld>
             <a:endParaRPr lang="en-US"/>
           </a:p>
@@ -3274,7 +3275,7 @@
           <a:p>
             <a:fld id="{EE68DA9F-0D80-43E0-A965-2B00199E9A27}" type="datetimeFigureOut">
               <a:rPr lang="en-US" smtClean="0"/>
-              <a:t>4/29/2025</a:t>
+              <a:t>4/30/2025</a:t>
             </a:fld>
             <a:endParaRPr lang="en-US"/>
           </a:p>
@@ -3415,7 +3416,7 @@
           <a:p>
             <a:fld id="{EE68DA9F-0D80-43E0-A965-2B00199E9A27}" type="datetimeFigureOut">
               <a:rPr lang="en-US" smtClean="0"/>
-              <a:t>4/29/2025</a:t>
+              <a:t>4/30/2025</a:t>
             </a:fld>
             <a:endParaRPr lang="en-US"/>
           </a:p>
@@ -3528,7 +3529,7 @@
           <a:p>
             <a:fld id="{EE68DA9F-0D80-43E0-A965-2B00199E9A27}" type="datetimeFigureOut">
               <a:rPr lang="en-US" smtClean="0"/>
-              <a:t>4/29/2025</a:t>
+              <a:t>4/30/2025</a:t>
             </a:fld>
             <a:endParaRPr lang="en-US"/>
           </a:p>
@@ -3839,7 +3840,7 @@
           <a:p>
             <a:fld id="{EE68DA9F-0D80-43E0-A965-2B00199E9A27}" type="datetimeFigureOut">
               <a:rPr lang="en-US" smtClean="0"/>
-              <a:t>4/29/2025</a:t>
+              <a:t>4/30/2025</a:t>
             </a:fld>
             <a:endParaRPr lang="en-US"/>
           </a:p>
@@ -4127,7 +4128,7 @@
           <a:p>
             <a:fld id="{EE68DA9F-0D80-43E0-A965-2B00199E9A27}" type="datetimeFigureOut">
               <a:rPr lang="en-US" smtClean="0"/>
-              <a:t>4/29/2025</a:t>
+              <a:t>4/30/2025</a:t>
             </a:fld>
             <a:endParaRPr lang="en-US"/>
           </a:p>
@@ -4368,7 +4369,7 @@
           <a:p>
             <a:fld id="{EE68DA9F-0D80-43E0-A965-2B00199E9A27}" type="datetimeFigureOut">
               <a:rPr lang="en-US" smtClean="0"/>
-              <a:t>4/29/2025</a:t>
+              <a:t>4/30/2025</a:t>
             </a:fld>
             <a:endParaRPr lang="en-US"/>
           </a:p>
@@ -6113,7 +6114,7 @@
           <p:cNvPr id="2" name="Title 1">
             <a:extLst>
               <a:ext uri="{FF2B5EF4-FFF2-40B4-BE49-F238E27FC236}">
-                <a16:creationId xmlns:a16="http://schemas.microsoft.com/office/drawing/2014/main" id="{3BFA9CA1-6DE8-EC11-2644-E388BC2DFB67}"/>
+                <a16:creationId xmlns:a16="http://schemas.microsoft.com/office/drawing/2014/main" id="{9CD21448-33F3-257A-54A2-78D28C67A57E}"/>
               </a:ext>
             </a:extLst>
           </p:cNvPr>
@@ -6131,6 +6132,1669 @@
           <a:p>
             <a:r>
               <a:rPr lang="en-US" dirty="0"/>
+              <a:t>Classical NLP methods have significant implementation benefits relative to SOTA neural networks</a:t>
+            </a:r>
+          </a:p>
+        </p:txBody>
+      </p:sp>
+      <p:cxnSp>
+        <p:nvCxnSpPr>
+          <p:cNvPr id="3" name="Straight Connector 2">
+            <a:extLst>
+              <a:ext uri="{FF2B5EF4-FFF2-40B4-BE49-F238E27FC236}">
+                <a16:creationId xmlns:a16="http://schemas.microsoft.com/office/drawing/2014/main" id="{BE5396D1-4328-7C47-E295-BDE82A584F35}"/>
+              </a:ext>
+            </a:extLst>
+          </p:cNvPr>
+          <p:cNvCxnSpPr/>
+          <p:nvPr/>
+        </p:nvCxnSpPr>
+        <p:spPr>
+          <a:xfrm>
+            <a:off x="6096000" y="1897289"/>
+            <a:ext cx="0" cy="3933372"/>
+          </a:xfrm>
+          <a:prstGeom prst="line">
+            <a:avLst/>
+          </a:prstGeom>
+          <a:ln w="38100" cap="rnd">
+            <a:solidFill>
+              <a:schemeClr val="accent1">
+                <a:lumMod val="75000"/>
+              </a:schemeClr>
+            </a:solidFill>
+            <a:round/>
+          </a:ln>
+        </p:spPr>
+        <p:style>
+          <a:lnRef idx="1">
+            <a:schemeClr val="accent1"/>
+          </a:lnRef>
+          <a:fillRef idx="0">
+            <a:schemeClr val="accent1"/>
+          </a:fillRef>
+          <a:effectRef idx="0">
+            <a:schemeClr val="accent1"/>
+          </a:effectRef>
+          <a:fontRef idx="minor">
+            <a:schemeClr val="tx1"/>
+          </a:fontRef>
+        </p:style>
+      </p:cxnSp>
+      <p:sp>
+        <p:nvSpPr>
+          <p:cNvPr id="4" name="TextBox 3">
+            <a:extLst>
+              <a:ext uri="{FF2B5EF4-FFF2-40B4-BE49-F238E27FC236}">
+                <a16:creationId xmlns:a16="http://schemas.microsoft.com/office/drawing/2014/main" id="{0465654F-EF43-EFCD-DE86-9683F2C7787D}"/>
+              </a:ext>
+            </a:extLst>
+          </p:cNvPr>
+          <p:cNvSpPr txBox="1"/>
+          <p:nvPr/>
+        </p:nvSpPr>
+        <p:spPr>
+          <a:xfrm>
+            <a:off x="838200" y="1900340"/>
+            <a:ext cx="4849088" cy="646331"/>
+          </a:xfrm>
+          <a:prstGeom prst="rect">
+            <a:avLst/>
+          </a:prstGeom>
+          <a:noFill/>
+        </p:spPr>
+        <p:txBody>
+          <a:bodyPr wrap="square">
+            <a:spAutoFit/>
+          </a:bodyPr>
+          <a:lstStyle/>
+          <a:p>
+            <a:pPr algn="ctr"/>
+            <a:r>
+              <a:rPr lang="en-US" sz="1800" b="1" dirty="0">
+                <a:solidFill>
+                  <a:schemeClr val="accent1"/>
+                </a:solidFill>
+              </a:rPr>
+              <a:t>The CRS must be able to justify label choices for various stakeholders</a:t>
+            </a:r>
+            <a:endParaRPr lang="en-US" sz="1800" dirty="0">
+              <a:solidFill>
+                <a:schemeClr val="accent1"/>
+              </a:solidFill>
+            </a:endParaRPr>
+          </a:p>
+        </p:txBody>
+      </p:sp>
+      <p:sp>
+        <p:nvSpPr>
+          <p:cNvPr id="5" name="TextBox 4">
+            <a:extLst>
+              <a:ext uri="{FF2B5EF4-FFF2-40B4-BE49-F238E27FC236}">
+                <a16:creationId xmlns:a16="http://schemas.microsoft.com/office/drawing/2014/main" id="{152C8125-4481-EE88-61EA-F9EFE054E1F4}"/>
+              </a:ext>
+            </a:extLst>
+          </p:cNvPr>
+          <p:cNvSpPr txBox="1"/>
+          <p:nvPr/>
+        </p:nvSpPr>
+        <p:spPr>
+          <a:xfrm>
+            <a:off x="6504713" y="1897289"/>
+            <a:ext cx="4429987" cy="369332"/>
+          </a:xfrm>
+          <a:prstGeom prst="rect">
+            <a:avLst/>
+          </a:prstGeom>
+          <a:noFill/>
+        </p:spPr>
+        <p:txBody>
+          <a:bodyPr wrap="square">
+            <a:spAutoFit/>
+          </a:bodyPr>
+          <a:lstStyle/>
+          <a:p>
+            <a:pPr algn="ctr"/>
+            <a:r>
+              <a:rPr lang="en-US" sz="1800" b="1" dirty="0">
+                <a:solidFill>
+                  <a:schemeClr val="accent1"/>
+                </a:solidFill>
+              </a:rPr>
+              <a:t>Implementation is easier and cost-effective</a:t>
+            </a:r>
+            <a:endParaRPr lang="en-US" sz="1800" dirty="0">
+              <a:solidFill>
+                <a:schemeClr val="accent1"/>
+              </a:solidFill>
+            </a:endParaRPr>
+          </a:p>
+        </p:txBody>
+      </p:sp>
+      <p:grpSp>
+        <p:nvGrpSpPr>
+          <p:cNvPr id="8" name="Group 7">
+            <a:extLst>
+              <a:ext uri="{FF2B5EF4-FFF2-40B4-BE49-F238E27FC236}">
+                <a16:creationId xmlns:a16="http://schemas.microsoft.com/office/drawing/2014/main" id="{3C7380E2-A8C5-681F-3151-1F7213923F8D}"/>
+              </a:ext>
+            </a:extLst>
+          </p:cNvPr>
+          <p:cNvGrpSpPr/>
+          <p:nvPr/>
+        </p:nvGrpSpPr>
+        <p:grpSpPr>
+          <a:xfrm>
+            <a:off x="2652111" y="3916580"/>
+            <a:ext cx="914400" cy="914400"/>
+            <a:chOff x="3647212" y="3755879"/>
+            <a:chExt cx="914400" cy="914400"/>
+          </a:xfrm>
+        </p:grpSpPr>
+        <p:sp>
+          <p:nvSpPr>
+            <p:cNvPr id="6" name="Oval 5">
+              <a:extLst>
+                <a:ext uri="{FF2B5EF4-FFF2-40B4-BE49-F238E27FC236}">
+                  <a16:creationId xmlns:a16="http://schemas.microsoft.com/office/drawing/2014/main" id="{D9F0B86E-4C4A-8426-C548-8E248CED4D64}"/>
+                </a:ext>
+              </a:extLst>
+            </p:cNvPr>
+            <p:cNvSpPr>
+              <a:spLocks noChangeAspect="1"/>
+            </p:cNvSpPr>
+            <p:nvPr/>
+          </p:nvSpPr>
+          <p:spPr>
+            <a:xfrm>
+              <a:off x="3647212" y="3755879"/>
+              <a:ext cx="914400" cy="914400"/>
+            </a:xfrm>
+            <a:prstGeom prst="ellipse">
+              <a:avLst/>
+            </a:prstGeom>
+            <a:ln>
+              <a:solidFill>
+                <a:schemeClr val="accent1">
+                  <a:lumMod val="50000"/>
+                </a:schemeClr>
+              </a:solidFill>
+            </a:ln>
+          </p:spPr>
+          <p:style>
+            <a:lnRef idx="2">
+              <a:schemeClr val="accent1">
+                <a:shade val="15000"/>
+              </a:schemeClr>
+            </a:lnRef>
+            <a:fillRef idx="1">
+              <a:schemeClr val="accent1"/>
+            </a:fillRef>
+            <a:effectRef idx="0">
+              <a:schemeClr val="accent1"/>
+            </a:effectRef>
+            <a:fontRef idx="minor">
+              <a:schemeClr val="lt1"/>
+            </a:fontRef>
+          </p:style>
+          <p:txBody>
+            <a:bodyPr rtlCol="0" anchor="ctr"/>
+            <a:lstStyle/>
+            <a:p>
+              <a:pPr algn="ctr"/>
+              <a:endParaRPr lang="en-US" dirty="0"/>
+            </a:p>
+          </p:txBody>
+        </p:sp>
+        <p:pic>
+          <p:nvPicPr>
+            <p:cNvPr id="7" name="Graphic 6">
+              <a:extLst>
+                <a:ext uri="{FF2B5EF4-FFF2-40B4-BE49-F238E27FC236}">
+                  <a16:creationId xmlns:a16="http://schemas.microsoft.com/office/drawing/2014/main" id="{5E4F9BD7-2463-8EF6-5954-586602D451FF}"/>
+                </a:ext>
+              </a:extLst>
+            </p:cNvPr>
+            <p:cNvPicPr>
+              <a:picLocks noChangeAspect="1"/>
+            </p:cNvPicPr>
+            <p:nvPr/>
+          </p:nvPicPr>
+          <p:blipFill>
+            <a:blip r:embed="rId2">
+              <a:extLst>
+                <a:ext uri="{96DAC541-7B7A-43D3-8B79-37D633B846F1}">
+                  <asvg:svgBlip xmlns:asvg="http://schemas.microsoft.com/office/drawing/2016/SVG/main" r:embed="rId3"/>
+                </a:ext>
+              </a:extLst>
+            </a:blip>
+            <a:srcRect/>
+            <a:stretch/>
+          </p:blipFill>
+          <p:spPr>
+            <a:xfrm>
+              <a:off x="3759548" y="3864205"/>
+              <a:ext cx="689723" cy="689723"/>
+            </a:xfrm>
+            <a:prstGeom prst="rect">
+              <a:avLst/>
+            </a:prstGeom>
+          </p:spPr>
+        </p:pic>
+      </p:grpSp>
+      <p:grpSp>
+        <p:nvGrpSpPr>
+          <p:cNvPr id="35" name="Group 34">
+            <a:extLst>
+              <a:ext uri="{FF2B5EF4-FFF2-40B4-BE49-F238E27FC236}">
+                <a16:creationId xmlns:a16="http://schemas.microsoft.com/office/drawing/2014/main" id="{A933581F-965A-2F2E-EB7B-3D6710757002}"/>
+              </a:ext>
+            </a:extLst>
+          </p:cNvPr>
+          <p:cNvGrpSpPr/>
+          <p:nvPr/>
+        </p:nvGrpSpPr>
+        <p:grpSpPr>
+          <a:xfrm>
+            <a:off x="498116" y="2810964"/>
+            <a:ext cx="1900575" cy="1276340"/>
+            <a:chOff x="665596" y="2686116"/>
+            <a:chExt cx="1900575" cy="1276340"/>
+          </a:xfrm>
+        </p:grpSpPr>
+        <p:grpSp>
+          <p:nvGrpSpPr>
+            <p:cNvPr id="11" name="Group 10">
+              <a:extLst>
+                <a:ext uri="{FF2B5EF4-FFF2-40B4-BE49-F238E27FC236}">
+                  <a16:creationId xmlns:a16="http://schemas.microsoft.com/office/drawing/2014/main" id="{9F2F266D-624D-0221-43E9-3FFC8FF3C7A2}"/>
+                </a:ext>
+              </a:extLst>
+            </p:cNvPr>
+            <p:cNvGrpSpPr/>
+            <p:nvPr/>
+          </p:nvGrpSpPr>
+          <p:grpSpPr>
+            <a:xfrm>
+              <a:off x="1154707" y="3048056"/>
+              <a:ext cx="914400" cy="914400"/>
+              <a:chOff x="3647212" y="3755879"/>
+              <a:chExt cx="914400" cy="914400"/>
+            </a:xfrm>
+          </p:grpSpPr>
+          <p:sp>
+            <p:nvSpPr>
+              <p:cNvPr id="12" name="Oval 11">
+                <a:extLst>
+                  <a:ext uri="{FF2B5EF4-FFF2-40B4-BE49-F238E27FC236}">
+                    <a16:creationId xmlns:a16="http://schemas.microsoft.com/office/drawing/2014/main" id="{084BC060-141F-9250-3D0C-B0EF557179F0}"/>
+                  </a:ext>
+                </a:extLst>
+              </p:cNvPr>
+              <p:cNvSpPr>
+                <a:spLocks noChangeAspect="1"/>
+              </p:cNvSpPr>
+              <p:nvPr/>
+            </p:nvSpPr>
+            <p:spPr>
+              <a:xfrm>
+                <a:off x="3647212" y="3755879"/>
+                <a:ext cx="914400" cy="914400"/>
+              </a:xfrm>
+              <a:prstGeom prst="ellipse">
+                <a:avLst/>
+              </a:prstGeom>
+              <a:solidFill>
+                <a:schemeClr val="accent1">
+                  <a:lumMod val="60000"/>
+                  <a:lumOff val="40000"/>
+                </a:schemeClr>
+              </a:solidFill>
+              <a:ln>
+                <a:solidFill>
+                  <a:schemeClr val="accent1">
+                    <a:lumMod val="50000"/>
+                  </a:schemeClr>
+                </a:solidFill>
+              </a:ln>
+            </p:spPr>
+            <p:style>
+              <a:lnRef idx="2">
+                <a:schemeClr val="accent1">
+                  <a:shade val="15000"/>
+                </a:schemeClr>
+              </a:lnRef>
+              <a:fillRef idx="1">
+                <a:schemeClr val="accent1"/>
+              </a:fillRef>
+              <a:effectRef idx="0">
+                <a:schemeClr val="accent1"/>
+              </a:effectRef>
+              <a:fontRef idx="minor">
+                <a:schemeClr val="lt1"/>
+              </a:fontRef>
+            </p:style>
+            <p:txBody>
+              <a:bodyPr rtlCol="0" anchor="ctr"/>
+              <a:lstStyle/>
+              <a:p>
+                <a:pPr algn="ctr"/>
+                <a:endParaRPr lang="en-US"/>
+              </a:p>
+            </p:txBody>
+          </p:sp>
+          <p:pic>
+            <p:nvPicPr>
+              <p:cNvPr id="13" name="Graphic 12">
+                <a:extLst>
+                  <a:ext uri="{FF2B5EF4-FFF2-40B4-BE49-F238E27FC236}">
+                    <a16:creationId xmlns:a16="http://schemas.microsoft.com/office/drawing/2014/main" id="{90112F71-3E58-B355-3A63-F3E32CAC06B1}"/>
+                  </a:ext>
+                </a:extLst>
+              </p:cNvPr>
+              <p:cNvPicPr>
+                <a:picLocks noChangeAspect="1"/>
+              </p:cNvPicPr>
+              <p:nvPr/>
+            </p:nvPicPr>
+            <p:blipFill>
+              <a:blip r:embed="rId4">
+                <a:extLst>
+                  <a:ext uri="{96DAC541-7B7A-43D3-8B79-37D633B846F1}">
+                    <asvg:svgBlip xmlns:asvg="http://schemas.microsoft.com/office/drawing/2016/SVG/main" r:embed="rId5"/>
+                  </a:ext>
+                </a:extLst>
+              </a:blip>
+              <a:srcRect/>
+              <a:stretch/>
+            </p:blipFill>
+            <p:spPr>
+              <a:xfrm>
+                <a:off x="3759548" y="3864205"/>
+                <a:ext cx="689723" cy="689723"/>
+              </a:xfrm>
+              <a:prstGeom prst="rect">
+                <a:avLst/>
+              </a:prstGeom>
+            </p:spPr>
+          </p:pic>
+        </p:grpSp>
+        <p:sp>
+          <p:nvSpPr>
+            <p:cNvPr id="26" name="TextBox 25">
+              <a:extLst>
+                <a:ext uri="{FF2B5EF4-FFF2-40B4-BE49-F238E27FC236}">
+                  <a16:creationId xmlns:a16="http://schemas.microsoft.com/office/drawing/2014/main" id="{7087E6BE-E933-E795-668C-8947D2E91E1D}"/>
+                </a:ext>
+              </a:extLst>
+            </p:cNvPr>
+            <p:cNvSpPr txBox="1"/>
+            <p:nvPr/>
+          </p:nvSpPr>
+          <p:spPr>
+            <a:xfrm>
+              <a:off x="665596" y="2686116"/>
+              <a:ext cx="1900575" cy="307777"/>
+            </a:xfrm>
+            <a:prstGeom prst="rect">
+              <a:avLst/>
+            </a:prstGeom>
+            <a:noFill/>
+          </p:spPr>
+          <p:txBody>
+            <a:bodyPr wrap="square" anchor="ctr">
+              <a:spAutoFit/>
+            </a:bodyPr>
+            <a:lstStyle/>
+            <a:p>
+              <a:pPr algn="ctr"/>
+              <a:r>
+                <a:rPr lang="en-US" sz="1400" b="1" dirty="0">
+                  <a:solidFill>
+                    <a:schemeClr val="accent1"/>
+                  </a:solidFill>
+                </a:rPr>
+                <a:t>Congressional offices</a:t>
+              </a:r>
+              <a:endParaRPr lang="en-US" sz="1400" dirty="0"/>
+            </a:p>
+          </p:txBody>
+        </p:sp>
+      </p:grpSp>
+      <p:grpSp>
+        <p:nvGrpSpPr>
+          <p:cNvPr id="36" name="Group 35">
+            <a:extLst>
+              <a:ext uri="{FF2B5EF4-FFF2-40B4-BE49-F238E27FC236}">
+                <a16:creationId xmlns:a16="http://schemas.microsoft.com/office/drawing/2014/main" id="{587AA8EC-2A4E-FAE3-DB95-CC0CC2C8EA8B}"/>
+              </a:ext>
+            </a:extLst>
+          </p:cNvPr>
+          <p:cNvGrpSpPr/>
+          <p:nvPr/>
+        </p:nvGrpSpPr>
+        <p:grpSpPr>
+          <a:xfrm>
+            <a:off x="3859369" y="2810964"/>
+            <a:ext cx="1900575" cy="1298470"/>
+            <a:chOff x="3734976" y="2686116"/>
+            <a:chExt cx="1900575" cy="1298470"/>
+          </a:xfrm>
+        </p:grpSpPr>
+        <p:grpSp>
+          <p:nvGrpSpPr>
+            <p:cNvPr id="21" name="Group 20">
+              <a:extLst>
+                <a:ext uri="{FF2B5EF4-FFF2-40B4-BE49-F238E27FC236}">
+                  <a16:creationId xmlns:a16="http://schemas.microsoft.com/office/drawing/2014/main" id="{EEC4A9A8-BE3C-B770-5DA1-731F380FF56F}"/>
+                </a:ext>
+              </a:extLst>
+            </p:cNvPr>
+            <p:cNvGrpSpPr/>
+            <p:nvPr/>
+          </p:nvGrpSpPr>
+          <p:grpSpPr>
+            <a:xfrm>
+              <a:off x="4228067" y="3070186"/>
+              <a:ext cx="914400" cy="914400"/>
+              <a:chOff x="3647212" y="3755879"/>
+              <a:chExt cx="914400" cy="914400"/>
+            </a:xfrm>
+          </p:grpSpPr>
+          <p:sp>
+            <p:nvSpPr>
+              <p:cNvPr id="22" name="Oval 21">
+                <a:extLst>
+                  <a:ext uri="{FF2B5EF4-FFF2-40B4-BE49-F238E27FC236}">
+                    <a16:creationId xmlns:a16="http://schemas.microsoft.com/office/drawing/2014/main" id="{14E8FDD1-1A62-FF1B-DD1F-D6BC7157269F}"/>
+                  </a:ext>
+                </a:extLst>
+              </p:cNvPr>
+              <p:cNvSpPr>
+                <a:spLocks noChangeAspect="1"/>
+              </p:cNvSpPr>
+              <p:nvPr/>
+            </p:nvSpPr>
+            <p:spPr>
+              <a:xfrm>
+                <a:off x="3647212" y="3755879"/>
+                <a:ext cx="914400" cy="914400"/>
+              </a:xfrm>
+              <a:prstGeom prst="ellipse">
+                <a:avLst/>
+              </a:prstGeom>
+              <a:solidFill>
+                <a:schemeClr val="accent1">
+                  <a:lumMod val="60000"/>
+                  <a:lumOff val="40000"/>
+                </a:schemeClr>
+              </a:solidFill>
+              <a:ln>
+                <a:solidFill>
+                  <a:schemeClr val="accent1">
+                    <a:lumMod val="50000"/>
+                  </a:schemeClr>
+                </a:solidFill>
+              </a:ln>
+            </p:spPr>
+            <p:style>
+              <a:lnRef idx="2">
+                <a:schemeClr val="accent1">
+                  <a:shade val="15000"/>
+                </a:schemeClr>
+              </a:lnRef>
+              <a:fillRef idx="1">
+                <a:schemeClr val="accent1"/>
+              </a:fillRef>
+              <a:effectRef idx="0">
+                <a:schemeClr val="accent1"/>
+              </a:effectRef>
+              <a:fontRef idx="minor">
+                <a:schemeClr val="lt1"/>
+              </a:fontRef>
+            </p:style>
+            <p:txBody>
+              <a:bodyPr rtlCol="0" anchor="ctr"/>
+              <a:lstStyle/>
+              <a:p>
+                <a:pPr algn="ctr"/>
+                <a:endParaRPr lang="en-US"/>
+              </a:p>
+            </p:txBody>
+          </p:sp>
+          <p:pic>
+            <p:nvPicPr>
+              <p:cNvPr id="23" name="Graphic 22">
+                <a:extLst>
+                  <a:ext uri="{FF2B5EF4-FFF2-40B4-BE49-F238E27FC236}">
+                    <a16:creationId xmlns:a16="http://schemas.microsoft.com/office/drawing/2014/main" id="{2280ECBF-7A5E-EA29-71FB-FB3A0BC8D398}"/>
+                  </a:ext>
+                </a:extLst>
+              </p:cNvPr>
+              <p:cNvPicPr>
+                <a:picLocks noChangeAspect="1"/>
+              </p:cNvPicPr>
+              <p:nvPr/>
+            </p:nvPicPr>
+            <p:blipFill>
+              <a:blip r:embed="rId6">
+                <a:extLst>
+                  <a:ext uri="{96DAC541-7B7A-43D3-8B79-37D633B846F1}">
+                    <asvg:svgBlip xmlns:asvg="http://schemas.microsoft.com/office/drawing/2016/SVG/main" r:embed="rId7"/>
+                  </a:ext>
+                </a:extLst>
+              </a:blip>
+              <a:srcRect/>
+              <a:stretch/>
+            </p:blipFill>
+            <p:spPr>
+              <a:xfrm>
+                <a:off x="3759548" y="3864205"/>
+                <a:ext cx="689723" cy="689723"/>
+              </a:xfrm>
+              <a:prstGeom prst="rect">
+                <a:avLst/>
+              </a:prstGeom>
+            </p:spPr>
+          </p:pic>
+        </p:grpSp>
+        <p:sp>
+          <p:nvSpPr>
+            <p:cNvPr id="27" name="TextBox 26">
+              <a:extLst>
+                <a:ext uri="{FF2B5EF4-FFF2-40B4-BE49-F238E27FC236}">
+                  <a16:creationId xmlns:a16="http://schemas.microsoft.com/office/drawing/2014/main" id="{C06D9F6A-19C8-D4FF-3392-2C51E599381E}"/>
+                </a:ext>
+              </a:extLst>
+            </p:cNvPr>
+            <p:cNvSpPr txBox="1"/>
+            <p:nvPr/>
+          </p:nvSpPr>
+          <p:spPr>
+            <a:xfrm>
+              <a:off x="3734976" y="2686116"/>
+              <a:ext cx="1900575" cy="307777"/>
+            </a:xfrm>
+            <a:prstGeom prst="rect">
+              <a:avLst/>
+            </a:prstGeom>
+            <a:noFill/>
+          </p:spPr>
+          <p:txBody>
+            <a:bodyPr wrap="square" anchor="ctr">
+              <a:spAutoFit/>
+            </a:bodyPr>
+            <a:lstStyle/>
+            <a:p>
+              <a:pPr algn="ctr"/>
+              <a:r>
+                <a:rPr lang="en-US" sz="1400" b="1" dirty="0">
+                  <a:solidFill>
+                    <a:schemeClr val="accent1"/>
+                  </a:solidFill>
+                </a:rPr>
+                <a:t>Policy analysts</a:t>
+              </a:r>
+              <a:endParaRPr lang="en-US" sz="1400" dirty="0"/>
+            </a:p>
+          </p:txBody>
+        </p:sp>
+      </p:grpSp>
+      <p:grpSp>
+        <p:nvGrpSpPr>
+          <p:cNvPr id="34" name="Group 33">
+            <a:extLst>
+              <a:ext uri="{FF2B5EF4-FFF2-40B4-BE49-F238E27FC236}">
+                <a16:creationId xmlns:a16="http://schemas.microsoft.com/office/drawing/2014/main" id="{236DEA58-9479-5A8A-0E57-2C8594AFB751}"/>
+              </a:ext>
+            </a:extLst>
+          </p:cNvPr>
+          <p:cNvGrpSpPr/>
+          <p:nvPr/>
+        </p:nvGrpSpPr>
+        <p:grpSpPr>
+          <a:xfrm>
+            <a:off x="498116" y="4630614"/>
+            <a:ext cx="1900575" cy="1487844"/>
+            <a:chOff x="-802005" y="3044043"/>
+            <a:chExt cx="1900575" cy="1487844"/>
+          </a:xfrm>
+        </p:grpSpPr>
+        <p:grpSp>
+          <p:nvGrpSpPr>
+            <p:cNvPr id="30" name="Group 29">
+              <a:extLst>
+                <a:ext uri="{FF2B5EF4-FFF2-40B4-BE49-F238E27FC236}">
+                  <a16:creationId xmlns:a16="http://schemas.microsoft.com/office/drawing/2014/main" id="{AB4299ED-C16E-DBAE-FD6D-C7922A78AB16}"/>
+                </a:ext>
+              </a:extLst>
+            </p:cNvPr>
+            <p:cNvGrpSpPr/>
+            <p:nvPr/>
+          </p:nvGrpSpPr>
+          <p:grpSpPr>
+            <a:xfrm>
+              <a:off x="-308913" y="3044043"/>
+              <a:ext cx="914400" cy="914400"/>
+              <a:chOff x="3647212" y="3755879"/>
+              <a:chExt cx="914400" cy="914400"/>
+            </a:xfrm>
+          </p:grpSpPr>
+          <p:sp>
+            <p:nvSpPr>
+              <p:cNvPr id="31" name="Oval 30">
+                <a:extLst>
+                  <a:ext uri="{FF2B5EF4-FFF2-40B4-BE49-F238E27FC236}">
+                    <a16:creationId xmlns:a16="http://schemas.microsoft.com/office/drawing/2014/main" id="{DE9C316B-CA0E-785C-5464-EA989B765A2A}"/>
+                  </a:ext>
+                </a:extLst>
+              </p:cNvPr>
+              <p:cNvSpPr>
+                <a:spLocks noChangeAspect="1"/>
+              </p:cNvSpPr>
+              <p:nvPr/>
+            </p:nvSpPr>
+            <p:spPr>
+              <a:xfrm>
+                <a:off x="3647212" y="3755879"/>
+                <a:ext cx="914400" cy="914400"/>
+              </a:xfrm>
+              <a:prstGeom prst="ellipse">
+                <a:avLst/>
+              </a:prstGeom>
+              <a:solidFill>
+                <a:schemeClr val="accent1">
+                  <a:lumMod val="60000"/>
+                  <a:lumOff val="40000"/>
+                </a:schemeClr>
+              </a:solidFill>
+              <a:ln>
+                <a:solidFill>
+                  <a:schemeClr val="accent1">
+                    <a:lumMod val="50000"/>
+                  </a:schemeClr>
+                </a:solidFill>
+              </a:ln>
+            </p:spPr>
+            <p:style>
+              <a:lnRef idx="2">
+                <a:schemeClr val="accent1">
+                  <a:shade val="15000"/>
+                </a:schemeClr>
+              </a:lnRef>
+              <a:fillRef idx="1">
+                <a:schemeClr val="accent1"/>
+              </a:fillRef>
+              <a:effectRef idx="0">
+                <a:schemeClr val="accent1"/>
+              </a:effectRef>
+              <a:fontRef idx="minor">
+                <a:schemeClr val="lt1"/>
+              </a:fontRef>
+            </p:style>
+            <p:txBody>
+              <a:bodyPr rtlCol="0" anchor="ctr"/>
+              <a:lstStyle/>
+              <a:p>
+                <a:pPr algn="ctr"/>
+                <a:endParaRPr lang="en-US" dirty="0"/>
+              </a:p>
+            </p:txBody>
+          </p:sp>
+          <p:pic>
+            <p:nvPicPr>
+              <p:cNvPr id="32" name="Graphic 31">
+                <a:extLst>
+                  <a:ext uri="{FF2B5EF4-FFF2-40B4-BE49-F238E27FC236}">
+                    <a16:creationId xmlns:a16="http://schemas.microsoft.com/office/drawing/2014/main" id="{7EBD04EB-F112-0196-E6D5-C6C02FE4386B}"/>
+                  </a:ext>
+                </a:extLst>
+              </p:cNvPr>
+              <p:cNvPicPr>
+                <a:picLocks noChangeAspect="1"/>
+              </p:cNvPicPr>
+              <p:nvPr/>
+            </p:nvPicPr>
+            <p:blipFill>
+              <a:blip r:embed="rId8">
+                <a:extLst>
+                  <a:ext uri="{96DAC541-7B7A-43D3-8B79-37D633B846F1}">
+                    <asvg:svgBlip xmlns:asvg="http://schemas.microsoft.com/office/drawing/2016/SVG/main" r:embed="rId9"/>
+                  </a:ext>
+                </a:extLst>
+              </a:blip>
+              <a:srcRect/>
+              <a:stretch/>
+            </p:blipFill>
+            <p:spPr>
+              <a:xfrm>
+                <a:off x="3759548" y="3864205"/>
+                <a:ext cx="689723" cy="689723"/>
+              </a:xfrm>
+              <a:prstGeom prst="rect">
+                <a:avLst/>
+              </a:prstGeom>
+            </p:spPr>
+          </p:pic>
+        </p:grpSp>
+        <p:sp>
+          <p:nvSpPr>
+            <p:cNvPr id="33" name="TextBox 32">
+              <a:extLst>
+                <a:ext uri="{FF2B5EF4-FFF2-40B4-BE49-F238E27FC236}">
+                  <a16:creationId xmlns:a16="http://schemas.microsoft.com/office/drawing/2014/main" id="{6DE98BCE-1A0C-941B-A96E-39722D4C93B3}"/>
+                </a:ext>
+              </a:extLst>
+            </p:cNvPr>
+            <p:cNvSpPr txBox="1"/>
+            <p:nvPr/>
+          </p:nvSpPr>
+          <p:spPr>
+            <a:xfrm>
+              <a:off x="-802005" y="4008667"/>
+              <a:ext cx="1900575" cy="523220"/>
+            </a:xfrm>
+            <a:prstGeom prst="rect">
+              <a:avLst/>
+            </a:prstGeom>
+            <a:noFill/>
+          </p:spPr>
+          <p:txBody>
+            <a:bodyPr wrap="square" anchor="ctr">
+              <a:spAutoFit/>
+            </a:bodyPr>
+            <a:lstStyle/>
+            <a:p>
+              <a:pPr algn="ctr"/>
+              <a:r>
+                <a:rPr lang="en-US" sz="1400" b="1" dirty="0">
+                  <a:solidFill>
+                    <a:schemeClr val="accent1"/>
+                  </a:solidFill>
+                </a:rPr>
+                <a:t>Public affairs professionals</a:t>
+              </a:r>
+              <a:endParaRPr lang="en-US" sz="1400" dirty="0"/>
+            </a:p>
+          </p:txBody>
+        </p:sp>
+      </p:grpSp>
+      <p:grpSp>
+        <p:nvGrpSpPr>
+          <p:cNvPr id="38" name="Group 37">
+            <a:extLst>
+              <a:ext uri="{FF2B5EF4-FFF2-40B4-BE49-F238E27FC236}">
+                <a16:creationId xmlns:a16="http://schemas.microsoft.com/office/drawing/2014/main" id="{6E69EDF3-59A5-76F7-6A66-19B91D6949B7}"/>
+              </a:ext>
+            </a:extLst>
+          </p:cNvPr>
+          <p:cNvGrpSpPr/>
+          <p:nvPr/>
+        </p:nvGrpSpPr>
+        <p:grpSpPr>
+          <a:xfrm>
+            <a:off x="3853965" y="4608484"/>
+            <a:ext cx="1900575" cy="1459750"/>
+            <a:chOff x="3590494" y="4700376"/>
+            <a:chExt cx="1900575" cy="1459750"/>
+          </a:xfrm>
+        </p:grpSpPr>
+        <p:grpSp>
+          <p:nvGrpSpPr>
+            <p:cNvPr id="16" name="Group 15">
+              <a:extLst>
+                <a:ext uri="{FF2B5EF4-FFF2-40B4-BE49-F238E27FC236}">
+                  <a16:creationId xmlns:a16="http://schemas.microsoft.com/office/drawing/2014/main" id="{18E132FD-2A85-E761-EB93-6D69E575D4AB}"/>
+                </a:ext>
+              </a:extLst>
+            </p:cNvPr>
+            <p:cNvGrpSpPr/>
+            <p:nvPr/>
+          </p:nvGrpSpPr>
+          <p:grpSpPr>
+            <a:xfrm>
+              <a:off x="4088989" y="4700376"/>
+              <a:ext cx="914400" cy="914400"/>
+              <a:chOff x="3647212" y="3755879"/>
+              <a:chExt cx="914400" cy="914400"/>
+            </a:xfrm>
+          </p:grpSpPr>
+          <p:sp>
+            <p:nvSpPr>
+              <p:cNvPr id="17" name="Oval 16">
+                <a:extLst>
+                  <a:ext uri="{FF2B5EF4-FFF2-40B4-BE49-F238E27FC236}">
+                    <a16:creationId xmlns:a16="http://schemas.microsoft.com/office/drawing/2014/main" id="{7BCB3CAE-15B6-3BBE-81E2-3D7860FD16F1}"/>
+                  </a:ext>
+                </a:extLst>
+              </p:cNvPr>
+              <p:cNvSpPr>
+                <a:spLocks noChangeAspect="1"/>
+              </p:cNvSpPr>
+              <p:nvPr/>
+            </p:nvSpPr>
+            <p:spPr>
+              <a:xfrm>
+                <a:off x="3647212" y="3755879"/>
+                <a:ext cx="914400" cy="914400"/>
+              </a:xfrm>
+              <a:prstGeom prst="ellipse">
+                <a:avLst/>
+              </a:prstGeom>
+              <a:solidFill>
+                <a:schemeClr val="accent1">
+                  <a:lumMod val="60000"/>
+                  <a:lumOff val="40000"/>
+                </a:schemeClr>
+              </a:solidFill>
+              <a:ln>
+                <a:solidFill>
+                  <a:schemeClr val="accent1">
+                    <a:lumMod val="50000"/>
+                  </a:schemeClr>
+                </a:solidFill>
+              </a:ln>
+            </p:spPr>
+            <p:style>
+              <a:lnRef idx="2">
+                <a:schemeClr val="accent1">
+                  <a:shade val="15000"/>
+                </a:schemeClr>
+              </a:lnRef>
+              <a:fillRef idx="1">
+                <a:schemeClr val="accent1"/>
+              </a:fillRef>
+              <a:effectRef idx="0">
+                <a:schemeClr val="accent1"/>
+              </a:effectRef>
+              <a:fontRef idx="minor">
+                <a:schemeClr val="lt1"/>
+              </a:fontRef>
+            </p:style>
+            <p:txBody>
+              <a:bodyPr rtlCol="0" anchor="ctr"/>
+              <a:lstStyle/>
+              <a:p>
+                <a:pPr algn="ctr"/>
+                <a:endParaRPr lang="en-US"/>
+              </a:p>
+            </p:txBody>
+          </p:sp>
+          <p:pic>
+            <p:nvPicPr>
+              <p:cNvPr id="18" name="Graphic 17">
+                <a:extLst>
+                  <a:ext uri="{FF2B5EF4-FFF2-40B4-BE49-F238E27FC236}">
+                    <a16:creationId xmlns:a16="http://schemas.microsoft.com/office/drawing/2014/main" id="{1AF4DDFA-C40E-7527-CE9F-EE0EEEDD56AD}"/>
+                  </a:ext>
+                </a:extLst>
+              </p:cNvPr>
+              <p:cNvPicPr>
+                <a:picLocks noChangeAspect="1"/>
+              </p:cNvPicPr>
+              <p:nvPr/>
+            </p:nvPicPr>
+            <p:blipFill>
+              <a:blip r:embed="rId10">
+                <a:extLst>
+                  <a:ext uri="{96DAC541-7B7A-43D3-8B79-37D633B846F1}">
+                    <asvg:svgBlip xmlns:asvg="http://schemas.microsoft.com/office/drawing/2016/SVG/main" r:embed="rId11"/>
+                  </a:ext>
+                </a:extLst>
+              </a:blip>
+              <a:srcRect/>
+              <a:stretch/>
+            </p:blipFill>
+            <p:spPr>
+              <a:xfrm>
+                <a:off x="3759548" y="3864205"/>
+                <a:ext cx="689723" cy="689723"/>
+              </a:xfrm>
+              <a:prstGeom prst="rect">
+                <a:avLst/>
+              </a:prstGeom>
+            </p:spPr>
+          </p:pic>
+        </p:grpSp>
+        <p:sp>
+          <p:nvSpPr>
+            <p:cNvPr id="37" name="TextBox 36">
+              <a:extLst>
+                <a:ext uri="{FF2B5EF4-FFF2-40B4-BE49-F238E27FC236}">
+                  <a16:creationId xmlns:a16="http://schemas.microsoft.com/office/drawing/2014/main" id="{D3DF5E9F-1494-80A8-4ADA-93A078DECCD1}"/>
+                </a:ext>
+              </a:extLst>
+            </p:cNvPr>
+            <p:cNvSpPr txBox="1"/>
+            <p:nvPr/>
+          </p:nvSpPr>
+          <p:spPr>
+            <a:xfrm>
+              <a:off x="3590494" y="5636906"/>
+              <a:ext cx="1900575" cy="523220"/>
+            </a:xfrm>
+            <a:prstGeom prst="rect">
+              <a:avLst/>
+            </a:prstGeom>
+            <a:noFill/>
+          </p:spPr>
+          <p:txBody>
+            <a:bodyPr wrap="square" anchor="ctr">
+              <a:spAutoFit/>
+            </a:bodyPr>
+            <a:lstStyle/>
+            <a:p>
+              <a:pPr algn="ctr"/>
+              <a:r>
+                <a:rPr lang="en-US" sz="1400" b="1" dirty="0">
+                  <a:solidFill>
+                    <a:schemeClr val="accent1"/>
+                  </a:solidFill>
+                </a:rPr>
+                <a:t>Other public stakeholders</a:t>
+              </a:r>
+              <a:endParaRPr lang="en-US" sz="1400" dirty="0"/>
+            </a:p>
+          </p:txBody>
+        </p:sp>
+      </p:grpSp>
+      <p:cxnSp>
+        <p:nvCxnSpPr>
+          <p:cNvPr id="40" name="Straight Connector 39">
+            <a:extLst>
+              <a:ext uri="{FF2B5EF4-FFF2-40B4-BE49-F238E27FC236}">
+                <a16:creationId xmlns:a16="http://schemas.microsoft.com/office/drawing/2014/main" id="{5F60CD82-480C-EE51-2CFA-0A632717C38B}"/>
+              </a:ext>
+            </a:extLst>
+          </p:cNvPr>
+          <p:cNvCxnSpPr>
+            <a:stCxn id="6" idx="1"/>
+            <a:endCxn id="12" idx="6"/>
+          </p:cNvCxnSpPr>
+          <p:nvPr/>
+        </p:nvCxnSpPr>
+        <p:spPr>
+          <a:xfrm flipH="1" flipV="1">
+            <a:off x="1901627" y="3630104"/>
+            <a:ext cx="884395" cy="420387"/>
+          </a:xfrm>
+          <a:prstGeom prst="line">
+            <a:avLst/>
+          </a:prstGeom>
+          <a:ln w="19050">
+            <a:solidFill>
+              <a:schemeClr val="accent1">
+                <a:lumMod val="50000"/>
+              </a:schemeClr>
+            </a:solidFill>
+            <a:headEnd type="oval"/>
+            <a:tailEnd type="oval"/>
+          </a:ln>
+        </p:spPr>
+        <p:style>
+          <a:lnRef idx="1">
+            <a:schemeClr val="accent1"/>
+          </a:lnRef>
+          <a:fillRef idx="0">
+            <a:schemeClr val="accent1"/>
+          </a:fillRef>
+          <a:effectRef idx="0">
+            <a:schemeClr val="accent1"/>
+          </a:effectRef>
+          <a:fontRef idx="minor">
+            <a:schemeClr val="tx1"/>
+          </a:fontRef>
+        </p:style>
+      </p:cxnSp>
+      <p:cxnSp>
+        <p:nvCxnSpPr>
+          <p:cNvPr id="41" name="Straight Connector 40">
+            <a:extLst>
+              <a:ext uri="{FF2B5EF4-FFF2-40B4-BE49-F238E27FC236}">
+                <a16:creationId xmlns:a16="http://schemas.microsoft.com/office/drawing/2014/main" id="{B23E3E9C-4A26-414B-3D83-7490F4F56925}"/>
+              </a:ext>
+            </a:extLst>
+          </p:cNvPr>
+          <p:cNvCxnSpPr>
+            <a:cxnSpLocks/>
+            <a:stCxn id="6" idx="7"/>
+            <a:endCxn id="22" idx="2"/>
+          </p:cNvCxnSpPr>
+          <p:nvPr/>
+        </p:nvCxnSpPr>
+        <p:spPr>
+          <a:xfrm flipV="1">
+            <a:off x="3432600" y="3652234"/>
+            <a:ext cx="919860" cy="398257"/>
+          </a:xfrm>
+          <a:prstGeom prst="line">
+            <a:avLst/>
+          </a:prstGeom>
+          <a:ln w="19050">
+            <a:solidFill>
+              <a:schemeClr val="accent1">
+                <a:lumMod val="50000"/>
+              </a:schemeClr>
+            </a:solidFill>
+            <a:headEnd type="oval"/>
+            <a:tailEnd type="oval"/>
+          </a:ln>
+        </p:spPr>
+        <p:style>
+          <a:lnRef idx="1">
+            <a:schemeClr val="accent1"/>
+          </a:lnRef>
+          <a:fillRef idx="0">
+            <a:schemeClr val="accent1"/>
+          </a:fillRef>
+          <a:effectRef idx="0">
+            <a:schemeClr val="accent1"/>
+          </a:effectRef>
+          <a:fontRef idx="minor">
+            <a:schemeClr val="tx1"/>
+          </a:fontRef>
+        </p:style>
+      </p:cxnSp>
+      <p:cxnSp>
+        <p:nvCxnSpPr>
+          <p:cNvPr id="44" name="Straight Connector 43">
+            <a:extLst>
+              <a:ext uri="{FF2B5EF4-FFF2-40B4-BE49-F238E27FC236}">
+                <a16:creationId xmlns:a16="http://schemas.microsoft.com/office/drawing/2014/main" id="{2D4F4902-D479-8893-840F-61420E6A556E}"/>
+              </a:ext>
+            </a:extLst>
+          </p:cNvPr>
+          <p:cNvCxnSpPr>
+            <a:cxnSpLocks/>
+            <a:stCxn id="6" idx="5"/>
+            <a:endCxn id="17" idx="2"/>
+          </p:cNvCxnSpPr>
+          <p:nvPr/>
+        </p:nvCxnSpPr>
+        <p:spPr>
+          <a:xfrm>
+            <a:off x="3432600" y="4697069"/>
+            <a:ext cx="919860" cy="368615"/>
+          </a:xfrm>
+          <a:prstGeom prst="line">
+            <a:avLst/>
+          </a:prstGeom>
+          <a:ln w="19050">
+            <a:solidFill>
+              <a:schemeClr val="accent1">
+                <a:lumMod val="50000"/>
+              </a:schemeClr>
+            </a:solidFill>
+            <a:headEnd type="oval"/>
+            <a:tailEnd type="oval"/>
+          </a:ln>
+        </p:spPr>
+        <p:style>
+          <a:lnRef idx="1">
+            <a:schemeClr val="accent1"/>
+          </a:lnRef>
+          <a:fillRef idx="0">
+            <a:schemeClr val="accent1"/>
+          </a:fillRef>
+          <a:effectRef idx="0">
+            <a:schemeClr val="accent1"/>
+          </a:effectRef>
+          <a:fontRef idx="minor">
+            <a:schemeClr val="tx1"/>
+          </a:fontRef>
+        </p:style>
+      </p:cxnSp>
+      <p:cxnSp>
+        <p:nvCxnSpPr>
+          <p:cNvPr id="47" name="Straight Connector 46">
+            <a:extLst>
+              <a:ext uri="{FF2B5EF4-FFF2-40B4-BE49-F238E27FC236}">
+                <a16:creationId xmlns:a16="http://schemas.microsoft.com/office/drawing/2014/main" id="{F8ECC8AD-7FBE-3080-487C-5C9226E710A0}"/>
+              </a:ext>
+            </a:extLst>
+          </p:cNvPr>
+          <p:cNvCxnSpPr>
+            <a:cxnSpLocks/>
+            <a:stCxn id="6" idx="3"/>
+            <a:endCxn id="31" idx="6"/>
+          </p:cNvCxnSpPr>
+          <p:nvPr/>
+        </p:nvCxnSpPr>
+        <p:spPr>
+          <a:xfrm flipH="1">
+            <a:off x="1905608" y="4697069"/>
+            <a:ext cx="880414" cy="390745"/>
+          </a:xfrm>
+          <a:prstGeom prst="line">
+            <a:avLst/>
+          </a:prstGeom>
+          <a:ln w="19050">
+            <a:solidFill>
+              <a:schemeClr val="accent1">
+                <a:lumMod val="50000"/>
+              </a:schemeClr>
+            </a:solidFill>
+            <a:headEnd type="oval"/>
+            <a:tailEnd type="oval"/>
+          </a:ln>
+        </p:spPr>
+        <p:style>
+          <a:lnRef idx="1">
+            <a:schemeClr val="accent1"/>
+          </a:lnRef>
+          <a:fillRef idx="0">
+            <a:schemeClr val="accent1"/>
+          </a:fillRef>
+          <a:effectRef idx="0">
+            <a:schemeClr val="accent1"/>
+          </a:effectRef>
+          <a:fontRef idx="minor">
+            <a:schemeClr val="tx1"/>
+          </a:fontRef>
+        </p:style>
+      </p:cxnSp>
+      <p:grpSp>
+        <p:nvGrpSpPr>
+          <p:cNvPr id="67" name="Group 66">
+            <a:extLst>
+              <a:ext uri="{FF2B5EF4-FFF2-40B4-BE49-F238E27FC236}">
+                <a16:creationId xmlns:a16="http://schemas.microsoft.com/office/drawing/2014/main" id="{38C2D766-0DE8-E97F-2021-69FABC998D00}"/>
+              </a:ext>
+            </a:extLst>
+          </p:cNvPr>
+          <p:cNvGrpSpPr/>
+          <p:nvPr/>
+        </p:nvGrpSpPr>
+        <p:grpSpPr>
+          <a:xfrm>
+            <a:off x="6635282" y="2546671"/>
+            <a:ext cx="3242398" cy="914400"/>
+            <a:chOff x="6635282" y="2546671"/>
+            <a:chExt cx="3242398" cy="914400"/>
+          </a:xfrm>
+        </p:grpSpPr>
+        <p:sp>
+          <p:nvSpPr>
+            <p:cNvPr id="50" name="Oval 49">
+              <a:extLst>
+                <a:ext uri="{FF2B5EF4-FFF2-40B4-BE49-F238E27FC236}">
+                  <a16:creationId xmlns:a16="http://schemas.microsoft.com/office/drawing/2014/main" id="{58922ADE-A9D5-9DF5-4E73-68A361993910}"/>
+                </a:ext>
+              </a:extLst>
+            </p:cNvPr>
+            <p:cNvSpPr>
+              <a:spLocks noChangeAspect="1"/>
+            </p:cNvSpPr>
+            <p:nvPr/>
+          </p:nvSpPr>
+          <p:spPr>
+            <a:xfrm>
+              <a:off x="6635282" y="2546671"/>
+              <a:ext cx="914400" cy="914400"/>
+            </a:xfrm>
+            <a:prstGeom prst="ellipse">
+              <a:avLst/>
+            </a:prstGeom>
+            <a:solidFill>
+              <a:schemeClr val="accent1">
+                <a:lumMod val="60000"/>
+                <a:lumOff val="40000"/>
+              </a:schemeClr>
+            </a:solidFill>
+          </p:spPr>
+          <p:style>
+            <a:lnRef idx="2">
+              <a:schemeClr val="accent1">
+                <a:shade val="15000"/>
+              </a:schemeClr>
+            </a:lnRef>
+            <a:fillRef idx="1">
+              <a:schemeClr val="accent1"/>
+            </a:fillRef>
+            <a:effectRef idx="0">
+              <a:schemeClr val="accent1"/>
+            </a:effectRef>
+            <a:fontRef idx="minor">
+              <a:schemeClr val="lt1"/>
+            </a:fontRef>
+          </p:style>
+          <p:txBody>
+            <a:bodyPr rtlCol="0" anchor="ctr"/>
+            <a:lstStyle/>
+            <a:p>
+              <a:pPr algn="ctr"/>
+              <a:endParaRPr lang="en-US"/>
+            </a:p>
+          </p:txBody>
+        </p:sp>
+        <p:sp>
+          <p:nvSpPr>
+            <p:cNvPr id="51" name="TextBox 50">
+              <a:extLst>
+                <a:ext uri="{FF2B5EF4-FFF2-40B4-BE49-F238E27FC236}">
+                  <a16:creationId xmlns:a16="http://schemas.microsoft.com/office/drawing/2014/main" id="{A0726FEB-CD24-E5DC-3E81-B2C8D38DD20A}"/>
+                </a:ext>
+              </a:extLst>
+            </p:cNvPr>
+            <p:cNvSpPr txBox="1"/>
+            <p:nvPr/>
+          </p:nvSpPr>
+          <p:spPr>
+            <a:xfrm>
+              <a:off x="7682168" y="2742261"/>
+              <a:ext cx="2195512" cy="523220"/>
+            </a:xfrm>
+            <a:prstGeom prst="rect">
+              <a:avLst/>
+            </a:prstGeom>
+            <a:noFill/>
+          </p:spPr>
+          <p:txBody>
+            <a:bodyPr wrap="square" anchor="ctr">
+              <a:spAutoFit/>
+            </a:bodyPr>
+            <a:lstStyle/>
+            <a:p>
+              <a:r>
+                <a:rPr lang="en-US" sz="1400" b="1" dirty="0">
+                  <a:solidFill>
+                    <a:schemeClr val="accent1"/>
+                  </a:solidFill>
+                </a:rPr>
+                <a:t>No LLM API expenses, elaborate setup, etc. </a:t>
+              </a:r>
+              <a:endParaRPr lang="en-US" sz="1400" dirty="0"/>
+            </a:p>
+          </p:txBody>
+        </p:sp>
+        <p:pic>
+          <p:nvPicPr>
+            <p:cNvPr id="60" name="Graphic 59" descr="Coins">
+              <a:extLst>
+                <a:ext uri="{FF2B5EF4-FFF2-40B4-BE49-F238E27FC236}">
+                  <a16:creationId xmlns:a16="http://schemas.microsoft.com/office/drawing/2014/main" id="{F5BD0A9F-C841-9AF5-932C-390894841B40}"/>
+                </a:ext>
+              </a:extLst>
+            </p:cNvPr>
+            <p:cNvPicPr>
+              <a:picLocks noChangeAspect="1"/>
+            </p:cNvPicPr>
+            <p:nvPr/>
+          </p:nvPicPr>
+          <p:blipFill>
+            <a:blip r:embed="rId12">
+              <a:extLst>
+                <a:ext uri="{96DAC541-7B7A-43D3-8B79-37D633B846F1}">
+                  <asvg:svgBlip xmlns:asvg="http://schemas.microsoft.com/office/drawing/2016/SVG/main" r:embed="rId13"/>
+                </a:ext>
+              </a:extLst>
+            </a:blip>
+            <a:stretch>
+              <a:fillRect/>
+            </a:stretch>
+          </p:blipFill>
+          <p:spPr>
+            <a:xfrm>
+              <a:off x="6802934" y="2709327"/>
+              <a:ext cx="579096" cy="579096"/>
+            </a:xfrm>
+            <a:prstGeom prst="rect">
+              <a:avLst/>
+            </a:prstGeom>
+          </p:spPr>
+        </p:pic>
+      </p:grpSp>
+      <p:grpSp>
+        <p:nvGrpSpPr>
+          <p:cNvPr id="66" name="Group 65">
+            <a:extLst>
+              <a:ext uri="{FF2B5EF4-FFF2-40B4-BE49-F238E27FC236}">
+                <a16:creationId xmlns:a16="http://schemas.microsoft.com/office/drawing/2014/main" id="{F4563448-75FB-8B20-B05A-9E0CF4047071}"/>
+              </a:ext>
+            </a:extLst>
+          </p:cNvPr>
+          <p:cNvGrpSpPr/>
+          <p:nvPr/>
+        </p:nvGrpSpPr>
+        <p:grpSpPr>
+          <a:xfrm>
+            <a:off x="7373342" y="3731129"/>
+            <a:ext cx="3242398" cy="914400"/>
+            <a:chOff x="7373342" y="3731129"/>
+            <a:chExt cx="3242398" cy="914400"/>
+          </a:xfrm>
+        </p:grpSpPr>
+        <p:sp>
+          <p:nvSpPr>
+            <p:cNvPr id="54" name="Oval 53">
+              <a:extLst>
+                <a:ext uri="{FF2B5EF4-FFF2-40B4-BE49-F238E27FC236}">
+                  <a16:creationId xmlns:a16="http://schemas.microsoft.com/office/drawing/2014/main" id="{31130A12-133E-5C5B-08F1-7CDD733A8694}"/>
+                </a:ext>
+              </a:extLst>
+            </p:cNvPr>
+            <p:cNvSpPr>
+              <a:spLocks noChangeAspect="1"/>
+            </p:cNvSpPr>
+            <p:nvPr/>
+          </p:nvSpPr>
+          <p:spPr>
+            <a:xfrm>
+              <a:off x="7373342" y="3731129"/>
+              <a:ext cx="914400" cy="914400"/>
+            </a:xfrm>
+            <a:prstGeom prst="ellipse">
+              <a:avLst/>
+            </a:prstGeom>
+            <a:solidFill>
+              <a:schemeClr val="accent1"/>
+            </a:solidFill>
+          </p:spPr>
+          <p:style>
+            <a:lnRef idx="2">
+              <a:schemeClr val="accent1">
+                <a:shade val="15000"/>
+              </a:schemeClr>
+            </a:lnRef>
+            <a:fillRef idx="1">
+              <a:schemeClr val="accent1"/>
+            </a:fillRef>
+            <a:effectRef idx="0">
+              <a:schemeClr val="accent1"/>
+            </a:effectRef>
+            <a:fontRef idx="minor">
+              <a:schemeClr val="lt1"/>
+            </a:fontRef>
+          </p:style>
+          <p:txBody>
+            <a:bodyPr rtlCol="0" anchor="ctr"/>
+            <a:lstStyle/>
+            <a:p>
+              <a:pPr algn="ctr"/>
+              <a:endParaRPr lang="en-US"/>
+            </a:p>
+          </p:txBody>
+        </p:sp>
+        <p:sp>
+          <p:nvSpPr>
+            <p:cNvPr id="55" name="TextBox 54">
+              <a:extLst>
+                <a:ext uri="{FF2B5EF4-FFF2-40B4-BE49-F238E27FC236}">
+                  <a16:creationId xmlns:a16="http://schemas.microsoft.com/office/drawing/2014/main" id="{EA05BF4E-6909-D4CD-6154-0F8BA6DDFDAE}"/>
+                </a:ext>
+              </a:extLst>
+            </p:cNvPr>
+            <p:cNvSpPr txBox="1"/>
+            <p:nvPr/>
+          </p:nvSpPr>
+          <p:spPr>
+            <a:xfrm>
+              <a:off x="8420228" y="3926719"/>
+              <a:ext cx="2195512" cy="523220"/>
+            </a:xfrm>
+            <a:prstGeom prst="rect">
+              <a:avLst/>
+            </a:prstGeom>
+            <a:noFill/>
+          </p:spPr>
+          <p:txBody>
+            <a:bodyPr wrap="square" anchor="ctr">
+              <a:spAutoFit/>
+            </a:bodyPr>
+            <a:lstStyle/>
+            <a:p>
+              <a:r>
+                <a:rPr lang="en-US" sz="1400" b="1" dirty="0">
+                  <a:solidFill>
+                    <a:schemeClr val="accent1"/>
+                  </a:solidFill>
+                </a:rPr>
+                <a:t>Inexpensive to train or retrain on new data</a:t>
+              </a:r>
+              <a:endParaRPr lang="en-US" sz="1400" dirty="0"/>
+            </a:p>
+          </p:txBody>
+        </p:sp>
+        <p:pic>
+          <p:nvPicPr>
+            <p:cNvPr id="62" name="Graphic 61" descr="Database">
+              <a:extLst>
+                <a:ext uri="{FF2B5EF4-FFF2-40B4-BE49-F238E27FC236}">
+                  <a16:creationId xmlns:a16="http://schemas.microsoft.com/office/drawing/2014/main" id="{B569B1FC-8FAC-FCEA-5AC7-49441566F388}"/>
+                </a:ext>
+              </a:extLst>
+            </p:cNvPr>
+            <p:cNvPicPr>
+              <a:picLocks noChangeAspect="1"/>
+            </p:cNvPicPr>
+            <p:nvPr/>
+          </p:nvPicPr>
+          <p:blipFill>
+            <a:blip r:embed="rId14">
+              <a:extLst>
+                <a:ext uri="{96DAC541-7B7A-43D3-8B79-37D633B846F1}">
+                  <asvg:svgBlip xmlns:asvg="http://schemas.microsoft.com/office/drawing/2016/SVG/main" r:embed="rId15"/>
+                </a:ext>
+              </a:extLst>
+            </a:blip>
+            <a:stretch>
+              <a:fillRect/>
+            </a:stretch>
+          </p:blipFill>
+          <p:spPr>
+            <a:xfrm>
+              <a:off x="7540994" y="3898781"/>
+              <a:ext cx="579096" cy="579096"/>
+            </a:xfrm>
+            <a:prstGeom prst="rect">
+              <a:avLst/>
+            </a:prstGeom>
+          </p:spPr>
+        </p:pic>
+      </p:grpSp>
+      <p:grpSp>
+        <p:nvGrpSpPr>
+          <p:cNvPr id="65" name="Group 64">
+            <a:extLst>
+              <a:ext uri="{FF2B5EF4-FFF2-40B4-BE49-F238E27FC236}">
+                <a16:creationId xmlns:a16="http://schemas.microsoft.com/office/drawing/2014/main" id="{3CBA2B09-AF5A-8C89-F1B0-7873F9207F3C}"/>
+              </a:ext>
+            </a:extLst>
+          </p:cNvPr>
+          <p:cNvGrpSpPr/>
+          <p:nvPr/>
+        </p:nvGrpSpPr>
+        <p:grpSpPr>
+          <a:xfrm>
+            <a:off x="8111402" y="4915586"/>
+            <a:ext cx="3242398" cy="914400"/>
+            <a:chOff x="8111402" y="4915586"/>
+            <a:chExt cx="3242398" cy="914400"/>
+          </a:xfrm>
+        </p:grpSpPr>
+        <p:sp>
+          <p:nvSpPr>
+            <p:cNvPr id="57" name="Oval 56">
+              <a:extLst>
+                <a:ext uri="{FF2B5EF4-FFF2-40B4-BE49-F238E27FC236}">
+                  <a16:creationId xmlns:a16="http://schemas.microsoft.com/office/drawing/2014/main" id="{C47CAF2F-8209-1338-7D0B-69F3EE4A0B65}"/>
+                </a:ext>
+              </a:extLst>
+            </p:cNvPr>
+            <p:cNvSpPr>
+              <a:spLocks noChangeAspect="1"/>
+            </p:cNvSpPr>
+            <p:nvPr/>
+          </p:nvSpPr>
+          <p:spPr>
+            <a:xfrm>
+              <a:off x="8111402" y="4915586"/>
+              <a:ext cx="914400" cy="914400"/>
+            </a:xfrm>
+            <a:prstGeom prst="ellipse">
+              <a:avLst/>
+            </a:prstGeom>
+            <a:solidFill>
+              <a:schemeClr val="accent1">
+                <a:lumMod val="75000"/>
+              </a:schemeClr>
+            </a:solidFill>
+          </p:spPr>
+          <p:style>
+            <a:lnRef idx="2">
+              <a:schemeClr val="accent1">
+                <a:shade val="15000"/>
+              </a:schemeClr>
+            </a:lnRef>
+            <a:fillRef idx="1">
+              <a:schemeClr val="accent1"/>
+            </a:fillRef>
+            <a:effectRef idx="0">
+              <a:schemeClr val="accent1"/>
+            </a:effectRef>
+            <a:fontRef idx="minor">
+              <a:schemeClr val="lt1"/>
+            </a:fontRef>
+          </p:style>
+          <p:txBody>
+            <a:bodyPr rtlCol="0" anchor="ctr"/>
+            <a:lstStyle/>
+            <a:p>
+              <a:pPr algn="ctr"/>
+              <a:endParaRPr lang="en-US"/>
+            </a:p>
+          </p:txBody>
+        </p:sp>
+        <p:sp>
+          <p:nvSpPr>
+            <p:cNvPr id="58" name="TextBox 57">
+              <a:extLst>
+                <a:ext uri="{FF2B5EF4-FFF2-40B4-BE49-F238E27FC236}">
+                  <a16:creationId xmlns:a16="http://schemas.microsoft.com/office/drawing/2014/main" id="{59BE3C78-3C76-3C84-5842-5EB6963EDF0F}"/>
+                </a:ext>
+              </a:extLst>
+            </p:cNvPr>
+            <p:cNvSpPr txBox="1"/>
+            <p:nvPr/>
+          </p:nvSpPr>
+          <p:spPr>
+            <a:xfrm>
+              <a:off x="9158288" y="5218897"/>
+              <a:ext cx="2195512" cy="307777"/>
+            </a:xfrm>
+            <a:prstGeom prst="rect">
+              <a:avLst/>
+            </a:prstGeom>
+            <a:noFill/>
+          </p:spPr>
+          <p:txBody>
+            <a:bodyPr wrap="square" anchor="ctr">
+              <a:spAutoFit/>
+            </a:bodyPr>
+            <a:lstStyle/>
+            <a:p>
+              <a:r>
+                <a:rPr lang="en-US" sz="1400" b="1" dirty="0">
+                  <a:solidFill>
+                    <a:schemeClr val="accent1"/>
+                  </a:solidFill>
+                </a:rPr>
+                <a:t>Faster inference</a:t>
+              </a:r>
+              <a:endParaRPr lang="en-US" sz="1400" dirty="0"/>
+            </a:p>
+          </p:txBody>
+        </p:sp>
+        <p:pic>
+          <p:nvPicPr>
+            <p:cNvPr id="64" name="Graphic 63" descr="End">
+              <a:extLst>
+                <a:ext uri="{FF2B5EF4-FFF2-40B4-BE49-F238E27FC236}">
+                  <a16:creationId xmlns:a16="http://schemas.microsoft.com/office/drawing/2014/main" id="{9E4A8B78-5EF7-CDC5-AABA-24A0863C6A34}"/>
+                </a:ext>
+              </a:extLst>
+            </p:cNvPr>
+            <p:cNvPicPr>
+              <a:picLocks noChangeAspect="1"/>
+            </p:cNvPicPr>
+            <p:nvPr/>
+          </p:nvPicPr>
+          <p:blipFill>
+            <a:blip r:embed="rId16">
+              <a:extLst>
+                <a:ext uri="{96DAC541-7B7A-43D3-8B79-37D633B846F1}">
+                  <asvg:svgBlip xmlns:asvg="http://schemas.microsoft.com/office/drawing/2016/SVG/main" r:embed="rId17"/>
+                </a:ext>
+              </a:extLst>
+            </a:blip>
+            <a:stretch>
+              <a:fillRect/>
+            </a:stretch>
+          </p:blipFill>
+          <p:spPr>
+            <a:xfrm>
+              <a:off x="8279054" y="5080134"/>
+              <a:ext cx="579096" cy="579096"/>
+            </a:xfrm>
+            <a:prstGeom prst="rect">
+              <a:avLst/>
+            </a:prstGeom>
+          </p:spPr>
+        </p:pic>
+      </p:grpSp>
+    </p:spTree>
+    <p:extLst>
+      <p:ext uri="{BB962C8B-B14F-4D97-AF65-F5344CB8AC3E}">
+        <p14:creationId xmlns:p14="http://schemas.microsoft.com/office/powerpoint/2010/main" val="2640339295"/>
+      </p:ext>
+    </p:extLst>
+  </p:cSld>
+  <p:clrMapOvr>
+    <a:masterClrMapping/>
+  </p:clrMapOvr>
+</p:sld>
+</file>
+
+<file path=ppt/slides/slide5.xml><?xml version="1.0" encoding="utf-8"?>
+<p:sld xmlns:a="http://schemas.openxmlformats.org/drawingml/2006/main" xmlns:r="http://schemas.openxmlformats.org/officeDocument/2006/relationships" xmlns:p="http://schemas.openxmlformats.org/presentationml/2006/main">
+  <p:cSld>
+    <p:spTree>
+      <p:nvGrpSpPr>
+        <p:cNvPr id="1" name=""/>
+        <p:cNvGrpSpPr/>
+        <p:nvPr/>
+      </p:nvGrpSpPr>
+      <p:grpSpPr>
+        <a:xfrm>
+          <a:off x="0" y="0"/>
+          <a:ext cx="0" cy="0"/>
+          <a:chOff x="0" y="0"/>
+          <a:chExt cx="0" cy="0"/>
+        </a:xfrm>
+      </p:grpSpPr>
+      <p:sp>
+        <p:nvSpPr>
+          <p:cNvPr id="2" name="Title 1">
+            <a:extLst>
+              <a:ext uri="{FF2B5EF4-FFF2-40B4-BE49-F238E27FC236}">
+                <a16:creationId xmlns:a16="http://schemas.microsoft.com/office/drawing/2014/main" id="{3BFA9CA1-6DE8-EC11-2644-E388BC2DFB67}"/>
+              </a:ext>
+            </a:extLst>
+          </p:cNvPr>
+          <p:cNvSpPr>
+            <a:spLocks noGrp="1"/>
+          </p:cNvSpPr>
+          <p:nvPr>
+            <p:ph type="title"/>
+          </p:nvPr>
+        </p:nvSpPr>
+        <p:spPr/>
+        <p:txBody>
+          <a:bodyPr/>
+          <a:lstStyle/>
+          <a:p>
+            <a:r>
+              <a:rPr lang="en-US" dirty="0"/>
               <a:t>The dataset includes all bills from 2013-present, downloaded from the </a:t>
             </a:r>
             <a:r>
@@ -6158,7 +7822,7 @@
         </p:nvGrpSpPr>
         <p:grpSpPr>
           <a:xfrm>
-            <a:off x="1047750" y="1548039"/>
+            <a:off x="1047750" y="1900340"/>
             <a:ext cx="10096500" cy="4396141"/>
             <a:chOff x="838200" y="1611539"/>
             <a:chExt cx="10096500" cy="4396141"/>
@@ -7687,10 +9351,10 @@
       </p:grpSp>
       <p:cxnSp>
         <p:nvCxnSpPr>
-          <p:cNvPr id="70" name="Straight Connector 69">
-            <a:extLst>
-              <a:ext uri="{FF2B5EF4-FFF2-40B4-BE49-F238E27FC236}">
-                <a16:creationId xmlns:a16="http://schemas.microsoft.com/office/drawing/2014/main" id="{768AEA44-2F0A-25F8-62ED-3F44A4CE8497}"/>
+          <p:cNvPr id="7" name="Straight Connector 6">
+            <a:extLst>
+              <a:ext uri="{FF2B5EF4-FFF2-40B4-BE49-F238E27FC236}">
+                <a16:creationId xmlns:a16="http://schemas.microsoft.com/office/drawing/2014/main" id="{AD1558D6-39B9-B5B0-6529-0502B8B6F01F}"/>
               </a:ext>
             </a:extLst>
           </p:cNvPr>
@@ -7702,7 +9366,7 @@
         <p:spPr>
           <a:xfrm>
             <a:off x="6096000" y="1897289"/>
-            <a:ext cx="0" cy="2304337"/>
+            <a:ext cx="0" cy="2577400"/>
           </a:xfrm>
           <a:prstGeom prst="line">
             <a:avLst/>

--- a/Final-Group-Presentation/Final-Group-Presentation.pptx
+++ b/Final-Group-Presentation/Final-Group-Presentation.pptx
@@ -5,7 +5,7 @@
     <p:sldMasterId id="2147483707" r:id="rId1"/>
   </p:sldMasterIdLst>
   <p:notesMasterIdLst>
-    <p:notesMasterId r:id="rId7"/>
+    <p:notesMasterId r:id="rId8"/>
   </p:notesMasterIdLst>
   <p:sldIdLst>
     <p:sldId id="256" r:id="rId2"/>
@@ -13,6 +13,7 @@
     <p:sldId id="259" r:id="rId4"/>
     <p:sldId id="261" r:id="rId5"/>
     <p:sldId id="260" r:id="rId6"/>
+    <p:sldId id="262" r:id="rId7"/>
   </p:sldIdLst>
   <p:sldSz cx="12192000" cy="6858000"/>
   <p:notesSz cx="6858000" cy="9144000"/>
@@ -9408,6 +9409,1935 @@
 </p:sld>
 </file>
 
+<file path=ppt/slides/slide6.xml><?xml version="1.0" encoding="utf-8"?>
+<p:sld xmlns:a="http://schemas.openxmlformats.org/drawingml/2006/main" xmlns:r="http://schemas.openxmlformats.org/officeDocument/2006/relationships" xmlns:p="http://schemas.openxmlformats.org/presentationml/2006/main">
+  <p:cSld>
+    <p:spTree>
+      <p:nvGrpSpPr>
+        <p:cNvPr id="1" name=""/>
+        <p:cNvGrpSpPr/>
+        <p:nvPr/>
+      </p:nvGrpSpPr>
+      <p:grpSpPr>
+        <a:xfrm>
+          <a:off x="0" y="0"/>
+          <a:ext cx="0" cy="0"/>
+          <a:chOff x="0" y="0"/>
+          <a:chExt cx="0" cy="0"/>
+        </a:xfrm>
+      </p:grpSpPr>
+      <p:sp>
+        <p:nvSpPr>
+          <p:cNvPr id="2" name="Title 1">
+            <a:extLst>
+              <a:ext uri="{FF2B5EF4-FFF2-40B4-BE49-F238E27FC236}">
+                <a16:creationId xmlns:a16="http://schemas.microsoft.com/office/drawing/2014/main" id="{205E676E-C39A-F62C-DD73-4ED4F233FCA1}"/>
+              </a:ext>
+            </a:extLst>
+          </p:cNvPr>
+          <p:cNvSpPr>
+            <a:spLocks noGrp="1"/>
+          </p:cNvSpPr>
+          <p:nvPr>
+            <p:ph type="title"/>
+          </p:nvPr>
+        </p:nvSpPr>
+        <p:spPr/>
+        <p:txBody>
+          <a:bodyPr/>
+          <a:lstStyle/>
+          <a:p>
+            <a:r>
+              <a:rPr lang="en-US" dirty="0"/>
+              <a:t>TF-IDF transforms “raw” bill text into feature vectors</a:t>
+            </a:r>
+          </a:p>
+        </p:txBody>
+      </p:sp>
+      <p:grpSp>
+        <p:nvGrpSpPr>
+          <p:cNvPr id="59" name="Group 58">
+            <a:extLst>
+              <a:ext uri="{FF2B5EF4-FFF2-40B4-BE49-F238E27FC236}">
+                <a16:creationId xmlns:a16="http://schemas.microsoft.com/office/drawing/2014/main" id="{CBA0FC66-34DA-7063-C655-FFA58D5A8808}"/>
+              </a:ext>
+            </a:extLst>
+          </p:cNvPr>
+          <p:cNvGrpSpPr/>
+          <p:nvPr/>
+        </p:nvGrpSpPr>
+        <p:grpSpPr>
+          <a:xfrm>
+            <a:off x="2355440" y="2030865"/>
+            <a:ext cx="7481120" cy="3648488"/>
+            <a:chOff x="1990193" y="1897515"/>
+            <a:chExt cx="7481120" cy="3648488"/>
+          </a:xfrm>
+        </p:grpSpPr>
+        <p:grpSp>
+          <p:nvGrpSpPr>
+            <p:cNvPr id="5" name="Group 4">
+              <a:extLst>
+                <a:ext uri="{FF2B5EF4-FFF2-40B4-BE49-F238E27FC236}">
+                  <a16:creationId xmlns:a16="http://schemas.microsoft.com/office/drawing/2014/main" id="{17CBC98B-2C69-0465-F239-2B14FA0B0A2E}"/>
+                </a:ext>
+              </a:extLst>
+            </p:cNvPr>
+            <p:cNvGrpSpPr/>
+            <p:nvPr/>
+          </p:nvGrpSpPr>
+          <p:grpSpPr>
+            <a:xfrm>
+              <a:off x="1994477" y="3264559"/>
+              <a:ext cx="914400" cy="914400"/>
+              <a:chOff x="3647212" y="4948885"/>
+              <a:chExt cx="914400" cy="914400"/>
+            </a:xfrm>
+          </p:grpSpPr>
+          <p:sp>
+            <p:nvSpPr>
+              <p:cNvPr id="3" name="Oval 2">
+                <a:extLst>
+                  <a:ext uri="{FF2B5EF4-FFF2-40B4-BE49-F238E27FC236}">
+                    <a16:creationId xmlns:a16="http://schemas.microsoft.com/office/drawing/2014/main" id="{03164ABF-8344-E3E9-24E5-D020CB1627A1}"/>
+                  </a:ext>
+                </a:extLst>
+              </p:cNvPr>
+              <p:cNvSpPr>
+                <a:spLocks noChangeAspect="1"/>
+              </p:cNvSpPr>
+              <p:nvPr/>
+            </p:nvSpPr>
+            <p:spPr>
+              <a:xfrm>
+                <a:off x="3647212" y="4948885"/>
+                <a:ext cx="914400" cy="914400"/>
+              </a:xfrm>
+              <a:prstGeom prst="ellipse">
+                <a:avLst/>
+              </a:prstGeom>
+              <a:solidFill>
+                <a:schemeClr val="accent1">
+                  <a:lumMod val="60000"/>
+                  <a:lumOff val="40000"/>
+                </a:schemeClr>
+              </a:solidFill>
+            </p:spPr>
+            <p:style>
+              <a:lnRef idx="2">
+                <a:schemeClr val="accent1">
+                  <a:shade val="15000"/>
+                </a:schemeClr>
+              </a:lnRef>
+              <a:fillRef idx="1">
+                <a:schemeClr val="accent1"/>
+              </a:fillRef>
+              <a:effectRef idx="0">
+                <a:schemeClr val="accent1"/>
+              </a:effectRef>
+              <a:fontRef idx="minor">
+                <a:schemeClr val="lt1"/>
+              </a:fontRef>
+            </p:style>
+            <p:txBody>
+              <a:bodyPr rtlCol="0" anchor="ctr"/>
+              <a:lstStyle/>
+              <a:p>
+                <a:pPr algn="ctr"/>
+                <a:endParaRPr lang="en-US"/>
+              </a:p>
+            </p:txBody>
+          </p:sp>
+          <p:pic>
+            <p:nvPicPr>
+              <p:cNvPr id="4" name="Graphic 3" descr="Document">
+                <a:extLst>
+                  <a:ext uri="{FF2B5EF4-FFF2-40B4-BE49-F238E27FC236}">
+                    <a16:creationId xmlns:a16="http://schemas.microsoft.com/office/drawing/2014/main" id="{6EB90210-8554-5ECD-DAD5-80C18F321615}"/>
+                  </a:ext>
+                </a:extLst>
+              </p:cNvPr>
+              <p:cNvPicPr>
+                <a:picLocks noChangeAspect="1"/>
+              </p:cNvPicPr>
+              <p:nvPr/>
+            </p:nvPicPr>
+            <p:blipFill>
+              <a:blip r:embed="rId2">
+                <a:extLst>
+                  <a:ext uri="{96DAC541-7B7A-43D3-8B79-37D633B846F1}">
+                    <asvg:svgBlip xmlns:asvg="http://schemas.microsoft.com/office/drawing/2016/SVG/main" r:embed="rId3"/>
+                  </a:ext>
+                </a:extLst>
+              </a:blip>
+              <a:stretch>
+                <a:fillRect/>
+              </a:stretch>
+            </p:blipFill>
+            <p:spPr>
+              <a:xfrm>
+                <a:off x="3758123" y="5054112"/>
+                <a:ext cx="689723" cy="689723"/>
+              </a:xfrm>
+              <a:prstGeom prst="rect">
+                <a:avLst/>
+              </a:prstGeom>
+            </p:spPr>
+          </p:pic>
+        </p:grpSp>
+        <p:grpSp>
+          <p:nvGrpSpPr>
+            <p:cNvPr id="6" name="Group 5">
+              <a:extLst>
+                <a:ext uri="{FF2B5EF4-FFF2-40B4-BE49-F238E27FC236}">
+                  <a16:creationId xmlns:a16="http://schemas.microsoft.com/office/drawing/2014/main" id="{4D117A45-26A2-FC7B-C6B9-D3CEFB150EA5}"/>
+                </a:ext>
+              </a:extLst>
+            </p:cNvPr>
+            <p:cNvGrpSpPr/>
+            <p:nvPr/>
+          </p:nvGrpSpPr>
+          <p:grpSpPr>
+            <a:xfrm>
+              <a:off x="1990193" y="4631603"/>
+              <a:ext cx="914400" cy="914400"/>
+              <a:chOff x="3647212" y="4948885"/>
+              <a:chExt cx="914400" cy="914400"/>
+            </a:xfrm>
+          </p:grpSpPr>
+          <p:sp>
+            <p:nvSpPr>
+              <p:cNvPr id="7" name="Oval 6">
+                <a:extLst>
+                  <a:ext uri="{FF2B5EF4-FFF2-40B4-BE49-F238E27FC236}">
+                    <a16:creationId xmlns:a16="http://schemas.microsoft.com/office/drawing/2014/main" id="{FE3EC7AF-7F89-C5B9-0469-8A58F9D0BC31}"/>
+                  </a:ext>
+                </a:extLst>
+              </p:cNvPr>
+              <p:cNvSpPr>
+                <a:spLocks noChangeAspect="1"/>
+              </p:cNvSpPr>
+              <p:nvPr/>
+            </p:nvSpPr>
+            <p:spPr>
+              <a:xfrm>
+                <a:off x="3647212" y="4948885"/>
+                <a:ext cx="914400" cy="914400"/>
+              </a:xfrm>
+              <a:prstGeom prst="ellipse">
+                <a:avLst/>
+              </a:prstGeom>
+              <a:solidFill>
+                <a:schemeClr val="accent1">
+                  <a:lumMod val="60000"/>
+                  <a:lumOff val="40000"/>
+                </a:schemeClr>
+              </a:solidFill>
+            </p:spPr>
+            <p:style>
+              <a:lnRef idx="2">
+                <a:schemeClr val="accent1">
+                  <a:shade val="15000"/>
+                </a:schemeClr>
+              </a:lnRef>
+              <a:fillRef idx="1">
+                <a:schemeClr val="accent1"/>
+              </a:fillRef>
+              <a:effectRef idx="0">
+                <a:schemeClr val="accent1"/>
+              </a:effectRef>
+              <a:fontRef idx="minor">
+                <a:schemeClr val="lt1"/>
+              </a:fontRef>
+            </p:style>
+            <p:txBody>
+              <a:bodyPr rtlCol="0" anchor="ctr"/>
+              <a:lstStyle/>
+              <a:p>
+                <a:pPr algn="ctr"/>
+                <a:endParaRPr lang="en-US"/>
+              </a:p>
+            </p:txBody>
+          </p:sp>
+          <p:pic>
+            <p:nvPicPr>
+              <p:cNvPr id="8" name="Graphic 7" descr="Document">
+                <a:extLst>
+                  <a:ext uri="{FF2B5EF4-FFF2-40B4-BE49-F238E27FC236}">
+                    <a16:creationId xmlns:a16="http://schemas.microsoft.com/office/drawing/2014/main" id="{6059BAE9-8B8F-2F88-D25E-4EB2244D8C8D}"/>
+                  </a:ext>
+                </a:extLst>
+              </p:cNvPr>
+              <p:cNvPicPr>
+                <a:picLocks noChangeAspect="1"/>
+              </p:cNvPicPr>
+              <p:nvPr/>
+            </p:nvPicPr>
+            <p:blipFill>
+              <a:blip r:embed="rId2">
+                <a:extLst>
+                  <a:ext uri="{96DAC541-7B7A-43D3-8B79-37D633B846F1}">
+                    <asvg:svgBlip xmlns:asvg="http://schemas.microsoft.com/office/drawing/2016/SVG/main" r:embed="rId3"/>
+                  </a:ext>
+                </a:extLst>
+              </a:blip>
+              <a:stretch>
+                <a:fillRect/>
+              </a:stretch>
+            </p:blipFill>
+            <p:spPr>
+              <a:xfrm>
+                <a:off x="3758123" y="5054112"/>
+                <a:ext cx="689723" cy="689723"/>
+              </a:xfrm>
+              <a:prstGeom prst="rect">
+                <a:avLst/>
+              </a:prstGeom>
+            </p:spPr>
+          </p:pic>
+        </p:grpSp>
+        <p:grpSp>
+          <p:nvGrpSpPr>
+            <p:cNvPr id="9" name="Group 8">
+              <a:extLst>
+                <a:ext uri="{FF2B5EF4-FFF2-40B4-BE49-F238E27FC236}">
+                  <a16:creationId xmlns:a16="http://schemas.microsoft.com/office/drawing/2014/main" id="{D060E4E1-DE29-CE00-2650-261007379892}"/>
+                </a:ext>
+              </a:extLst>
+            </p:cNvPr>
+            <p:cNvGrpSpPr/>
+            <p:nvPr/>
+          </p:nvGrpSpPr>
+          <p:grpSpPr>
+            <a:xfrm>
+              <a:off x="1991621" y="1897515"/>
+              <a:ext cx="914400" cy="914400"/>
+              <a:chOff x="3647212" y="4948885"/>
+              <a:chExt cx="914400" cy="914400"/>
+            </a:xfrm>
+          </p:grpSpPr>
+          <p:sp>
+            <p:nvSpPr>
+              <p:cNvPr id="10" name="Oval 9">
+                <a:extLst>
+                  <a:ext uri="{FF2B5EF4-FFF2-40B4-BE49-F238E27FC236}">
+                    <a16:creationId xmlns:a16="http://schemas.microsoft.com/office/drawing/2014/main" id="{16B0BD1A-940E-E010-66F8-8FAF4DABE878}"/>
+                  </a:ext>
+                </a:extLst>
+              </p:cNvPr>
+              <p:cNvSpPr>
+                <a:spLocks noChangeAspect="1"/>
+              </p:cNvSpPr>
+              <p:nvPr/>
+            </p:nvSpPr>
+            <p:spPr>
+              <a:xfrm>
+                <a:off x="3647212" y="4948885"/>
+                <a:ext cx="914400" cy="914400"/>
+              </a:xfrm>
+              <a:prstGeom prst="ellipse">
+                <a:avLst/>
+              </a:prstGeom>
+              <a:solidFill>
+                <a:schemeClr val="accent1">
+                  <a:lumMod val="60000"/>
+                  <a:lumOff val="40000"/>
+                </a:schemeClr>
+              </a:solidFill>
+            </p:spPr>
+            <p:style>
+              <a:lnRef idx="2">
+                <a:schemeClr val="accent1">
+                  <a:shade val="15000"/>
+                </a:schemeClr>
+              </a:lnRef>
+              <a:fillRef idx="1">
+                <a:schemeClr val="accent1"/>
+              </a:fillRef>
+              <a:effectRef idx="0">
+                <a:schemeClr val="accent1"/>
+              </a:effectRef>
+              <a:fontRef idx="minor">
+                <a:schemeClr val="lt1"/>
+              </a:fontRef>
+            </p:style>
+            <p:txBody>
+              <a:bodyPr rtlCol="0" anchor="ctr"/>
+              <a:lstStyle/>
+              <a:p>
+                <a:pPr algn="ctr"/>
+                <a:endParaRPr lang="en-US"/>
+              </a:p>
+            </p:txBody>
+          </p:sp>
+          <p:pic>
+            <p:nvPicPr>
+              <p:cNvPr id="11" name="Graphic 10" descr="Document">
+                <a:extLst>
+                  <a:ext uri="{FF2B5EF4-FFF2-40B4-BE49-F238E27FC236}">
+                    <a16:creationId xmlns:a16="http://schemas.microsoft.com/office/drawing/2014/main" id="{781D62D3-7A55-5067-3627-11751ED6599E}"/>
+                  </a:ext>
+                </a:extLst>
+              </p:cNvPr>
+              <p:cNvPicPr>
+                <a:picLocks noChangeAspect="1"/>
+              </p:cNvPicPr>
+              <p:nvPr/>
+            </p:nvPicPr>
+            <p:blipFill>
+              <a:blip r:embed="rId2">
+                <a:extLst>
+                  <a:ext uri="{96DAC541-7B7A-43D3-8B79-37D633B846F1}">
+                    <asvg:svgBlip xmlns:asvg="http://schemas.microsoft.com/office/drawing/2016/SVG/main" r:embed="rId3"/>
+                  </a:ext>
+                </a:extLst>
+              </a:blip>
+              <a:stretch>
+                <a:fillRect/>
+              </a:stretch>
+            </p:blipFill>
+            <p:spPr>
+              <a:xfrm>
+                <a:off x="3758123" y="5054112"/>
+                <a:ext cx="689723" cy="689723"/>
+              </a:xfrm>
+              <a:prstGeom prst="rect">
+                <a:avLst/>
+              </a:prstGeom>
+            </p:spPr>
+          </p:pic>
+        </p:grpSp>
+        <p:grpSp>
+          <p:nvGrpSpPr>
+            <p:cNvPr id="14" name="Group 13">
+              <a:extLst>
+                <a:ext uri="{FF2B5EF4-FFF2-40B4-BE49-F238E27FC236}">
+                  <a16:creationId xmlns:a16="http://schemas.microsoft.com/office/drawing/2014/main" id="{271B11D7-1CE7-76C0-D094-7A2CE6D55161}"/>
+                </a:ext>
+              </a:extLst>
+            </p:cNvPr>
+            <p:cNvGrpSpPr/>
+            <p:nvPr/>
+          </p:nvGrpSpPr>
+          <p:grpSpPr>
+            <a:xfrm>
+              <a:off x="8556913" y="3257447"/>
+              <a:ext cx="914400" cy="914400"/>
+              <a:chOff x="3647212" y="4948885"/>
+              <a:chExt cx="914400" cy="914400"/>
+            </a:xfrm>
+          </p:grpSpPr>
+          <p:sp>
+            <p:nvSpPr>
+              <p:cNvPr id="15" name="Oval 14">
+                <a:extLst>
+                  <a:ext uri="{FF2B5EF4-FFF2-40B4-BE49-F238E27FC236}">
+                    <a16:creationId xmlns:a16="http://schemas.microsoft.com/office/drawing/2014/main" id="{926744F5-7475-8C85-0F96-E9196851C958}"/>
+                  </a:ext>
+                </a:extLst>
+              </p:cNvPr>
+              <p:cNvSpPr>
+                <a:spLocks noChangeAspect="1"/>
+              </p:cNvSpPr>
+              <p:nvPr/>
+            </p:nvSpPr>
+            <p:spPr>
+              <a:xfrm>
+                <a:off x="3647212" y="4948885"/>
+                <a:ext cx="914400" cy="914400"/>
+              </a:xfrm>
+              <a:prstGeom prst="ellipse">
+                <a:avLst/>
+              </a:prstGeom>
+              <a:solidFill>
+                <a:schemeClr val="accent1">
+                  <a:lumMod val="75000"/>
+                </a:schemeClr>
+              </a:solidFill>
+            </p:spPr>
+            <p:style>
+              <a:lnRef idx="2">
+                <a:schemeClr val="accent1">
+                  <a:shade val="15000"/>
+                </a:schemeClr>
+              </a:lnRef>
+              <a:fillRef idx="1">
+                <a:schemeClr val="accent1"/>
+              </a:fillRef>
+              <a:effectRef idx="0">
+                <a:schemeClr val="accent1"/>
+              </a:effectRef>
+              <a:fontRef idx="minor">
+                <a:schemeClr val="lt1"/>
+              </a:fontRef>
+            </p:style>
+            <p:txBody>
+              <a:bodyPr rtlCol="0" anchor="ctr"/>
+              <a:lstStyle/>
+              <a:p>
+                <a:pPr algn="ctr"/>
+                <a:endParaRPr lang="en-US" dirty="0"/>
+              </a:p>
+            </p:txBody>
+          </p:sp>
+          <p:pic>
+            <p:nvPicPr>
+              <p:cNvPr id="16" name="Graphic 15">
+                <a:extLst>
+                  <a:ext uri="{FF2B5EF4-FFF2-40B4-BE49-F238E27FC236}">
+                    <a16:creationId xmlns:a16="http://schemas.microsoft.com/office/drawing/2014/main" id="{B8DD9C63-A70F-3AAD-4C64-4D943C23BCC5}"/>
+                  </a:ext>
+                </a:extLst>
+              </p:cNvPr>
+              <p:cNvPicPr>
+                <a:picLocks noChangeAspect="1"/>
+              </p:cNvPicPr>
+              <p:nvPr/>
+            </p:nvPicPr>
+            <p:blipFill>
+              <a:blip r:embed="rId4">
+                <a:extLst>
+                  <a:ext uri="{96DAC541-7B7A-43D3-8B79-37D633B846F1}">
+                    <asvg:svgBlip xmlns:asvg="http://schemas.microsoft.com/office/drawing/2016/SVG/main" r:embed="rId5"/>
+                  </a:ext>
+                </a:extLst>
+              </a:blip>
+              <a:srcRect/>
+              <a:stretch/>
+            </p:blipFill>
+            <p:spPr>
+              <a:xfrm>
+                <a:off x="3758123" y="5054112"/>
+                <a:ext cx="689723" cy="689723"/>
+              </a:xfrm>
+              <a:prstGeom prst="rect">
+                <a:avLst/>
+              </a:prstGeom>
+            </p:spPr>
+          </p:pic>
+        </p:grpSp>
+        <p:grpSp>
+          <p:nvGrpSpPr>
+            <p:cNvPr id="58" name="Group 57">
+              <a:extLst>
+                <a:ext uri="{FF2B5EF4-FFF2-40B4-BE49-F238E27FC236}">
+                  <a16:creationId xmlns:a16="http://schemas.microsoft.com/office/drawing/2014/main" id="{8AD4336D-3CA8-18AB-77E2-62591378C831}"/>
+                </a:ext>
+              </a:extLst>
+            </p:cNvPr>
+            <p:cNvGrpSpPr/>
+            <p:nvPr/>
+          </p:nvGrpSpPr>
+          <p:grpSpPr>
+            <a:xfrm>
+              <a:off x="4649224" y="2532939"/>
+              <a:ext cx="3352800" cy="2363416"/>
+              <a:chOff x="4064405" y="2531423"/>
+              <a:chExt cx="3352800" cy="2363416"/>
+            </a:xfrm>
+          </p:grpSpPr>
+          <p:grpSp>
+            <p:nvGrpSpPr>
+              <p:cNvPr id="56" name="Group 55">
+                <a:extLst>
+                  <a:ext uri="{FF2B5EF4-FFF2-40B4-BE49-F238E27FC236}">
+                    <a16:creationId xmlns:a16="http://schemas.microsoft.com/office/drawing/2014/main" id="{A089587F-7E78-2C44-4A14-54D9BCB78435}"/>
+                  </a:ext>
+                </a:extLst>
+              </p:cNvPr>
+              <p:cNvGrpSpPr/>
+              <p:nvPr/>
+            </p:nvGrpSpPr>
+            <p:grpSpPr>
+              <a:xfrm>
+                <a:off x="4064405" y="2531423"/>
+                <a:ext cx="3352800" cy="936831"/>
+                <a:chOff x="3512458" y="2494478"/>
+                <a:chExt cx="3352800" cy="936831"/>
+              </a:xfrm>
+            </p:grpSpPr>
+            <p:sp>
+              <p:nvSpPr>
+                <p:cNvPr id="12" name="Rectangle: Rounded Corners 11">
+                  <a:extLst>
+                    <a:ext uri="{FF2B5EF4-FFF2-40B4-BE49-F238E27FC236}">
+                      <a16:creationId xmlns:a16="http://schemas.microsoft.com/office/drawing/2014/main" id="{5163897E-925B-7540-5868-FD1C0EB3CCF8}"/>
+                    </a:ext>
+                  </a:extLst>
+                </p:cNvPr>
+                <p:cNvSpPr/>
+                <p:nvPr/>
+              </p:nvSpPr>
+              <p:spPr>
+                <a:xfrm>
+                  <a:off x="3512458" y="2494478"/>
+                  <a:ext cx="3352800" cy="936831"/>
+                </a:xfrm>
+                <a:prstGeom prst="roundRect">
+                  <a:avLst/>
+                </a:prstGeom>
+                <a:noFill/>
+                <a:ln w="28575">
+                  <a:solidFill>
+                    <a:schemeClr val="accent1">
+                      <a:lumMod val="75000"/>
+                    </a:schemeClr>
+                  </a:solidFill>
+                </a:ln>
+              </p:spPr>
+              <p:style>
+                <a:lnRef idx="2">
+                  <a:schemeClr val="accent1">
+                    <a:shade val="15000"/>
+                  </a:schemeClr>
+                </a:lnRef>
+                <a:fillRef idx="1">
+                  <a:schemeClr val="accent1"/>
+                </a:fillRef>
+                <a:effectRef idx="0">
+                  <a:schemeClr val="accent1"/>
+                </a:effectRef>
+                <a:fontRef idx="minor">
+                  <a:schemeClr val="lt1"/>
+                </a:fontRef>
+              </p:style>
+              <p:txBody>
+                <a:bodyPr rtlCol="0" anchor="ctr"/>
+                <a:lstStyle/>
+                <a:p>
+                  <a:pPr marL="640080"/>
+                  <a:r>
+                    <a:rPr lang="en-US" sz="1400" b="1" dirty="0">
+                      <a:solidFill>
+                        <a:schemeClr val="accent1"/>
+                      </a:solidFill>
+                    </a:rPr>
+                    <a:t>Term Frequency: </a:t>
+                  </a:r>
+                  <a:r>
+                    <a:rPr lang="en-US" sz="1400" dirty="0">
+                      <a:solidFill>
+                        <a:schemeClr val="accent1"/>
+                      </a:solidFill>
+                    </a:rPr>
+                    <a:t>how often a term appears within a document</a:t>
+                  </a:r>
+                </a:p>
+              </p:txBody>
+            </p:sp>
+            <p:grpSp>
+              <p:nvGrpSpPr>
+                <p:cNvPr id="31" name="Group 30">
+                  <a:extLst>
+                    <a:ext uri="{FF2B5EF4-FFF2-40B4-BE49-F238E27FC236}">
+                      <a16:creationId xmlns:a16="http://schemas.microsoft.com/office/drawing/2014/main" id="{ED3C9E2D-FC6F-414B-1EA5-26FF6B480F4C}"/>
+                    </a:ext>
+                  </a:extLst>
+                </p:cNvPr>
+                <p:cNvGrpSpPr/>
+                <p:nvPr/>
+              </p:nvGrpSpPr>
+              <p:grpSpPr>
+                <a:xfrm>
+                  <a:off x="3670414" y="2660388"/>
+                  <a:ext cx="449947" cy="597059"/>
+                  <a:chOff x="3653746" y="2678775"/>
+                  <a:chExt cx="449947" cy="597059"/>
+                </a:xfrm>
+              </p:grpSpPr>
+              <p:sp>
+                <p:nvSpPr>
+                  <p:cNvPr id="19" name="Oval 18">
+                    <a:extLst>
+                      <a:ext uri="{FF2B5EF4-FFF2-40B4-BE49-F238E27FC236}">
+                        <a16:creationId xmlns:a16="http://schemas.microsoft.com/office/drawing/2014/main" id="{34D1B33D-C4FC-13F9-928D-8975122787A3}"/>
+                      </a:ext>
+                    </a:extLst>
+                  </p:cNvPr>
+                  <p:cNvSpPr/>
+                  <p:nvPr/>
+                </p:nvSpPr>
+                <p:spPr>
+                  <a:xfrm>
+                    <a:off x="3688671" y="2815982"/>
+                    <a:ext cx="95250" cy="92758"/>
+                  </a:xfrm>
+                  <a:prstGeom prst="ellipse">
+                    <a:avLst/>
+                  </a:prstGeom>
+                </p:spPr>
+                <p:style>
+                  <a:lnRef idx="2">
+                    <a:schemeClr val="accent1">
+                      <a:shade val="15000"/>
+                    </a:schemeClr>
+                  </a:lnRef>
+                  <a:fillRef idx="1">
+                    <a:schemeClr val="accent1"/>
+                  </a:fillRef>
+                  <a:effectRef idx="0">
+                    <a:schemeClr val="accent1"/>
+                  </a:effectRef>
+                  <a:fontRef idx="minor">
+                    <a:schemeClr val="lt1"/>
+                  </a:fontRef>
+                </p:style>
+                <p:txBody>
+                  <a:bodyPr rtlCol="0" anchor="ctr"/>
+                  <a:lstStyle/>
+                  <a:p>
+                    <a:pPr algn="ctr"/>
+                    <a:endParaRPr lang="en-US"/>
+                  </a:p>
+                </p:txBody>
+              </p:sp>
+              <p:sp>
+                <p:nvSpPr>
+                  <p:cNvPr id="21" name="Oval 20">
+                    <a:extLst>
+                      <a:ext uri="{FF2B5EF4-FFF2-40B4-BE49-F238E27FC236}">
+                        <a16:creationId xmlns:a16="http://schemas.microsoft.com/office/drawing/2014/main" id="{C1705371-7EB3-9DC6-130C-83AD2AA863FF}"/>
+                      </a:ext>
+                    </a:extLst>
+                  </p:cNvPr>
+                  <p:cNvSpPr/>
+                  <p:nvPr/>
+                </p:nvSpPr>
+                <p:spPr>
+                  <a:xfrm>
+                    <a:off x="3841071" y="2968382"/>
+                    <a:ext cx="95250" cy="92758"/>
+                  </a:xfrm>
+                  <a:prstGeom prst="ellipse">
+                    <a:avLst/>
+                  </a:prstGeom>
+                </p:spPr>
+                <p:style>
+                  <a:lnRef idx="2">
+                    <a:schemeClr val="accent1">
+                      <a:shade val="15000"/>
+                    </a:schemeClr>
+                  </a:lnRef>
+                  <a:fillRef idx="1">
+                    <a:schemeClr val="accent1"/>
+                  </a:fillRef>
+                  <a:effectRef idx="0">
+                    <a:schemeClr val="accent1"/>
+                  </a:effectRef>
+                  <a:fontRef idx="minor">
+                    <a:schemeClr val="lt1"/>
+                  </a:fontRef>
+                </p:style>
+                <p:txBody>
+                  <a:bodyPr rtlCol="0" anchor="ctr"/>
+                  <a:lstStyle/>
+                  <a:p>
+                    <a:pPr algn="ctr"/>
+                    <a:endParaRPr lang="en-US"/>
+                  </a:p>
+                </p:txBody>
+              </p:sp>
+              <p:sp>
+                <p:nvSpPr>
+                  <p:cNvPr id="22" name="Oval 21">
+                    <a:extLst>
+                      <a:ext uri="{FF2B5EF4-FFF2-40B4-BE49-F238E27FC236}">
+                        <a16:creationId xmlns:a16="http://schemas.microsoft.com/office/drawing/2014/main" id="{2DCD1AD8-2675-9C12-0309-2AF2AFA869C4}"/>
+                      </a:ext>
+                    </a:extLst>
+                  </p:cNvPr>
+                  <p:cNvSpPr/>
+                  <p:nvPr/>
+                </p:nvSpPr>
+                <p:spPr>
+                  <a:xfrm>
+                    <a:off x="3907746" y="3164689"/>
+                    <a:ext cx="95250" cy="92758"/>
+                  </a:xfrm>
+                  <a:prstGeom prst="ellipse">
+                    <a:avLst/>
+                  </a:prstGeom>
+                </p:spPr>
+                <p:style>
+                  <a:lnRef idx="2">
+                    <a:schemeClr val="accent1">
+                      <a:shade val="15000"/>
+                    </a:schemeClr>
+                  </a:lnRef>
+                  <a:fillRef idx="1">
+                    <a:schemeClr val="accent1"/>
+                  </a:fillRef>
+                  <a:effectRef idx="0">
+                    <a:schemeClr val="accent1"/>
+                  </a:effectRef>
+                  <a:fontRef idx="minor">
+                    <a:schemeClr val="lt1"/>
+                  </a:fontRef>
+                </p:style>
+                <p:txBody>
+                  <a:bodyPr rtlCol="0" anchor="ctr"/>
+                  <a:lstStyle/>
+                  <a:p>
+                    <a:pPr algn="ctr"/>
+                    <a:endParaRPr lang="en-US"/>
+                  </a:p>
+                </p:txBody>
+              </p:sp>
+              <p:sp>
+                <p:nvSpPr>
+                  <p:cNvPr id="23" name="Oval 22">
+                    <a:extLst>
+                      <a:ext uri="{FF2B5EF4-FFF2-40B4-BE49-F238E27FC236}">
+                        <a16:creationId xmlns:a16="http://schemas.microsoft.com/office/drawing/2014/main" id="{30DBEAB4-7A80-B8AA-EEEE-9652B14A1916}"/>
+                      </a:ext>
+                    </a:extLst>
+                  </p:cNvPr>
+                  <p:cNvSpPr/>
+                  <p:nvPr/>
+                </p:nvSpPr>
+                <p:spPr>
+                  <a:xfrm>
+                    <a:off x="3996422" y="2992688"/>
+                    <a:ext cx="95250" cy="92758"/>
+                  </a:xfrm>
+                  <a:prstGeom prst="ellipse">
+                    <a:avLst/>
+                  </a:prstGeom>
+                </p:spPr>
+                <p:style>
+                  <a:lnRef idx="2">
+                    <a:schemeClr val="accent1">
+                      <a:shade val="15000"/>
+                    </a:schemeClr>
+                  </a:lnRef>
+                  <a:fillRef idx="1">
+                    <a:schemeClr val="accent1"/>
+                  </a:fillRef>
+                  <a:effectRef idx="0">
+                    <a:schemeClr val="accent1"/>
+                  </a:effectRef>
+                  <a:fontRef idx="minor">
+                    <a:schemeClr val="lt1"/>
+                  </a:fontRef>
+                </p:style>
+                <p:txBody>
+                  <a:bodyPr rtlCol="0" anchor="ctr"/>
+                  <a:lstStyle/>
+                  <a:p>
+                    <a:pPr algn="ctr"/>
+                    <a:endParaRPr lang="en-US"/>
+                  </a:p>
+                </p:txBody>
+              </p:sp>
+              <p:sp>
+                <p:nvSpPr>
+                  <p:cNvPr id="24" name="Oval 23">
+                    <a:extLst>
+                      <a:ext uri="{FF2B5EF4-FFF2-40B4-BE49-F238E27FC236}">
+                        <a16:creationId xmlns:a16="http://schemas.microsoft.com/office/drawing/2014/main" id="{2320626F-C0D9-7B8F-05F4-83A090A7CC5C}"/>
+                      </a:ext>
+                    </a:extLst>
+                  </p:cNvPr>
+                  <p:cNvSpPr/>
+                  <p:nvPr/>
+                </p:nvSpPr>
+                <p:spPr>
+                  <a:xfrm>
+                    <a:off x="3860121" y="2837813"/>
+                    <a:ext cx="95250" cy="92758"/>
+                  </a:xfrm>
+                  <a:prstGeom prst="ellipse">
+                    <a:avLst/>
+                  </a:prstGeom>
+                </p:spPr>
+                <p:style>
+                  <a:lnRef idx="2">
+                    <a:schemeClr val="accent1">
+                      <a:shade val="15000"/>
+                    </a:schemeClr>
+                  </a:lnRef>
+                  <a:fillRef idx="1">
+                    <a:schemeClr val="accent1"/>
+                  </a:fillRef>
+                  <a:effectRef idx="0">
+                    <a:schemeClr val="accent1"/>
+                  </a:effectRef>
+                  <a:fontRef idx="minor">
+                    <a:schemeClr val="lt1"/>
+                  </a:fontRef>
+                </p:style>
+                <p:txBody>
+                  <a:bodyPr rtlCol="0" anchor="ctr"/>
+                  <a:lstStyle/>
+                  <a:p>
+                    <a:pPr algn="ctr"/>
+                    <a:endParaRPr lang="en-US"/>
+                  </a:p>
+                </p:txBody>
+              </p:sp>
+              <p:sp>
+                <p:nvSpPr>
+                  <p:cNvPr id="25" name="Oval 24">
+                    <a:extLst>
+                      <a:ext uri="{FF2B5EF4-FFF2-40B4-BE49-F238E27FC236}">
+                        <a16:creationId xmlns:a16="http://schemas.microsoft.com/office/drawing/2014/main" id="{6C01A354-BD9D-6BED-7E8C-D79A37003D39}"/>
+                      </a:ext>
+                    </a:extLst>
+                  </p:cNvPr>
+                  <p:cNvSpPr/>
+                  <p:nvPr/>
+                </p:nvSpPr>
+                <p:spPr>
+                  <a:xfrm>
+                    <a:off x="3780746" y="3083587"/>
+                    <a:ext cx="95250" cy="92758"/>
+                  </a:xfrm>
+                  <a:prstGeom prst="ellipse">
+                    <a:avLst/>
+                  </a:prstGeom>
+                </p:spPr>
+                <p:style>
+                  <a:lnRef idx="2">
+                    <a:schemeClr val="accent1">
+                      <a:shade val="15000"/>
+                    </a:schemeClr>
+                  </a:lnRef>
+                  <a:fillRef idx="1">
+                    <a:schemeClr val="accent1"/>
+                  </a:fillRef>
+                  <a:effectRef idx="0">
+                    <a:schemeClr val="accent1"/>
+                  </a:effectRef>
+                  <a:fontRef idx="minor">
+                    <a:schemeClr val="lt1"/>
+                  </a:fontRef>
+                </p:style>
+                <p:txBody>
+                  <a:bodyPr rtlCol="0" anchor="ctr"/>
+                  <a:lstStyle/>
+                  <a:p>
+                    <a:pPr algn="ctr"/>
+                    <a:endParaRPr lang="en-US"/>
+                  </a:p>
+                </p:txBody>
+              </p:sp>
+              <p:sp>
+                <p:nvSpPr>
+                  <p:cNvPr id="26" name="Oval 25">
+                    <a:extLst>
+                      <a:ext uri="{FF2B5EF4-FFF2-40B4-BE49-F238E27FC236}">
+                        <a16:creationId xmlns:a16="http://schemas.microsoft.com/office/drawing/2014/main" id="{0672F56F-93A0-25F5-3B54-46B5A9FBFCA6}"/>
+                      </a:ext>
+                    </a:extLst>
+                  </p:cNvPr>
+                  <p:cNvSpPr/>
+                  <p:nvPr/>
+                </p:nvSpPr>
+                <p:spPr>
+                  <a:xfrm>
+                    <a:off x="3675292" y="3183076"/>
+                    <a:ext cx="95250" cy="92758"/>
+                  </a:xfrm>
+                  <a:prstGeom prst="ellipse">
+                    <a:avLst/>
+                  </a:prstGeom>
+                </p:spPr>
+                <p:style>
+                  <a:lnRef idx="2">
+                    <a:schemeClr val="accent1">
+                      <a:shade val="15000"/>
+                    </a:schemeClr>
+                  </a:lnRef>
+                  <a:fillRef idx="1">
+                    <a:schemeClr val="accent1"/>
+                  </a:fillRef>
+                  <a:effectRef idx="0">
+                    <a:schemeClr val="accent1"/>
+                  </a:effectRef>
+                  <a:fontRef idx="minor">
+                    <a:schemeClr val="lt1"/>
+                  </a:fontRef>
+                </p:style>
+                <p:txBody>
+                  <a:bodyPr rtlCol="0" anchor="ctr"/>
+                  <a:lstStyle/>
+                  <a:p>
+                    <a:pPr algn="ctr"/>
+                    <a:endParaRPr lang="en-US"/>
+                  </a:p>
+                </p:txBody>
+              </p:sp>
+              <p:sp>
+                <p:nvSpPr>
+                  <p:cNvPr id="27" name="Oval 26">
+                    <a:extLst>
+                      <a:ext uri="{FF2B5EF4-FFF2-40B4-BE49-F238E27FC236}">
+                        <a16:creationId xmlns:a16="http://schemas.microsoft.com/office/drawing/2014/main" id="{6A922268-FE98-351C-6FDA-FADF38C5D1AE}"/>
+                      </a:ext>
+                    </a:extLst>
+                  </p:cNvPr>
+                  <p:cNvSpPr/>
+                  <p:nvPr/>
+                </p:nvSpPr>
+                <p:spPr>
+                  <a:xfrm>
+                    <a:off x="3653746" y="2990829"/>
+                    <a:ext cx="95250" cy="92758"/>
+                  </a:xfrm>
+                  <a:prstGeom prst="ellipse">
+                    <a:avLst/>
+                  </a:prstGeom>
+                </p:spPr>
+                <p:style>
+                  <a:lnRef idx="2">
+                    <a:schemeClr val="accent1">
+                      <a:shade val="15000"/>
+                    </a:schemeClr>
+                  </a:lnRef>
+                  <a:fillRef idx="1">
+                    <a:schemeClr val="accent1"/>
+                  </a:fillRef>
+                  <a:effectRef idx="0">
+                    <a:schemeClr val="accent1"/>
+                  </a:effectRef>
+                  <a:fontRef idx="minor">
+                    <a:schemeClr val="lt1"/>
+                  </a:fontRef>
+                </p:style>
+                <p:txBody>
+                  <a:bodyPr rtlCol="0" anchor="ctr"/>
+                  <a:lstStyle/>
+                  <a:p>
+                    <a:pPr algn="ctr"/>
+                    <a:endParaRPr lang="en-US"/>
+                  </a:p>
+                </p:txBody>
+              </p:sp>
+              <p:sp>
+                <p:nvSpPr>
+                  <p:cNvPr id="28" name="Oval 27">
+                    <a:extLst>
+                      <a:ext uri="{FF2B5EF4-FFF2-40B4-BE49-F238E27FC236}">
+                        <a16:creationId xmlns:a16="http://schemas.microsoft.com/office/drawing/2014/main" id="{120C9588-91BC-B874-5E4F-FA69A8E79D39}"/>
+                      </a:ext>
+                    </a:extLst>
+                  </p:cNvPr>
+                  <p:cNvSpPr/>
+                  <p:nvPr/>
+                </p:nvSpPr>
+                <p:spPr>
+                  <a:xfrm>
+                    <a:off x="3793446" y="2678775"/>
+                    <a:ext cx="95250" cy="92758"/>
+                  </a:xfrm>
+                  <a:prstGeom prst="ellipse">
+                    <a:avLst/>
+                  </a:prstGeom>
+                </p:spPr>
+                <p:style>
+                  <a:lnRef idx="2">
+                    <a:schemeClr val="accent1">
+                      <a:shade val="15000"/>
+                    </a:schemeClr>
+                  </a:lnRef>
+                  <a:fillRef idx="1">
+                    <a:schemeClr val="accent1"/>
+                  </a:fillRef>
+                  <a:effectRef idx="0">
+                    <a:schemeClr val="accent1"/>
+                  </a:effectRef>
+                  <a:fontRef idx="minor">
+                    <a:schemeClr val="lt1"/>
+                  </a:fontRef>
+                </p:style>
+                <p:txBody>
+                  <a:bodyPr rtlCol="0" anchor="ctr"/>
+                  <a:lstStyle/>
+                  <a:p>
+                    <a:pPr algn="ctr"/>
+                    <a:endParaRPr lang="en-US"/>
+                  </a:p>
+                </p:txBody>
+              </p:sp>
+              <p:sp>
+                <p:nvSpPr>
+                  <p:cNvPr id="30" name="Oval 29">
+                    <a:extLst>
+                      <a:ext uri="{FF2B5EF4-FFF2-40B4-BE49-F238E27FC236}">
+                        <a16:creationId xmlns:a16="http://schemas.microsoft.com/office/drawing/2014/main" id="{A20C47C9-CBA1-6E5B-F394-086E0897456E}"/>
+                      </a:ext>
+                    </a:extLst>
+                  </p:cNvPr>
+                  <p:cNvSpPr/>
+                  <p:nvPr/>
+                </p:nvSpPr>
+                <p:spPr>
+                  <a:xfrm>
+                    <a:off x="4008443" y="2759496"/>
+                    <a:ext cx="95250" cy="92758"/>
+                  </a:xfrm>
+                  <a:prstGeom prst="ellipse">
+                    <a:avLst/>
+                  </a:prstGeom>
+                </p:spPr>
+                <p:style>
+                  <a:lnRef idx="2">
+                    <a:schemeClr val="accent1">
+                      <a:shade val="15000"/>
+                    </a:schemeClr>
+                  </a:lnRef>
+                  <a:fillRef idx="1">
+                    <a:schemeClr val="accent1"/>
+                  </a:fillRef>
+                  <a:effectRef idx="0">
+                    <a:schemeClr val="accent1"/>
+                  </a:effectRef>
+                  <a:fontRef idx="minor">
+                    <a:schemeClr val="lt1"/>
+                  </a:fontRef>
+                </p:style>
+                <p:txBody>
+                  <a:bodyPr rtlCol="0" anchor="ctr"/>
+                  <a:lstStyle/>
+                  <a:p>
+                    <a:pPr algn="ctr"/>
+                    <a:endParaRPr lang="en-US"/>
+                  </a:p>
+                </p:txBody>
+              </p:sp>
+            </p:grpSp>
+          </p:grpSp>
+          <p:grpSp>
+            <p:nvGrpSpPr>
+              <p:cNvPr id="57" name="Group 56">
+                <a:extLst>
+                  <a:ext uri="{FF2B5EF4-FFF2-40B4-BE49-F238E27FC236}">
+                    <a16:creationId xmlns:a16="http://schemas.microsoft.com/office/drawing/2014/main" id="{3F1A1857-937B-554A-71C6-10FC57E8674D}"/>
+                  </a:ext>
+                </a:extLst>
+              </p:cNvPr>
+              <p:cNvGrpSpPr/>
+              <p:nvPr/>
+            </p:nvGrpSpPr>
+            <p:grpSpPr>
+              <a:xfrm>
+                <a:off x="4064405" y="3958008"/>
+                <a:ext cx="3352800" cy="936831"/>
+                <a:chOff x="3512458" y="3921063"/>
+                <a:chExt cx="3352800" cy="936831"/>
+              </a:xfrm>
+            </p:grpSpPr>
+            <p:sp>
+              <p:nvSpPr>
+                <p:cNvPr id="13" name="Rectangle: Rounded Corners 12">
+                  <a:extLst>
+                    <a:ext uri="{FF2B5EF4-FFF2-40B4-BE49-F238E27FC236}">
+                      <a16:creationId xmlns:a16="http://schemas.microsoft.com/office/drawing/2014/main" id="{4FB6AB93-AA81-BF09-28EE-43D4EDEC1DAD}"/>
+                    </a:ext>
+                  </a:extLst>
+                </p:cNvPr>
+                <p:cNvSpPr/>
+                <p:nvPr/>
+              </p:nvSpPr>
+              <p:spPr>
+                <a:xfrm>
+                  <a:off x="3512458" y="3921063"/>
+                  <a:ext cx="3352800" cy="936831"/>
+                </a:xfrm>
+                <a:prstGeom prst="roundRect">
+                  <a:avLst/>
+                </a:prstGeom>
+                <a:noFill/>
+                <a:ln w="28575">
+                  <a:solidFill>
+                    <a:schemeClr val="accent1">
+                      <a:lumMod val="75000"/>
+                    </a:schemeClr>
+                  </a:solidFill>
+                </a:ln>
+              </p:spPr>
+              <p:style>
+                <a:lnRef idx="2">
+                  <a:schemeClr val="accent1">
+                    <a:shade val="15000"/>
+                  </a:schemeClr>
+                </a:lnRef>
+                <a:fillRef idx="1">
+                  <a:schemeClr val="accent1"/>
+                </a:fillRef>
+                <a:effectRef idx="0">
+                  <a:schemeClr val="accent1"/>
+                </a:effectRef>
+                <a:fontRef idx="minor">
+                  <a:schemeClr val="lt1"/>
+                </a:fontRef>
+              </p:style>
+              <p:txBody>
+                <a:bodyPr rtlCol="0" anchor="ctr"/>
+                <a:lstStyle/>
+                <a:p>
+                  <a:pPr marL="640080"/>
+                  <a:r>
+                    <a:rPr lang="en-US" sz="1400" b="1" dirty="0">
+                      <a:solidFill>
+                        <a:schemeClr val="accent1"/>
+                      </a:solidFill>
+                    </a:rPr>
+                    <a:t>Inverse Document Frequency: </a:t>
+                  </a:r>
+                  <a:r>
+                    <a:rPr lang="en-US" sz="1400" dirty="0">
+                      <a:solidFill>
+                        <a:schemeClr val="accent1"/>
+                      </a:solidFill>
+                    </a:rPr>
+                    <a:t>how rare a term is over the document collection</a:t>
+                  </a:r>
+                </a:p>
+              </p:txBody>
+            </p:sp>
+            <p:grpSp>
+              <p:nvGrpSpPr>
+                <p:cNvPr id="32" name="Group 31">
+                  <a:extLst>
+                    <a:ext uri="{FF2B5EF4-FFF2-40B4-BE49-F238E27FC236}">
+                      <a16:creationId xmlns:a16="http://schemas.microsoft.com/office/drawing/2014/main" id="{1DC7CE5C-F277-E5B9-BE3A-E6310726129F}"/>
+                    </a:ext>
+                  </a:extLst>
+                </p:cNvPr>
+                <p:cNvGrpSpPr/>
+                <p:nvPr/>
+              </p:nvGrpSpPr>
+              <p:grpSpPr>
+                <a:xfrm>
+                  <a:off x="3680390" y="4090948"/>
+                  <a:ext cx="449947" cy="597059"/>
+                  <a:chOff x="3653746" y="2678775"/>
+                  <a:chExt cx="449947" cy="597059"/>
+                </a:xfrm>
+              </p:grpSpPr>
+              <p:sp>
+                <p:nvSpPr>
+                  <p:cNvPr id="33" name="Oval 32">
+                    <a:extLst>
+                      <a:ext uri="{FF2B5EF4-FFF2-40B4-BE49-F238E27FC236}">
+                        <a16:creationId xmlns:a16="http://schemas.microsoft.com/office/drawing/2014/main" id="{C847AADA-7BBE-C428-8B8A-8480AF843348}"/>
+                      </a:ext>
+                    </a:extLst>
+                  </p:cNvPr>
+                  <p:cNvSpPr/>
+                  <p:nvPr/>
+                </p:nvSpPr>
+                <p:spPr>
+                  <a:xfrm>
+                    <a:off x="3688671" y="2815982"/>
+                    <a:ext cx="95250" cy="92758"/>
+                  </a:xfrm>
+                  <a:prstGeom prst="ellipse">
+                    <a:avLst/>
+                  </a:prstGeom>
+                </p:spPr>
+                <p:style>
+                  <a:lnRef idx="2">
+                    <a:schemeClr val="accent1">
+                      <a:shade val="15000"/>
+                    </a:schemeClr>
+                  </a:lnRef>
+                  <a:fillRef idx="1">
+                    <a:schemeClr val="accent1"/>
+                  </a:fillRef>
+                  <a:effectRef idx="0">
+                    <a:schemeClr val="accent1"/>
+                  </a:effectRef>
+                  <a:fontRef idx="minor">
+                    <a:schemeClr val="lt1"/>
+                  </a:fontRef>
+                </p:style>
+                <p:txBody>
+                  <a:bodyPr rtlCol="0" anchor="ctr"/>
+                  <a:lstStyle/>
+                  <a:p>
+                    <a:pPr algn="ctr"/>
+                    <a:endParaRPr lang="en-US"/>
+                  </a:p>
+                </p:txBody>
+              </p:sp>
+              <p:sp>
+                <p:nvSpPr>
+                  <p:cNvPr id="34" name="Oval 33">
+                    <a:extLst>
+                      <a:ext uri="{FF2B5EF4-FFF2-40B4-BE49-F238E27FC236}">
+                        <a16:creationId xmlns:a16="http://schemas.microsoft.com/office/drawing/2014/main" id="{C4AAF7F4-12C1-5CFA-13A4-2FFAEB7F295E}"/>
+                      </a:ext>
+                    </a:extLst>
+                  </p:cNvPr>
+                  <p:cNvSpPr/>
+                  <p:nvPr/>
+                </p:nvSpPr>
+                <p:spPr>
+                  <a:xfrm>
+                    <a:off x="3841071" y="2968382"/>
+                    <a:ext cx="95250" cy="92758"/>
+                  </a:xfrm>
+                  <a:prstGeom prst="ellipse">
+                    <a:avLst/>
+                  </a:prstGeom>
+                  <a:solidFill>
+                    <a:srgbClr val="FFC000"/>
+                  </a:solidFill>
+                </p:spPr>
+                <p:style>
+                  <a:lnRef idx="2">
+                    <a:schemeClr val="accent1">
+                      <a:shade val="15000"/>
+                    </a:schemeClr>
+                  </a:lnRef>
+                  <a:fillRef idx="1">
+                    <a:schemeClr val="accent1"/>
+                  </a:fillRef>
+                  <a:effectRef idx="0">
+                    <a:schemeClr val="accent1"/>
+                  </a:effectRef>
+                  <a:fontRef idx="minor">
+                    <a:schemeClr val="lt1"/>
+                  </a:fontRef>
+                </p:style>
+                <p:txBody>
+                  <a:bodyPr rtlCol="0" anchor="ctr"/>
+                  <a:lstStyle/>
+                  <a:p>
+                    <a:pPr algn="ctr"/>
+                    <a:endParaRPr lang="en-US"/>
+                  </a:p>
+                </p:txBody>
+              </p:sp>
+              <p:sp>
+                <p:nvSpPr>
+                  <p:cNvPr id="35" name="Oval 34">
+                    <a:extLst>
+                      <a:ext uri="{FF2B5EF4-FFF2-40B4-BE49-F238E27FC236}">
+                        <a16:creationId xmlns:a16="http://schemas.microsoft.com/office/drawing/2014/main" id="{1526B637-F121-53D8-1D6D-B4A1A8D4DF80}"/>
+                      </a:ext>
+                    </a:extLst>
+                  </p:cNvPr>
+                  <p:cNvSpPr/>
+                  <p:nvPr/>
+                </p:nvSpPr>
+                <p:spPr>
+                  <a:xfrm>
+                    <a:off x="3907746" y="3164689"/>
+                    <a:ext cx="95250" cy="92758"/>
+                  </a:xfrm>
+                  <a:prstGeom prst="ellipse">
+                    <a:avLst/>
+                  </a:prstGeom>
+                </p:spPr>
+                <p:style>
+                  <a:lnRef idx="2">
+                    <a:schemeClr val="accent1">
+                      <a:shade val="15000"/>
+                    </a:schemeClr>
+                  </a:lnRef>
+                  <a:fillRef idx="1">
+                    <a:schemeClr val="accent1"/>
+                  </a:fillRef>
+                  <a:effectRef idx="0">
+                    <a:schemeClr val="accent1"/>
+                  </a:effectRef>
+                  <a:fontRef idx="minor">
+                    <a:schemeClr val="lt1"/>
+                  </a:fontRef>
+                </p:style>
+                <p:txBody>
+                  <a:bodyPr rtlCol="0" anchor="ctr"/>
+                  <a:lstStyle/>
+                  <a:p>
+                    <a:pPr algn="ctr"/>
+                    <a:endParaRPr lang="en-US"/>
+                  </a:p>
+                </p:txBody>
+              </p:sp>
+              <p:sp>
+                <p:nvSpPr>
+                  <p:cNvPr id="36" name="Oval 35">
+                    <a:extLst>
+                      <a:ext uri="{FF2B5EF4-FFF2-40B4-BE49-F238E27FC236}">
+                        <a16:creationId xmlns:a16="http://schemas.microsoft.com/office/drawing/2014/main" id="{D013AF55-A04E-6294-6AA9-A1D73F543C07}"/>
+                      </a:ext>
+                    </a:extLst>
+                  </p:cNvPr>
+                  <p:cNvSpPr/>
+                  <p:nvPr/>
+                </p:nvSpPr>
+                <p:spPr>
+                  <a:xfrm>
+                    <a:off x="3996422" y="2992688"/>
+                    <a:ext cx="95250" cy="92758"/>
+                  </a:xfrm>
+                  <a:prstGeom prst="ellipse">
+                    <a:avLst/>
+                  </a:prstGeom>
+                </p:spPr>
+                <p:style>
+                  <a:lnRef idx="2">
+                    <a:schemeClr val="accent1">
+                      <a:shade val="15000"/>
+                    </a:schemeClr>
+                  </a:lnRef>
+                  <a:fillRef idx="1">
+                    <a:schemeClr val="accent1"/>
+                  </a:fillRef>
+                  <a:effectRef idx="0">
+                    <a:schemeClr val="accent1"/>
+                  </a:effectRef>
+                  <a:fontRef idx="minor">
+                    <a:schemeClr val="lt1"/>
+                  </a:fontRef>
+                </p:style>
+                <p:txBody>
+                  <a:bodyPr rtlCol="0" anchor="ctr"/>
+                  <a:lstStyle/>
+                  <a:p>
+                    <a:pPr algn="ctr"/>
+                    <a:endParaRPr lang="en-US"/>
+                  </a:p>
+                </p:txBody>
+              </p:sp>
+              <p:sp>
+                <p:nvSpPr>
+                  <p:cNvPr id="37" name="Oval 36">
+                    <a:extLst>
+                      <a:ext uri="{FF2B5EF4-FFF2-40B4-BE49-F238E27FC236}">
+                        <a16:creationId xmlns:a16="http://schemas.microsoft.com/office/drawing/2014/main" id="{13E01669-E32D-F7AB-3712-9096F5DC5BD6}"/>
+                      </a:ext>
+                    </a:extLst>
+                  </p:cNvPr>
+                  <p:cNvSpPr/>
+                  <p:nvPr/>
+                </p:nvSpPr>
+                <p:spPr>
+                  <a:xfrm>
+                    <a:off x="3860121" y="2837813"/>
+                    <a:ext cx="95250" cy="92758"/>
+                  </a:xfrm>
+                  <a:prstGeom prst="ellipse">
+                    <a:avLst/>
+                  </a:prstGeom>
+                </p:spPr>
+                <p:style>
+                  <a:lnRef idx="2">
+                    <a:schemeClr val="accent1">
+                      <a:shade val="15000"/>
+                    </a:schemeClr>
+                  </a:lnRef>
+                  <a:fillRef idx="1">
+                    <a:schemeClr val="accent1"/>
+                  </a:fillRef>
+                  <a:effectRef idx="0">
+                    <a:schemeClr val="accent1"/>
+                  </a:effectRef>
+                  <a:fontRef idx="minor">
+                    <a:schemeClr val="lt1"/>
+                  </a:fontRef>
+                </p:style>
+                <p:txBody>
+                  <a:bodyPr rtlCol="0" anchor="ctr"/>
+                  <a:lstStyle/>
+                  <a:p>
+                    <a:pPr algn="ctr"/>
+                    <a:endParaRPr lang="en-US"/>
+                  </a:p>
+                </p:txBody>
+              </p:sp>
+              <p:sp>
+                <p:nvSpPr>
+                  <p:cNvPr id="38" name="Oval 37">
+                    <a:extLst>
+                      <a:ext uri="{FF2B5EF4-FFF2-40B4-BE49-F238E27FC236}">
+                        <a16:creationId xmlns:a16="http://schemas.microsoft.com/office/drawing/2014/main" id="{1C988BAF-D2DD-C7E6-A9C8-0BDF6C59D7F1}"/>
+                      </a:ext>
+                    </a:extLst>
+                  </p:cNvPr>
+                  <p:cNvSpPr/>
+                  <p:nvPr/>
+                </p:nvSpPr>
+                <p:spPr>
+                  <a:xfrm>
+                    <a:off x="3780746" y="3083587"/>
+                    <a:ext cx="95250" cy="92758"/>
+                  </a:xfrm>
+                  <a:prstGeom prst="ellipse">
+                    <a:avLst/>
+                  </a:prstGeom>
+                </p:spPr>
+                <p:style>
+                  <a:lnRef idx="2">
+                    <a:schemeClr val="accent1">
+                      <a:shade val="15000"/>
+                    </a:schemeClr>
+                  </a:lnRef>
+                  <a:fillRef idx="1">
+                    <a:schemeClr val="accent1"/>
+                  </a:fillRef>
+                  <a:effectRef idx="0">
+                    <a:schemeClr val="accent1"/>
+                  </a:effectRef>
+                  <a:fontRef idx="minor">
+                    <a:schemeClr val="lt1"/>
+                  </a:fontRef>
+                </p:style>
+                <p:txBody>
+                  <a:bodyPr rtlCol="0" anchor="ctr"/>
+                  <a:lstStyle/>
+                  <a:p>
+                    <a:pPr algn="ctr"/>
+                    <a:endParaRPr lang="en-US"/>
+                  </a:p>
+                </p:txBody>
+              </p:sp>
+              <p:sp>
+                <p:nvSpPr>
+                  <p:cNvPr id="39" name="Oval 38">
+                    <a:extLst>
+                      <a:ext uri="{FF2B5EF4-FFF2-40B4-BE49-F238E27FC236}">
+                        <a16:creationId xmlns:a16="http://schemas.microsoft.com/office/drawing/2014/main" id="{3E51CAED-2DE9-B4B6-97EA-70353EB7AFC0}"/>
+                      </a:ext>
+                    </a:extLst>
+                  </p:cNvPr>
+                  <p:cNvSpPr/>
+                  <p:nvPr/>
+                </p:nvSpPr>
+                <p:spPr>
+                  <a:xfrm>
+                    <a:off x="3675292" y="3183076"/>
+                    <a:ext cx="95250" cy="92758"/>
+                  </a:xfrm>
+                  <a:prstGeom prst="ellipse">
+                    <a:avLst/>
+                  </a:prstGeom>
+                </p:spPr>
+                <p:style>
+                  <a:lnRef idx="2">
+                    <a:schemeClr val="accent1">
+                      <a:shade val="15000"/>
+                    </a:schemeClr>
+                  </a:lnRef>
+                  <a:fillRef idx="1">
+                    <a:schemeClr val="accent1"/>
+                  </a:fillRef>
+                  <a:effectRef idx="0">
+                    <a:schemeClr val="accent1"/>
+                  </a:effectRef>
+                  <a:fontRef idx="minor">
+                    <a:schemeClr val="lt1"/>
+                  </a:fontRef>
+                </p:style>
+                <p:txBody>
+                  <a:bodyPr rtlCol="0" anchor="ctr"/>
+                  <a:lstStyle/>
+                  <a:p>
+                    <a:pPr algn="ctr"/>
+                    <a:endParaRPr lang="en-US"/>
+                  </a:p>
+                </p:txBody>
+              </p:sp>
+              <p:sp>
+                <p:nvSpPr>
+                  <p:cNvPr id="40" name="Oval 39">
+                    <a:extLst>
+                      <a:ext uri="{FF2B5EF4-FFF2-40B4-BE49-F238E27FC236}">
+                        <a16:creationId xmlns:a16="http://schemas.microsoft.com/office/drawing/2014/main" id="{79825817-688E-ECB2-0B3B-4E0A55099209}"/>
+                      </a:ext>
+                    </a:extLst>
+                  </p:cNvPr>
+                  <p:cNvSpPr/>
+                  <p:nvPr/>
+                </p:nvSpPr>
+                <p:spPr>
+                  <a:xfrm>
+                    <a:off x="3653746" y="2990829"/>
+                    <a:ext cx="95250" cy="92758"/>
+                  </a:xfrm>
+                  <a:prstGeom prst="ellipse">
+                    <a:avLst/>
+                  </a:prstGeom>
+                </p:spPr>
+                <p:style>
+                  <a:lnRef idx="2">
+                    <a:schemeClr val="accent1">
+                      <a:shade val="15000"/>
+                    </a:schemeClr>
+                  </a:lnRef>
+                  <a:fillRef idx="1">
+                    <a:schemeClr val="accent1"/>
+                  </a:fillRef>
+                  <a:effectRef idx="0">
+                    <a:schemeClr val="accent1"/>
+                  </a:effectRef>
+                  <a:fontRef idx="minor">
+                    <a:schemeClr val="lt1"/>
+                  </a:fontRef>
+                </p:style>
+                <p:txBody>
+                  <a:bodyPr rtlCol="0" anchor="ctr"/>
+                  <a:lstStyle/>
+                  <a:p>
+                    <a:pPr algn="ctr"/>
+                    <a:endParaRPr lang="en-US"/>
+                  </a:p>
+                </p:txBody>
+              </p:sp>
+              <p:sp>
+                <p:nvSpPr>
+                  <p:cNvPr id="41" name="Oval 40">
+                    <a:extLst>
+                      <a:ext uri="{FF2B5EF4-FFF2-40B4-BE49-F238E27FC236}">
+                        <a16:creationId xmlns:a16="http://schemas.microsoft.com/office/drawing/2014/main" id="{0024F06E-50D4-E499-FE33-27C654ED48A4}"/>
+                      </a:ext>
+                    </a:extLst>
+                  </p:cNvPr>
+                  <p:cNvSpPr/>
+                  <p:nvPr/>
+                </p:nvSpPr>
+                <p:spPr>
+                  <a:xfrm>
+                    <a:off x="3793446" y="2678775"/>
+                    <a:ext cx="95250" cy="92758"/>
+                  </a:xfrm>
+                  <a:prstGeom prst="ellipse">
+                    <a:avLst/>
+                  </a:prstGeom>
+                </p:spPr>
+                <p:style>
+                  <a:lnRef idx="2">
+                    <a:schemeClr val="accent1">
+                      <a:shade val="15000"/>
+                    </a:schemeClr>
+                  </a:lnRef>
+                  <a:fillRef idx="1">
+                    <a:schemeClr val="accent1"/>
+                  </a:fillRef>
+                  <a:effectRef idx="0">
+                    <a:schemeClr val="accent1"/>
+                  </a:effectRef>
+                  <a:fontRef idx="minor">
+                    <a:schemeClr val="lt1"/>
+                  </a:fontRef>
+                </p:style>
+                <p:txBody>
+                  <a:bodyPr rtlCol="0" anchor="ctr"/>
+                  <a:lstStyle/>
+                  <a:p>
+                    <a:pPr algn="ctr"/>
+                    <a:endParaRPr lang="en-US"/>
+                  </a:p>
+                </p:txBody>
+              </p:sp>
+              <p:sp>
+                <p:nvSpPr>
+                  <p:cNvPr id="42" name="Oval 41">
+                    <a:extLst>
+                      <a:ext uri="{FF2B5EF4-FFF2-40B4-BE49-F238E27FC236}">
+                        <a16:creationId xmlns:a16="http://schemas.microsoft.com/office/drawing/2014/main" id="{13D1706B-6601-1035-1D8C-6D29132FA9CD}"/>
+                      </a:ext>
+                    </a:extLst>
+                  </p:cNvPr>
+                  <p:cNvSpPr/>
+                  <p:nvPr/>
+                </p:nvSpPr>
+                <p:spPr>
+                  <a:xfrm>
+                    <a:off x="4008443" y="2759496"/>
+                    <a:ext cx="95250" cy="92758"/>
+                  </a:xfrm>
+                  <a:prstGeom prst="ellipse">
+                    <a:avLst/>
+                  </a:prstGeom>
+                </p:spPr>
+                <p:style>
+                  <a:lnRef idx="2">
+                    <a:schemeClr val="accent1">
+                      <a:shade val="15000"/>
+                    </a:schemeClr>
+                  </a:lnRef>
+                  <a:fillRef idx="1">
+                    <a:schemeClr val="accent1"/>
+                  </a:fillRef>
+                  <a:effectRef idx="0">
+                    <a:schemeClr val="accent1"/>
+                  </a:effectRef>
+                  <a:fontRef idx="minor">
+                    <a:schemeClr val="lt1"/>
+                  </a:fontRef>
+                </p:style>
+                <p:txBody>
+                  <a:bodyPr rtlCol="0" anchor="ctr"/>
+                  <a:lstStyle/>
+                  <a:p>
+                    <a:pPr algn="ctr"/>
+                    <a:endParaRPr lang="en-US"/>
+                  </a:p>
+                </p:txBody>
+              </p:sp>
+            </p:grpSp>
+          </p:grpSp>
+        </p:grpSp>
+        <p:sp>
+          <p:nvSpPr>
+            <p:cNvPr id="43" name="Oval 42">
+              <a:extLst>
+                <a:ext uri="{FF2B5EF4-FFF2-40B4-BE49-F238E27FC236}">
+                  <a16:creationId xmlns:a16="http://schemas.microsoft.com/office/drawing/2014/main" id="{EEDF1189-4075-C45E-3D4C-8DBA96A883BA}"/>
+                </a:ext>
+              </a:extLst>
+            </p:cNvPr>
+            <p:cNvSpPr/>
+            <p:nvPr/>
+          </p:nvSpPr>
+          <p:spPr>
+            <a:xfrm>
+              <a:off x="3820016" y="3584599"/>
+              <a:ext cx="274320" cy="274320"/>
+            </a:xfrm>
+            <a:prstGeom prst="ellipse">
+              <a:avLst/>
+            </a:prstGeom>
+          </p:spPr>
+          <p:style>
+            <a:lnRef idx="2">
+              <a:schemeClr val="accent1">
+                <a:shade val="15000"/>
+              </a:schemeClr>
+            </a:lnRef>
+            <a:fillRef idx="1">
+              <a:schemeClr val="accent1"/>
+            </a:fillRef>
+            <a:effectRef idx="0">
+              <a:schemeClr val="accent1"/>
+            </a:effectRef>
+            <a:fontRef idx="minor">
+              <a:schemeClr val="lt1"/>
+            </a:fontRef>
+          </p:style>
+          <p:txBody>
+            <a:bodyPr rtlCol="0" anchor="ctr"/>
+            <a:lstStyle/>
+            <a:p>
+              <a:pPr algn="ctr"/>
+              <a:endParaRPr lang="en-US"/>
+            </a:p>
+          </p:txBody>
+        </p:sp>
+        <p:cxnSp>
+          <p:nvCxnSpPr>
+            <p:cNvPr id="44" name="Straight Connector 43">
+              <a:extLst>
+                <a:ext uri="{FF2B5EF4-FFF2-40B4-BE49-F238E27FC236}">
+                  <a16:creationId xmlns:a16="http://schemas.microsoft.com/office/drawing/2014/main" id="{6797C56E-B438-DEDE-96FD-CE6A63573EC2}"/>
+                </a:ext>
+              </a:extLst>
+            </p:cNvPr>
+            <p:cNvCxnSpPr>
+              <a:cxnSpLocks/>
+              <a:stCxn id="43" idx="1"/>
+              <a:endCxn id="10" idx="5"/>
+            </p:cNvCxnSpPr>
+            <p:nvPr/>
+          </p:nvCxnSpPr>
+          <p:spPr>
+            <a:xfrm flipH="1" flipV="1">
+              <a:off x="2772110" y="2678004"/>
+              <a:ext cx="1088079" cy="946768"/>
+            </a:xfrm>
+            <a:prstGeom prst="line">
+              <a:avLst/>
+            </a:prstGeom>
+            <a:ln w="19050">
+              <a:solidFill>
+                <a:schemeClr val="accent1">
+                  <a:lumMod val="50000"/>
+                </a:schemeClr>
+              </a:solidFill>
+              <a:headEnd type="oval"/>
+              <a:tailEnd type="oval"/>
+            </a:ln>
+          </p:spPr>
+          <p:style>
+            <a:lnRef idx="1">
+              <a:schemeClr val="accent1"/>
+            </a:lnRef>
+            <a:fillRef idx="0">
+              <a:schemeClr val="accent1"/>
+            </a:fillRef>
+            <a:effectRef idx="0">
+              <a:schemeClr val="accent1"/>
+            </a:effectRef>
+            <a:fontRef idx="minor">
+              <a:schemeClr val="tx1"/>
+            </a:fontRef>
+          </p:style>
+        </p:cxnSp>
+        <p:cxnSp>
+          <p:nvCxnSpPr>
+            <p:cNvPr id="47" name="Straight Connector 46">
+              <a:extLst>
+                <a:ext uri="{FF2B5EF4-FFF2-40B4-BE49-F238E27FC236}">
+                  <a16:creationId xmlns:a16="http://schemas.microsoft.com/office/drawing/2014/main" id="{1174FCD7-3448-994F-3375-31B0E1E5E184}"/>
+                </a:ext>
+              </a:extLst>
+            </p:cNvPr>
+            <p:cNvCxnSpPr>
+              <a:cxnSpLocks/>
+              <a:stCxn id="43" idx="3"/>
+              <a:endCxn id="7" idx="7"/>
+            </p:cNvCxnSpPr>
+            <p:nvPr/>
+          </p:nvCxnSpPr>
+          <p:spPr>
+            <a:xfrm flipH="1">
+              <a:off x="2770682" y="3818746"/>
+              <a:ext cx="1089507" cy="946768"/>
+            </a:xfrm>
+            <a:prstGeom prst="line">
+              <a:avLst/>
+            </a:prstGeom>
+            <a:ln w="19050">
+              <a:solidFill>
+                <a:schemeClr val="accent1">
+                  <a:lumMod val="50000"/>
+                </a:schemeClr>
+              </a:solidFill>
+              <a:headEnd type="oval"/>
+              <a:tailEnd type="oval"/>
+            </a:ln>
+          </p:spPr>
+          <p:style>
+            <a:lnRef idx="1">
+              <a:schemeClr val="accent1"/>
+            </a:lnRef>
+            <a:fillRef idx="0">
+              <a:schemeClr val="accent1"/>
+            </a:fillRef>
+            <a:effectRef idx="0">
+              <a:schemeClr val="accent1"/>
+            </a:effectRef>
+            <a:fontRef idx="minor">
+              <a:schemeClr val="tx1"/>
+            </a:fontRef>
+          </p:style>
+        </p:cxnSp>
+        <p:cxnSp>
+          <p:nvCxnSpPr>
+            <p:cNvPr id="50" name="Straight Connector 49">
+              <a:extLst>
+                <a:ext uri="{FF2B5EF4-FFF2-40B4-BE49-F238E27FC236}">
+                  <a16:creationId xmlns:a16="http://schemas.microsoft.com/office/drawing/2014/main" id="{C87029DB-15BE-B320-E246-483739ECF957}"/>
+                </a:ext>
+              </a:extLst>
+            </p:cNvPr>
+            <p:cNvCxnSpPr>
+              <a:cxnSpLocks/>
+              <a:stCxn id="43" idx="2"/>
+              <a:endCxn id="3" idx="6"/>
+            </p:cNvCxnSpPr>
+            <p:nvPr/>
+          </p:nvCxnSpPr>
+          <p:spPr>
+            <a:xfrm flipH="1">
+              <a:off x="2908877" y="3721759"/>
+              <a:ext cx="911139" cy="0"/>
+            </a:xfrm>
+            <a:prstGeom prst="line">
+              <a:avLst/>
+            </a:prstGeom>
+            <a:ln w="19050">
+              <a:solidFill>
+                <a:schemeClr val="accent1">
+                  <a:lumMod val="50000"/>
+                </a:schemeClr>
+              </a:solidFill>
+              <a:headEnd type="oval"/>
+              <a:tailEnd type="oval"/>
+            </a:ln>
+          </p:spPr>
+          <p:style>
+            <a:lnRef idx="1">
+              <a:schemeClr val="accent1"/>
+            </a:lnRef>
+            <a:fillRef idx="0">
+              <a:schemeClr val="accent1"/>
+            </a:fillRef>
+            <a:effectRef idx="0">
+              <a:schemeClr val="accent1"/>
+            </a:effectRef>
+            <a:fontRef idx="minor">
+              <a:schemeClr val="tx1"/>
+            </a:fontRef>
+          </p:style>
+        </p:cxnSp>
+        <p:cxnSp>
+          <p:nvCxnSpPr>
+            <p:cNvPr id="53" name="Straight Connector 52">
+              <a:extLst>
+                <a:ext uri="{FF2B5EF4-FFF2-40B4-BE49-F238E27FC236}">
+                  <a16:creationId xmlns:a16="http://schemas.microsoft.com/office/drawing/2014/main" id="{2D4C3825-554A-33E4-1C89-8C5806D3E5DD}"/>
+                </a:ext>
+              </a:extLst>
+            </p:cNvPr>
+            <p:cNvCxnSpPr>
+              <a:cxnSpLocks/>
+              <a:stCxn id="15" idx="2"/>
+              <a:endCxn id="43" idx="6"/>
+            </p:cNvCxnSpPr>
+            <p:nvPr/>
+          </p:nvCxnSpPr>
+          <p:spPr>
+            <a:xfrm flipH="1">
+              <a:off x="4094336" y="3714647"/>
+              <a:ext cx="4462577" cy="7112"/>
+            </a:xfrm>
+            <a:prstGeom prst="line">
+              <a:avLst/>
+            </a:prstGeom>
+            <a:ln w="19050">
+              <a:solidFill>
+                <a:schemeClr val="accent1">
+                  <a:lumMod val="50000"/>
+                </a:schemeClr>
+              </a:solidFill>
+              <a:headEnd type="oval"/>
+              <a:tailEnd type="oval"/>
+            </a:ln>
+          </p:spPr>
+          <p:style>
+            <a:lnRef idx="1">
+              <a:schemeClr val="accent1"/>
+            </a:lnRef>
+            <a:fillRef idx="0">
+              <a:schemeClr val="accent1"/>
+            </a:fillRef>
+            <a:effectRef idx="0">
+              <a:schemeClr val="accent1"/>
+            </a:effectRef>
+            <a:fontRef idx="minor">
+              <a:schemeClr val="tx1"/>
+            </a:fontRef>
+          </p:style>
+        </p:cxnSp>
+      </p:grpSp>
+    </p:spTree>
+    <p:extLst>
+      <p:ext uri="{BB962C8B-B14F-4D97-AF65-F5344CB8AC3E}">
+        <p14:creationId xmlns:p14="http://schemas.microsoft.com/office/powerpoint/2010/main" val="3197197692"/>
+      </p:ext>
+    </p:extLst>
+  </p:cSld>
+  <p:clrMapOvr>
+    <a:masterClrMapping/>
+  </p:clrMapOvr>
+</p:sld>
+</file>
+
 <file path=ppt/theme/theme1.xml><?xml version="1.0" encoding="utf-8"?>
 <a:theme xmlns:a="http://schemas.openxmlformats.org/drawingml/2006/main" name="Office Theme">
   <a:themeElements>

--- a/Final-Group-Presentation/Final-Group-Presentation.pptx
+++ b/Final-Group-Presentation/Final-Group-Presentation.pptx
@@ -5,7 +5,7 @@
     <p:sldMasterId id="2147483707" r:id="rId1"/>
   </p:sldMasterIdLst>
   <p:notesMasterIdLst>
-    <p:notesMasterId r:id="rId8"/>
+    <p:notesMasterId r:id="rId9"/>
   </p:notesMasterIdLst>
   <p:sldIdLst>
     <p:sldId id="256" r:id="rId2"/>
@@ -14,6 +14,7 @@
     <p:sldId id="261" r:id="rId5"/>
     <p:sldId id="260" r:id="rId6"/>
     <p:sldId id="262" r:id="rId7"/>
+    <p:sldId id="263" r:id="rId8"/>
   </p:sldIdLst>
   <p:sldSz cx="12192000" cy="6858000"/>
   <p:notesSz cx="6858000" cy="9144000"/>
@@ -588,7 +589,312 @@
 </c:chartSpace>
 </file>
 
+<file path=ppt/charts/chart2.xml><?xml version="1.0" encoding="utf-8"?>
+<c:chartSpace xmlns:c="http://schemas.openxmlformats.org/drawingml/2006/chart" xmlns:a="http://schemas.openxmlformats.org/drawingml/2006/main" xmlns:r="http://schemas.openxmlformats.org/officeDocument/2006/relationships" xmlns:c16r2="http://schemas.microsoft.com/office/drawing/2015/06/chart">
+  <c:date1904 val="0"/>
+  <c:lang val="en-US"/>
+  <c:roundedCorners val="0"/>
+  <mc:AlternateContent xmlns:mc="http://schemas.openxmlformats.org/markup-compatibility/2006">
+    <mc:Choice xmlns:c14="http://schemas.microsoft.com/office/drawing/2007/8/2/chart" Requires="c14">
+      <c14:style val="102"/>
+    </mc:Choice>
+    <mc:Fallback>
+      <c:style val="2"/>
+    </mc:Fallback>
+  </mc:AlternateContent>
+  <c:chart>
+    <c:autoTitleDeleted val="1"/>
+    <c:plotArea>
+      <c:layout/>
+      <c:barChart>
+        <c:barDir val="bar"/>
+        <c:grouping val="clustered"/>
+        <c:varyColors val="0"/>
+        <c:ser>
+          <c:idx val="0"/>
+          <c:order val="0"/>
+          <c:tx>
+            <c:strRef>
+              <c:f>Sheet1!$B$1</c:f>
+              <c:strCache>
+                <c:ptCount val="1"/>
+                <c:pt idx="0">
+                  <c:v>Recall (Macro)</c:v>
+                </c:pt>
+              </c:strCache>
+            </c:strRef>
+          </c:tx>
+          <c:spPr>
+            <a:solidFill>
+              <a:schemeClr val="accent1"/>
+            </a:solidFill>
+            <a:ln>
+              <a:noFill/>
+            </a:ln>
+            <a:effectLst/>
+          </c:spPr>
+          <c:invertIfNegative val="0"/>
+          <c:dLbls>
+            <c:numFmt formatCode="0.00%" sourceLinked="0"/>
+            <c:spPr>
+              <a:noFill/>
+              <a:ln>
+                <a:noFill/>
+              </a:ln>
+              <a:effectLst/>
+            </c:spPr>
+            <c:txPr>
+              <a:bodyPr rot="0" spcFirstLastPara="1" vertOverflow="ellipsis" vert="horz" wrap="square" lIns="38100" tIns="19050" rIns="38100" bIns="19050" anchor="ctr" anchorCtr="1">
+                <a:spAutoFit/>
+              </a:bodyPr>
+              <a:lstStyle/>
+              <a:p>
+                <a:pPr>
+                  <a:defRPr sz="1197" b="1" i="0" u="none" strike="noStrike" kern="1200" baseline="0">
+                    <a:solidFill>
+                      <a:schemeClr val="bg1">
+                        <a:lumMod val="50000"/>
+                      </a:schemeClr>
+                    </a:solidFill>
+                    <a:latin typeface="+mn-lt"/>
+                    <a:ea typeface="+mn-ea"/>
+                    <a:cs typeface="+mn-cs"/>
+                  </a:defRPr>
+                </a:pPr>
+                <a:endParaRPr lang="en-US"/>
+              </a:p>
+            </c:txPr>
+            <c:dLblPos val="outEnd"/>
+            <c:showLegendKey val="0"/>
+            <c:showVal val="1"/>
+            <c:showCatName val="0"/>
+            <c:showSerName val="0"/>
+            <c:showPercent val="0"/>
+            <c:showBubbleSize val="0"/>
+            <c:showLeaderLines val="0"/>
+            <c:extLst>
+              <c:ext xmlns:c15="http://schemas.microsoft.com/office/drawing/2012/chart" uri="{CE6537A1-D6FC-4f65-9D91-7224C49458BB}">
+                <c15:showLeaderLines val="1"/>
+                <c15:leaderLines>
+                  <c:spPr>
+                    <a:ln w="9525" cap="flat" cmpd="sng" algn="ctr">
+                      <a:solidFill>
+                        <a:schemeClr val="tx1">
+                          <a:lumMod val="35000"/>
+                          <a:lumOff val="65000"/>
+                        </a:schemeClr>
+                      </a:solidFill>
+                      <a:round/>
+                    </a:ln>
+                    <a:effectLst/>
+                  </c:spPr>
+                </c15:leaderLines>
+              </c:ext>
+            </c:extLst>
+          </c:dLbls>
+          <c:cat>
+            <c:strRef>
+              <c:f>Sheet1!$A$2:$A$4</c:f>
+              <c:strCache>
+                <c:ptCount val="3"/>
+                <c:pt idx="0">
+                  <c:v>MultinomialNB</c:v>
+                </c:pt>
+                <c:pt idx="1">
+                  <c:v>LogisticRegression</c:v>
+                </c:pt>
+                <c:pt idx="2">
+                  <c:v>LinearSVC</c:v>
+                </c:pt>
+              </c:strCache>
+            </c:strRef>
+          </c:cat>
+          <c:val>
+            <c:numRef>
+              <c:f>Sheet1!$B$2:$B$4</c:f>
+              <c:numCache>
+                <c:formatCode>General</c:formatCode>
+                <c:ptCount val="3"/>
+                <c:pt idx="0">
+                  <c:v>0.40858800000000001</c:v>
+                </c:pt>
+                <c:pt idx="1">
+                  <c:v>0.79420800000000003</c:v>
+                </c:pt>
+                <c:pt idx="2">
+                  <c:v>0.899447</c:v>
+                </c:pt>
+              </c:numCache>
+            </c:numRef>
+          </c:val>
+          <c:extLst>
+            <c:ext xmlns:c16="http://schemas.microsoft.com/office/drawing/2014/chart" uri="{C3380CC4-5D6E-409C-BE32-E72D297353CC}">
+              <c16:uniqueId val="{00000000-13B0-464E-8E48-3324B2E07E06}"/>
+            </c:ext>
+          </c:extLst>
+        </c:ser>
+        <c:dLbls>
+          <c:dLblPos val="outEnd"/>
+          <c:showLegendKey val="0"/>
+          <c:showVal val="1"/>
+          <c:showCatName val="0"/>
+          <c:showSerName val="0"/>
+          <c:showPercent val="0"/>
+          <c:showBubbleSize val="0"/>
+        </c:dLbls>
+        <c:gapWidth val="182"/>
+        <c:axId val="615684000"/>
+        <c:axId val="615683040"/>
+      </c:barChart>
+      <c:catAx>
+        <c:axId val="615684000"/>
+        <c:scaling>
+          <c:orientation val="minMax"/>
+        </c:scaling>
+        <c:delete val="0"/>
+        <c:axPos val="l"/>
+        <c:numFmt formatCode="General" sourceLinked="1"/>
+        <c:majorTickMark val="none"/>
+        <c:minorTickMark val="none"/>
+        <c:tickLblPos val="nextTo"/>
+        <c:spPr>
+          <a:noFill/>
+          <a:ln w="9525" cap="flat" cmpd="sng" algn="ctr">
+            <a:solidFill>
+              <a:schemeClr val="tx1">
+                <a:lumMod val="15000"/>
+                <a:lumOff val="85000"/>
+              </a:schemeClr>
+            </a:solidFill>
+            <a:round/>
+          </a:ln>
+          <a:effectLst/>
+        </c:spPr>
+        <c:txPr>
+          <a:bodyPr rot="-60000000" spcFirstLastPara="1" vertOverflow="ellipsis" vert="horz" wrap="square" anchor="ctr" anchorCtr="1"/>
+          <a:lstStyle/>
+          <a:p>
+            <a:pPr>
+              <a:defRPr sz="1197" b="0" i="0" u="none" strike="noStrike" kern="1200" baseline="0">
+                <a:solidFill>
+                  <a:schemeClr val="tx1">
+                    <a:lumMod val="65000"/>
+                    <a:lumOff val="35000"/>
+                  </a:schemeClr>
+                </a:solidFill>
+                <a:latin typeface="+mn-lt"/>
+                <a:ea typeface="+mn-ea"/>
+                <a:cs typeface="+mn-cs"/>
+              </a:defRPr>
+            </a:pPr>
+            <a:endParaRPr lang="en-US"/>
+          </a:p>
+        </c:txPr>
+        <c:crossAx val="615683040"/>
+        <c:crosses val="autoZero"/>
+        <c:auto val="1"/>
+        <c:lblAlgn val="ctr"/>
+        <c:lblOffset val="100"/>
+        <c:noMultiLvlLbl val="0"/>
+      </c:catAx>
+      <c:valAx>
+        <c:axId val="615683040"/>
+        <c:scaling>
+          <c:orientation val="minMax"/>
+        </c:scaling>
+        <c:delete val="1"/>
+        <c:axPos val="b"/>
+        <c:numFmt formatCode="General" sourceLinked="1"/>
+        <c:majorTickMark val="none"/>
+        <c:minorTickMark val="none"/>
+        <c:tickLblPos val="nextTo"/>
+        <c:crossAx val="615684000"/>
+        <c:crosses val="autoZero"/>
+        <c:crossBetween val="between"/>
+      </c:valAx>
+      <c:spPr>
+        <a:noFill/>
+        <a:ln>
+          <a:noFill/>
+        </a:ln>
+        <a:effectLst/>
+      </c:spPr>
+    </c:plotArea>
+    <c:plotVisOnly val="1"/>
+    <c:dispBlanksAs val="gap"/>
+    <c:extLst>
+      <c:ext xmlns:c16r3="http://schemas.microsoft.com/office/drawing/2017/03/chart" uri="{56B9EC1D-385E-4148-901F-78D8002777C0}">
+        <c16r3:dataDisplayOptions16>
+          <c16r3:dispNaAsBlank val="1"/>
+        </c16r3:dataDisplayOptions16>
+      </c:ext>
+    </c:extLst>
+    <c:showDLblsOverMax val="0"/>
+  </c:chart>
+  <c:spPr>
+    <a:noFill/>
+    <a:ln>
+      <a:noFill/>
+    </a:ln>
+    <a:effectLst/>
+  </c:spPr>
+  <c:txPr>
+    <a:bodyPr/>
+    <a:lstStyle/>
+    <a:p>
+      <a:pPr>
+        <a:defRPr/>
+      </a:pPr>
+      <a:endParaRPr lang="en-US"/>
+    </a:p>
+  </c:txPr>
+  <c:externalData r:id="rId3">
+    <c:autoUpdate val="0"/>
+  </c:externalData>
+</c:chartSpace>
+</file>
+
 <file path=ppt/charts/colors1.xml><?xml version="1.0" encoding="utf-8"?>
+<cs:colorStyle xmlns:cs="http://schemas.microsoft.com/office/drawing/2012/chartStyle" xmlns:a="http://schemas.openxmlformats.org/drawingml/2006/main" meth="cycle" id="10">
+  <a:schemeClr val="accent1"/>
+  <a:schemeClr val="accent2"/>
+  <a:schemeClr val="accent3"/>
+  <a:schemeClr val="accent4"/>
+  <a:schemeClr val="accent5"/>
+  <a:schemeClr val="accent6"/>
+  <cs:variation/>
+  <cs:variation>
+    <a:lumMod val="60000"/>
+  </cs:variation>
+  <cs:variation>
+    <a:lumMod val="80000"/>
+    <a:lumOff val="20000"/>
+  </cs:variation>
+  <cs:variation>
+    <a:lumMod val="80000"/>
+  </cs:variation>
+  <cs:variation>
+    <a:lumMod val="60000"/>
+    <a:lumOff val="40000"/>
+  </cs:variation>
+  <cs:variation>
+    <a:lumMod val="50000"/>
+  </cs:variation>
+  <cs:variation>
+    <a:lumMod val="70000"/>
+    <a:lumOff val="30000"/>
+  </cs:variation>
+  <cs:variation>
+    <a:lumMod val="70000"/>
+  </cs:variation>
+  <cs:variation>
+    <a:lumMod val="50000"/>
+    <a:lumOff val="50000"/>
+  </cs:variation>
+</cs:colorStyle>
+</file>
+
+<file path=ppt/charts/colors2.xml><?xml version="1.0" encoding="utf-8"?>
 <cs:colorStyle xmlns:cs="http://schemas.microsoft.com/office/drawing/2012/chartStyle" xmlns:a="http://schemas.openxmlformats.org/drawingml/2006/main" meth="cycle" id="10">
   <a:schemeClr val="accent1"/>
   <a:schemeClr val="accent2"/>
@@ -1099,6 +1405,511 @@
             <a:lumOff val="85000"/>
           </a:schemeClr>
         </a:solidFill>
+      </a:ln>
+    </cs:spPr>
+  </cs:upBar>
+  <cs:valueAxis>
+    <cs:lnRef idx="0"/>
+    <cs:fillRef idx="0"/>
+    <cs:effectRef idx="0"/>
+    <cs:fontRef idx="minor">
+      <a:schemeClr val="tx1">
+        <a:lumMod val="65000"/>
+        <a:lumOff val="35000"/>
+      </a:schemeClr>
+    </cs:fontRef>
+    <cs:defRPr sz="1197" kern="1200"/>
+  </cs:valueAxis>
+  <cs:wall>
+    <cs:lnRef idx="0"/>
+    <cs:fillRef idx="0"/>
+    <cs:effectRef idx="0"/>
+    <cs:fontRef idx="minor">
+      <a:schemeClr val="tx1"/>
+    </cs:fontRef>
+    <cs:spPr>
+      <a:noFill/>
+      <a:ln>
+        <a:noFill/>
+      </a:ln>
+    </cs:spPr>
+  </cs:wall>
+</cs:chartStyle>
+</file>
+
+<file path=ppt/charts/style2.xml><?xml version="1.0" encoding="utf-8"?>
+<cs:chartStyle xmlns:cs="http://schemas.microsoft.com/office/drawing/2012/chartStyle" xmlns:a="http://schemas.openxmlformats.org/drawingml/2006/main" id="216">
+  <cs:axisTitle>
+    <cs:lnRef idx="0"/>
+    <cs:fillRef idx="0"/>
+    <cs:effectRef idx="0"/>
+    <cs:fontRef idx="minor">
+      <a:schemeClr val="tx1">
+        <a:lumMod val="65000"/>
+        <a:lumOff val="35000"/>
+      </a:schemeClr>
+    </cs:fontRef>
+    <cs:defRPr sz="1330" kern="1200"/>
+  </cs:axisTitle>
+  <cs:categoryAxis>
+    <cs:lnRef idx="0"/>
+    <cs:fillRef idx="0"/>
+    <cs:effectRef idx="0"/>
+    <cs:fontRef idx="minor">
+      <a:schemeClr val="tx1">
+        <a:lumMod val="65000"/>
+        <a:lumOff val="35000"/>
+      </a:schemeClr>
+    </cs:fontRef>
+    <cs:spPr>
+      <a:ln w="9525" cap="flat" cmpd="sng" algn="ctr">
+        <a:solidFill>
+          <a:schemeClr val="tx1">
+            <a:lumMod val="15000"/>
+            <a:lumOff val="85000"/>
+          </a:schemeClr>
+        </a:solidFill>
+        <a:round/>
+      </a:ln>
+    </cs:spPr>
+    <cs:defRPr sz="1197" kern="1200"/>
+  </cs:categoryAxis>
+  <cs:chartArea mods="allowNoFillOverride allowNoLineOverride">
+    <cs:lnRef idx="0"/>
+    <cs:fillRef idx="0"/>
+    <cs:effectRef idx="0"/>
+    <cs:fontRef idx="minor">
+      <a:schemeClr val="tx1"/>
+    </cs:fontRef>
+    <cs:spPr>
+      <a:solidFill>
+        <a:schemeClr val="bg1"/>
+      </a:solidFill>
+      <a:ln w="9525" cap="flat" cmpd="sng" algn="ctr">
+        <a:solidFill>
+          <a:schemeClr val="tx1">
+            <a:lumMod val="15000"/>
+            <a:lumOff val="85000"/>
+          </a:schemeClr>
+        </a:solidFill>
+        <a:round/>
+      </a:ln>
+    </cs:spPr>
+    <cs:defRPr sz="1330" kern="1200"/>
+  </cs:chartArea>
+  <cs:dataLabel>
+    <cs:lnRef idx="0"/>
+    <cs:fillRef idx="0"/>
+    <cs:effectRef idx="0"/>
+    <cs:fontRef idx="minor">
+      <a:schemeClr val="tx1">
+        <a:lumMod val="75000"/>
+        <a:lumOff val="25000"/>
+      </a:schemeClr>
+    </cs:fontRef>
+    <cs:defRPr sz="1197" kern="1200"/>
+  </cs:dataLabel>
+  <cs:dataLabelCallout>
+    <cs:lnRef idx="0"/>
+    <cs:fillRef idx="0"/>
+    <cs:effectRef idx="0"/>
+    <cs:fontRef idx="minor">
+      <a:schemeClr val="dk1">
+        <a:lumMod val="65000"/>
+        <a:lumOff val="35000"/>
+      </a:schemeClr>
+    </cs:fontRef>
+    <cs:spPr>
+      <a:solidFill>
+        <a:schemeClr val="lt1"/>
+      </a:solidFill>
+      <a:ln>
+        <a:solidFill>
+          <a:schemeClr val="dk1">
+            <a:lumMod val="25000"/>
+            <a:lumOff val="75000"/>
+          </a:schemeClr>
+        </a:solidFill>
+      </a:ln>
+    </cs:spPr>
+    <cs:defRPr sz="1197" kern="1200"/>
+    <cs:bodyPr rot="0" spcFirstLastPara="1" vertOverflow="clip" horzOverflow="clip" vert="horz" wrap="square" lIns="36576" tIns="18288" rIns="36576" bIns="18288" anchor="ctr" anchorCtr="1">
+      <a:spAutoFit/>
+    </cs:bodyPr>
+  </cs:dataLabelCallout>
+  <cs:dataPoint>
+    <cs:lnRef idx="0"/>
+    <cs:fillRef idx="1">
+      <cs:styleClr val="auto"/>
+    </cs:fillRef>
+    <cs:effectRef idx="0"/>
+    <cs:fontRef idx="minor">
+      <a:schemeClr val="tx1"/>
+    </cs:fontRef>
+  </cs:dataPoint>
+  <cs:dataPoint3D>
+    <cs:lnRef idx="0"/>
+    <cs:fillRef idx="1">
+      <cs:styleClr val="auto"/>
+    </cs:fillRef>
+    <cs:effectRef idx="0"/>
+    <cs:fontRef idx="minor">
+      <a:schemeClr val="tx1"/>
+    </cs:fontRef>
+  </cs:dataPoint3D>
+  <cs:dataPointLine>
+    <cs:lnRef idx="0">
+      <cs:styleClr val="auto"/>
+    </cs:lnRef>
+    <cs:fillRef idx="1"/>
+    <cs:effectRef idx="0"/>
+    <cs:fontRef idx="minor">
+      <a:schemeClr val="tx1"/>
+    </cs:fontRef>
+    <cs:spPr>
+      <a:ln w="28575" cap="rnd">
+        <a:solidFill>
+          <a:schemeClr val="phClr"/>
+        </a:solidFill>
+        <a:round/>
+      </a:ln>
+    </cs:spPr>
+  </cs:dataPointLine>
+  <cs:dataPointMarker>
+    <cs:lnRef idx="0">
+      <cs:styleClr val="auto"/>
+    </cs:lnRef>
+    <cs:fillRef idx="1">
+      <cs:styleClr val="auto"/>
+    </cs:fillRef>
+    <cs:effectRef idx="0"/>
+    <cs:fontRef idx="minor">
+      <a:schemeClr val="tx1"/>
+    </cs:fontRef>
+    <cs:spPr>
+      <a:ln w="9525">
+        <a:solidFill>
+          <a:schemeClr val="phClr"/>
+        </a:solidFill>
+      </a:ln>
+    </cs:spPr>
+  </cs:dataPointMarker>
+  <cs:dataPointMarkerLayout symbol="circle" size="5"/>
+  <cs:dataPointWireframe>
+    <cs:lnRef idx="0">
+      <cs:styleClr val="auto"/>
+    </cs:lnRef>
+    <cs:fillRef idx="1"/>
+    <cs:effectRef idx="0"/>
+    <cs:fontRef idx="minor">
+      <a:schemeClr val="tx1"/>
+    </cs:fontRef>
+    <cs:spPr>
+      <a:ln w="9525" cap="rnd">
+        <a:solidFill>
+          <a:schemeClr val="phClr"/>
+        </a:solidFill>
+        <a:round/>
+      </a:ln>
+    </cs:spPr>
+  </cs:dataPointWireframe>
+  <cs:dataTable>
+    <cs:lnRef idx="0"/>
+    <cs:fillRef idx="0"/>
+    <cs:effectRef idx="0"/>
+    <cs:fontRef idx="minor">
+      <a:schemeClr val="tx1">
+        <a:lumMod val="65000"/>
+        <a:lumOff val="35000"/>
+      </a:schemeClr>
+    </cs:fontRef>
+    <cs:spPr>
+      <a:noFill/>
+      <a:ln w="9525" cap="flat" cmpd="sng" algn="ctr">
+        <a:solidFill>
+          <a:schemeClr val="tx1">
+            <a:lumMod val="15000"/>
+            <a:lumOff val="85000"/>
+          </a:schemeClr>
+        </a:solidFill>
+        <a:round/>
+      </a:ln>
+    </cs:spPr>
+    <cs:defRPr sz="1197" kern="1200"/>
+  </cs:dataTable>
+  <cs:downBar>
+    <cs:lnRef idx="0"/>
+    <cs:fillRef idx="0"/>
+    <cs:effectRef idx="0"/>
+    <cs:fontRef idx="minor">
+      <a:schemeClr val="tx1"/>
+    </cs:fontRef>
+    <cs:spPr>
+      <a:solidFill>
+        <a:schemeClr val="dk1">
+          <a:lumMod val="75000"/>
+          <a:lumOff val="25000"/>
+        </a:schemeClr>
+      </a:solidFill>
+      <a:ln w="9525" cap="flat" cmpd="sng" algn="ctr">
+        <a:solidFill>
+          <a:schemeClr val="tx1">
+            <a:lumMod val="65000"/>
+            <a:lumOff val="35000"/>
+          </a:schemeClr>
+        </a:solidFill>
+        <a:round/>
+      </a:ln>
+    </cs:spPr>
+  </cs:downBar>
+  <cs:dropLine>
+    <cs:lnRef idx="0"/>
+    <cs:fillRef idx="0"/>
+    <cs:effectRef idx="0"/>
+    <cs:fontRef idx="minor">
+      <a:schemeClr val="tx1"/>
+    </cs:fontRef>
+    <cs:spPr>
+      <a:ln w="9525" cap="flat" cmpd="sng" algn="ctr">
+        <a:solidFill>
+          <a:schemeClr val="tx1">
+            <a:lumMod val="35000"/>
+            <a:lumOff val="65000"/>
+          </a:schemeClr>
+        </a:solidFill>
+        <a:round/>
+      </a:ln>
+    </cs:spPr>
+  </cs:dropLine>
+  <cs:errorBar>
+    <cs:lnRef idx="0"/>
+    <cs:fillRef idx="0"/>
+    <cs:effectRef idx="0"/>
+    <cs:fontRef idx="minor">
+      <a:schemeClr val="tx1"/>
+    </cs:fontRef>
+    <cs:spPr>
+      <a:ln w="9525" cap="flat" cmpd="sng" algn="ctr">
+        <a:solidFill>
+          <a:schemeClr val="tx1">
+            <a:lumMod val="65000"/>
+            <a:lumOff val="35000"/>
+          </a:schemeClr>
+        </a:solidFill>
+        <a:round/>
+      </a:ln>
+    </cs:spPr>
+  </cs:errorBar>
+  <cs:floor>
+    <cs:lnRef idx="0"/>
+    <cs:fillRef idx="0"/>
+    <cs:effectRef idx="0"/>
+    <cs:fontRef idx="minor">
+      <a:schemeClr val="tx1"/>
+    </cs:fontRef>
+    <cs:spPr>
+      <a:noFill/>
+      <a:ln>
+        <a:noFill/>
+      </a:ln>
+    </cs:spPr>
+  </cs:floor>
+  <cs:gridlineMajor>
+    <cs:lnRef idx="0"/>
+    <cs:fillRef idx="0"/>
+    <cs:effectRef idx="0"/>
+    <cs:fontRef idx="minor">
+      <a:schemeClr val="tx1"/>
+    </cs:fontRef>
+    <cs:spPr>
+      <a:ln w="9525" cap="flat" cmpd="sng" algn="ctr">
+        <a:solidFill>
+          <a:schemeClr val="tx1">
+            <a:lumMod val="15000"/>
+            <a:lumOff val="85000"/>
+          </a:schemeClr>
+        </a:solidFill>
+        <a:round/>
+      </a:ln>
+    </cs:spPr>
+  </cs:gridlineMajor>
+  <cs:gridlineMinor>
+    <cs:lnRef idx="0"/>
+    <cs:fillRef idx="0"/>
+    <cs:effectRef idx="0"/>
+    <cs:fontRef idx="minor">
+      <a:schemeClr val="tx1"/>
+    </cs:fontRef>
+    <cs:spPr>
+      <a:ln w="9525" cap="flat" cmpd="sng" algn="ctr">
+        <a:solidFill>
+          <a:schemeClr val="tx1">
+            <a:lumMod val="5000"/>
+            <a:lumOff val="95000"/>
+          </a:schemeClr>
+        </a:solidFill>
+        <a:round/>
+      </a:ln>
+    </cs:spPr>
+  </cs:gridlineMinor>
+  <cs:hiLoLine>
+    <cs:lnRef idx="0"/>
+    <cs:fillRef idx="0"/>
+    <cs:effectRef idx="0"/>
+    <cs:fontRef idx="minor">
+      <a:schemeClr val="tx1"/>
+    </cs:fontRef>
+    <cs:spPr>
+      <a:ln w="9525" cap="flat" cmpd="sng" algn="ctr">
+        <a:solidFill>
+          <a:schemeClr val="tx1">
+            <a:lumMod val="50000"/>
+            <a:lumOff val="50000"/>
+          </a:schemeClr>
+        </a:solidFill>
+        <a:round/>
+      </a:ln>
+    </cs:spPr>
+  </cs:hiLoLine>
+  <cs:leaderLine>
+    <cs:lnRef idx="0"/>
+    <cs:fillRef idx="0"/>
+    <cs:effectRef idx="0"/>
+    <cs:fontRef idx="minor">
+      <a:schemeClr val="tx1"/>
+    </cs:fontRef>
+    <cs:spPr>
+      <a:ln w="9525" cap="flat" cmpd="sng" algn="ctr">
+        <a:solidFill>
+          <a:schemeClr val="tx1">
+            <a:lumMod val="35000"/>
+            <a:lumOff val="65000"/>
+          </a:schemeClr>
+        </a:solidFill>
+        <a:round/>
+      </a:ln>
+    </cs:spPr>
+  </cs:leaderLine>
+  <cs:legend>
+    <cs:lnRef idx="0"/>
+    <cs:fillRef idx="0"/>
+    <cs:effectRef idx="0"/>
+    <cs:fontRef idx="minor">
+      <a:schemeClr val="tx1">
+        <a:lumMod val="65000"/>
+        <a:lumOff val="35000"/>
+      </a:schemeClr>
+    </cs:fontRef>
+    <cs:defRPr sz="1197" kern="1200"/>
+  </cs:legend>
+  <cs:plotArea mods="allowNoFillOverride allowNoLineOverride">
+    <cs:lnRef idx="0"/>
+    <cs:fillRef idx="0"/>
+    <cs:effectRef idx="0"/>
+    <cs:fontRef idx="minor">
+      <a:schemeClr val="tx1"/>
+    </cs:fontRef>
+  </cs:plotArea>
+  <cs:plotArea3D mods="allowNoFillOverride allowNoLineOverride">
+    <cs:lnRef idx="0"/>
+    <cs:fillRef idx="0"/>
+    <cs:effectRef idx="0"/>
+    <cs:fontRef idx="minor">
+      <a:schemeClr val="tx1"/>
+    </cs:fontRef>
+  </cs:plotArea3D>
+  <cs:seriesAxis>
+    <cs:lnRef idx="0"/>
+    <cs:fillRef idx="0"/>
+    <cs:effectRef idx="0"/>
+    <cs:fontRef idx="minor">
+      <a:schemeClr val="tx1">
+        <a:lumMod val="65000"/>
+        <a:lumOff val="35000"/>
+      </a:schemeClr>
+    </cs:fontRef>
+    <cs:defRPr sz="1197" kern="1200"/>
+  </cs:seriesAxis>
+  <cs:seriesLine>
+    <cs:lnRef idx="0"/>
+    <cs:fillRef idx="0"/>
+    <cs:effectRef idx="0"/>
+    <cs:fontRef idx="minor">
+      <a:schemeClr val="tx1"/>
+    </cs:fontRef>
+    <cs:spPr>
+      <a:ln w="9525" cap="flat" cmpd="sng" algn="ctr">
+        <a:solidFill>
+          <a:schemeClr val="tx1">
+            <a:lumMod val="35000"/>
+            <a:lumOff val="65000"/>
+          </a:schemeClr>
+        </a:solidFill>
+        <a:round/>
+      </a:ln>
+    </cs:spPr>
+  </cs:seriesLine>
+  <cs:title>
+    <cs:lnRef idx="0"/>
+    <cs:fillRef idx="0"/>
+    <cs:effectRef idx="0"/>
+    <cs:fontRef idx="minor">
+      <a:schemeClr val="tx1">
+        <a:lumMod val="65000"/>
+        <a:lumOff val="35000"/>
+      </a:schemeClr>
+    </cs:fontRef>
+    <cs:defRPr sz="1862" b="0" kern="1200" spc="0" baseline="0"/>
+  </cs:title>
+  <cs:trendline>
+    <cs:lnRef idx="0">
+      <cs:styleClr val="auto"/>
+    </cs:lnRef>
+    <cs:fillRef idx="0"/>
+    <cs:effectRef idx="0"/>
+    <cs:fontRef idx="minor">
+      <a:schemeClr val="tx1"/>
+    </cs:fontRef>
+    <cs:spPr>
+      <a:ln w="19050" cap="rnd">
+        <a:solidFill>
+          <a:schemeClr val="phClr"/>
+        </a:solidFill>
+        <a:prstDash val="sysDot"/>
+      </a:ln>
+    </cs:spPr>
+  </cs:trendline>
+  <cs:trendlineLabel>
+    <cs:lnRef idx="0"/>
+    <cs:fillRef idx="0"/>
+    <cs:effectRef idx="0"/>
+    <cs:fontRef idx="minor">
+      <a:schemeClr val="tx1">
+        <a:lumMod val="65000"/>
+        <a:lumOff val="35000"/>
+      </a:schemeClr>
+    </cs:fontRef>
+    <cs:defRPr sz="1197" kern="1200"/>
+  </cs:trendlineLabel>
+  <cs:upBar>
+    <cs:lnRef idx="0"/>
+    <cs:fillRef idx="0"/>
+    <cs:effectRef idx="0"/>
+    <cs:fontRef idx="minor">
+      <a:schemeClr val="tx1"/>
+    </cs:fontRef>
+    <cs:spPr>
+      <a:solidFill>
+        <a:schemeClr val="lt1"/>
+      </a:solidFill>
+      <a:ln w="9525" cap="flat" cmpd="sng" algn="ctr">
+        <a:solidFill>
+          <a:schemeClr val="tx1">
+            <a:lumMod val="65000"/>
+            <a:lumOff val="35000"/>
+          </a:schemeClr>
+        </a:solidFill>
+        <a:round/>
       </a:ln>
     </cs:spPr>
   </cs:upBar>
@@ -9449,7 +10260,7 @@
           <a:p>
             <a:r>
               <a:rPr lang="en-US" dirty="0"/>
-              <a:t>TF-IDF transforms “raw” bill text into feature vectors</a:t>
+              <a:t>TF-IDF transformed “raw” bill text into feature vectors</a:t>
             </a:r>
           </a:p>
         </p:txBody>
@@ -11338,6 +12149,611 @@
 </p:sld>
 </file>
 
+<file path=ppt/slides/slide7.xml><?xml version="1.0" encoding="utf-8"?>
+<p:sld xmlns:a="http://schemas.openxmlformats.org/drawingml/2006/main" xmlns:r="http://schemas.openxmlformats.org/officeDocument/2006/relationships" xmlns:p="http://schemas.openxmlformats.org/presentationml/2006/main">
+  <p:cSld>
+    <p:spTree>
+      <p:nvGrpSpPr>
+        <p:cNvPr id="1" name=""/>
+        <p:cNvGrpSpPr/>
+        <p:nvPr/>
+      </p:nvGrpSpPr>
+      <p:grpSpPr>
+        <a:xfrm>
+          <a:off x="0" y="0"/>
+          <a:ext cx="0" cy="0"/>
+          <a:chOff x="0" y="0"/>
+          <a:chExt cx="0" cy="0"/>
+        </a:xfrm>
+      </p:grpSpPr>
+      <p:sp>
+        <p:nvSpPr>
+          <p:cNvPr id="2" name="Title 1">
+            <a:extLst>
+              <a:ext uri="{FF2B5EF4-FFF2-40B4-BE49-F238E27FC236}">
+                <a16:creationId xmlns:a16="http://schemas.microsoft.com/office/drawing/2014/main" id="{4565A30B-2187-8C84-E480-C347EA58B10E}"/>
+              </a:ext>
+            </a:extLst>
+          </p:cNvPr>
+          <p:cNvSpPr>
+            <a:spLocks noGrp="1"/>
+          </p:cNvSpPr>
+          <p:nvPr>
+            <p:ph type="title"/>
+          </p:nvPr>
+        </p:nvSpPr>
+        <p:spPr/>
+        <p:txBody>
+          <a:bodyPr/>
+          <a:lstStyle/>
+          <a:p>
+            <a:r>
+              <a:rPr lang="en-US" dirty="0"/>
+              <a:t>3 different models were tested on extracted feature vectors</a:t>
+            </a:r>
+          </a:p>
+        </p:txBody>
+      </p:sp>
+      <p:graphicFrame>
+        <p:nvGraphicFramePr>
+          <p:cNvPr id="5" name="Chart 4">
+            <a:extLst>
+              <a:ext uri="{FF2B5EF4-FFF2-40B4-BE49-F238E27FC236}">
+                <a16:creationId xmlns:a16="http://schemas.microsoft.com/office/drawing/2014/main" id="{34AF1E50-A63D-6B53-2189-FCD4BC89047A}"/>
+              </a:ext>
+            </a:extLst>
+          </p:cNvPr>
+          <p:cNvGraphicFramePr/>
+          <p:nvPr>
+            <p:extLst>
+              <p:ext uri="{D42A27DB-BD31-4B8C-83A1-F6EECF244321}">
+                <p14:modId xmlns:p14="http://schemas.microsoft.com/office/powerpoint/2010/main" val="2456193072"/>
+              </p:ext>
+            </p:extLst>
+          </p:nvPr>
+        </p:nvGraphicFramePr>
+        <p:xfrm>
+          <a:off x="1047750" y="2185987"/>
+          <a:ext cx="10239375" cy="2461683"/>
+        </p:xfrm>
+        <a:graphic>
+          <a:graphicData uri="http://schemas.openxmlformats.org/drawingml/2006/chart">
+            <c:chart xmlns:c="http://schemas.openxmlformats.org/drawingml/2006/chart" xmlns:r="http://schemas.openxmlformats.org/officeDocument/2006/relationships" r:id="rId2"/>
+          </a:graphicData>
+        </a:graphic>
+      </p:graphicFrame>
+      <p:sp>
+        <p:nvSpPr>
+          <p:cNvPr id="6" name="Rectangle: Rounded Corners 5">
+            <a:extLst>
+              <a:ext uri="{FF2B5EF4-FFF2-40B4-BE49-F238E27FC236}">
+                <a16:creationId xmlns:a16="http://schemas.microsoft.com/office/drawing/2014/main" id="{302AA96E-5AD2-F547-5424-3B2CB5A6C22A}"/>
+              </a:ext>
+            </a:extLst>
+          </p:cNvPr>
+          <p:cNvSpPr/>
+          <p:nvPr/>
+        </p:nvSpPr>
+        <p:spPr>
+          <a:xfrm>
+            <a:off x="838200" y="1690688"/>
+            <a:ext cx="10515600" cy="3042708"/>
+          </a:xfrm>
+          <a:prstGeom prst="roundRect">
+            <a:avLst>
+              <a:gd name="adj" fmla="val 5528"/>
+            </a:avLst>
+          </a:prstGeom>
+          <a:noFill/>
+          <a:ln>
+            <a:solidFill>
+              <a:schemeClr val="bg1">
+                <a:lumMod val="85000"/>
+              </a:schemeClr>
+            </a:solidFill>
+          </a:ln>
+        </p:spPr>
+        <p:style>
+          <a:lnRef idx="2">
+            <a:schemeClr val="accent1">
+              <a:shade val="15000"/>
+            </a:schemeClr>
+          </a:lnRef>
+          <a:fillRef idx="1">
+            <a:schemeClr val="accent1"/>
+          </a:fillRef>
+          <a:effectRef idx="0">
+            <a:schemeClr val="accent1"/>
+          </a:effectRef>
+          <a:fontRef idx="minor">
+            <a:schemeClr val="lt1"/>
+          </a:fontRef>
+        </p:style>
+        <p:txBody>
+          <a:bodyPr rtlCol="0" anchor="t"/>
+          <a:lstStyle/>
+          <a:p>
+            <a:r>
+              <a:rPr lang="en-US" dirty="0">
+                <a:solidFill>
+                  <a:schemeClr val="accent1">
+                    <a:lumMod val="75000"/>
+                  </a:schemeClr>
+                </a:solidFill>
+              </a:rPr>
+              <a:t>Relative model performance (macro recall) on a test dataset</a:t>
+            </a:r>
+          </a:p>
+        </p:txBody>
+      </p:sp>
+      <p:grpSp>
+        <p:nvGrpSpPr>
+          <p:cNvPr id="17" name="Group 16">
+            <a:extLst>
+              <a:ext uri="{FF2B5EF4-FFF2-40B4-BE49-F238E27FC236}">
+                <a16:creationId xmlns:a16="http://schemas.microsoft.com/office/drawing/2014/main" id="{8506B525-090D-A4B3-ECF0-CEEF46C3C195}"/>
+              </a:ext>
+            </a:extLst>
+          </p:cNvPr>
+          <p:cNvGrpSpPr/>
+          <p:nvPr/>
+        </p:nvGrpSpPr>
+        <p:grpSpPr>
+          <a:xfrm>
+            <a:off x="838200" y="5010232"/>
+            <a:ext cx="5968424" cy="936831"/>
+            <a:chOff x="838200" y="4936341"/>
+            <a:chExt cx="5968424" cy="936831"/>
+          </a:xfrm>
+        </p:grpSpPr>
+        <p:sp>
+          <p:nvSpPr>
+            <p:cNvPr id="8" name="Rectangle: Rounded Corners 7">
+              <a:extLst>
+                <a:ext uri="{FF2B5EF4-FFF2-40B4-BE49-F238E27FC236}">
+                  <a16:creationId xmlns:a16="http://schemas.microsoft.com/office/drawing/2014/main" id="{42F908FC-5994-7CAB-7CC4-96BFB72F949C}"/>
+                </a:ext>
+              </a:extLst>
+            </p:cNvPr>
+            <p:cNvSpPr/>
+            <p:nvPr/>
+          </p:nvSpPr>
+          <p:spPr>
+            <a:xfrm>
+              <a:off x="838200" y="4936341"/>
+              <a:ext cx="5968424" cy="936831"/>
+            </a:xfrm>
+            <a:prstGeom prst="roundRect">
+              <a:avLst/>
+            </a:prstGeom>
+            <a:noFill/>
+            <a:ln w="12700">
+              <a:solidFill>
+                <a:schemeClr val="accent1">
+                  <a:lumMod val="75000"/>
+                </a:schemeClr>
+              </a:solidFill>
+            </a:ln>
+          </p:spPr>
+          <p:style>
+            <a:lnRef idx="2">
+              <a:schemeClr val="accent1">
+                <a:shade val="15000"/>
+              </a:schemeClr>
+            </a:lnRef>
+            <a:fillRef idx="1">
+              <a:schemeClr val="accent1"/>
+            </a:fillRef>
+            <a:effectRef idx="0">
+              <a:schemeClr val="accent1"/>
+            </a:effectRef>
+            <a:fontRef idx="minor">
+              <a:schemeClr val="lt1"/>
+            </a:fontRef>
+          </p:style>
+          <p:txBody>
+            <a:bodyPr rtlCol="0" anchor="ctr"/>
+            <a:lstStyle/>
+            <a:p>
+              <a:pPr marL="640080"/>
+              <a:r>
+                <a:rPr lang="en-US" sz="1400" b="1" dirty="0">
+                  <a:solidFill>
+                    <a:schemeClr val="accent1"/>
+                  </a:solidFill>
+                </a:rPr>
+                <a:t>Recall is the rate of true positives over all actual positive class instances </a:t>
+              </a:r>
+              <a:r>
+                <a:rPr lang="en-US" sz="1400" dirty="0">
+                  <a:solidFill>
+                    <a:schemeClr val="accent1"/>
+                  </a:solidFill>
+                </a:rPr>
+                <a:t>(true positives + false negatives); </a:t>
+              </a:r>
+              <a:r>
+                <a:rPr lang="en-US" sz="1400" b="1" dirty="0">
+                  <a:solidFill>
+                    <a:schemeClr val="accent1"/>
+                  </a:solidFill>
+                </a:rPr>
+                <a:t>macro recall averages recall values across all classes </a:t>
+              </a:r>
+              <a:r>
+                <a:rPr lang="en-US" sz="1400" dirty="0">
+                  <a:solidFill>
+                    <a:schemeClr val="accent1"/>
+                  </a:solidFill>
+                </a:rPr>
+                <a:t>without considering imbalance</a:t>
+              </a:r>
+              <a:endParaRPr lang="en-US" sz="1400" b="1" dirty="0">
+                <a:solidFill>
+                  <a:schemeClr val="accent1"/>
+                </a:solidFill>
+              </a:endParaRPr>
+            </a:p>
+          </p:txBody>
+        </p:sp>
+        <p:pic>
+          <p:nvPicPr>
+            <p:cNvPr id="9" name="Graphic 8">
+              <a:extLst>
+                <a:ext uri="{FF2B5EF4-FFF2-40B4-BE49-F238E27FC236}">
+                  <a16:creationId xmlns:a16="http://schemas.microsoft.com/office/drawing/2014/main" id="{53C8E0BE-32F8-0395-1D79-E6733A255023}"/>
+                </a:ext>
+              </a:extLst>
+            </p:cNvPr>
+            <p:cNvPicPr>
+              <a:picLocks noChangeAspect="1"/>
+            </p:cNvPicPr>
+            <p:nvPr/>
+          </p:nvPicPr>
+          <p:blipFill>
+            <a:blip r:embed="rId3">
+              <a:extLst>
+                <a:ext uri="{96DAC541-7B7A-43D3-8B79-37D633B846F1}">
+                  <asvg:svgBlip xmlns:asvg="http://schemas.microsoft.com/office/drawing/2016/SVG/main" r:embed="rId4"/>
+                </a:ext>
+              </a:extLst>
+            </a:blip>
+            <a:srcRect/>
+            <a:stretch/>
+          </p:blipFill>
+          <p:spPr>
+            <a:xfrm>
+              <a:off x="899143" y="5081813"/>
+              <a:ext cx="645886" cy="645886"/>
+            </a:xfrm>
+            <a:prstGeom prst="rect">
+              <a:avLst/>
+            </a:prstGeom>
+          </p:spPr>
+        </p:pic>
+      </p:grpSp>
+      <p:grpSp>
+        <p:nvGrpSpPr>
+          <p:cNvPr id="16" name="Group 15">
+            <a:extLst>
+              <a:ext uri="{FF2B5EF4-FFF2-40B4-BE49-F238E27FC236}">
+                <a16:creationId xmlns:a16="http://schemas.microsoft.com/office/drawing/2014/main" id="{C2BA8560-D6CB-52DC-A3ED-3D8EE3730A5B}"/>
+              </a:ext>
+            </a:extLst>
+          </p:cNvPr>
+          <p:cNvGrpSpPr/>
+          <p:nvPr/>
+        </p:nvGrpSpPr>
+        <p:grpSpPr>
+          <a:xfrm>
+            <a:off x="6997700" y="3933777"/>
+            <a:ext cx="4220845" cy="645887"/>
+            <a:chOff x="6334125" y="4936341"/>
+            <a:chExt cx="4314825" cy="645887"/>
+          </a:xfrm>
+        </p:grpSpPr>
+        <p:sp>
+          <p:nvSpPr>
+            <p:cNvPr id="12" name="Rectangle: Rounded Corners 11">
+              <a:extLst>
+                <a:ext uri="{FF2B5EF4-FFF2-40B4-BE49-F238E27FC236}">
+                  <a16:creationId xmlns:a16="http://schemas.microsoft.com/office/drawing/2014/main" id="{87842739-DD7D-45DA-AA6C-685C5A38D5FC}"/>
+                </a:ext>
+              </a:extLst>
+            </p:cNvPr>
+            <p:cNvSpPr/>
+            <p:nvPr/>
+          </p:nvSpPr>
+          <p:spPr>
+            <a:xfrm>
+              <a:off x="6334125" y="4936341"/>
+              <a:ext cx="4314825" cy="645887"/>
+            </a:xfrm>
+            <a:prstGeom prst="roundRect">
+              <a:avLst/>
+            </a:prstGeom>
+            <a:solidFill>
+              <a:schemeClr val="bg1">
+                <a:lumMod val="95000"/>
+              </a:schemeClr>
+            </a:solidFill>
+            <a:ln w="12700">
+              <a:noFill/>
+            </a:ln>
+          </p:spPr>
+          <p:style>
+            <a:lnRef idx="2">
+              <a:schemeClr val="accent1">
+                <a:shade val="15000"/>
+              </a:schemeClr>
+            </a:lnRef>
+            <a:fillRef idx="1">
+              <a:schemeClr val="accent1"/>
+            </a:fillRef>
+            <a:effectRef idx="0">
+              <a:schemeClr val="accent1"/>
+            </a:effectRef>
+            <a:fontRef idx="minor">
+              <a:schemeClr val="lt1"/>
+            </a:fontRef>
+          </p:style>
+          <p:txBody>
+            <a:bodyPr rtlCol="0" anchor="ctr"/>
+            <a:lstStyle/>
+            <a:p>
+              <a:pPr marL="640080"/>
+              <a:r>
+                <a:rPr lang="en-US" sz="1400" b="1" dirty="0">
+                  <a:solidFill>
+                    <a:schemeClr val="accent1"/>
+                  </a:solidFill>
+                </a:rPr>
+                <a:t>Models were tested using a grid search</a:t>
+              </a:r>
+              <a:r>
+                <a:rPr lang="en-US" sz="1400" dirty="0">
+                  <a:solidFill>
+                    <a:schemeClr val="accent1"/>
+                  </a:solidFill>
+                </a:rPr>
+                <a:t>, modulating parameters like C (regularization)</a:t>
+              </a:r>
+              <a:endParaRPr lang="en-US" sz="1400" b="1" dirty="0">
+                <a:solidFill>
+                  <a:schemeClr val="accent1"/>
+                </a:solidFill>
+              </a:endParaRPr>
+            </a:p>
+          </p:txBody>
+        </p:sp>
+        <p:pic>
+          <p:nvPicPr>
+            <p:cNvPr id="13" name="Graphic 12">
+              <a:extLst>
+                <a:ext uri="{FF2B5EF4-FFF2-40B4-BE49-F238E27FC236}">
+                  <a16:creationId xmlns:a16="http://schemas.microsoft.com/office/drawing/2014/main" id="{AA8B6BC6-4A7B-5424-9342-491D4BC63263}"/>
+                </a:ext>
+              </a:extLst>
+            </p:cNvPr>
+            <p:cNvPicPr>
+              <a:picLocks noChangeAspect="1"/>
+            </p:cNvPicPr>
+            <p:nvPr/>
+          </p:nvPicPr>
+          <p:blipFill>
+            <a:blip r:embed="rId5">
+              <a:extLst>
+                <a:ext uri="{96DAC541-7B7A-43D3-8B79-37D633B846F1}">
+                  <asvg:svgBlip xmlns:asvg="http://schemas.microsoft.com/office/drawing/2016/SVG/main" r:embed="rId6"/>
+                </a:ext>
+              </a:extLst>
+            </a:blip>
+            <a:srcRect/>
+            <a:stretch/>
+          </p:blipFill>
+          <p:spPr>
+            <a:xfrm>
+              <a:off x="6476983" y="5020198"/>
+              <a:ext cx="478172" cy="478172"/>
+            </a:xfrm>
+            <a:prstGeom prst="rect">
+              <a:avLst/>
+            </a:prstGeom>
+          </p:spPr>
+        </p:pic>
+      </p:grpSp>
+      <p:grpSp>
+        <p:nvGrpSpPr>
+          <p:cNvPr id="18" name="Group 17">
+            <a:extLst>
+              <a:ext uri="{FF2B5EF4-FFF2-40B4-BE49-F238E27FC236}">
+                <a16:creationId xmlns:a16="http://schemas.microsoft.com/office/drawing/2014/main" id="{C0A0DD90-5FA8-06B0-7AF6-304856A78998}"/>
+              </a:ext>
+            </a:extLst>
+          </p:cNvPr>
+          <p:cNvGrpSpPr/>
+          <p:nvPr/>
+        </p:nvGrpSpPr>
+        <p:grpSpPr>
+          <a:xfrm>
+            <a:off x="7446487" y="5010229"/>
+            <a:ext cx="3907313" cy="936831"/>
+            <a:chOff x="838200" y="4936341"/>
+            <a:chExt cx="3907313" cy="936831"/>
+          </a:xfrm>
+        </p:grpSpPr>
+        <p:sp>
+          <p:nvSpPr>
+            <p:cNvPr id="19" name="Rectangle: Rounded Corners 18">
+              <a:extLst>
+                <a:ext uri="{FF2B5EF4-FFF2-40B4-BE49-F238E27FC236}">
+                  <a16:creationId xmlns:a16="http://schemas.microsoft.com/office/drawing/2014/main" id="{C19BF851-0B0C-7AD4-AB3E-534FE297A0E9}"/>
+                </a:ext>
+              </a:extLst>
+            </p:cNvPr>
+            <p:cNvSpPr/>
+            <p:nvPr/>
+          </p:nvSpPr>
+          <p:spPr>
+            <a:xfrm>
+              <a:off x="838200" y="4936341"/>
+              <a:ext cx="3907313" cy="936831"/>
+            </a:xfrm>
+            <a:prstGeom prst="roundRect">
+              <a:avLst/>
+            </a:prstGeom>
+            <a:solidFill>
+              <a:schemeClr val="accent1">
+                <a:lumMod val="60000"/>
+                <a:lumOff val="40000"/>
+              </a:schemeClr>
+            </a:solidFill>
+            <a:ln w="12700">
+              <a:solidFill>
+                <a:schemeClr val="accent1">
+                  <a:lumMod val="75000"/>
+                </a:schemeClr>
+              </a:solidFill>
+            </a:ln>
+          </p:spPr>
+          <p:style>
+            <a:lnRef idx="2">
+              <a:schemeClr val="accent1">
+                <a:shade val="15000"/>
+              </a:schemeClr>
+            </a:lnRef>
+            <a:fillRef idx="1">
+              <a:schemeClr val="accent1"/>
+            </a:fillRef>
+            <a:effectRef idx="0">
+              <a:schemeClr val="accent1"/>
+            </a:effectRef>
+            <a:fontRef idx="minor">
+              <a:schemeClr val="lt1"/>
+            </a:fontRef>
+          </p:style>
+          <p:txBody>
+            <a:bodyPr rtlCol="0" anchor="ctr"/>
+            <a:lstStyle/>
+            <a:p>
+              <a:pPr marL="640080"/>
+              <a:r>
+                <a:rPr lang="en-US" sz="1400" b="1" dirty="0">
+                  <a:solidFill>
+                    <a:schemeClr val="bg1"/>
+                  </a:solidFill>
+                </a:rPr>
+                <a:t>Metric choice was based on practical implications</a:t>
+              </a:r>
+              <a:r>
+                <a:rPr lang="en-US" sz="1400" dirty="0">
+                  <a:solidFill>
+                    <a:schemeClr val="bg1"/>
+                  </a:solidFill>
+                </a:rPr>
+                <a:t>, where catching relevant (potentially niche) legislation is critical</a:t>
+              </a:r>
+            </a:p>
+          </p:txBody>
+        </p:sp>
+        <p:pic>
+          <p:nvPicPr>
+            <p:cNvPr id="20" name="Graphic 19">
+              <a:extLst>
+                <a:ext uri="{FF2B5EF4-FFF2-40B4-BE49-F238E27FC236}">
+                  <a16:creationId xmlns:a16="http://schemas.microsoft.com/office/drawing/2014/main" id="{9933BEB3-1A87-D6FF-A47F-8964E60FAF44}"/>
+                </a:ext>
+              </a:extLst>
+            </p:cNvPr>
+            <p:cNvPicPr>
+              <a:picLocks noChangeAspect="1"/>
+            </p:cNvPicPr>
+            <p:nvPr/>
+          </p:nvPicPr>
+          <p:blipFill>
+            <a:blip r:embed="rId7">
+              <a:extLst>
+                <a:ext uri="{96DAC541-7B7A-43D3-8B79-37D633B846F1}">
+                  <asvg:svgBlip xmlns:asvg="http://schemas.microsoft.com/office/drawing/2016/SVG/main" r:embed="rId8"/>
+                </a:ext>
+              </a:extLst>
+            </a:blip>
+            <a:srcRect/>
+            <a:stretch/>
+          </p:blipFill>
+          <p:spPr>
+            <a:xfrm>
+              <a:off x="899143" y="5081813"/>
+              <a:ext cx="645886" cy="645886"/>
+            </a:xfrm>
+            <a:prstGeom prst="rect">
+              <a:avLst/>
+            </a:prstGeom>
+          </p:spPr>
+        </p:pic>
+      </p:grpSp>
+      <p:sp>
+        <p:nvSpPr>
+          <p:cNvPr id="23" name="Isosceles Triangle 22">
+            <a:extLst>
+              <a:ext uri="{FF2B5EF4-FFF2-40B4-BE49-F238E27FC236}">
+                <a16:creationId xmlns:a16="http://schemas.microsoft.com/office/drawing/2014/main" id="{218B3C69-84FA-9FF5-B111-3F916F9BF54F}"/>
+              </a:ext>
+            </a:extLst>
+          </p:cNvPr>
+          <p:cNvSpPr/>
+          <p:nvPr/>
+        </p:nvSpPr>
+        <p:spPr>
+          <a:xfrm rot="5400000">
+            <a:off x="7003688" y="5349788"/>
+            <a:ext cx="245735" cy="257711"/>
+          </a:xfrm>
+          <a:prstGeom prst="triangle">
+            <a:avLst/>
+          </a:prstGeom>
+          <a:solidFill>
+            <a:schemeClr val="accent1"/>
+          </a:solidFill>
+        </p:spPr>
+        <p:style>
+          <a:lnRef idx="2">
+            <a:schemeClr val="accent1">
+              <a:shade val="15000"/>
+            </a:schemeClr>
+          </a:lnRef>
+          <a:fillRef idx="1">
+            <a:schemeClr val="accent1"/>
+          </a:fillRef>
+          <a:effectRef idx="0">
+            <a:schemeClr val="accent1"/>
+          </a:effectRef>
+          <a:fontRef idx="minor">
+            <a:schemeClr val="lt1"/>
+          </a:fontRef>
+        </p:style>
+        <p:txBody>
+          <a:bodyPr rtlCol="0" anchor="ctr"/>
+          <a:lstStyle/>
+          <a:p>
+            <a:pPr algn="ctr"/>
+            <a:endParaRPr lang="en-US"/>
+          </a:p>
+        </p:txBody>
+      </p:sp>
+    </p:spTree>
+    <p:extLst>
+      <p:ext uri="{BB962C8B-B14F-4D97-AF65-F5344CB8AC3E}">
+        <p14:creationId xmlns:p14="http://schemas.microsoft.com/office/powerpoint/2010/main" val="3499367079"/>
+      </p:ext>
+    </p:extLst>
+  </p:cSld>
+  <p:clrMapOvr>
+    <a:masterClrMapping/>
+  </p:clrMapOvr>
+</p:sld>
+</file>
+
 <file path=ppt/theme/theme1.xml><?xml version="1.0" encoding="utf-8"?>
 <a:theme xmlns:a="http://schemas.openxmlformats.org/drawingml/2006/main" name="Office Theme">
   <a:themeElements>

--- a/Final-Group-Presentation/Final-Group-Presentation.pptx
+++ b/Final-Group-Presentation/Final-Group-Presentation.pptx
@@ -5,7 +5,7 @@
     <p:sldMasterId id="2147483707" r:id="rId1"/>
   </p:sldMasterIdLst>
   <p:notesMasterIdLst>
-    <p:notesMasterId r:id="rId9"/>
+    <p:notesMasterId r:id="rId10"/>
   </p:notesMasterIdLst>
   <p:sldIdLst>
     <p:sldId id="256" r:id="rId2"/>
@@ -15,6 +15,7 @@
     <p:sldId id="260" r:id="rId6"/>
     <p:sldId id="262" r:id="rId7"/>
     <p:sldId id="263" r:id="rId8"/>
+    <p:sldId id="264" r:id="rId9"/>
   </p:sldIdLst>
   <p:sldSz cx="12192000" cy="6858000"/>
   <p:notesSz cx="6858000" cy="9144000"/>
@@ -854,6 +855,549 @@
 </c:chartSpace>
 </file>
 
+<file path=ppt/charts/chart3.xml><?xml version="1.0" encoding="utf-8"?>
+<c:chartSpace xmlns:c="http://schemas.openxmlformats.org/drawingml/2006/chart" xmlns:a="http://schemas.openxmlformats.org/drawingml/2006/main" xmlns:r="http://schemas.openxmlformats.org/officeDocument/2006/relationships" xmlns:c16r2="http://schemas.microsoft.com/office/drawing/2015/06/chart">
+  <c:date1904 val="0"/>
+  <c:lang val="en-US"/>
+  <c:roundedCorners val="0"/>
+  <mc:AlternateContent xmlns:mc="http://schemas.openxmlformats.org/markup-compatibility/2006">
+    <mc:Choice xmlns:c14="http://schemas.microsoft.com/office/drawing/2007/8/2/chart" Requires="c14">
+      <c14:style val="102"/>
+    </mc:Choice>
+    <mc:Fallback>
+      <c:style val="2"/>
+    </mc:Fallback>
+  </mc:AlternateContent>
+  <c:chart>
+    <c:autoTitleDeleted val="1"/>
+    <c:plotArea>
+      <c:layout>
+        <c:manualLayout>
+          <c:layoutTarget val="inner"/>
+          <c:xMode val="edge"/>
+          <c:yMode val="edge"/>
+          <c:x val="0.30843175853018368"/>
+          <c:y val="9.6789076378677702E-2"/>
+          <c:w val="0.6676462588915516"/>
+          <c:h val="0.80024029379970496"/>
+        </c:manualLayout>
+      </c:layout>
+      <c:barChart>
+        <c:barDir val="bar"/>
+        <c:grouping val="clustered"/>
+        <c:varyColors val="0"/>
+        <c:ser>
+          <c:idx val="0"/>
+          <c:order val="0"/>
+          <c:tx>
+            <c:strRef>
+              <c:f>Sheet1!$B$1</c:f>
+              <c:strCache>
+                <c:ptCount val="1"/>
+                <c:pt idx="0">
+                  <c:v>Precision</c:v>
+                </c:pt>
+              </c:strCache>
+            </c:strRef>
+          </c:tx>
+          <c:spPr>
+            <a:solidFill>
+              <a:schemeClr val="accent1">
+                <a:lumMod val="60000"/>
+                <a:lumOff val="40000"/>
+              </a:schemeClr>
+            </a:solidFill>
+            <a:ln>
+              <a:noFill/>
+            </a:ln>
+            <a:effectLst/>
+          </c:spPr>
+          <c:invertIfNegative val="0"/>
+          <c:cat>
+            <c:strRef>
+              <c:f>Sheet1!$A$2:$A$10</c:f>
+              <c:strCache>
+                <c:ptCount val="9"/>
+                <c:pt idx="0">
+                  <c:v>Agriculture and Food (441)</c:v>
+                </c:pt>
+                <c:pt idx="1">
+                  <c:v>Animals (109)</c:v>
+                </c:pt>
+                <c:pt idx="2">
+                  <c:v>Armed Forces and National Security (1602)</c:v>
+                </c:pt>
+                <c:pt idx="3">
+                  <c:v>Arts, Culture, Religion (120)</c:v>
+                </c:pt>
+                <c:pt idx="4">
+                  <c:v>Civil Rights and Liberties, Minority Issues (240)</c:v>
+                </c:pt>
+                <c:pt idx="5">
+                  <c:v>Commerce (608)</c:v>
+                </c:pt>
+                <c:pt idx="6">
+                  <c:v>Congress (971)</c:v>
+                </c:pt>
+                <c:pt idx="7">
+                  <c:v>Crime and Law Enforcement (1114)</c:v>
+                </c:pt>
+                <c:pt idx="8">
+                  <c:v>Economics and Public Finance (320)</c:v>
+                </c:pt>
+              </c:strCache>
+            </c:strRef>
+          </c:cat>
+          <c:val>
+            <c:numRef>
+              <c:f>Sheet1!$B$2:$B$10</c:f>
+              <c:numCache>
+                <c:formatCode>General</c:formatCode>
+                <c:ptCount val="9"/>
+                <c:pt idx="0">
+                  <c:v>0.93</c:v>
+                </c:pt>
+                <c:pt idx="1">
+                  <c:v>0.81</c:v>
+                </c:pt>
+                <c:pt idx="2">
+                  <c:v>0.95</c:v>
+                </c:pt>
+                <c:pt idx="3">
+                  <c:v>0.85</c:v>
+                </c:pt>
+                <c:pt idx="4">
+                  <c:v>0.91</c:v>
+                </c:pt>
+                <c:pt idx="5">
+                  <c:v>0.95</c:v>
+                </c:pt>
+                <c:pt idx="6">
+                  <c:v>0.97</c:v>
+                </c:pt>
+                <c:pt idx="7">
+                  <c:v>0.94</c:v>
+                </c:pt>
+                <c:pt idx="8">
+                  <c:v>0.93</c:v>
+                </c:pt>
+              </c:numCache>
+            </c:numRef>
+          </c:val>
+          <c:extLst>
+            <c:ext xmlns:c16="http://schemas.microsoft.com/office/drawing/2014/chart" uri="{C3380CC4-5D6E-409C-BE32-E72D297353CC}">
+              <c16:uniqueId val="{00000000-07CA-48E8-9780-7E2658654BA0}"/>
+            </c:ext>
+          </c:extLst>
+        </c:ser>
+        <c:ser>
+          <c:idx val="1"/>
+          <c:order val="1"/>
+          <c:tx>
+            <c:strRef>
+              <c:f>Sheet1!$C$1</c:f>
+              <c:strCache>
+                <c:ptCount val="1"/>
+                <c:pt idx="0">
+                  <c:v>Recall</c:v>
+                </c:pt>
+              </c:strCache>
+            </c:strRef>
+          </c:tx>
+          <c:spPr>
+            <a:solidFill>
+              <a:schemeClr val="accent1">
+                <a:lumMod val="40000"/>
+                <a:lumOff val="60000"/>
+              </a:schemeClr>
+            </a:solidFill>
+            <a:ln>
+              <a:noFill/>
+            </a:ln>
+            <a:effectLst/>
+          </c:spPr>
+          <c:invertIfNegative val="0"/>
+          <c:cat>
+            <c:strRef>
+              <c:f>Sheet1!$A$2:$A$10</c:f>
+              <c:strCache>
+                <c:ptCount val="9"/>
+                <c:pt idx="0">
+                  <c:v>Agriculture and Food (441)</c:v>
+                </c:pt>
+                <c:pt idx="1">
+                  <c:v>Animals (109)</c:v>
+                </c:pt>
+                <c:pt idx="2">
+                  <c:v>Armed Forces and National Security (1602)</c:v>
+                </c:pt>
+                <c:pt idx="3">
+                  <c:v>Arts, Culture, Religion (120)</c:v>
+                </c:pt>
+                <c:pt idx="4">
+                  <c:v>Civil Rights and Liberties, Minority Issues (240)</c:v>
+                </c:pt>
+                <c:pt idx="5">
+                  <c:v>Commerce (608)</c:v>
+                </c:pt>
+                <c:pt idx="6">
+                  <c:v>Congress (971)</c:v>
+                </c:pt>
+                <c:pt idx="7">
+                  <c:v>Crime and Law Enforcement (1114)</c:v>
+                </c:pt>
+                <c:pt idx="8">
+                  <c:v>Economics and Public Finance (320)</c:v>
+                </c:pt>
+              </c:strCache>
+            </c:strRef>
+          </c:cat>
+          <c:val>
+            <c:numRef>
+              <c:f>Sheet1!$C$2:$C$10</c:f>
+              <c:numCache>
+                <c:formatCode>General</c:formatCode>
+                <c:ptCount val="9"/>
+                <c:pt idx="0">
+                  <c:v>0.96</c:v>
+                </c:pt>
+                <c:pt idx="1">
+                  <c:v>0.87</c:v>
+                </c:pt>
+                <c:pt idx="2">
+                  <c:v>0.97</c:v>
+                </c:pt>
+                <c:pt idx="3">
+                  <c:v>0.86</c:v>
+                </c:pt>
+                <c:pt idx="4">
+                  <c:v>0.88</c:v>
+                </c:pt>
+                <c:pt idx="5">
+                  <c:v>0.93</c:v>
+                </c:pt>
+                <c:pt idx="6">
+                  <c:v>0.97</c:v>
+                </c:pt>
+                <c:pt idx="7">
+                  <c:v>0.95</c:v>
+                </c:pt>
+                <c:pt idx="8">
+                  <c:v>0.86</c:v>
+                </c:pt>
+              </c:numCache>
+            </c:numRef>
+          </c:val>
+          <c:extLst>
+            <c:ext xmlns:c16="http://schemas.microsoft.com/office/drawing/2014/chart" uri="{C3380CC4-5D6E-409C-BE32-E72D297353CC}">
+              <c16:uniqueId val="{00000001-07CA-48E8-9780-7E2658654BA0}"/>
+            </c:ext>
+          </c:extLst>
+        </c:ser>
+        <c:ser>
+          <c:idx val="2"/>
+          <c:order val="2"/>
+          <c:tx>
+            <c:strRef>
+              <c:f>Sheet1!$D$1</c:f>
+              <c:strCache>
+                <c:ptCount val="1"/>
+                <c:pt idx="0">
+                  <c:v>F1-Score</c:v>
+                </c:pt>
+              </c:strCache>
+            </c:strRef>
+          </c:tx>
+          <c:spPr>
+            <a:solidFill>
+              <a:schemeClr val="accent1"/>
+            </a:solidFill>
+            <a:ln>
+              <a:noFill/>
+            </a:ln>
+            <a:effectLst/>
+          </c:spPr>
+          <c:invertIfNegative val="0"/>
+          <c:cat>
+            <c:strRef>
+              <c:f>Sheet1!$A$2:$A$10</c:f>
+              <c:strCache>
+                <c:ptCount val="9"/>
+                <c:pt idx="0">
+                  <c:v>Agriculture and Food (441)</c:v>
+                </c:pt>
+                <c:pt idx="1">
+                  <c:v>Animals (109)</c:v>
+                </c:pt>
+                <c:pt idx="2">
+                  <c:v>Armed Forces and National Security (1602)</c:v>
+                </c:pt>
+                <c:pt idx="3">
+                  <c:v>Arts, Culture, Religion (120)</c:v>
+                </c:pt>
+                <c:pt idx="4">
+                  <c:v>Civil Rights and Liberties, Minority Issues (240)</c:v>
+                </c:pt>
+                <c:pt idx="5">
+                  <c:v>Commerce (608)</c:v>
+                </c:pt>
+                <c:pt idx="6">
+                  <c:v>Congress (971)</c:v>
+                </c:pt>
+                <c:pt idx="7">
+                  <c:v>Crime and Law Enforcement (1114)</c:v>
+                </c:pt>
+                <c:pt idx="8">
+                  <c:v>Economics and Public Finance (320)</c:v>
+                </c:pt>
+              </c:strCache>
+            </c:strRef>
+          </c:cat>
+          <c:val>
+            <c:numRef>
+              <c:f>Sheet1!$D$2:$D$10</c:f>
+              <c:numCache>
+                <c:formatCode>General</c:formatCode>
+                <c:ptCount val="9"/>
+                <c:pt idx="0">
+                  <c:v>0.95</c:v>
+                </c:pt>
+                <c:pt idx="1">
+                  <c:v>0.84</c:v>
+                </c:pt>
+                <c:pt idx="2">
+                  <c:v>0.96</c:v>
+                </c:pt>
+                <c:pt idx="3">
+                  <c:v>0.85</c:v>
+                </c:pt>
+                <c:pt idx="4">
+                  <c:v>0.89</c:v>
+                </c:pt>
+                <c:pt idx="5">
+                  <c:v>0.94</c:v>
+                </c:pt>
+                <c:pt idx="6">
+                  <c:v>0.97</c:v>
+                </c:pt>
+                <c:pt idx="7">
+                  <c:v>0.95</c:v>
+                </c:pt>
+                <c:pt idx="8">
+                  <c:v>0.89</c:v>
+                </c:pt>
+              </c:numCache>
+            </c:numRef>
+          </c:val>
+          <c:extLst>
+            <c:ext xmlns:c16="http://schemas.microsoft.com/office/drawing/2014/chart" uri="{C3380CC4-5D6E-409C-BE32-E72D297353CC}">
+              <c16:uniqueId val="{00000002-07CA-48E8-9780-7E2658654BA0}"/>
+            </c:ext>
+          </c:extLst>
+        </c:ser>
+        <c:dLbls>
+          <c:showLegendKey val="0"/>
+          <c:showVal val="0"/>
+          <c:showCatName val="0"/>
+          <c:showSerName val="0"/>
+          <c:showPercent val="0"/>
+          <c:showBubbleSize val="0"/>
+        </c:dLbls>
+        <c:gapWidth val="182"/>
+        <c:axId val="629715600"/>
+        <c:axId val="629712720"/>
+      </c:barChart>
+      <c:catAx>
+        <c:axId val="629715600"/>
+        <c:scaling>
+          <c:orientation val="maxMin"/>
+        </c:scaling>
+        <c:delete val="0"/>
+        <c:axPos val="l"/>
+        <c:numFmt formatCode="General" sourceLinked="1"/>
+        <c:majorTickMark val="none"/>
+        <c:minorTickMark val="none"/>
+        <c:tickLblPos val="nextTo"/>
+        <c:spPr>
+          <a:noFill/>
+          <a:ln w="9525" cap="flat" cmpd="sng" algn="ctr">
+            <a:solidFill>
+              <a:schemeClr val="tx1">
+                <a:lumMod val="15000"/>
+                <a:lumOff val="85000"/>
+              </a:schemeClr>
+            </a:solidFill>
+            <a:round/>
+          </a:ln>
+          <a:effectLst/>
+        </c:spPr>
+        <c:txPr>
+          <a:bodyPr rot="-60000000" spcFirstLastPara="1" vertOverflow="ellipsis" vert="horz" wrap="square" anchor="ctr" anchorCtr="1"/>
+          <a:lstStyle/>
+          <a:p>
+            <a:pPr>
+              <a:defRPr sz="1197" b="0" i="0" u="none" strike="noStrike" kern="1200" baseline="0">
+                <a:solidFill>
+                  <a:schemeClr val="tx1">
+                    <a:lumMod val="65000"/>
+                    <a:lumOff val="35000"/>
+                  </a:schemeClr>
+                </a:solidFill>
+                <a:latin typeface="+mn-lt"/>
+                <a:ea typeface="+mn-ea"/>
+                <a:cs typeface="+mn-cs"/>
+              </a:defRPr>
+            </a:pPr>
+            <a:endParaRPr lang="en-US"/>
+          </a:p>
+        </c:txPr>
+        <c:crossAx val="629712720"/>
+        <c:crosses val="autoZero"/>
+        <c:auto val="1"/>
+        <c:lblAlgn val="ctr"/>
+        <c:lblOffset val="100"/>
+        <c:noMultiLvlLbl val="0"/>
+      </c:catAx>
+      <c:valAx>
+        <c:axId val="629712720"/>
+        <c:scaling>
+          <c:orientation val="minMax"/>
+          <c:max val="1"/>
+        </c:scaling>
+        <c:delete val="0"/>
+        <c:axPos val="t"/>
+        <c:majorGridlines>
+          <c:spPr>
+            <a:ln w="9525" cap="flat" cmpd="sng" algn="ctr">
+              <a:solidFill>
+                <a:schemeClr val="tx1">
+                  <a:lumMod val="15000"/>
+                  <a:lumOff val="85000"/>
+                </a:schemeClr>
+              </a:solidFill>
+              <a:round/>
+            </a:ln>
+            <a:effectLst/>
+          </c:spPr>
+        </c:majorGridlines>
+        <c:numFmt formatCode="General" sourceLinked="1"/>
+        <c:majorTickMark val="none"/>
+        <c:minorTickMark val="none"/>
+        <c:tickLblPos val="high"/>
+        <c:spPr>
+          <a:noFill/>
+          <a:ln>
+            <a:noFill/>
+          </a:ln>
+          <a:effectLst/>
+        </c:spPr>
+        <c:txPr>
+          <a:bodyPr rot="-60000000" spcFirstLastPara="1" vertOverflow="ellipsis" vert="horz" wrap="square" anchor="ctr" anchorCtr="1"/>
+          <a:lstStyle/>
+          <a:p>
+            <a:pPr>
+              <a:defRPr sz="1197" b="0" i="0" u="none" strike="noStrike" kern="1200" baseline="0">
+                <a:solidFill>
+                  <a:schemeClr val="tx1">
+                    <a:lumMod val="65000"/>
+                    <a:lumOff val="35000"/>
+                  </a:schemeClr>
+                </a:solidFill>
+                <a:latin typeface="+mn-lt"/>
+                <a:ea typeface="+mn-ea"/>
+                <a:cs typeface="+mn-cs"/>
+              </a:defRPr>
+            </a:pPr>
+            <a:endParaRPr lang="en-US"/>
+          </a:p>
+        </c:txPr>
+        <c:crossAx val="629715600"/>
+        <c:crosses val="autoZero"/>
+        <c:crossBetween val="between"/>
+      </c:valAx>
+      <c:spPr>
+        <a:noFill/>
+        <a:ln>
+          <a:noFill/>
+        </a:ln>
+        <a:effectLst/>
+      </c:spPr>
+    </c:plotArea>
+    <c:legend>
+      <c:legendPos val="b"/>
+      <c:layout>
+        <c:manualLayout>
+          <c:xMode val="edge"/>
+          <c:yMode val="edge"/>
+          <c:x val="0.75689936855719109"/>
+          <c:y val="2.487195678901718E-3"/>
+          <c:w val="0.22400386093042718"/>
+          <c:h val="5.9183506627094401E-2"/>
+        </c:manualLayout>
+      </c:layout>
+      <c:overlay val="0"/>
+      <c:spPr>
+        <a:noFill/>
+        <a:ln>
+          <a:noFill/>
+        </a:ln>
+        <a:effectLst/>
+      </c:spPr>
+      <c:txPr>
+        <a:bodyPr rot="0" spcFirstLastPara="1" vertOverflow="ellipsis" vert="horz" wrap="square" anchor="ctr" anchorCtr="1"/>
+        <a:lstStyle/>
+        <a:p>
+          <a:pPr>
+            <a:defRPr sz="1197" b="0" i="0" u="none" strike="noStrike" kern="1200" baseline="0">
+              <a:solidFill>
+                <a:schemeClr val="tx1">
+                  <a:lumMod val="65000"/>
+                  <a:lumOff val="35000"/>
+                </a:schemeClr>
+              </a:solidFill>
+              <a:latin typeface="+mn-lt"/>
+              <a:ea typeface="+mn-ea"/>
+              <a:cs typeface="+mn-cs"/>
+            </a:defRPr>
+          </a:pPr>
+          <a:endParaRPr lang="en-US"/>
+        </a:p>
+      </c:txPr>
+    </c:legend>
+    <c:plotVisOnly val="1"/>
+    <c:dispBlanksAs val="gap"/>
+    <c:extLst>
+      <c:ext xmlns:c16r3="http://schemas.microsoft.com/office/drawing/2017/03/chart" uri="{56B9EC1D-385E-4148-901F-78D8002777C0}">
+        <c16r3:dataDisplayOptions16>
+          <c16r3:dispNaAsBlank val="1"/>
+        </c16r3:dataDisplayOptions16>
+      </c:ext>
+    </c:extLst>
+    <c:showDLblsOverMax val="0"/>
+  </c:chart>
+  <c:spPr>
+    <a:noFill/>
+    <a:ln>
+      <a:noFill/>
+    </a:ln>
+    <a:effectLst/>
+  </c:spPr>
+  <c:txPr>
+    <a:bodyPr/>
+    <a:lstStyle/>
+    <a:p>
+      <a:pPr>
+        <a:defRPr/>
+      </a:pPr>
+      <a:endParaRPr lang="en-US"/>
+    </a:p>
+  </c:txPr>
+  <c:externalData r:id="rId3">
+    <c:autoUpdate val="0"/>
+  </c:externalData>
+</c:chartSpace>
+</file>
+
 <file path=ppt/charts/colors1.xml><?xml version="1.0" encoding="utf-8"?>
 <cs:colorStyle xmlns:cs="http://schemas.microsoft.com/office/drawing/2012/chartStyle" xmlns:a="http://schemas.openxmlformats.org/drawingml/2006/main" meth="cycle" id="10">
   <a:schemeClr val="accent1"/>
@@ -895,6 +1439,46 @@
 </file>
 
 <file path=ppt/charts/colors2.xml><?xml version="1.0" encoding="utf-8"?>
+<cs:colorStyle xmlns:cs="http://schemas.microsoft.com/office/drawing/2012/chartStyle" xmlns:a="http://schemas.openxmlformats.org/drawingml/2006/main" meth="cycle" id="10">
+  <a:schemeClr val="accent1"/>
+  <a:schemeClr val="accent2"/>
+  <a:schemeClr val="accent3"/>
+  <a:schemeClr val="accent4"/>
+  <a:schemeClr val="accent5"/>
+  <a:schemeClr val="accent6"/>
+  <cs:variation/>
+  <cs:variation>
+    <a:lumMod val="60000"/>
+  </cs:variation>
+  <cs:variation>
+    <a:lumMod val="80000"/>
+    <a:lumOff val="20000"/>
+  </cs:variation>
+  <cs:variation>
+    <a:lumMod val="80000"/>
+  </cs:variation>
+  <cs:variation>
+    <a:lumMod val="60000"/>
+    <a:lumOff val="40000"/>
+  </cs:variation>
+  <cs:variation>
+    <a:lumMod val="50000"/>
+  </cs:variation>
+  <cs:variation>
+    <a:lumMod val="70000"/>
+    <a:lumOff val="30000"/>
+  </cs:variation>
+  <cs:variation>
+    <a:lumMod val="70000"/>
+  </cs:variation>
+  <cs:variation>
+    <a:lumMod val="50000"/>
+    <a:lumOff val="50000"/>
+  </cs:variation>
+</cs:colorStyle>
+</file>
+
+<file path=ppt/charts/colors3.xml><?xml version="1.0" encoding="utf-8"?>
 <cs:colorStyle xmlns:cs="http://schemas.microsoft.com/office/drawing/2012/chartStyle" xmlns:a="http://schemas.openxmlformats.org/drawingml/2006/main" meth="cycle" id="10">
   <a:schemeClr val="accent1"/>
   <a:schemeClr val="accent2"/>
@@ -1438,6 +2022,511 @@
 </file>
 
 <file path=ppt/charts/style2.xml><?xml version="1.0" encoding="utf-8"?>
+<cs:chartStyle xmlns:cs="http://schemas.microsoft.com/office/drawing/2012/chartStyle" xmlns:a="http://schemas.openxmlformats.org/drawingml/2006/main" id="216">
+  <cs:axisTitle>
+    <cs:lnRef idx="0"/>
+    <cs:fillRef idx="0"/>
+    <cs:effectRef idx="0"/>
+    <cs:fontRef idx="minor">
+      <a:schemeClr val="tx1">
+        <a:lumMod val="65000"/>
+        <a:lumOff val="35000"/>
+      </a:schemeClr>
+    </cs:fontRef>
+    <cs:defRPr sz="1330" kern="1200"/>
+  </cs:axisTitle>
+  <cs:categoryAxis>
+    <cs:lnRef idx="0"/>
+    <cs:fillRef idx="0"/>
+    <cs:effectRef idx="0"/>
+    <cs:fontRef idx="minor">
+      <a:schemeClr val="tx1">
+        <a:lumMod val="65000"/>
+        <a:lumOff val="35000"/>
+      </a:schemeClr>
+    </cs:fontRef>
+    <cs:spPr>
+      <a:ln w="9525" cap="flat" cmpd="sng" algn="ctr">
+        <a:solidFill>
+          <a:schemeClr val="tx1">
+            <a:lumMod val="15000"/>
+            <a:lumOff val="85000"/>
+          </a:schemeClr>
+        </a:solidFill>
+        <a:round/>
+      </a:ln>
+    </cs:spPr>
+    <cs:defRPr sz="1197" kern="1200"/>
+  </cs:categoryAxis>
+  <cs:chartArea mods="allowNoFillOverride allowNoLineOverride">
+    <cs:lnRef idx="0"/>
+    <cs:fillRef idx="0"/>
+    <cs:effectRef idx="0"/>
+    <cs:fontRef idx="minor">
+      <a:schemeClr val="tx1"/>
+    </cs:fontRef>
+    <cs:spPr>
+      <a:solidFill>
+        <a:schemeClr val="bg1"/>
+      </a:solidFill>
+      <a:ln w="9525" cap="flat" cmpd="sng" algn="ctr">
+        <a:solidFill>
+          <a:schemeClr val="tx1">
+            <a:lumMod val="15000"/>
+            <a:lumOff val="85000"/>
+          </a:schemeClr>
+        </a:solidFill>
+        <a:round/>
+      </a:ln>
+    </cs:spPr>
+    <cs:defRPr sz="1330" kern="1200"/>
+  </cs:chartArea>
+  <cs:dataLabel>
+    <cs:lnRef idx="0"/>
+    <cs:fillRef idx="0"/>
+    <cs:effectRef idx="0"/>
+    <cs:fontRef idx="minor">
+      <a:schemeClr val="tx1">
+        <a:lumMod val="75000"/>
+        <a:lumOff val="25000"/>
+      </a:schemeClr>
+    </cs:fontRef>
+    <cs:defRPr sz="1197" kern="1200"/>
+  </cs:dataLabel>
+  <cs:dataLabelCallout>
+    <cs:lnRef idx="0"/>
+    <cs:fillRef idx="0"/>
+    <cs:effectRef idx="0"/>
+    <cs:fontRef idx="minor">
+      <a:schemeClr val="dk1">
+        <a:lumMod val="65000"/>
+        <a:lumOff val="35000"/>
+      </a:schemeClr>
+    </cs:fontRef>
+    <cs:spPr>
+      <a:solidFill>
+        <a:schemeClr val="lt1"/>
+      </a:solidFill>
+      <a:ln>
+        <a:solidFill>
+          <a:schemeClr val="dk1">
+            <a:lumMod val="25000"/>
+            <a:lumOff val="75000"/>
+          </a:schemeClr>
+        </a:solidFill>
+      </a:ln>
+    </cs:spPr>
+    <cs:defRPr sz="1197" kern="1200"/>
+    <cs:bodyPr rot="0" spcFirstLastPara="1" vertOverflow="clip" horzOverflow="clip" vert="horz" wrap="square" lIns="36576" tIns="18288" rIns="36576" bIns="18288" anchor="ctr" anchorCtr="1">
+      <a:spAutoFit/>
+    </cs:bodyPr>
+  </cs:dataLabelCallout>
+  <cs:dataPoint>
+    <cs:lnRef idx="0"/>
+    <cs:fillRef idx="1">
+      <cs:styleClr val="auto"/>
+    </cs:fillRef>
+    <cs:effectRef idx="0"/>
+    <cs:fontRef idx="minor">
+      <a:schemeClr val="tx1"/>
+    </cs:fontRef>
+  </cs:dataPoint>
+  <cs:dataPoint3D>
+    <cs:lnRef idx="0"/>
+    <cs:fillRef idx="1">
+      <cs:styleClr val="auto"/>
+    </cs:fillRef>
+    <cs:effectRef idx="0"/>
+    <cs:fontRef idx="minor">
+      <a:schemeClr val="tx1"/>
+    </cs:fontRef>
+  </cs:dataPoint3D>
+  <cs:dataPointLine>
+    <cs:lnRef idx="0">
+      <cs:styleClr val="auto"/>
+    </cs:lnRef>
+    <cs:fillRef idx="1"/>
+    <cs:effectRef idx="0"/>
+    <cs:fontRef idx="minor">
+      <a:schemeClr val="tx1"/>
+    </cs:fontRef>
+    <cs:spPr>
+      <a:ln w="28575" cap="rnd">
+        <a:solidFill>
+          <a:schemeClr val="phClr"/>
+        </a:solidFill>
+        <a:round/>
+      </a:ln>
+    </cs:spPr>
+  </cs:dataPointLine>
+  <cs:dataPointMarker>
+    <cs:lnRef idx="0">
+      <cs:styleClr val="auto"/>
+    </cs:lnRef>
+    <cs:fillRef idx="1">
+      <cs:styleClr val="auto"/>
+    </cs:fillRef>
+    <cs:effectRef idx="0"/>
+    <cs:fontRef idx="minor">
+      <a:schemeClr val="tx1"/>
+    </cs:fontRef>
+    <cs:spPr>
+      <a:ln w="9525">
+        <a:solidFill>
+          <a:schemeClr val="phClr"/>
+        </a:solidFill>
+      </a:ln>
+    </cs:spPr>
+  </cs:dataPointMarker>
+  <cs:dataPointMarkerLayout symbol="circle" size="5"/>
+  <cs:dataPointWireframe>
+    <cs:lnRef idx="0">
+      <cs:styleClr val="auto"/>
+    </cs:lnRef>
+    <cs:fillRef idx="1"/>
+    <cs:effectRef idx="0"/>
+    <cs:fontRef idx="minor">
+      <a:schemeClr val="tx1"/>
+    </cs:fontRef>
+    <cs:spPr>
+      <a:ln w="9525" cap="rnd">
+        <a:solidFill>
+          <a:schemeClr val="phClr"/>
+        </a:solidFill>
+        <a:round/>
+      </a:ln>
+    </cs:spPr>
+  </cs:dataPointWireframe>
+  <cs:dataTable>
+    <cs:lnRef idx="0"/>
+    <cs:fillRef idx="0"/>
+    <cs:effectRef idx="0"/>
+    <cs:fontRef idx="minor">
+      <a:schemeClr val="tx1">
+        <a:lumMod val="65000"/>
+        <a:lumOff val="35000"/>
+      </a:schemeClr>
+    </cs:fontRef>
+    <cs:spPr>
+      <a:noFill/>
+      <a:ln w="9525" cap="flat" cmpd="sng" algn="ctr">
+        <a:solidFill>
+          <a:schemeClr val="tx1">
+            <a:lumMod val="15000"/>
+            <a:lumOff val="85000"/>
+          </a:schemeClr>
+        </a:solidFill>
+        <a:round/>
+      </a:ln>
+    </cs:spPr>
+    <cs:defRPr sz="1197" kern="1200"/>
+  </cs:dataTable>
+  <cs:downBar>
+    <cs:lnRef idx="0"/>
+    <cs:fillRef idx="0"/>
+    <cs:effectRef idx="0"/>
+    <cs:fontRef idx="minor">
+      <a:schemeClr val="tx1"/>
+    </cs:fontRef>
+    <cs:spPr>
+      <a:solidFill>
+        <a:schemeClr val="dk1">
+          <a:lumMod val="75000"/>
+          <a:lumOff val="25000"/>
+        </a:schemeClr>
+      </a:solidFill>
+      <a:ln w="9525" cap="flat" cmpd="sng" algn="ctr">
+        <a:solidFill>
+          <a:schemeClr val="tx1">
+            <a:lumMod val="65000"/>
+            <a:lumOff val="35000"/>
+          </a:schemeClr>
+        </a:solidFill>
+        <a:round/>
+      </a:ln>
+    </cs:spPr>
+  </cs:downBar>
+  <cs:dropLine>
+    <cs:lnRef idx="0"/>
+    <cs:fillRef idx="0"/>
+    <cs:effectRef idx="0"/>
+    <cs:fontRef idx="minor">
+      <a:schemeClr val="tx1"/>
+    </cs:fontRef>
+    <cs:spPr>
+      <a:ln w="9525" cap="flat" cmpd="sng" algn="ctr">
+        <a:solidFill>
+          <a:schemeClr val="tx1">
+            <a:lumMod val="35000"/>
+            <a:lumOff val="65000"/>
+          </a:schemeClr>
+        </a:solidFill>
+        <a:round/>
+      </a:ln>
+    </cs:spPr>
+  </cs:dropLine>
+  <cs:errorBar>
+    <cs:lnRef idx="0"/>
+    <cs:fillRef idx="0"/>
+    <cs:effectRef idx="0"/>
+    <cs:fontRef idx="minor">
+      <a:schemeClr val="tx1"/>
+    </cs:fontRef>
+    <cs:spPr>
+      <a:ln w="9525" cap="flat" cmpd="sng" algn="ctr">
+        <a:solidFill>
+          <a:schemeClr val="tx1">
+            <a:lumMod val="65000"/>
+            <a:lumOff val="35000"/>
+          </a:schemeClr>
+        </a:solidFill>
+        <a:round/>
+      </a:ln>
+    </cs:spPr>
+  </cs:errorBar>
+  <cs:floor>
+    <cs:lnRef idx="0"/>
+    <cs:fillRef idx="0"/>
+    <cs:effectRef idx="0"/>
+    <cs:fontRef idx="minor">
+      <a:schemeClr val="tx1"/>
+    </cs:fontRef>
+    <cs:spPr>
+      <a:noFill/>
+      <a:ln>
+        <a:noFill/>
+      </a:ln>
+    </cs:spPr>
+  </cs:floor>
+  <cs:gridlineMajor>
+    <cs:lnRef idx="0"/>
+    <cs:fillRef idx="0"/>
+    <cs:effectRef idx="0"/>
+    <cs:fontRef idx="minor">
+      <a:schemeClr val="tx1"/>
+    </cs:fontRef>
+    <cs:spPr>
+      <a:ln w="9525" cap="flat" cmpd="sng" algn="ctr">
+        <a:solidFill>
+          <a:schemeClr val="tx1">
+            <a:lumMod val="15000"/>
+            <a:lumOff val="85000"/>
+          </a:schemeClr>
+        </a:solidFill>
+        <a:round/>
+      </a:ln>
+    </cs:spPr>
+  </cs:gridlineMajor>
+  <cs:gridlineMinor>
+    <cs:lnRef idx="0"/>
+    <cs:fillRef idx="0"/>
+    <cs:effectRef idx="0"/>
+    <cs:fontRef idx="minor">
+      <a:schemeClr val="tx1"/>
+    </cs:fontRef>
+    <cs:spPr>
+      <a:ln w="9525" cap="flat" cmpd="sng" algn="ctr">
+        <a:solidFill>
+          <a:schemeClr val="tx1">
+            <a:lumMod val="5000"/>
+            <a:lumOff val="95000"/>
+          </a:schemeClr>
+        </a:solidFill>
+        <a:round/>
+      </a:ln>
+    </cs:spPr>
+  </cs:gridlineMinor>
+  <cs:hiLoLine>
+    <cs:lnRef idx="0"/>
+    <cs:fillRef idx="0"/>
+    <cs:effectRef idx="0"/>
+    <cs:fontRef idx="minor">
+      <a:schemeClr val="tx1"/>
+    </cs:fontRef>
+    <cs:spPr>
+      <a:ln w="9525" cap="flat" cmpd="sng" algn="ctr">
+        <a:solidFill>
+          <a:schemeClr val="tx1">
+            <a:lumMod val="50000"/>
+            <a:lumOff val="50000"/>
+          </a:schemeClr>
+        </a:solidFill>
+        <a:round/>
+      </a:ln>
+    </cs:spPr>
+  </cs:hiLoLine>
+  <cs:leaderLine>
+    <cs:lnRef idx="0"/>
+    <cs:fillRef idx="0"/>
+    <cs:effectRef idx="0"/>
+    <cs:fontRef idx="minor">
+      <a:schemeClr val="tx1"/>
+    </cs:fontRef>
+    <cs:spPr>
+      <a:ln w="9525" cap="flat" cmpd="sng" algn="ctr">
+        <a:solidFill>
+          <a:schemeClr val="tx1">
+            <a:lumMod val="35000"/>
+            <a:lumOff val="65000"/>
+          </a:schemeClr>
+        </a:solidFill>
+        <a:round/>
+      </a:ln>
+    </cs:spPr>
+  </cs:leaderLine>
+  <cs:legend>
+    <cs:lnRef idx="0"/>
+    <cs:fillRef idx="0"/>
+    <cs:effectRef idx="0"/>
+    <cs:fontRef idx="minor">
+      <a:schemeClr val="tx1">
+        <a:lumMod val="65000"/>
+        <a:lumOff val="35000"/>
+      </a:schemeClr>
+    </cs:fontRef>
+    <cs:defRPr sz="1197" kern="1200"/>
+  </cs:legend>
+  <cs:plotArea mods="allowNoFillOverride allowNoLineOverride">
+    <cs:lnRef idx="0"/>
+    <cs:fillRef idx="0"/>
+    <cs:effectRef idx="0"/>
+    <cs:fontRef idx="minor">
+      <a:schemeClr val="tx1"/>
+    </cs:fontRef>
+  </cs:plotArea>
+  <cs:plotArea3D mods="allowNoFillOverride allowNoLineOverride">
+    <cs:lnRef idx="0"/>
+    <cs:fillRef idx="0"/>
+    <cs:effectRef idx="0"/>
+    <cs:fontRef idx="minor">
+      <a:schemeClr val="tx1"/>
+    </cs:fontRef>
+  </cs:plotArea3D>
+  <cs:seriesAxis>
+    <cs:lnRef idx="0"/>
+    <cs:fillRef idx="0"/>
+    <cs:effectRef idx="0"/>
+    <cs:fontRef idx="minor">
+      <a:schemeClr val="tx1">
+        <a:lumMod val="65000"/>
+        <a:lumOff val="35000"/>
+      </a:schemeClr>
+    </cs:fontRef>
+    <cs:defRPr sz="1197" kern="1200"/>
+  </cs:seriesAxis>
+  <cs:seriesLine>
+    <cs:lnRef idx="0"/>
+    <cs:fillRef idx="0"/>
+    <cs:effectRef idx="0"/>
+    <cs:fontRef idx="minor">
+      <a:schemeClr val="tx1"/>
+    </cs:fontRef>
+    <cs:spPr>
+      <a:ln w="9525" cap="flat" cmpd="sng" algn="ctr">
+        <a:solidFill>
+          <a:schemeClr val="tx1">
+            <a:lumMod val="35000"/>
+            <a:lumOff val="65000"/>
+          </a:schemeClr>
+        </a:solidFill>
+        <a:round/>
+      </a:ln>
+    </cs:spPr>
+  </cs:seriesLine>
+  <cs:title>
+    <cs:lnRef idx="0"/>
+    <cs:fillRef idx="0"/>
+    <cs:effectRef idx="0"/>
+    <cs:fontRef idx="minor">
+      <a:schemeClr val="tx1">
+        <a:lumMod val="65000"/>
+        <a:lumOff val="35000"/>
+      </a:schemeClr>
+    </cs:fontRef>
+    <cs:defRPr sz="1862" b="0" kern="1200" spc="0" baseline="0"/>
+  </cs:title>
+  <cs:trendline>
+    <cs:lnRef idx="0">
+      <cs:styleClr val="auto"/>
+    </cs:lnRef>
+    <cs:fillRef idx="0"/>
+    <cs:effectRef idx="0"/>
+    <cs:fontRef idx="minor">
+      <a:schemeClr val="tx1"/>
+    </cs:fontRef>
+    <cs:spPr>
+      <a:ln w="19050" cap="rnd">
+        <a:solidFill>
+          <a:schemeClr val="phClr"/>
+        </a:solidFill>
+        <a:prstDash val="sysDot"/>
+      </a:ln>
+    </cs:spPr>
+  </cs:trendline>
+  <cs:trendlineLabel>
+    <cs:lnRef idx="0"/>
+    <cs:fillRef idx="0"/>
+    <cs:effectRef idx="0"/>
+    <cs:fontRef idx="minor">
+      <a:schemeClr val="tx1">
+        <a:lumMod val="65000"/>
+        <a:lumOff val="35000"/>
+      </a:schemeClr>
+    </cs:fontRef>
+    <cs:defRPr sz="1197" kern="1200"/>
+  </cs:trendlineLabel>
+  <cs:upBar>
+    <cs:lnRef idx="0"/>
+    <cs:fillRef idx="0"/>
+    <cs:effectRef idx="0"/>
+    <cs:fontRef idx="minor">
+      <a:schemeClr val="tx1"/>
+    </cs:fontRef>
+    <cs:spPr>
+      <a:solidFill>
+        <a:schemeClr val="lt1"/>
+      </a:solidFill>
+      <a:ln w="9525" cap="flat" cmpd="sng" algn="ctr">
+        <a:solidFill>
+          <a:schemeClr val="tx1">
+            <a:lumMod val="65000"/>
+            <a:lumOff val="35000"/>
+          </a:schemeClr>
+        </a:solidFill>
+        <a:round/>
+      </a:ln>
+    </cs:spPr>
+  </cs:upBar>
+  <cs:valueAxis>
+    <cs:lnRef idx="0"/>
+    <cs:fillRef idx="0"/>
+    <cs:effectRef idx="0"/>
+    <cs:fontRef idx="minor">
+      <a:schemeClr val="tx1">
+        <a:lumMod val="65000"/>
+        <a:lumOff val="35000"/>
+      </a:schemeClr>
+    </cs:fontRef>
+    <cs:defRPr sz="1197" kern="1200"/>
+  </cs:valueAxis>
+  <cs:wall>
+    <cs:lnRef idx="0"/>
+    <cs:fillRef idx="0"/>
+    <cs:effectRef idx="0"/>
+    <cs:fontRef idx="minor">
+      <a:schemeClr val="tx1"/>
+    </cs:fontRef>
+    <cs:spPr>
+      <a:noFill/>
+      <a:ln>
+        <a:noFill/>
+      </a:ln>
+    </cs:spPr>
+  </cs:wall>
+</cs:chartStyle>
+</file>
+
+<file path=ppt/charts/style3.xml><?xml version="1.0" encoding="utf-8"?>
 <cs:chartStyle xmlns:cs="http://schemas.microsoft.com/office/drawing/2012/chartStyle" xmlns:a="http://schemas.openxmlformats.org/drawingml/2006/main" id="216">
   <cs:axisTitle>
     <cs:lnRef idx="0"/>
@@ -12754,6 +13843,207 @@
 </p:sld>
 </file>
 
+<file path=ppt/slides/slide8.xml><?xml version="1.0" encoding="utf-8"?>
+<p:sld xmlns:a="http://schemas.openxmlformats.org/drawingml/2006/main" xmlns:r="http://schemas.openxmlformats.org/officeDocument/2006/relationships" xmlns:p="http://schemas.openxmlformats.org/presentationml/2006/main">
+  <p:cSld>
+    <p:spTree>
+      <p:nvGrpSpPr>
+        <p:cNvPr id="1" name=""/>
+        <p:cNvGrpSpPr/>
+        <p:nvPr/>
+      </p:nvGrpSpPr>
+      <p:grpSpPr>
+        <a:xfrm>
+          <a:off x="0" y="0"/>
+          <a:ext cx="0" cy="0"/>
+          <a:chOff x="0" y="0"/>
+          <a:chExt cx="0" cy="0"/>
+        </a:xfrm>
+      </p:grpSpPr>
+      <p:sp>
+        <p:nvSpPr>
+          <p:cNvPr id="2" name="Title 1">
+            <a:extLst>
+              <a:ext uri="{FF2B5EF4-FFF2-40B4-BE49-F238E27FC236}">
+                <a16:creationId xmlns:a16="http://schemas.microsoft.com/office/drawing/2014/main" id="{02B36BA6-1D32-E15D-C4DF-E99A536A98A4}"/>
+              </a:ext>
+            </a:extLst>
+          </p:cNvPr>
+          <p:cNvSpPr>
+            <a:spLocks noGrp="1"/>
+          </p:cNvSpPr>
+          <p:nvPr>
+            <p:ph type="title"/>
+          </p:nvPr>
+        </p:nvSpPr>
+        <p:spPr/>
+        <p:txBody>
+          <a:bodyPr/>
+          <a:lstStyle/>
+          <a:p>
+            <a:r>
+              <a:rPr lang="en-US" dirty="0"/>
+              <a:t>Performance differed significantly by policy area</a:t>
+            </a:r>
+          </a:p>
+        </p:txBody>
+      </p:sp>
+      <p:graphicFrame>
+        <p:nvGraphicFramePr>
+          <p:cNvPr id="5" name="Chart 4">
+            <a:extLst>
+              <a:ext uri="{FF2B5EF4-FFF2-40B4-BE49-F238E27FC236}">
+                <a16:creationId xmlns:a16="http://schemas.microsoft.com/office/drawing/2014/main" id="{C6FA5625-E09B-217C-B5EF-9CC69F54B4AE}"/>
+              </a:ext>
+            </a:extLst>
+          </p:cNvPr>
+          <p:cNvGraphicFramePr/>
+          <p:nvPr>
+            <p:extLst>
+              <p:ext uri="{D42A27DB-BD31-4B8C-83A1-F6EECF244321}">
+                <p14:modId xmlns:p14="http://schemas.microsoft.com/office/powerpoint/2010/main" val="415563122"/>
+              </p:ext>
+            </p:extLst>
+          </p:nvPr>
+        </p:nvGraphicFramePr>
+        <p:xfrm>
+          <a:off x="838200" y="1819009"/>
+          <a:ext cx="10515600" cy="4391291"/>
+        </p:xfrm>
+        <a:graphic>
+          <a:graphicData uri="http://schemas.openxmlformats.org/drawingml/2006/chart">
+            <c:chart xmlns:c="http://schemas.openxmlformats.org/drawingml/2006/chart" xmlns:r="http://schemas.openxmlformats.org/officeDocument/2006/relationships" r:id="rId2"/>
+          </a:graphicData>
+        </a:graphic>
+      </p:graphicFrame>
+      <p:sp>
+        <p:nvSpPr>
+          <p:cNvPr id="6" name="Rectangle: Rounded Corners 5">
+            <a:extLst>
+              <a:ext uri="{FF2B5EF4-FFF2-40B4-BE49-F238E27FC236}">
+                <a16:creationId xmlns:a16="http://schemas.microsoft.com/office/drawing/2014/main" id="{7866658A-54EF-540C-3495-135EBAA0223D}"/>
+              </a:ext>
+            </a:extLst>
+          </p:cNvPr>
+          <p:cNvSpPr/>
+          <p:nvPr/>
+        </p:nvSpPr>
+        <p:spPr>
+          <a:xfrm>
+            <a:off x="838200" y="1690687"/>
+            <a:ext cx="10515600" cy="4519613"/>
+          </a:xfrm>
+          <a:prstGeom prst="roundRect">
+            <a:avLst>
+              <a:gd name="adj" fmla="val 3421"/>
+            </a:avLst>
+          </a:prstGeom>
+          <a:noFill/>
+          <a:ln>
+            <a:solidFill>
+              <a:schemeClr val="bg1">
+                <a:lumMod val="85000"/>
+              </a:schemeClr>
+            </a:solidFill>
+          </a:ln>
+        </p:spPr>
+        <p:style>
+          <a:lnRef idx="2">
+            <a:schemeClr val="accent1">
+              <a:shade val="15000"/>
+            </a:schemeClr>
+          </a:lnRef>
+          <a:fillRef idx="1">
+            <a:schemeClr val="accent1"/>
+          </a:fillRef>
+          <a:effectRef idx="0">
+            <a:schemeClr val="accent1"/>
+          </a:effectRef>
+          <a:fontRef idx="minor">
+            <a:schemeClr val="lt1"/>
+          </a:fontRef>
+        </p:style>
+        <p:txBody>
+          <a:bodyPr rtlCol="0" anchor="t"/>
+          <a:lstStyle/>
+          <a:p>
+            <a:r>
+              <a:rPr lang="en-US" dirty="0" err="1">
+                <a:solidFill>
+                  <a:schemeClr val="accent1">
+                    <a:lumMod val="75000"/>
+                  </a:schemeClr>
+                </a:solidFill>
+              </a:rPr>
+              <a:t>LinearSVC</a:t>
+            </a:r>
+            <a:r>
+              <a:rPr lang="en-US" dirty="0">
+                <a:solidFill>
+                  <a:schemeClr val="accent1">
+                    <a:lumMod val="75000"/>
+                  </a:schemeClr>
+                </a:solidFill>
+              </a:rPr>
+              <a:t> performance on a test dataset by policy area (first 10)</a:t>
+            </a:r>
+          </a:p>
+        </p:txBody>
+      </p:sp>
+      <p:sp>
+        <p:nvSpPr>
+          <p:cNvPr id="7" name="TextBox 6">
+            <a:extLst>
+              <a:ext uri="{FF2B5EF4-FFF2-40B4-BE49-F238E27FC236}">
+                <a16:creationId xmlns:a16="http://schemas.microsoft.com/office/drawing/2014/main" id="{A75B474F-23DB-390F-7A02-030A93760F04}"/>
+              </a:ext>
+            </a:extLst>
+          </p:cNvPr>
+          <p:cNvSpPr txBox="1"/>
+          <p:nvPr/>
+        </p:nvSpPr>
+        <p:spPr>
+          <a:xfrm>
+            <a:off x="838200" y="5979468"/>
+            <a:ext cx="2781300" cy="230832"/>
+          </a:xfrm>
+          <a:prstGeom prst="rect">
+            <a:avLst/>
+          </a:prstGeom>
+          <a:noFill/>
+        </p:spPr>
+        <p:txBody>
+          <a:bodyPr wrap="square" rtlCol="0">
+            <a:spAutoFit/>
+          </a:bodyPr>
+          <a:lstStyle/>
+          <a:p>
+            <a:r>
+              <a:rPr lang="en-US" sz="900" dirty="0">
+                <a:solidFill>
+                  <a:schemeClr val="bg1">
+                    <a:lumMod val="65000"/>
+                  </a:schemeClr>
+                </a:solidFill>
+              </a:rPr>
+              <a:t>“(#)” represents available instances in the test dataset</a:t>
+            </a:r>
+          </a:p>
+        </p:txBody>
+      </p:sp>
+    </p:spTree>
+    <p:extLst>
+      <p:ext uri="{BB962C8B-B14F-4D97-AF65-F5344CB8AC3E}">
+        <p14:creationId xmlns:p14="http://schemas.microsoft.com/office/powerpoint/2010/main" val="2444431965"/>
+      </p:ext>
+    </p:extLst>
+  </p:cSld>
+  <p:clrMapOvr>
+    <a:masterClrMapping/>
+  </p:clrMapOvr>
+</p:sld>
+</file>
+
 <file path=ppt/theme/theme1.xml><?xml version="1.0" encoding="utf-8"?>
 <a:theme xmlns:a="http://schemas.openxmlformats.org/drawingml/2006/main" name="Office Theme">
   <a:themeElements>

--- a/Final-Group-Presentation/Final-Group-Presentation.pptx
+++ b/Final-Group-Presentation/Final-Group-Presentation.pptx
@@ -13296,7 +13296,7 @@
           <p:nvPr>
             <p:extLst>
               <p:ext uri="{D42A27DB-BD31-4B8C-83A1-F6EECF244321}">
-                <p14:modId xmlns:p14="http://schemas.microsoft.com/office/powerpoint/2010/main" val="2456193072"/>
+                <p14:modId xmlns:p14="http://schemas.microsoft.com/office/powerpoint/2010/main" val="2589040516"/>
               </p:ext>
             </p:extLst>
           </p:nvPr>

--- a/Final-Group-Presentation/Final-Group-Presentation.pptx
+++ b/Final-Group-Presentation/Final-Group-Presentation.pptx
@@ -5,7 +5,7 @@
     <p:sldMasterId id="2147483707" r:id="rId1"/>
   </p:sldMasterIdLst>
   <p:notesMasterIdLst>
-    <p:notesMasterId r:id="rId10"/>
+    <p:notesMasterId r:id="rId12"/>
   </p:notesMasterIdLst>
   <p:sldIdLst>
     <p:sldId id="256" r:id="rId2"/>
@@ -16,6 +16,8 @@
     <p:sldId id="262" r:id="rId7"/>
     <p:sldId id="263" r:id="rId8"/>
     <p:sldId id="264" r:id="rId9"/>
+    <p:sldId id="266" r:id="rId10"/>
+    <p:sldId id="265" r:id="rId11"/>
   </p:sldIdLst>
   <p:sldSz cx="12192000" cy="6858000"/>
   <p:notesSz cx="6858000" cy="9144000"/>
@@ -6747,6 +6749,849 @@
     <p:extLst>
       <p:ext uri="{BB962C8B-B14F-4D97-AF65-F5344CB8AC3E}">
         <p14:creationId xmlns:p14="http://schemas.microsoft.com/office/powerpoint/2010/main" val="3673863742"/>
+      </p:ext>
+    </p:extLst>
+  </p:cSld>
+  <p:clrMapOvr>
+    <a:masterClrMapping/>
+  </p:clrMapOvr>
+</p:sld>
+</file>
+
+<file path=ppt/slides/slide10.xml><?xml version="1.0" encoding="utf-8"?>
+<p:sld xmlns:a="http://schemas.openxmlformats.org/drawingml/2006/main" xmlns:r="http://schemas.openxmlformats.org/officeDocument/2006/relationships" xmlns:p="http://schemas.openxmlformats.org/presentationml/2006/main">
+  <p:cSld>
+    <p:spTree>
+      <p:nvGrpSpPr>
+        <p:cNvPr id="1" name=""/>
+        <p:cNvGrpSpPr/>
+        <p:nvPr/>
+      </p:nvGrpSpPr>
+      <p:grpSpPr>
+        <a:xfrm>
+          <a:off x="0" y="0"/>
+          <a:ext cx="0" cy="0"/>
+          <a:chOff x="0" y="0"/>
+          <a:chExt cx="0" cy="0"/>
+        </a:xfrm>
+      </p:grpSpPr>
+      <p:sp>
+        <p:nvSpPr>
+          <p:cNvPr id="2" name="Title 1">
+            <a:extLst>
+              <a:ext uri="{FF2B5EF4-FFF2-40B4-BE49-F238E27FC236}">
+                <a16:creationId xmlns:a16="http://schemas.microsoft.com/office/drawing/2014/main" id="{DDAEF737-A902-EE4F-877D-3DD29E78245A}"/>
+              </a:ext>
+            </a:extLst>
+          </p:cNvPr>
+          <p:cNvSpPr>
+            <a:spLocks noGrp="1"/>
+          </p:cNvSpPr>
+          <p:nvPr>
+            <p:ph type="title"/>
+          </p:nvPr>
+        </p:nvSpPr>
+        <p:spPr/>
+        <p:txBody>
+          <a:bodyPr/>
+          <a:lstStyle/>
+          <a:p>
+            <a:r>
+              <a:rPr lang="en-US" dirty="0"/>
+              <a:t>Results indicate that classical approaches can form a robust policy area classification mechanism</a:t>
+            </a:r>
+          </a:p>
+        </p:txBody>
+      </p:sp>
+      <p:grpSp>
+        <p:nvGrpSpPr>
+          <p:cNvPr id="34" name="Group 33">
+            <a:extLst>
+              <a:ext uri="{FF2B5EF4-FFF2-40B4-BE49-F238E27FC236}">
+                <a16:creationId xmlns:a16="http://schemas.microsoft.com/office/drawing/2014/main" id="{70D1F2B5-7C15-DCD7-8FA4-C0EDB83BCEC7}"/>
+              </a:ext>
+            </a:extLst>
+          </p:cNvPr>
+          <p:cNvGrpSpPr/>
+          <p:nvPr/>
+        </p:nvGrpSpPr>
+        <p:grpSpPr>
+          <a:xfrm>
+            <a:off x="1417674" y="1887309"/>
+            <a:ext cx="9356652" cy="3790971"/>
+            <a:chOff x="715690" y="1868259"/>
+            <a:chExt cx="9356652" cy="3790971"/>
+          </a:xfrm>
+        </p:grpSpPr>
+        <p:sp>
+          <p:nvSpPr>
+            <p:cNvPr id="23" name="Oval 22">
+              <a:extLst>
+                <a:ext uri="{FF2B5EF4-FFF2-40B4-BE49-F238E27FC236}">
+                  <a16:creationId xmlns:a16="http://schemas.microsoft.com/office/drawing/2014/main" id="{A8C22A1F-EA58-5B04-CD9F-4C680EAABB21}"/>
+                </a:ext>
+              </a:extLst>
+            </p:cNvPr>
+            <p:cNvSpPr/>
+            <p:nvPr/>
+          </p:nvSpPr>
+          <p:spPr>
+            <a:xfrm>
+              <a:off x="3788867" y="2458830"/>
+              <a:ext cx="3200400" cy="3200400"/>
+            </a:xfrm>
+            <a:prstGeom prst="ellipse">
+              <a:avLst/>
+            </a:prstGeom>
+            <a:noFill/>
+            <a:ln w="28575">
+              <a:solidFill>
+                <a:schemeClr val="accent1">
+                  <a:lumMod val="50000"/>
+                </a:schemeClr>
+              </a:solidFill>
+            </a:ln>
+          </p:spPr>
+          <p:style>
+            <a:lnRef idx="2">
+              <a:schemeClr val="accent1">
+                <a:shade val="15000"/>
+              </a:schemeClr>
+            </a:lnRef>
+            <a:fillRef idx="1">
+              <a:schemeClr val="accent1"/>
+            </a:fillRef>
+            <a:effectRef idx="0">
+              <a:schemeClr val="accent1"/>
+            </a:effectRef>
+            <a:fontRef idx="minor">
+              <a:schemeClr val="lt1"/>
+            </a:fontRef>
+          </p:style>
+          <p:txBody>
+            <a:bodyPr rtlCol="0" anchor="ctr"/>
+            <a:lstStyle/>
+            <a:p>
+              <a:pPr algn="ctr"/>
+              <a:endParaRPr lang="en-US"/>
+            </a:p>
+          </p:txBody>
+        </p:sp>
+        <p:grpSp>
+          <p:nvGrpSpPr>
+            <p:cNvPr id="11" name="Group 10">
+              <a:extLst>
+                <a:ext uri="{FF2B5EF4-FFF2-40B4-BE49-F238E27FC236}">
+                  <a16:creationId xmlns:a16="http://schemas.microsoft.com/office/drawing/2014/main" id="{32E8DA61-2930-5D83-99F1-8E8B155D9ED8}"/>
+                </a:ext>
+              </a:extLst>
+            </p:cNvPr>
+            <p:cNvGrpSpPr/>
+            <p:nvPr/>
+          </p:nvGrpSpPr>
+          <p:grpSpPr>
+            <a:xfrm>
+              <a:off x="6829944" y="2743702"/>
+              <a:ext cx="3242398" cy="914400"/>
+              <a:chOff x="6635282" y="2546671"/>
+              <a:chExt cx="3242398" cy="914400"/>
+            </a:xfrm>
+          </p:grpSpPr>
+          <p:sp>
+            <p:nvSpPr>
+              <p:cNvPr id="12" name="Oval 11">
+                <a:extLst>
+                  <a:ext uri="{FF2B5EF4-FFF2-40B4-BE49-F238E27FC236}">
+                    <a16:creationId xmlns:a16="http://schemas.microsoft.com/office/drawing/2014/main" id="{76A2768F-3435-0965-EB65-C475F5A513F8}"/>
+                  </a:ext>
+                </a:extLst>
+              </p:cNvPr>
+              <p:cNvSpPr>
+                <a:spLocks noChangeAspect="1"/>
+              </p:cNvSpPr>
+              <p:nvPr/>
+            </p:nvSpPr>
+            <p:spPr>
+              <a:xfrm>
+                <a:off x="6635282" y="2546671"/>
+                <a:ext cx="914400" cy="914400"/>
+              </a:xfrm>
+              <a:prstGeom prst="ellipse">
+                <a:avLst/>
+              </a:prstGeom>
+              <a:solidFill>
+                <a:schemeClr val="accent1">
+                  <a:lumMod val="60000"/>
+                  <a:lumOff val="40000"/>
+                </a:schemeClr>
+              </a:solidFill>
+              <a:ln w="38100">
+                <a:solidFill>
+                  <a:schemeClr val="accent1">
+                    <a:lumMod val="50000"/>
+                  </a:schemeClr>
+                </a:solidFill>
+              </a:ln>
+            </p:spPr>
+            <p:style>
+              <a:lnRef idx="2">
+                <a:schemeClr val="accent1">
+                  <a:shade val="15000"/>
+                </a:schemeClr>
+              </a:lnRef>
+              <a:fillRef idx="1">
+                <a:schemeClr val="accent1"/>
+              </a:fillRef>
+              <a:effectRef idx="0">
+                <a:schemeClr val="accent1"/>
+              </a:effectRef>
+              <a:fontRef idx="minor">
+                <a:schemeClr val="lt1"/>
+              </a:fontRef>
+            </p:style>
+            <p:txBody>
+              <a:bodyPr rtlCol="0" anchor="ctr"/>
+              <a:lstStyle/>
+              <a:p>
+                <a:pPr algn="ctr"/>
+                <a:endParaRPr lang="en-US"/>
+              </a:p>
+            </p:txBody>
+          </p:sp>
+          <p:sp>
+            <p:nvSpPr>
+              <p:cNvPr id="13" name="TextBox 12">
+                <a:extLst>
+                  <a:ext uri="{FF2B5EF4-FFF2-40B4-BE49-F238E27FC236}">
+                    <a16:creationId xmlns:a16="http://schemas.microsoft.com/office/drawing/2014/main" id="{E12F45D9-0001-B7E4-2CF6-9BA32E35936E}"/>
+                  </a:ext>
+                </a:extLst>
+              </p:cNvPr>
+              <p:cNvSpPr txBox="1"/>
+              <p:nvPr/>
+            </p:nvSpPr>
+            <p:spPr>
+              <a:xfrm>
+                <a:off x="7682168" y="2742261"/>
+                <a:ext cx="2195512" cy="523220"/>
+              </a:xfrm>
+              <a:prstGeom prst="rect">
+                <a:avLst/>
+              </a:prstGeom>
+              <a:noFill/>
+            </p:spPr>
+            <p:txBody>
+              <a:bodyPr wrap="square" anchor="ctr">
+                <a:spAutoFit/>
+              </a:bodyPr>
+              <a:lstStyle/>
+              <a:p>
+                <a:r>
+                  <a:rPr lang="en-US" sz="1400" b="1" dirty="0">
+                    <a:solidFill>
+                      <a:schemeClr val="accent1"/>
+                    </a:solidFill>
+                  </a:rPr>
+                  <a:t>More robust metrics taking class overlap into account</a:t>
+                </a:r>
+                <a:endParaRPr lang="en-US" sz="1400" dirty="0"/>
+              </a:p>
+            </p:txBody>
+          </p:sp>
+          <p:pic>
+            <p:nvPicPr>
+              <p:cNvPr id="14" name="Graphic 13" descr="Coins">
+                <a:extLst>
+                  <a:ext uri="{FF2B5EF4-FFF2-40B4-BE49-F238E27FC236}">
+                    <a16:creationId xmlns:a16="http://schemas.microsoft.com/office/drawing/2014/main" id="{4DE3318A-297B-DDA3-FECE-8CE3CB4681E5}"/>
+                  </a:ext>
+                </a:extLst>
+              </p:cNvPr>
+              <p:cNvPicPr>
+                <a:picLocks noChangeAspect="1"/>
+              </p:cNvPicPr>
+              <p:nvPr/>
+            </p:nvPicPr>
+            <p:blipFill>
+              <a:blip r:embed="rId2">
+                <a:extLst>
+                  <a:ext uri="{96DAC541-7B7A-43D3-8B79-37D633B846F1}">
+                    <asvg:svgBlip xmlns:asvg="http://schemas.microsoft.com/office/drawing/2016/SVG/main" r:embed="rId3"/>
+                  </a:ext>
+                </a:extLst>
+              </a:blip>
+              <a:stretch>
+                <a:fillRect/>
+              </a:stretch>
+            </p:blipFill>
+            <p:spPr>
+              <a:xfrm>
+                <a:off x="6802934" y="2709327"/>
+                <a:ext cx="579096" cy="579096"/>
+              </a:xfrm>
+              <a:prstGeom prst="rect">
+                <a:avLst/>
+              </a:prstGeom>
+            </p:spPr>
+          </p:pic>
+        </p:grpSp>
+        <p:grpSp>
+          <p:nvGrpSpPr>
+            <p:cNvPr id="15" name="Group 14">
+              <a:extLst>
+                <a:ext uri="{FF2B5EF4-FFF2-40B4-BE49-F238E27FC236}">
+                  <a16:creationId xmlns:a16="http://schemas.microsoft.com/office/drawing/2014/main" id="{D00FC931-E7E3-9E9F-DF57-216D4786C66E}"/>
+                </a:ext>
+              </a:extLst>
+            </p:cNvPr>
+            <p:cNvGrpSpPr/>
+            <p:nvPr/>
+          </p:nvGrpSpPr>
+          <p:grpSpPr>
+            <a:xfrm>
+              <a:off x="6829944" y="4450264"/>
+              <a:ext cx="3242398" cy="914400"/>
+              <a:chOff x="7373342" y="3731129"/>
+              <a:chExt cx="3242398" cy="914400"/>
+            </a:xfrm>
+          </p:grpSpPr>
+          <p:sp>
+            <p:nvSpPr>
+              <p:cNvPr id="16" name="Oval 15">
+                <a:extLst>
+                  <a:ext uri="{FF2B5EF4-FFF2-40B4-BE49-F238E27FC236}">
+                    <a16:creationId xmlns:a16="http://schemas.microsoft.com/office/drawing/2014/main" id="{B3535478-BBEE-8A0B-F400-FDF94FDF52B0}"/>
+                  </a:ext>
+                </a:extLst>
+              </p:cNvPr>
+              <p:cNvSpPr>
+                <a:spLocks noChangeAspect="1"/>
+              </p:cNvSpPr>
+              <p:nvPr/>
+            </p:nvSpPr>
+            <p:spPr>
+              <a:xfrm>
+                <a:off x="7373342" y="3731129"/>
+                <a:ext cx="914400" cy="914400"/>
+              </a:xfrm>
+              <a:prstGeom prst="ellipse">
+                <a:avLst/>
+              </a:prstGeom>
+              <a:solidFill>
+                <a:schemeClr val="accent1"/>
+              </a:solidFill>
+              <a:ln w="38100">
+                <a:solidFill>
+                  <a:schemeClr val="accent1">
+                    <a:lumMod val="50000"/>
+                  </a:schemeClr>
+                </a:solidFill>
+              </a:ln>
+            </p:spPr>
+            <p:style>
+              <a:lnRef idx="2">
+                <a:schemeClr val="accent1">
+                  <a:shade val="15000"/>
+                </a:schemeClr>
+              </a:lnRef>
+              <a:fillRef idx="1">
+                <a:schemeClr val="accent1"/>
+              </a:fillRef>
+              <a:effectRef idx="0">
+                <a:schemeClr val="accent1"/>
+              </a:effectRef>
+              <a:fontRef idx="minor">
+                <a:schemeClr val="lt1"/>
+              </a:fontRef>
+            </p:style>
+            <p:txBody>
+              <a:bodyPr rtlCol="0" anchor="ctr"/>
+              <a:lstStyle/>
+              <a:p>
+                <a:pPr algn="ctr"/>
+                <a:endParaRPr lang="en-US" dirty="0"/>
+              </a:p>
+            </p:txBody>
+          </p:sp>
+          <p:sp>
+            <p:nvSpPr>
+              <p:cNvPr id="17" name="TextBox 16">
+                <a:extLst>
+                  <a:ext uri="{FF2B5EF4-FFF2-40B4-BE49-F238E27FC236}">
+                    <a16:creationId xmlns:a16="http://schemas.microsoft.com/office/drawing/2014/main" id="{11A143E9-6FBF-746E-009F-EE40E8B9590F}"/>
+                  </a:ext>
+                </a:extLst>
+              </p:cNvPr>
+              <p:cNvSpPr txBox="1"/>
+              <p:nvPr/>
+            </p:nvSpPr>
+            <p:spPr>
+              <a:xfrm>
+                <a:off x="8420228" y="3926719"/>
+                <a:ext cx="2195512" cy="523220"/>
+              </a:xfrm>
+              <a:prstGeom prst="rect">
+                <a:avLst/>
+              </a:prstGeom>
+              <a:noFill/>
+            </p:spPr>
+            <p:txBody>
+              <a:bodyPr wrap="square" anchor="ctr">
+                <a:spAutoFit/>
+              </a:bodyPr>
+              <a:lstStyle/>
+              <a:p>
+                <a:r>
+                  <a:rPr lang="en-US" sz="1400" b="1" dirty="0">
+                    <a:solidFill>
+                      <a:schemeClr val="accent1"/>
+                    </a:solidFill>
+                  </a:rPr>
+                  <a:t>Testing against similar text corpora to generalize</a:t>
+                </a:r>
+                <a:endParaRPr lang="en-US" sz="1400" dirty="0"/>
+              </a:p>
+            </p:txBody>
+          </p:sp>
+          <p:pic>
+            <p:nvPicPr>
+              <p:cNvPr id="18" name="Graphic 17" descr="Database">
+                <a:extLst>
+                  <a:ext uri="{FF2B5EF4-FFF2-40B4-BE49-F238E27FC236}">
+                    <a16:creationId xmlns:a16="http://schemas.microsoft.com/office/drawing/2014/main" id="{3D2C0A5F-AF3A-55E3-40C0-BE70E5D8BA93}"/>
+                  </a:ext>
+                </a:extLst>
+              </p:cNvPr>
+              <p:cNvPicPr>
+                <a:picLocks noChangeAspect="1"/>
+              </p:cNvPicPr>
+              <p:nvPr/>
+            </p:nvPicPr>
+            <p:blipFill>
+              <a:blip r:embed="rId4">
+                <a:extLst>
+                  <a:ext uri="{96DAC541-7B7A-43D3-8B79-37D633B846F1}">
+                    <asvg:svgBlip xmlns:asvg="http://schemas.microsoft.com/office/drawing/2016/SVG/main" r:embed="rId5"/>
+                  </a:ext>
+                </a:extLst>
+              </a:blip>
+              <a:stretch>
+                <a:fillRect/>
+              </a:stretch>
+            </p:blipFill>
+            <p:spPr>
+              <a:xfrm>
+                <a:off x="7540994" y="3898781"/>
+                <a:ext cx="579096" cy="579096"/>
+              </a:xfrm>
+              <a:prstGeom prst="rect">
+                <a:avLst/>
+              </a:prstGeom>
+            </p:spPr>
+          </p:pic>
+        </p:grpSp>
+        <p:sp>
+          <p:nvSpPr>
+            <p:cNvPr id="24" name="TextBox 23">
+              <a:extLst>
+                <a:ext uri="{FF2B5EF4-FFF2-40B4-BE49-F238E27FC236}">
+                  <a16:creationId xmlns:a16="http://schemas.microsoft.com/office/drawing/2014/main" id="{9E7E959E-0A5F-0C39-5CEF-07ED277F8159}"/>
+                </a:ext>
+              </a:extLst>
+            </p:cNvPr>
+            <p:cNvSpPr txBox="1"/>
+            <p:nvPr/>
+          </p:nvSpPr>
+          <p:spPr>
+            <a:xfrm>
+              <a:off x="3574123" y="1868259"/>
+              <a:ext cx="3629888" cy="369332"/>
+            </a:xfrm>
+            <a:prstGeom prst="rect">
+              <a:avLst/>
+            </a:prstGeom>
+            <a:noFill/>
+          </p:spPr>
+          <p:txBody>
+            <a:bodyPr wrap="square">
+              <a:spAutoFit/>
+            </a:bodyPr>
+            <a:lstStyle/>
+            <a:p>
+              <a:pPr algn="ctr"/>
+              <a:r>
+                <a:rPr lang="en-US" b="1" dirty="0">
+                  <a:solidFill>
+                    <a:schemeClr val="accent1"/>
+                  </a:solidFill>
+                </a:rPr>
+                <a:t>Avenues for further investigation</a:t>
+              </a:r>
+              <a:endParaRPr lang="en-US" sz="1800" dirty="0">
+                <a:solidFill>
+                  <a:schemeClr val="accent1"/>
+                </a:solidFill>
+              </a:endParaRPr>
+            </a:p>
+          </p:txBody>
+        </p:sp>
+        <p:grpSp>
+          <p:nvGrpSpPr>
+            <p:cNvPr id="27" name="Group 26">
+              <a:extLst>
+                <a:ext uri="{FF2B5EF4-FFF2-40B4-BE49-F238E27FC236}">
+                  <a16:creationId xmlns:a16="http://schemas.microsoft.com/office/drawing/2014/main" id="{9D372E6C-44BA-9DC0-CB9B-AE7D804EEECE}"/>
+                </a:ext>
+              </a:extLst>
+            </p:cNvPr>
+            <p:cNvGrpSpPr/>
+            <p:nvPr/>
+          </p:nvGrpSpPr>
+          <p:grpSpPr>
+            <a:xfrm>
+              <a:off x="715690" y="2746806"/>
+              <a:ext cx="3245166" cy="914400"/>
+              <a:chOff x="-229341" y="4232187"/>
+              <a:chExt cx="3245166" cy="914400"/>
+            </a:xfrm>
+          </p:grpSpPr>
+          <p:sp>
+            <p:nvSpPr>
+              <p:cNvPr id="20" name="Oval 19">
+                <a:extLst>
+                  <a:ext uri="{FF2B5EF4-FFF2-40B4-BE49-F238E27FC236}">
+                    <a16:creationId xmlns:a16="http://schemas.microsoft.com/office/drawing/2014/main" id="{144A8A6E-1F46-136E-05EB-085F095F1D0D}"/>
+                  </a:ext>
+                </a:extLst>
+              </p:cNvPr>
+              <p:cNvSpPr>
+                <a:spLocks noChangeAspect="1"/>
+              </p:cNvSpPr>
+              <p:nvPr/>
+            </p:nvSpPr>
+            <p:spPr>
+              <a:xfrm>
+                <a:off x="2101425" y="4232187"/>
+                <a:ext cx="914400" cy="914400"/>
+              </a:xfrm>
+              <a:prstGeom prst="ellipse">
+                <a:avLst/>
+              </a:prstGeom>
+              <a:solidFill>
+                <a:schemeClr val="accent1">
+                  <a:lumMod val="75000"/>
+                </a:schemeClr>
+              </a:solidFill>
+              <a:ln w="38100">
+                <a:solidFill>
+                  <a:schemeClr val="accent1">
+                    <a:lumMod val="50000"/>
+                  </a:schemeClr>
+                </a:solidFill>
+              </a:ln>
+            </p:spPr>
+            <p:style>
+              <a:lnRef idx="2">
+                <a:schemeClr val="accent1">
+                  <a:shade val="15000"/>
+                </a:schemeClr>
+              </a:lnRef>
+              <a:fillRef idx="1">
+                <a:schemeClr val="accent1"/>
+              </a:fillRef>
+              <a:effectRef idx="0">
+                <a:schemeClr val="accent1"/>
+              </a:effectRef>
+              <a:fontRef idx="minor">
+                <a:schemeClr val="lt1"/>
+              </a:fontRef>
+            </p:style>
+            <p:txBody>
+              <a:bodyPr rtlCol="0" anchor="ctr"/>
+              <a:lstStyle/>
+              <a:p>
+                <a:pPr algn="ctr"/>
+                <a:endParaRPr lang="en-US"/>
+              </a:p>
+            </p:txBody>
+          </p:sp>
+          <p:pic>
+            <p:nvPicPr>
+              <p:cNvPr id="22" name="Graphic 21" descr="End">
+                <a:extLst>
+                  <a:ext uri="{FF2B5EF4-FFF2-40B4-BE49-F238E27FC236}">
+                    <a16:creationId xmlns:a16="http://schemas.microsoft.com/office/drawing/2014/main" id="{474E769B-D464-D73A-C78D-A2CC220AE840}"/>
+                  </a:ext>
+                </a:extLst>
+              </p:cNvPr>
+              <p:cNvPicPr>
+                <a:picLocks noChangeAspect="1"/>
+              </p:cNvPicPr>
+              <p:nvPr/>
+            </p:nvPicPr>
+            <p:blipFill>
+              <a:blip r:embed="rId6">
+                <a:extLst>
+                  <a:ext uri="{96DAC541-7B7A-43D3-8B79-37D633B846F1}">
+                    <asvg:svgBlip xmlns:asvg="http://schemas.microsoft.com/office/drawing/2016/SVG/main" r:embed="rId7"/>
+                  </a:ext>
+                </a:extLst>
+              </a:blip>
+              <a:stretch>
+                <a:fillRect/>
+              </a:stretch>
+            </p:blipFill>
+            <p:spPr>
+              <a:xfrm>
+                <a:off x="2269077" y="4396735"/>
+                <a:ext cx="579096" cy="579096"/>
+              </a:xfrm>
+              <a:prstGeom prst="rect">
+                <a:avLst/>
+              </a:prstGeom>
+            </p:spPr>
+          </p:pic>
+          <p:sp>
+            <p:nvSpPr>
+              <p:cNvPr id="25" name="TextBox 24">
+                <a:extLst>
+                  <a:ext uri="{FF2B5EF4-FFF2-40B4-BE49-F238E27FC236}">
+                    <a16:creationId xmlns:a16="http://schemas.microsoft.com/office/drawing/2014/main" id="{E3EA8B1B-AF38-81B1-FCA8-BC65E065F27F}"/>
+                  </a:ext>
+                </a:extLst>
+              </p:cNvPr>
+              <p:cNvSpPr txBox="1"/>
+              <p:nvPr/>
+            </p:nvSpPr>
+            <p:spPr>
+              <a:xfrm>
+                <a:off x="-229341" y="4427777"/>
+                <a:ext cx="2195512" cy="523220"/>
+              </a:xfrm>
+              <a:prstGeom prst="rect">
+                <a:avLst/>
+              </a:prstGeom>
+              <a:noFill/>
+            </p:spPr>
+            <p:txBody>
+              <a:bodyPr wrap="square" anchor="ctr">
+                <a:spAutoFit/>
+              </a:bodyPr>
+              <a:lstStyle/>
+              <a:p>
+                <a:pPr algn="r"/>
+                <a:r>
+                  <a:rPr lang="en-US" sz="1400" b="1" dirty="0">
+                    <a:solidFill>
+                      <a:schemeClr val="accent1"/>
+                    </a:solidFill>
+                  </a:rPr>
+                  <a:t>Refining stop-word implementation</a:t>
+                </a:r>
+                <a:endParaRPr lang="en-US" sz="1400" dirty="0"/>
+              </a:p>
+            </p:txBody>
+          </p:sp>
+        </p:grpSp>
+        <p:grpSp>
+          <p:nvGrpSpPr>
+            <p:cNvPr id="28" name="Group 27">
+              <a:extLst>
+                <a:ext uri="{FF2B5EF4-FFF2-40B4-BE49-F238E27FC236}">
+                  <a16:creationId xmlns:a16="http://schemas.microsoft.com/office/drawing/2014/main" id="{FD33D555-C943-6F3B-1A8E-16893710536B}"/>
+                </a:ext>
+              </a:extLst>
+            </p:cNvPr>
+            <p:cNvGrpSpPr/>
+            <p:nvPr/>
+          </p:nvGrpSpPr>
+          <p:grpSpPr>
+            <a:xfrm>
+              <a:off x="715690" y="4450264"/>
+              <a:ext cx="3245166" cy="914400"/>
+              <a:chOff x="-229341" y="4232187"/>
+              <a:chExt cx="3245166" cy="914400"/>
+            </a:xfrm>
+          </p:grpSpPr>
+          <p:sp>
+            <p:nvSpPr>
+              <p:cNvPr id="29" name="Oval 28">
+                <a:extLst>
+                  <a:ext uri="{FF2B5EF4-FFF2-40B4-BE49-F238E27FC236}">
+                    <a16:creationId xmlns:a16="http://schemas.microsoft.com/office/drawing/2014/main" id="{EDEF4B5D-CA5D-1F36-0AE4-ED56ABD14449}"/>
+                  </a:ext>
+                </a:extLst>
+              </p:cNvPr>
+              <p:cNvSpPr>
+                <a:spLocks noChangeAspect="1"/>
+              </p:cNvSpPr>
+              <p:nvPr/>
+            </p:nvSpPr>
+            <p:spPr>
+              <a:xfrm>
+                <a:off x="2101425" y="4232187"/>
+                <a:ext cx="914400" cy="914400"/>
+              </a:xfrm>
+              <a:prstGeom prst="ellipse">
+                <a:avLst/>
+              </a:prstGeom>
+              <a:solidFill>
+                <a:schemeClr val="accent1">
+                  <a:lumMod val="75000"/>
+                </a:schemeClr>
+              </a:solidFill>
+              <a:ln w="38100">
+                <a:solidFill>
+                  <a:schemeClr val="accent1">
+                    <a:lumMod val="50000"/>
+                  </a:schemeClr>
+                </a:solidFill>
+              </a:ln>
+            </p:spPr>
+            <p:style>
+              <a:lnRef idx="2">
+                <a:schemeClr val="accent1">
+                  <a:shade val="15000"/>
+                </a:schemeClr>
+              </a:lnRef>
+              <a:fillRef idx="1">
+                <a:schemeClr val="accent1"/>
+              </a:fillRef>
+              <a:effectRef idx="0">
+                <a:schemeClr val="accent1"/>
+              </a:effectRef>
+              <a:fontRef idx="minor">
+                <a:schemeClr val="lt1"/>
+              </a:fontRef>
+            </p:style>
+            <p:txBody>
+              <a:bodyPr rtlCol="0" anchor="ctr"/>
+              <a:lstStyle/>
+              <a:p>
+                <a:pPr algn="ctr"/>
+                <a:endParaRPr lang="en-US"/>
+              </a:p>
+            </p:txBody>
+          </p:sp>
+          <p:pic>
+            <p:nvPicPr>
+              <p:cNvPr id="30" name="Graphic 29" descr="End">
+                <a:extLst>
+                  <a:ext uri="{FF2B5EF4-FFF2-40B4-BE49-F238E27FC236}">
+                    <a16:creationId xmlns:a16="http://schemas.microsoft.com/office/drawing/2014/main" id="{7638F3AD-BCDD-9BC7-17E5-C71EACCB4CE4}"/>
+                  </a:ext>
+                </a:extLst>
+              </p:cNvPr>
+              <p:cNvPicPr>
+                <a:picLocks noChangeAspect="1"/>
+              </p:cNvPicPr>
+              <p:nvPr/>
+            </p:nvPicPr>
+            <p:blipFill>
+              <a:blip r:embed="rId6">
+                <a:extLst>
+                  <a:ext uri="{96DAC541-7B7A-43D3-8B79-37D633B846F1}">
+                    <asvg:svgBlip xmlns:asvg="http://schemas.microsoft.com/office/drawing/2016/SVG/main" r:embed="rId7"/>
+                  </a:ext>
+                </a:extLst>
+              </a:blip>
+              <a:stretch>
+                <a:fillRect/>
+              </a:stretch>
+            </p:blipFill>
+            <p:spPr>
+              <a:xfrm>
+                <a:off x="2269077" y="4396735"/>
+                <a:ext cx="579096" cy="579096"/>
+              </a:xfrm>
+              <a:prstGeom prst="rect">
+                <a:avLst/>
+              </a:prstGeom>
+            </p:spPr>
+          </p:pic>
+          <p:sp>
+            <p:nvSpPr>
+              <p:cNvPr id="31" name="TextBox 30">
+                <a:extLst>
+                  <a:ext uri="{FF2B5EF4-FFF2-40B4-BE49-F238E27FC236}">
+                    <a16:creationId xmlns:a16="http://schemas.microsoft.com/office/drawing/2014/main" id="{3391C799-B769-1B98-82B9-4A1B6DD1BBEE}"/>
+                  </a:ext>
+                </a:extLst>
+              </p:cNvPr>
+              <p:cNvSpPr txBox="1"/>
+              <p:nvPr/>
+            </p:nvSpPr>
+            <p:spPr>
+              <a:xfrm>
+                <a:off x="-229341" y="4427777"/>
+                <a:ext cx="2195512" cy="523220"/>
+              </a:xfrm>
+              <a:prstGeom prst="rect">
+                <a:avLst/>
+              </a:prstGeom>
+              <a:noFill/>
+            </p:spPr>
+            <p:txBody>
+              <a:bodyPr wrap="square" anchor="ctr">
+                <a:spAutoFit/>
+              </a:bodyPr>
+              <a:lstStyle/>
+              <a:p>
+                <a:pPr algn="r"/>
+                <a:r>
+                  <a:rPr lang="en-US" sz="1400" b="1" dirty="0">
+                    <a:solidFill>
+                      <a:schemeClr val="accent1"/>
+                    </a:solidFill>
+                  </a:rPr>
+                  <a:t>Investigating legislative attitudes and biases</a:t>
+                </a:r>
+                <a:endParaRPr lang="en-US" sz="1400" dirty="0"/>
+              </a:p>
+            </p:txBody>
+          </p:sp>
+        </p:grpSp>
+        <p:pic>
+          <p:nvPicPr>
+            <p:cNvPr id="33" name="Graphic 32" descr="Research">
+              <a:extLst>
+                <a:ext uri="{FF2B5EF4-FFF2-40B4-BE49-F238E27FC236}">
+                  <a16:creationId xmlns:a16="http://schemas.microsoft.com/office/drawing/2014/main" id="{F0B77CED-ED3D-F15D-800A-3586CD4B1BD3}"/>
+                </a:ext>
+              </a:extLst>
+            </p:cNvPr>
+            <p:cNvPicPr>
+              <a:picLocks noChangeAspect="1"/>
+            </p:cNvPicPr>
+            <p:nvPr/>
+          </p:nvPicPr>
+          <p:blipFill>
+            <a:blip r:embed="rId8">
+              <a:extLst>
+                <a:ext uri="{96DAC541-7B7A-43D3-8B79-37D633B846F1}">
+                  <asvg:svgBlip xmlns:asvg="http://schemas.microsoft.com/office/drawing/2016/SVG/main" r:embed="rId9"/>
+                </a:ext>
+              </a:extLst>
+            </a:blip>
+            <a:stretch>
+              <a:fillRect/>
+            </a:stretch>
+          </p:blipFill>
+          <p:spPr>
+            <a:xfrm>
+              <a:off x="4343803" y="3013766"/>
+              <a:ext cx="2090528" cy="2090528"/>
+            </a:xfrm>
+            <a:prstGeom prst="rect">
+              <a:avLst/>
+            </a:prstGeom>
+          </p:spPr>
+        </p:pic>
+      </p:grpSp>
+    </p:spTree>
+    <p:extLst>
+      <p:ext uri="{BB962C8B-B14F-4D97-AF65-F5344CB8AC3E}">
+        <p14:creationId xmlns:p14="http://schemas.microsoft.com/office/powerpoint/2010/main" val="3095048364"/>
       </p:ext>
     </p:extLst>
   </p:cSld>
@@ -14044,6 +14889,407 @@
 </p:sld>
 </file>
 
+<file path=ppt/slides/slide9.xml><?xml version="1.0" encoding="utf-8"?>
+<p:sld xmlns:a="http://schemas.openxmlformats.org/drawingml/2006/main" xmlns:r="http://schemas.openxmlformats.org/officeDocument/2006/relationships" xmlns:p="http://schemas.openxmlformats.org/presentationml/2006/main">
+  <p:cSld>
+    <p:spTree>
+      <p:nvGrpSpPr>
+        <p:cNvPr id="1" name=""/>
+        <p:cNvGrpSpPr/>
+        <p:nvPr/>
+      </p:nvGrpSpPr>
+      <p:grpSpPr>
+        <a:xfrm>
+          <a:off x="0" y="0"/>
+          <a:ext cx="0" cy="0"/>
+          <a:chOff x="0" y="0"/>
+          <a:chExt cx="0" cy="0"/>
+        </a:xfrm>
+      </p:grpSpPr>
+      <p:sp>
+        <p:nvSpPr>
+          <p:cNvPr id="2" name="Title 1">
+            <a:extLst>
+              <a:ext uri="{FF2B5EF4-FFF2-40B4-BE49-F238E27FC236}">
+                <a16:creationId xmlns:a16="http://schemas.microsoft.com/office/drawing/2014/main" id="{9EFDB64D-CE38-E04C-18FD-67455611CB30}"/>
+              </a:ext>
+            </a:extLst>
+          </p:cNvPr>
+          <p:cNvSpPr>
+            <a:spLocks noGrp="1"/>
+          </p:cNvSpPr>
+          <p:nvPr>
+            <p:ph type="title"/>
+          </p:nvPr>
+        </p:nvSpPr>
+        <p:spPr/>
+        <p:txBody>
+          <a:bodyPr/>
+          <a:lstStyle/>
+          <a:p>
+            <a:r>
+              <a:rPr lang="en-US" dirty="0"/>
+              <a:t>App implementation involves entering text and returning responses + interpretation</a:t>
+            </a:r>
+          </a:p>
+        </p:txBody>
+      </p:sp>
+      <p:grpSp>
+        <p:nvGrpSpPr>
+          <p:cNvPr id="8" name="Group 7">
+            <a:extLst>
+              <a:ext uri="{FF2B5EF4-FFF2-40B4-BE49-F238E27FC236}">
+                <a16:creationId xmlns:a16="http://schemas.microsoft.com/office/drawing/2014/main" id="{FBFF1A2F-2CB4-9CF1-25D7-116DDF11611B}"/>
+              </a:ext>
+            </a:extLst>
+          </p:cNvPr>
+          <p:cNvGrpSpPr/>
+          <p:nvPr/>
+        </p:nvGrpSpPr>
+        <p:grpSpPr>
+          <a:xfrm>
+            <a:off x="838200" y="1857376"/>
+            <a:ext cx="2581275" cy="3562349"/>
+            <a:chOff x="1057275" y="1857376"/>
+            <a:chExt cx="2581275" cy="3562349"/>
+          </a:xfrm>
+        </p:grpSpPr>
+        <p:sp>
+          <p:nvSpPr>
+            <p:cNvPr id="3" name="Rectangle: Rounded Corners 2">
+              <a:extLst>
+                <a:ext uri="{FF2B5EF4-FFF2-40B4-BE49-F238E27FC236}">
+                  <a16:creationId xmlns:a16="http://schemas.microsoft.com/office/drawing/2014/main" id="{446B6C67-9140-9F26-41AE-208D0A034DB5}"/>
+                </a:ext>
+              </a:extLst>
+            </p:cNvPr>
+            <p:cNvSpPr/>
+            <p:nvPr/>
+          </p:nvSpPr>
+          <p:spPr>
+            <a:xfrm>
+              <a:off x="1057275" y="1857376"/>
+              <a:ext cx="2581275" cy="3562349"/>
+            </a:xfrm>
+            <a:prstGeom prst="roundRect">
+              <a:avLst>
+                <a:gd name="adj" fmla="val 6114"/>
+              </a:avLst>
+            </a:prstGeom>
+            <a:solidFill>
+              <a:schemeClr val="bg1">
+                <a:lumMod val="95000"/>
+              </a:schemeClr>
+            </a:solidFill>
+            <a:ln>
+              <a:noFill/>
+            </a:ln>
+          </p:spPr>
+          <p:style>
+            <a:lnRef idx="2">
+              <a:schemeClr val="accent1">
+                <a:shade val="15000"/>
+              </a:schemeClr>
+            </a:lnRef>
+            <a:fillRef idx="1">
+              <a:schemeClr val="accent1"/>
+            </a:fillRef>
+            <a:effectRef idx="0">
+              <a:schemeClr val="accent1"/>
+            </a:effectRef>
+            <a:fontRef idx="minor">
+              <a:schemeClr val="lt1"/>
+            </a:fontRef>
+          </p:style>
+          <p:txBody>
+            <a:bodyPr rtlCol="0" anchor="ctr"/>
+            <a:lstStyle/>
+            <a:p>
+              <a:r>
+                <a:rPr lang="en-US" sz="1100" dirty="0">
+                  <a:solidFill>
+                    <a:schemeClr val="accent1">
+                      <a:lumMod val="50000"/>
+                    </a:schemeClr>
+                  </a:solidFill>
+                </a:rPr>
+                <a:t>Notification of requirement.--Upon receiving an otherwise completed mail voter registration application form prescribed by the Election Assistance Commission pursuant to section 9(a)(2) or a form described in paragraph (1) or (2) of subsection (a), the appropriate election official shall transmit a notice to the applicant of the requirement to present documentary proof of United States citizenship under this subsection, and shall include in the notice instructions to enable the applicant to meet the requirement.</a:t>
+              </a:r>
+            </a:p>
+          </p:txBody>
+        </p:sp>
+        <p:pic>
+          <p:nvPicPr>
+            <p:cNvPr id="5" name="Graphic 4" descr="Open quotation mark">
+              <a:extLst>
+                <a:ext uri="{FF2B5EF4-FFF2-40B4-BE49-F238E27FC236}">
+                  <a16:creationId xmlns:a16="http://schemas.microsoft.com/office/drawing/2014/main" id="{4681BE76-1EE8-3EA5-3A50-25A83D059079}"/>
+                </a:ext>
+              </a:extLst>
+            </p:cNvPr>
+            <p:cNvPicPr>
+              <a:picLocks noChangeAspect="1"/>
+            </p:cNvPicPr>
+            <p:nvPr/>
+          </p:nvPicPr>
+          <p:blipFill>
+            <a:blip r:embed="rId2">
+              <a:extLst>
+                <a:ext uri="{96DAC541-7B7A-43D3-8B79-37D633B846F1}">
+                  <asvg:svgBlip xmlns:asvg="http://schemas.microsoft.com/office/drawing/2016/SVG/main" r:embed="rId3"/>
+                </a:ext>
+              </a:extLst>
+            </a:blip>
+            <a:stretch>
+              <a:fillRect/>
+            </a:stretch>
+          </p:blipFill>
+          <p:spPr>
+            <a:xfrm>
+              <a:off x="1057275" y="1857376"/>
+              <a:ext cx="626745" cy="626745"/>
+            </a:xfrm>
+            <a:prstGeom prst="rect">
+              <a:avLst/>
+            </a:prstGeom>
+          </p:spPr>
+        </p:pic>
+        <p:pic>
+          <p:nvPicPr>
+            <p:cNvPr id="7" name="Graphic 6" descr="Closed quotation mark">
+              <a:extLst>
+                <a:ext uri="{FF2B5EF4-FFF2-40B4-BE49-F238E27FC236}">
+                  <a16:creationId xmlns:a16="http://schemas.microsoft.com/office/drawing/2014/main" id="{2733601D-FAAF-3961-B84F-8607136C242B}"/>
+                </a:ext>
+              </a:extLst>
+            </p:cNvPr>
+            <p:cNvPicPr>
+              <a:picLocks noChangeAspect="1"/>
+            </p:cNvPicPr>
+            <p:nvPr/>
+          </p:nvPicPr>
+          <p:blipFill>
+            <a:blip r:embed="rId4">
+              <a:extLst>
+                <a:ext uri="{96DAC541-7B7A-43D3-8B79-37D633B846F1}">
+                  <asvg:svgBlip xmlns:asvg="http://schemas.microsoft.com/office/drawing/2016/SVG/main" r:embed="rId5"/>
+                </a:ext>
+              </a:extLst>
+            </a:blip>
+            <a:stretch>
+              <a:fillRect/>
+            </a:stretch>
+          </p:blipFill>
+          <p:spPr>
+            <a:xfrm>
+              <a:off x="3011805" y="4792980"/>
+              <a:ext cx="626745" cy="626745"/>
+            </a:xfrm>
+            <a:prstGeom prst="rect">
+              <a:avLst/>
+            </a:prstGeom>
+          </p:spPr>
+        </p:pic>
+      </p:grpSp>
+      <p:pic>
+        <p:nvPicPr>
+          <p:cNvPr id="1026" name="Picture 2" descr="0">
+            <a:extLst>
+              <a:ext uri="{FF2B5EF4-FFF2-40B4-BE49-F238E27FC236}">
+                <a16:creationId xmlns:a16="http://schemas.microsoft.com/office/drawing/2014/main" id="{C3CC5168-3892-E8B7-C44E-7B5E52AE8A1D}"/>
+              </a:ext>
+            </a:extLst>
+          </p:cNvPr>
+          <p:cNvPicPr>
+            <a:picLocks noChangeAspect="1" noChangeArrowheads="1"/>
+          </p:cNvPicPr>
+          <p:nvPr/>
+        </p:nvPicPr>
+        <p:blipFill>
+          <a:blip r:embed="rId6">
+            <a:extLst>
+              <a:ext uri="{28A0092B-C50C-407E-A947-70E740481C1C}">
+                <a14:useLocalDpi xmlns:a14="http://schemas.microsoft.com/office/drawing/2010/main" val="0"/>
+              </a:ext>
+            </a:extLst>
+          </a:blip>
+          <a:srcRect/>
+          <a:stretch>
+            <a:fillRect/>
+          </a:stretch>
+        </p:blipFill>
+        <p:spPr bwMode="auto">
+          <a:xfrm>
+            <a:off x="3625131" y="1857376"/>
+            <a:ext cx="3972490" cy="3962400"/>
+          </a:xfrm>
+          <a:prstGeom prst="rect">
+            <a:avLst/>
+          </a:prstGeom>
+          <a:noFill/>
+          <a:extLst>
+            <a:ext uri="{909E8E84-426E-40DD-AFC4-6F175D3DCCD1}">
+              <a14:hiddenFill xmlns:a14="http://schemas.microsoft.com/office/drawing/2010/main">
+                <a:solidFill>
+                  <a:srgbClr val="FFFFFF"/>
+                </a:solidFill>
+              </a14:hiddenFill>
+            </a:ext>
+          </a:extLst>
+        </p:spPr>
+      </p:pic>
+      <p:pic>
+        <p:nvPicPr>
+          <p:cNvPr id="1030" name="Picture 6" descr="0">
+            <a:extLst>
+              <a:ext uri="{FF2B5EF4-FFF2-40B4-BE49-F238E27FC236}">
+                <a16:creationId xmlns:a16="http://schemas.microsoft.com/office/drawing/2014/main" id="{AEDFF5DC-940D-B48D-A7B6-5AA26C41BAB9}"/>
+              </a:ext>
+            </a:extLst>
+          </p:cNvPr>
+          <p:cNvPicPr>
+            <a:picLocks noChangeAspect="1" noChangeArrowheads="1"/>
+          </p:cNvPicPr>
+          <p:nvPr/>
+        </p:nvPicPr>
+        <p:blipFill>
+          <a:blip r:embed="rId7">
+            <a:extLst>
+              <a:ext uri="{28A0092B-C50C-407E-A947-70E740481C1C}">
+                <a14:useLocalDpi xmlns:a14="http://schemas.microsoft.com/office/drawing/2010/main" val="0"/>
+              </a:ext>
+            </a:extLst>
+          </a:blip>
+          <a:srcRect/>
+          <a:stretch>
+            <a:fillRect/>
+          </a:stretch>
+        </p:blipFill>
+        <p:spPr bwMode="auto">
+          <a:xfrm>
+            <a:off x="7803277" y="2123124"/>
+            <a:ext cx="3191985" cy="3191985"/>
+          </a:xfrm>
+          <a:prstGeom prst="rect">
+            <a:avLst/>
+          </a:prstGeom>
+          <a:noFill/>
+          <a:extLst>
+            <a:ext uri="{909E8E84-426E-40DD-AFC4-6F175D3DCCD1}">
+              <a14:hiddenFill xmlns:a14="http://schemas.microsoft.com/office/drawing/2010/main">
+                <a:solidFill>
+                  <a:srgbClr val="FFFFFF"/>
+                </a:solidFill>
+              </a14:hiddenFill>
+            </a:ext>
+          </a:extLst>
+        </p:spPr>
+      </p:pic>
+      <p:sp>
+        <p:nvSpPr>
+          <p:cNvPr id="9" name="Rectangle: Rounded Corners 8">
+            <a:extLst>
+              <a:ext uri="{FF2B5EF4-FFF2-40B4-BE49-F238E27FC236}">
+                <a16:creationId xmlns:a16="http://schemas.microsoft.com/office/drawing/2014/main" id="{61B18B4D-A71D-1F49-EEF0-6DFC868302BB}"/>
+              </a:ext>
+            </a:extLst>
+          </p:cNvPr>
+          <p:cNvSpPr/>
+          <p:nvPr/>
+        </p:nvSpPr>
+        <p:spPr>
+          <a:xfrm>
+            <a:off x="838200" y="5533073"/>
+            <a:ext cx="2581275" cy="368300"/>
+          </a:xfrm>
+          <a:prstGeom prst="roundRect">
+            <a:avLst>
+              <a:gd name="adj" fmla="val 27012"/>
+            </a:avLst>
+          </a:prstGeom>
+          <a:ln>
+            <a:solidFill>
+              <a:srgbClr val="FFC000"/>
+            </a:solidFill>
+          </a:ln>
+        </p:spPr>
+        <p:style>
+          <a:lnRef idx="2">
+            <a:schemeClr val="accent1">
+              <a:shade val="15000"/>
+            </a:schemeClr>
+          </a:lnRef>
+          <a:fillRef idx="1">
+            <a:schemeClr val="accent1"/>
+          </a:fillRef>
+          <a:effectRef idx="0">
+            <a:schemeClr val="accent1"/>
+          </a:effectRef>
+          <a:fontRef idx="minor">
+            <a:schemeClr val="lt1"/>
+          </a:fontRef>
+        </p:style>
+        <p:txBody>
+          <a:bodyPr tIns="0" rIns="0" bIns="0" rtlCol="0" anchor="ctr"/>
+          <a:lstStyle/>
+          <a:p>
+            <a:pPr marL="365760"/>
+            <a:r>
+              <a:rPr lang="en-US" sz="1050" b="1" dirty="0"/>
+              <a:t>Prediction: Government Operations and Politics</a:t>
+            </a:r>
+          </a:p>
+        </p:txBody>
+      </p:sp>
+      <p:pic>
+        <p:nvPicPr>
+          <p:cNvPr id="11" name="Graphic 10" descr="Checkmark">
+            <a:extLst>
+              <a:ext uri="{FF2B5EF4-FFF2-40B4-BE49-F238E27FC236}">
+                <a16:creationId xmlns:a16="http://schemas.microsoft.com/office/drawing/2014/main" id="{78DBD8FE-F38D-3D62-F636-079A1A90A892}"/>
+              </a:ext>
+            </a:extLst>
+          </p:cNvPr>
+          <p:cNvPicPr>
+            <a:picLocks noChangeAspect="1"/>
+          </p:cNvPicPr>
+          <p:nvPr/>
+        </p:nvPicPr>
+        <p:blipFill>
+          <a:blip r:embed="rId8">
+            <a:extLst>
+              <a:ext uri="{96DAC541-7B7A-43D3-8B79-37D633B846F1}">
+                <asvg:svgBlip xmlns:asvg="http://schemas.microsoft.com/office/drawing/2016/SVG/main" r:embed="rId9"/>
+              </a:ext>
+            </a:extLst>
+          </a:blip>
+          <a:stretch>
+            <a:fillRect/>
+          </a:stretch>
+        </p:blipFill>
+        <p:spPr>
+          <a:xfrm>
+            <a:off x="939640" y="5589826"/>
+            <a:ext cx="254794" cy="254794"/>
+          </a:xfrm>
+          <a:prstGeom prst="rect">
+            <a:avLst/>
+          </a:prstGeom>
+        </p:spPr>
+      </p:pic>
+    </p:spTree>
+    <p:extLst>
+      <p:ext uri="{BB962C8B-B14F-4D97-AF65-F5344CB8AC3E}">
+        <p14:creationId xmlns:p14="http://schemas.microsoft.com/office/powerpoint/2010/main" val="1509312915"/>
+      </p:ext>
+    </p:extLst>
+  </p:cSld>
+  <p:clrMapOvr>
+    <a:masterClrMapping/>
+  </p:clrMapOvr>
+</p:sld>
+</file>
+
 <file path=ppt/theme/theme1.xml><?xml version="1.0" encoding="utf-8"?>
 <a:theme xmlns:a="http://schemas.openxmlformats.org/drawingml/2006/main" name="Office Theme">
   <a:themeElements>

--- a/Final-Group-Presentation/Final-Group-Presentation.pptx
+++ b/Final-Group-Presentation/Final-Group-Presentation.pptx
@@ -6368,6 +6368,114 @@
           </a:p>
         </p:txBody>
       </p:sp>
+      <p:sp>
+        <p:nvSpPr>
+          <p:cNvPr id="7" name="Rectangle 6">
+            <a:extLst>
+              <a:ext uri="{FF2B5EF4-FFF2-40B4-BE49-F238E27FC236}">
+                <a16:creationId xmlns:a16="http://schemas.microsoft.com/office/drawing/2014/main" id="{9591AEC8-84EC-EBD9-6930-AC087530628D}"/>
+              </a:ext>
+            </a:extLst>
+          </p:cNvPr>
+          <p:cNvSpPr/>
+          <p:nvPr userDrawn="1"/>
+        </p:nvSpPr>
+        <p:spPr>
+          <a:xfrm>
+            <a:off x="0" y="6783185"/>
+            <a:ext cx="12192000" cy="74815"/>
+          </a:xfrm>
+          <a:prstGeom prst="rect">
+            <a:avLst/>
+          </a:prstGeom>
+          <a:solidFill>
+            <a:schemeClr val="accent1">
+              <a:lumMod val="50000"/>
+            </a:schemeClr>
+          </a:solidFill>
+          <a:ln>
+            <a:noFill/>
+          </a:ln>
+        </p:spPr>
+        <p:style>
+          <a:lnRef idx="2">
+            <a:schemeClr val="accent1">
+              <a:shade val="15000"/>
+            </a:schemeClr>
+          </a:lnRef>
+          <a:fillRef idx="1">
+            <a:schemeClr val="accent1"/>
+          </a:fillRef>
+          <a:effectRef idx="0">
+            <a:schemeClr val="accent1"/>
+          </a:effectRef>
+          <a:fontRef idx="minor">
+            <a:schemeClr val="lt1"/>
+          </a:fontRef>
+        </p:style>
+        <p:txBody>
+          <a:bodyPr rtlCol="0" anchor="ctr"/>
+          <a:lstStyle/>
+          <a:p>
+            <a:pPr algn="ctr"/>
+            <a:endParaRPr lang="en-US"/>
+          </a:p>
+        </p:txBody>
+      </p:sp>
+      <p:sp>
+        <p:nvSpPr>
+          <p:cNvPr id="8" name="Rectangle 7">
+            <a:extLst>
+              <a:ext uri="{FF2B5EF4-FFF2-40B4-BE49-F238E27FC236}">
+                <a16:creationId xmlns:a16="http://schemas.microsoft.com/office/drawing/2014/main" id="{6BF1A0AF-629C-3F79-4CAC-9B152E265E80}"/>
+              </a:ext>
+            </a:extLst>
+          </p:cNvPr>
+          <p:cNvSpPr/>
+          <p:nvPr userDrawn="1"/>
+        </p:nvSpPr>
+        <p:spPr>
+          <a:xfrm>
+            <a:off x="0" y="0"/>
+            <a:ext cx="12192000" cy="74815"/>
+          </a:xfrm>
+          <a:prstGeom prst="rect">
+            <a:avLst/>
+          </a:prstGeom>
+          <a:solidFill>
+            <a:schemeClr val="accent1">
+              <a:lumMod val="50000"/>
+            </a:schemeClr>
+          </a:solidFill>
+          <a:ln>
+            <a:noFill/>
+          </a:ln>
+        </p:spPr>
+        <p:style>
+          <a:lnRef idx="2">
+            <a:schemeClr val="accent1">
+              <a:shade val="15000"/>
+            </a:schemeClr>
+          </a:lnRef>
+          <a:fillRef idx="1">
+            <a:schemeClr val="accent1"/>
+          </a:fillRef>
+          <a:effectRef idx="0">
+            <a:schemeClr val="accent1"/>
+          </a:effectRef>
+          <a:fontRef idx="minor">
+            <a:schemeClr val="lt1"/>
+          </a:fontRef>
+        </p:style>
+        <p:txBody>
+          <a:bodyPr rtlCol="0" anchor="ctr"/>
+          <a:lstStyle/>
+          <a:p>
+            <a:pPr algn="ctr"/>
+            <a:endParaRPr lang="en-US"/>
+          </a:p>
+        </p:txBody>
+      </p:sp>
     </p:spTree>
     <p:extLst>
       <p:ext uri="{BB962C8B-B14F-4D97-AF65-F5344CB8AC3E}">
@@ -7688,7 +7796,7 @@
         </p:nvSpPr>
         <p:spPr>
           <a:xfrm>
-            <a:off x="0" y="6581001"/>
+            <a:off x="0" y="6514326"/>
             <a:ext cx="2249714" cy="276999"/>
           </a:xfrm>
           <a:prstGeom prst="rect">
